--- a/BCI - Batch2 - Day9 - Reactjs 1 Intro.pptx
+++ b/BCI - Batch2 - Day9 - Reactjs 1 Intro.pptx
@@ -11,27 +11,28 @@
     <p:sldId id="1833" r:id="rId3"/>
     <p:sldId id="1387" r:id="rId4"/>
     <p:sldId id="1551" r:id="rId6"/>
-    <p:sldId id="1816" r:id="rId7"/>
+    <p:sldId id="1826" r:id="rId7"/>
     <p:sldId id="1827" r:id="rId8"/>
-    <p:sldId id="1826" r:id="rId9"/>
-    <p:sldId id="1817" r:id="rId10"/>
-    <p:sldId id="1828" r:id="rId11"/>
-    <p:sldId id="1844" r:id="rId12"/>
-    <p:sldId id="1818" r:id="rId13"/>
-    <p:sldId id="1832" r:id="rId14"/>
-    <p:sldId id="1843" r:id="rId15"/>
-    <p:sldId id="1854" r:id="rId16"/>
-    <p:sldId id="1849" r:id="rId17"/>
-    <p:sldId id="1848" r:id="rId18"/>
-    <p:sldId id="1850" r:id="rId19"/>
-    <p:sldId id="1851" r:id="rId20"/>
-    <p:sldId id="1845" r:id="rId21"/>
-    <p:sldId id="1846" r:id="rId22"/>
-    <p:sldId id="1847" r:id="rId23"/>
-    <p:sldId id="1855" r:id="rId24"/>
-    <p:sldId id="1852" r:id="rId25"/>
-    <p:sldId id="1865" r:id="rId26"/>
-    <p:sldId id="1853" r:id="rId27"/>
+    <p:sldId id="1868" r:id="rId9"/>
+    <p:sldId id="1867" r:id="rId10"/>
+    <p:sldId id="1817" r:id="rId11"/>
+    <p:sldId id="1828" r:id="rId12"/>
+    <p:sldId id="1844" r:id="rId13"/>
+    <p:sldId id="1818" r:id="rId14"/>
+    <p:sldId id="1832" r:id="rId15"/>
+    <p:sldId id="1843" r:id="rId16"/>
+    <p:sldId id="1854" r:id="rId17"/>
+    <p:sldId id="1849" r:id="rId18"/>
+    <p:sldId id="1848" r:id="rId19"/>
+    <p:sldId id="1850" r:id="rId20"/>
+    <p:sldId id="1851" r:id="rId21"/>
+    <p:sldId id="1845" r:id="rId22"/>
+    <p:sldId id="1846" r:id="rId23"/>
+    <p:sldId id="1847" r:id="rId24"/>
+    <p:sldId id="1855" r:id="rId25"/>
+    <p:sldId id="1852" r:id="rId26"/>
+    <p:sldId id="1865" r:id="rId27"/>
+    <p:sldId id="1853" r:id="rId28"/>
   </p:sldIdLst>
   <p:sldSz cx="9144000" cy="6858000" type="screen4x3"/>
   <p:notesSz cx="7315200" cy="9601200"/>
@@ -7319,6 +7320,407 @@
                 <a:latin typeface="Calibri" panose="020F0502020204030204" pitchFamily="34" charset="0"/>
                 <a:cs typeface="Calibri" panose="020F0502020204030204" pitchFamily="34" charset="0"/>
               </a:rPr>
+              <a:t>Props vs States</a:t>
+            </a:r>
+            <a:endParaRPr lang="en-US" sz="3200" b="1" dirty="0">
+              <a:latin typeface="Calibri" panose="020F0502020204030204" pitchFamily="34" charset="0"/>
+              <a:cs typeface="Calibri" panose="020F0502020204030204" pitchFamily="34" charset="0"/>
+            </a:endParaRPr>
+          </a:p>
+        </p:txBody>
+      </p:sp>
+      <p:sp>
+        <p:nvSpPr>
+          <p:cNvPr id="6" name="Content Placeholder 2"/>
+          <p:cNvSpPr>
+            <a:spLocks noGrp="1"/>
+          </p:cNvSpPr>
+          <p:nvPr>
+            <p:ph idx="1"/>
+          </p:nvPr>
+        </p:nvSpPr>
+        <p:spPr>
+          <a:xfrm>
+            <a:off x="628650" y="989044"/>
+            <a:ext cx="7886700" cy="5605719"/>
+          </a:xfrm>
+        </p:spPr>
+        <p:txBody>
+          <a:bodyPr>
+            <a:normAutofit lnSpcReduction="10000"/>
+          </a:bodyPr>
+          <a:p>
+            <a:pPr marL="228600" lvl="0" indent="-228600" defTabSz="342900">
+              <a:lnSpc>
+                <a:spcPct val="120000"/>
+              </a:lnSpc>
+              <a:buFont typeface="Arial" panose="020B0604020202020204" pitchFamily="34" charset="0"/>
+              <a:buChar char="•"/>
+            </a:pPr>
+            <a:endParaRPr lang="en-US" altLang="en-US" sz="1540" dirty="0">
+              <a:solidFill>
+                <a:srgbClr val="262626"/>
+              </a:solidFill>
+            </a:endParaRPr>
+          </a:p>
+          <a:p>
+            <a:pPr marL="228600" lvl="0" indent="-228600" defTabSz="342900">
+              <a:lnSpc>
+                <a:spcPct val="120000"/>
+              </a:lnSpc>
+              <a:buFont typeface="Arial" panose="020B0604020202020204" pitchFamily="34" charset="0"/>
+              <a:buChar char="•"/>
+            </a:pPr>
+            <a:endParaRPr lang="en-US" altLang="en-US" sz="1540" dirty="0">
+              <a:solidFill>
+                <a:srgbClr val="262626"/>
+              </a:solidFill>
+            </a:endParaRPr>
+          </a:p>
+          <a:p>
+            <a:pPr marL="228600" lvl="0" indent="-228600" defTabSz="342900">
+              <a:lnSpc>
+                <a:spcPct val="120000"/>
+              </a:lnSpc>
+              <a:buFont typeface="Arial" panose="020B0604020202020204" pitchFamily="34" charset="0"/>
+              <a:buChar char="•"/>
+            </a:pPr>
+            <a:endParaRPr lang="en-US" altLang="en-US" sz="1540" dirty="0">
+              <a:solidFill>
+                <a:srgbClr val="262626"/>
+              </a:solidFill>
+            </a:endParaRPr>
+          </a:p>
+          <a:p>
+            <a:pPr marL="228600" lvl="0" indent="-228600" defTabSz="342900">
+              <a:lnSpc>
+                <a:spcPct val="120000"/>
+              </a:lnSpc>
+              <a:buFont typeface="Arial" panose="020B0604020202020204" pitchFamily="34" charset="0"/>
+              <a:buChar char="•"/>
+            </a:pPr>
+            <a:endParaRPr lang="en-US" altLang="en-US" sz="1540" dirty="0">
+              <a:solidFill>
+                <a:srgbClr val="262626"/>
+              </a:solidFill>
+            </a:endParaRPr>
+          </a:p>
+          <a:p>
+            <a:pPr marL="0" lvl="0" indent="0" defTabSz="342900">
+              <a:lnSpc>
+                <a:spcPct val="120000"/>
+              </a:lnSpc>
+              <a:buFont typeface="Arial" panose="020B0604020202020204" pitchFamily="34" charset="0"/>
+              <a:buNone/>
+            </a:pPr>
+            <a:endParaRPr lang="en-US" altLang="en-US" sz="1540" dirty="0">
+              <a:solidFill>
+                <a:srgbClr val="262626"/>
+              </a:solidFill>
+            </a:endParaRPr>
+          </a:p>
+        </p:txBody>
+      </p:sp>
+      <p:pic>
+        <p:nvPicPr>
+          <p:cNvPr id="3" name="图片 2"/>
+          <p:cNvPicPr>
+            <a:picLocks noChangeAspect="1"/>
+          </p:cNvPicPr>
+          <p:nvPr/>
+        </p:nvPicPr>
+        <p:blipFill>
+          <a:blip r:embed="rId1"/>
+          <a:stretch>
+            <a:fillRect/>
+          </a:stretch>
+        </p:blipFill>
+        <p:spPr>
+          <a:xfrm>
+            <a:off x="0" y="2947670"/>
+            <a:ext cx="4972050" cy="2514600"/>
+          </a:xfrm>
+          <a:prstGeom prst="rect">
+            <a:avLst/>
+          </a:prstGeom>
+        </p:spPr>
+      </p:pic>
+      <p:pic>
+        <p:nvPicPr>
+          <p:cNvPr id="4" name="图片 3"/>
+          <p:cNvPicPr>
+            <a:picLocks noChangeAspect="1"/>
+          </p:cNvPicPr>
+          <p:nvPr/>
+        </p:nvPicPr>
+        <p:blipFill>
+          <a:blip r:embed="rId2"/>
+          <a:stretch>
+            <a:fillRect/>
+          </a:stretch>
+        </p:blipFill>
+        <p:spPr>
+          <a:xfrm>
+            <a:off x="5011420" y="2515235"/>
+            <a:ext cx="3352800" cy="2647950"/>
+          </a:xfrm>
+          <a:prstGeom prst="rect">
+            <a:avLst/>
+          </a:prstGeom>
+        </p:spPr>
+      </p:pic>
+      <p:graphicFrame>
+        <p:nvGraphicFramePr>
+          <p:cNvPr id="5" name="表格 4"/>
+          <p:cNvGraphicFramePr/>
+          <p:nvPr>
+            <p:custDataLst>
+              <p:tags r:id="rId3"/>
+            </p:custDataLst>
+          </p:nvPr>
+        </p:nvGraphicFramePr>
+        <p:xfrm>
+          <a:off x="736600" y="987425"/>
+          <a:ext cx="7627620" cy="1893570"/>
+        </p:xfrm>
+        <a:graphic>
+          <a:graphicData uri="http://schemas.openxmlformats.org/drawingml/2006/table">
+            <a:tbl>
+              <a:tblPr firstRow="1" bandRow="1">
+                <a:tableStyleId>{5C22544A-7EE6-4342-B048-85BDC9FD1C3A}</a:tableStyleId>
+              </a:tblPr>
+              <a:tblGrid>
+                <a:gridCol w="2542540"/>
+                <a:gridCol w="2542540"/>
+                <a:gridCol w="2542540"/>
+              </a:tblGrid>
+              <a:tr h="365760">
+                <a:tc>
+                  <a:txBody>
+                    <a:bodyPr/>
+                    <a:p>
+                      <a:pPr>
+                        <a:buNone/>
+                      </a:pPr>
+                      <a:endParaRPr lang="zh-CN" altLang="en-US"/>
+                    </a:p>
+                  </a:txBody>
+                  <a:tcPr/>
+                </a:tc>
+                <a:tc>
+                  <a:txBody>
+                    <a:bodyPr/>
+                    <a:p>
+                      <a:pPr>
+                        <a:buNone/>
+                      </a:pPr>
+                      <a:r>
+                        <a:rPr lang="en-US" altLang="zh-CN"/>
+                        <a:t>Props</a:t>
+                      </a:r>
+                      <a:endParaRPr lang="en-US" altLang="zh-CN"/>
+                    </a:p>
+                  </a:txBody>
+                  <a:tcPr/>
+                </a:tc>
+                <a:tc>
+                  <a:txBody>
+                    <a:bodyPr/>
+                    <a:p>
+                      <a:pPr>
+                        <a:buNone/>
+                      </a:pPr>
+                      <a:r>
+                        <a:rPr lang="en-US" altLang="zh-CN"/>
+                        <a:t>States</a:t>
+                      </a:r>
+                      <a:endParaRPr lang="en-US" altLang="zh-CN"/>
+                    </a:p>
+                  </a:txBody>
+                  <a:tcPr/>
+                </a:tc>
+              </a:tr>
+              <a:tr h="796290">
+                <a:tc>
+                  <a:txBody>
+                    <a:bodyPr/>
+                    <a:p>
+                      <a:pPr>
+                        <a:buNone/>
+                      </a:pPr>
+                      <a:r>
+                        <a:rPr lang="en-US" altLang="zh-CN"/>
+                        <a:t>scope</a:t>
+                      </a:r>
+                      <a:endParaRPr lang="en-US" altLang="zh-CN"/>
+                    </a:p>
+                  </a:txBody>
+                  <a:tcPr/>
+                </a:tc>
+                <a:tc>
+                  <a:txBody>
+                    <a:bodyPr/>
+                    <a:p>
+                      <a:pPr>
+                        <a:buNone/>
+                      </a:pPr>
+                      <a:r>
+                        <a:rPr lang="en-US" altLang="zh-CN"/>
+                        <a:t>can be passed among the components</a:t>
+                      </a:r>
+                      <a:endParaRPr lang="en-US" altLang="zh-CN"/>
+                    </a:p>
+                  </a:txBody>
+                  <a:tcPr/>
+                </a:tc>
+                <a:tc>
+                  <a:txBody>
+                    <a:bodyPr/>
+                    <a:p>
+                      <a:pPr>
+                        <a:buNone/>
+                      </a:pPr>
+                      <a:r>
+                        <a:rPr lang="en-US" altLang="zh-CN"/>
+                        <a:t>local variables for the component</a:t>
+                      </a:r>
+                      <a:endParaRPr lang="en-US" altLang="zh-CN"/>
+                    </a:p>
+                  </a:txBody>
+                  <a:tcPr/>
+                </a:tc>
+              </a:tr>
+              <a:tr h="365760">
+                <a:tc>
+                  <a:txBody>
+                    <a:bodyPr/>
+                    <a:p>
+                      <a:pPr>
+                        <a:buNone/>
+                      </a:pPr>
+                      <a:r>
+                        <a:rPr lang="en-US" altLang="zh-CN"/>
+                        <a:t>mutable</a:t>
+                      </a:r>
+                      <a:endParaRPr lang="en-US" altLang="zh-CN"/>
+                    </a:p>
+                  </a:txBody>
+                  <a:tcPr/>
+                </a:tc>
+                <a:tc>
+                  <a:txBody>
+                    <a:bodyPr/>
+                    <a:p>
+                      <a:pPr>
+                        <a:buNone/>
+                      </a:pPr>
+                      <a:r>
+                        <a:rPr lang="en-US" altLang="zh-CN"/>
+                        <a:t>props cannot be changed</a:t>
+                      </a:r>
+                      <a:endParaRPr lang="en-US" altLang="zh-CN"/>
+                    </a:p>
+                  </a:txBody>
+                  <a:tcPr/>
+                </a:tc>
+                <a:tc>
+                  <a:txBody>
+                    <a:bodyPr/>
+                    <a:p>
+                      <a:pPr>
+                        <a:buNone/>
+                      </a:pPr>
+                      <a:r>
+                        <a:rPr lang="en-US" altLang="zh-CN"/>
+                        <a:t>states can be changed</a:t>
+                      </a:r>
+                      <a:endParaRPr lang="en-US" altLang="zh-CN"/>
+                    </a:p>
+                  </a:txBody>
+                  <a:tcPr/>
+                </a:tc>
+              </a:tr>
+            </a:tbl>
+          </a:graphicData>
+        </a:graphic>
+      </p:graphicFrame>
+      <p:pic>
+        <p:nvPicPr>
+          <p:cNvPr id="7" name="图片 6"/>
+          <p:cNvPicPr>
+            <a:picLocks noChangeAspect="1"/>
+          </p:cNvPicPr>
+          <p:nvPr/>
+        </p:nvPicPr>
+        <p:blipFill>
+          <a:blip r:embed="rId4"/>
+          <a:stretch>
+            <a:fillRect/>
+          </a:stretch>
+        </p:blipFill>
+        <p:spPr>
+          <a:xfrm>
+            <a:off x="4514850" y="4752975"/>
+            <a:ext cx="4000500" cy="2105025"/>
+          </a:xfrm>
+          <a:prstGeom prst="rect">
+            <a:avLst/>
+          </a:prstGeom>
+        </p:spPr>
+      </p:pic>
+    </p:spTree>
+  </p:cSld>
+  <p:clrMapOvr>
+    <a:masterClrMapping/>
+  </p:clrMapOvr>
+</p:sld>
+</file>
+
+<file path=ppt/slides/slide11.xml><?xml version="1.0" encoding="utf-8"?>
+<p:sld xmlns:a="http://schemas.openxmlformats.org/drawingml/2006/main" xmlns:r="http://schemas.openxmlformats.org/officeDocument/2006/relationships" xmlns:p="http://schemas.openxmlformats.org/presentationml/2006/main">
+  <p:cSld>
+    <p:spTree>
+      <p:nvGrpSpPr>
+        <p:cNvPr id="1" name=""/>
+        <p:cNvGrpSpPr/>
+        <p:nvPr/>
+      </p:nvGrpSpPr>
+      <p:grpSpPr>
+        <a:xfrm>
+          <a:off x="0" y="0"/>
+          <a:ext cx="0" cy="0"/>
+          <a:chOff x="0" y="0"/>
+          <a:chExt cx="0" cy="0"/>
+        </a:xfrm>
+      </p:grpSpPr>
+      <p:sp>
+        <p:nvSpPr>
+          <p:cNvPr id="2" name="Title 1"/>
+          <p:cNvSpPr>
+            <a:spLocks noGrp="1"/>
+          </p:cNvSpPr>
+          <p:nvPr>
+            <p:ph type="title"/>
+          </p:nvPr>
+        </p:nvSpPr>
+        <p:spPr>
+          <a:xfrm>
+            <a:off x="628650" y="155263"/>
+            <a:ext cx="7886700" cy="526790"/>
+          </a:xfrm>
+        </p:spPr>
+        <p:txBody>
+          <a:bodyPr>
+            <a:normAutofit fontScale="90000"/>
+          </a:bodyPr>
+          <a:lstStyle/>
+          <a:p>
+            <a:pPr algn="ctr"/>
+            <a:r>
+              <a:rPr lang="en-US" sz="3200" b="1" dirty="0">
+                <a:latin typeface="Calibri" panose="020F0502020204030204" pitchFamily="34" charset="0"/>
+                <a:cs typeface="Calibri" panose="020F0502020204030204" pitchFamily="34" charset="0"/>
+              </a:rPr>
               <a:t>Functional Component and Hooks</a:t>
             </a:r>
             <a:endParaRPr lang="en-US" sz="3200" b="1" dirty="0">
@@ -7523,7 +7925,7 @@
 </p:sld>
 </file>
 
-<file path=ppt/slides/slide11.xml><?xml version="1.0" encoding="utf-8"?>
+<file path=ppt/slides/slide12.xml><?xml version="1.0" encoding="utf-8"?>
 <p:sld xmlns:a="http://schemas.openxmlformats.org/drawingml/2006/main" xmlns:r="http://schemas.openxmlformats.org/officeDocument/2006/relationships" xmlns:p="http://schemas.openxmlformats.org/presentationml/2006/main">
   <p:cSld>
     <p:spTree>
@@ -7638,7 +8040,7 @@
 </p:sld>
 </file>
 
-<file path=ppt/slides/slide12.xml><?xml version="1.0" encoding="utf-8"?>
+<file path=ppt/slides/slide13.xml><?xml version="1.0" encoding="utf-8"?>
 <p:sld xmlns:a="http://schemas.openxmlformats.org/drawingml/2006/main" xmlns:r="http://schemas.openxmlformats.org/officeDocument/2006/relationships" xmlns:p="http://schemas.openxmlformats.org/presentationml/2006/main">
   <p:cSld>
     <p:spTree>
@@ -7748,461 +8150,6 @@
 </p:sld>
 </file>
 
-<file path=ppt/slides/slide13.xml><?xml version="1.0" encoding="utf-8"?>
-<p:sld xmlns:a="http://schemas.openxmlformats.org/drawingml/2006/main" xmlns:r="http://schemas.openxmlformats.org/officeDocument/2006/relationships" xmlns:p="http://schemas.openxmlformats.org/presentationml/2006/main">
-  <p:cSld>
-    <p:spTree>
-      <p:nvGrpSpPr>
-        <p:cNvPr id="1" name=""/>
-        <p:cNvGrpSpPr/>
-        <p:nvPr/>
-      </p:nvGrpSpPr>
-      <p:grpSpPr>
-        <a:xfrm>
-          <a:off x="0" y="0"/>
-          <a:ext cx="0" cy="0"/>
-          <a:chOff x="0" y="0"/>
-          <a:chExt cx="0" cy="0"/>
-        </a:xfrm>
-      </p:grpSpPr>
-      <p:sp>
-        <p:nvSpPr>
-          <p:cNvPr id="2" name="Title 1"/>
-          <p:cNvSpPr>
-            <a:spLocks noGrp="1"/>
-          </p:cNvSpPr>
-          <p:nvPr>
-            <p:ph type="title"/>
-          </p:nvPr>
-        </p:nvSpPr>
-        <p:spPr>
-          <a:xfrm>
-            <a:off x="628650" y="155263"/>
-            <a:ext cx="7886700" cy="526790"/>
-          </a:xfrm>
-        </p:spPr>
-        <p:txBody>
-          <a:bodyPr>
-            <a:normAutofit fontScale="90000"/>
-          </a:bodyPr>
-          <a:lstStyle/>
-          <a:p>
-            <a:pPr algn="ctr"/>
-            <a:r>
-              <a:rPr lang="en-US" sz="3200" b="1" dirty="0">
-                <a:latin typeface="Calibri" panose="020F0502020204030204" pitchFamily="34" charset="0"/>
-                <a:cs typeface="Calibri" panose="020F0502020204030204" pitchFamily="34" charset="0"/>
-              </a:rPr>
-              <a:t>Hook Code Demo</a:t>
-            </a:r>
-            <a:endParaRPr lang="en-US" sz="3200" b="1" dirty="0">
-              <a:latin typeface="Calibri" panose="020F0502020204030204" pitchFamily="34" charset="0"/>
-              <a:cs typeface="Calibri" panose="020F0502020204030204" pitchFamily="34" charset="0"/>
-            </a:endParaRPr>
-          </a:p>
-        </p:txBody>
-      </p:sp>
-      <p:sp>
-        <p:nvSpPr>
-          <p:cNvPr id="6" name="Content Placeholder 2"/>
-          <p:cNvSpPr>
-            <a:spLocks noGrp="1"/>
-          </p:cNvSpPr>
-          <p:nvPr>
-            <p:ph idx="1"/>
-          </p:nvPr>
-        </p:nvSpPr>
-        <p:spPr>
-          <a:xfrm>
-            <a:off x="628650" y="989044"/>
-            <a:ext cx="7886700" cy="5605719"/>
-          </a:xfrm>
-        </p:spPr>
-        <p:txBody>
-          <a:bodyPr>
-            <a:normAutofit lnSpcReduction="20000"/>
-          </a:bodyPr>
-          <a:p>
-            <a:pPr marL="228600" lvl="0" indent="-228600" defTabSz="342900">
-              <a:lnSpc>
-                <a:spcPct val="120000"/>
-              </a:lnSpc>
-              <a:buFont typeface="Arial" panose="020B0604020202020204" pitchFamily="34" charset="0"/>
-              <a:buChar char="•"/>
-            </a:pPr>
-            <a:r>
-              <a:rPr lang="en-US" altLang="en-US" sz="1540" dirty="0">
-                <a:solidFill>
-                  <a:srgbClr val="262626"/>
-                </a:solidFill>
-              </a:rPr>
-              <a:t>Two ways of defining functional States</a:t>
-            </a:r>
-            <a:endParaRPr lang="en-US" altLang="en-US" sz="1540" dirty="0">
-              <a:solidFill>
-                <a:srgbClr val="262626"/>
-              </a:solidFill>
-            </a:endParaRPr>
-          </a:p>
-          <a:p>
-            <a:pPr marL="228600" lvl="0" indent="-228600" defTabSz="342900">
-              <a:lnSpc>
-                <a:spcPct val="120000"/>
-              </a:lnSpc>
-              <a:buFont typeface="Arial" panose="020B0604020202020204" pitchFamily="34" charset="0"/>
-              <a:buChar char="•"/>
-            </a:pPr>
-            <a:r>
-              <a:rPr lang="en-US" altLang="en-US" sz="1540" dirty="0">
-                <a:solidFill>
-                  <a:srgbClr val="262626"/>
-                </a:solidFill>
-              </a:rPr>
-              <a:t>const [age, setAge] = useState(19)</a:t>
-            </a:r>
-            <a:endParaRPr lang="en-US" altLang="en-US" sz="1540" dirty="0">
-              <a:solidFill>
-                <a:srgbClr val="262626"/>
-              </a:solidFill>
-            </a:endParaRPr>
-          </a:p>
-          <a:p>
-            <a:pPr marL="228600" lvl="0" indent="-228600" defTabSz="342900">
-              <a:lnSpc>
-                <a:spcPct val="120000"/>
-              </a:lnSpc>
-              <a:buFont typeface="Arial" panose="020B0604020202020204" pitchFamily="34" charset="0"/>
-              <a:buChar char="•"/>
-            </a:pPr>
-            <a:r>
-              <a:rPr lang="en-US" altLang="en-US" sz="1535" dirty="0">
-                <a:solidFill>
-                  <a:srgbClr val="262626"/>
-                </a:solidFill>
-                <a:sym typeface="+mn-ea"/>
-              </a:rPr>
-              <a:t>const [</a:t>
-            </a:r>
-            <a:r>
-              <a:rPr lang="en-US" altLang="en-US" sz="1535" dirty="0">
-                <a:solidFill>
-                  <a:srgbClr val="262626"/>
-                </a:solidFill>
-                <a:sym typeface="+mn-ea"/>
-              </a:rPr>
-              <a:t>name</a:t>
-            </a:r>
-            <a:r>
-              <a:rPr lang="en-US" altLang="en-US" sz="1535" dirty="0">
-                <a:solidFill>
-                  <a:srgbClr val="262626"/>
-                </a:solidFill>
-                <a:sym typeface="+mn-ea"/>
-              </a:rPr>
-              <a:t>, setN</a:t>
-            </a:r>
-            <a:r>
-              <a:rPr lang="en-US" altLang="en-US" sz="1535" dirty="0">
-                <a:solidFill>
-                  <a:srgbClr val="262626"/>
-                </a:solidFill>
-                <a:sym typeface="+mn-ea"/>
-              </a:rPr>
-              <a:t>ame</a:t>
-            </a:r>
-            <a:r>
-              <a:rPr lang="en-US" altLang="en-US" sz="1535" dirty="0">
-                <a:solidFill>
-                  <a:srgbClr val="262626"/>
-                </a:solidFill>
-                <a:sym typeface="+mn-ea"/>
-              </a:rPr>
-              <a:t>] = useState(“John”)</a:t>
-            </a:r>
-            <a:endParaRPr lang="en-US" altLang="en-US" sz="1535" dirty="0">
-              <a:solidFill>
-                <a:srgbClr val="262626"/>
-              </a:solidFill>
-            </a:endParaRPr>
-          </a:p>
-          <a:p>
-            <a:pPr marL="228600" lvl="0" indent="-228600" defTabSz="342900">
-              <a:lnSpc>
-                <a:spcPct val="120000"/>
-              </a:lnSpc>
-              <a:buFont typeface="Arial" panose="020B0604020202020204" pitchFamily="34" charset="0"/>
-              <a:buChar char="•"/>
-            </a:pPr>
-            <a:endParaRPr lang="zh-CN" altLang="en-US" sz="1540" dirty="0">
-              <a:solidFill>
-                <a:srgbClr val="262626"/>
-              </a:solidFill>
-            </a:endParaRPr>
-          </a:p>
-          <a:p>
-            <a:pPr marL="228600" lvl="0" indent="-228600" defTabSz="342900">
-              <a:lnSpc>
-                <a:spcPct val="120000"/>
-              </a:lnSpc>
-              <a:buFont typeface="Arial" panose="020B0604020202020204" pitchFamily="34" charset="0"/>
-              <a:buChar char="•"/>
-            </a:pPr>
-            <a:r>
-              <a:rPr lang="en-US" altLang="zh-CN" sz="1540" dirty="0">
-                <a:solidFill>
-                  <a:srgbClr val="262626"/>
-                </a:solidFill>
-              </a:rPr>
-              <a:t>const </a:t>
-            </a:r>
-            <a:r>
-              <a:rPr lang="en-US" altLang="en-US" sz="1535" dirty="0">
-                <a:solidFill>
-                  <a:srgbClr val="262626"/>
-                </a:solidFill>
-                <a:sym typeface="+mn-ea"/>
-              </a:rPr>
-              <a:t> [status, setS</a:t>
-            </a:r>
-            <a:r>
-              <a:rPr lang="en-US" altLang="en-US" sz="1535" dirty="0">
-                <a:solidFill>
-                  <a:srgbClr val="262626"/>
-                </a:solidFill>
-                <a:sym typeface="+mn-ea"/>
-              </a:rPr>
-              <a:t>tatus</a:t>
-            </a:r>
-            <a:r>
-              <a:rPr lang="en-US" altLang="en-US" sz="1535" dirty="0">
-                <a:solidFill>
-                  <a:srgbClr val="262626"/>
-                </a:solidFill>
-                <a:sym typeface="+mn-ea"/>
-              </a:rPr>
-              <a:t>] = useState({</a:t>
-            </a:r>
-            <a:endParaRPr lang="en-US" altLang="en-US" sz="1535" dirty="0">
-              <a:solidFill>
-                <a:srgbClr val="262626"/>
-              </a:solidFill>
-              <a:sym typeface="+mn-ea"/>
-            </a:endParaRPr>
-          </a:p>
-          <a:p>
-            <a:pPr marL="228600" lvl="0" indent="-228600" defTabSz="342900">
-              <a:lnSpc>
-                <a:spcPct val="120000"/>
-              </a:lnSpc>
-              <a:buFont typeface="Arial" panose="020B0604020202020204" pitchFamily="34" charset="0"/>
-              <a:buChar char="•"/>
-            </a:pPr>
-            <a:r>
-              <a:rPr lang="en-US" altLang="en-US" sz="1600" dirty="0">
-                <a:solidFill>
-                  <a:srgbClr val="262626"/>
-                </a:solidFill>
-                <a:sym typeface="+mn-ea"/>
-              </a:rPr>
-              <a:t>age: 19,</a:t>
-            </a:r>
-            <a:endParaRPr lang="en-US" altLang="en-US" sz="1600" dirty="0">
-              <a:solidFill>
-                <a:srgbClr val="262626"/>
-              </a:solidFill>
-              <a:sym typeface="+mn-ea"/>
-            </a:endParaRPr>
-          </a:p>
-          <a:p>
-            <a:pPr marL="228600" lvl="0" indent="-228600" defTabSz="342900">
-              <a:lnSpc>
-                <a:spcPct val="120000"/>
-              </a:lnSpc>
-              <a:buFont typeface="Arial" panose="020B0604020202020204" pitchFamily="34" charset="0"/>
-              <a:buChar char="•"/>
-            </a:pPr>
-            <a:r>
-              <a:rPr lang="en-US" altLang="en-US" sz="1600" dirty="0">
-                <a:solidFill>
-                  <a:srgbClr val="262626"/>
-                </a:solidFill>
-                <a:sym typeface="+mn-ea"/>
-              </a:rPr>
-              <a:t>name: “John“</a:t>
-            </a:r>
-            <a:endParaRPr lang="en-US" altLang="en-US" sz="1600" dirty="0">
-              <a:solidFill>
-                <a:srgbClr val="262626"/>
-              </a:solidFill>
-              <a:sym typeface="+mn-ea"/>
-            </a:endParaRPr>
-          </a:p>
-          <a:p>
-            <a:pPr marL="228600" lvl="0" indent="-228600" defTabSz="342900">
-              <a:lnSpc>
-                <a:spcPct val="120000"/>
-              </a:lnSpc>
-              <a:buFont typeface="Arial" panose="020B0604020202020204" pitchFamily="34" charset="0"/>
-              <a:buChar char="•"/>
-            </a:pPr>
-            <a:r>
-              <a:rPr lang="en-US" altLang="en-US" sz="1535" dirty="0">
-                <a:solidFill>
-                  <a:srgbClr val="262626"/>
-                </a:solidFill>
-                <a:sym typeface="+mn-ea"/>
-              </a:rPr>
-              <a:t>})</a:t>
-            </a:r>
-            <a:endParaRPr lang="en-US" altLang="en-US" sz="1535" dirty="0">
-              <a:solidFill>
-                <a:srgbClr val="262626"/>
-              </a:solidFill>
-              <a:sym typeface="+mn-ea"/>
-            </a:endParaRPr>
-          </a:p>
-          <a:p>
-            <a:pPr marL="228600" lvl="0" indent="-228600" defTabSz="342900">
-              <a:lnSpc>
-                <a:spcPct val="120000"/>
-              </a:lnSpc>
-              <a:buFont typeface="Arial" panose="020B0604020202020204" pitchFamily="34" charset="0"/>
-              <a:buChar char="•"/>
-            </a:pPr>
-            <a:endParaRPr lang="en-US" altLang="en-US" sz="1535" dirty="0">
-              <a:solidFill>
-                <a:srgbClr val="262626"/>
-              </a:solidFill>
-              <a:sym typeface="+mn-ea"/>
-            </a:endParaRPr>
-          </a:p>
-          <a:p>
-            <a:pPr marL="228600" lvl="0" indent="-228600" defTabSz="342900">
-              <a:lnSpc>
-                <a:spcPct val="120000"/>
-              </a:lnSpc>
-              <a:buFont typeface="Arial" panose="020B0604020202020204" pitchFamily="34" charset="0"/>
-              <a:buChar char="•"/>
-            </a:pPr>
-            <a:r>
-              <a:rPr lang="en-US" altLang="en-US" sz="1535" dirty="0">
-                <a:solidFill>
-                  <a:srgbClr val="262626"/>
-                </a:solidFill>
-              </a:rPr>
-              <a:t>When update:</a:t>
-            </a:r>
-            <a:endParaRPr lang="en-US" altLang="en-US" sz="1535" dirty="0">
-              <a:solidFill>
-                <a:srgbClr val="262626"/>
-              </a:solidFill>
-            </a:endParaRPr>
-          </a:p>
-          <a:p>
-            <a:pPr marL="228600" lvl="0" indent="-228600" defTabSz="342900">
-              <a:lnSpc>
-                <a:spcPct val="120000"/>
-              </a:lnSpc>
-              <a:buFont typeface="Arial" panose="020B0604020202020204" pitchFamily="34" charset="0"/>
-              <a:buChar char="•"/>
-            </a:pPr>
-            <a:r>
-              <a:rPr lang="en-US" altLang="en-US" sz="1535" dirty="0">
-                <a:solidFill>
-                  <a:srgbClr val="262626"/>
-                </a:solidFill>
-                <a:sym typeface="+mn-ea"/>
-              </a:rPr>
-              <a:t>setStatus({</a:t>
-            </a:r>
-            <a:endParaRPr lang="en-US" altLang="en-US" sz="1535" dirty="0">
-              <a:solidFill>
-                <a:srgbClr val="262626"/>
-              </a:solidFill>
-              <a:sym typeface="+mn-ea"/>
-            </a:endParaRPr>
-          </a:p>
-          <a:p>
-            <a:pPr marL="228600" lvl="0" indent="-228600" defTabSz="342900">
-              <a:lnSpc>
-                <a:spcPct val="120000"/>
-              </a:lnSpc>
-              <a:buFont typeface="Arial" panose="020B0604020202020204" pitchFamily="34" charset="0"/>
-              <a:buChar char="•"/>
-            </a:pPr>
-            <a:r>
-              <a:rPr lang="en-US" altLang="en-US" sz="1535" dirty="0">
-                <a:solidFill>
-                  <a:srgbClr val="262626"/>
-                </a:solidFill>
-                <a:sym typeface="+mn-ea"/>
-              </a:rPr>
-              <a:t>age: 12,</a:t>
-            </a:r>
-            <a:endParaRPr lang="en-US" altLang="en-US" sz="1535" dirty="0">
-              <a:solidFill>
-                <a:srgbClr val="262626"/>
-              </a:solidFill>
-              <a:sym typeface="+mn-ea"/>
-            </a:endParaRPr>
-          </a:p>
-          <a:p>
-            <a:pPr marL="228600" lvl="0" indent="-228600" defTabSz="342900">
-              <a:lnSpc>
-                <a:spcPct val="120000"/>
-              </a:lnSpc>
-              <a:buFont typeface="Arial" panose="020B0604020202020204" pitchFamily="34" charset="0"/>
-              <a:buChar char="•"/>
-            </a:pPr>
-            <a:r>
-              <a:rPr lang="en-US" altLang="en-US" sz="1535" dirty="0">
-                <a:solidFill>
-                  <a:srgbClr val="262626"/>
-                </a:solidFill>
-                <a:sym typeface="+mn-ea"/>
-              </a:rPr>
-              <a:t>name: “John“</a:t>
-            </a:r>
-            <a:endParaRPr lang="en-US" altLang="en-US" sz="1535" dirty="0">
-              <a:solidFill>
-                <a:srgbClr val="262626"/>
-              </a:solidFill>
-              <a:sym typeface="+mn-ea"/>
-            </a:endParaRPr>
-          </a:p>
-          <a:p>
-            <a:pPr marL="228600" lvl="0" indent="-228600" defTabSz="342900">
-              <a:lnSpc>
-                <a:spcPct val="120000"/>
-              </a:lnSpc>
-              <a:buFont typeface="Arial" panose="020B0604020202020204" pitchFamily="34" charset="0"/>
-              <a:buChar char="•"/>
-            </a:pPr>
-            <a:r>
-              <a:rPr lang="en-US" altLang="en-US" sz="1535" dirty="0">
-                <a:solidFill>
-                  <a:srgbClr val="262626"/>
-                </a:solidFill>
-                <a:sym typeface="+mn-ea"/>
-              </a:rPr>
-              <a:t>})</a:t>
-            </a:r>
-            <a:endParaRPr lang="en-US" altLang="zh-CN" sz="1540" dirty="0">
-              <a:solidFill>
-                <a:srgbClr val="262626"/>
-              </a:solidFill>
-            </a:endParaRPr>
-          </a:p>
-        </p:txBody>
-      </p:sp>
-    </p:spTree>
-  </p:cSld>
-  <p:clrMapOvr>
-    <a:masterClrMapping/>
-  </p:clrMapOvr>
-</p:sld>
-</file>
-
 <file path=ppt/slides/slide14.xml><?xml version="1.0" encoding="utf-8"?>
 <p:sld xmlns:a="http://schemas.openxmlformats.org/drawingml/2006/main" xmlns:r="http://schemas.openxmlformats.org/officeDocument/2006/relationships" xmlns:p="http://schemas.openxmlformats.org/presentationml/2006/main">
   <p:cSld>
@@ -8248,7 +8195,7 @@
                 <a:latin typeface="Calibri" panose="020F0502020204030204" pitchFamily="34" charset="0"/>
                 <a:cs typeface="Calibri" panose="020F0502020204030204" pitchFamily="34" charset="0"/>
               </a:rPr>
-              <a:t>Context</a:t>
+              <a:t>Hook Code Demo</a:t>
             </a:r>
             <a:endParaRPr lang="en-US" sz="3200" b="1" dirty="0">
               <a:latin typeface="Calibri" panose="020F0502020204030204" pitchFamily="34" charset="0"/>
@@ -8259,7 +8206,7 @@
       </p:sp>
       <p:sp>
         <p:nvSpPr>
-          <p:cNvPr id="3" name="Content Placeholder 2"/>
+          <p:cNvPr id="6" name="Content Placeholder 2"/>
           <p:cNvSpPr>
             <a:spLocks noGrp="1"/>
           </p:cNvSpPr>
@@ -8275,71 +8222,381 @@
         </p:spPr>
         <p:txBody>
           <a:bodyPr>
-            <a:normAutofit/>
+            <a:normAutofit lnSpcReduction="20000"/>
           </a:bodyPr>
-          <a:lstStyle/>
-          <a:p>
-            <a:pPr defTabSz="342900">
+          <a:p>
+            <a:pPr marL="228600" lvl="0" indent="-228600" defTabSz="342900">
               <a:lnSpc>
                 <a:spcPct val="120000"/>
               </a:lnSpc>
+              <a:buFont typeface="Arial" panose="020B0604020202020204" pitchFamily="34" charset="0"/>
+              <a:buChar char="•"/>
             </a:pPr>
             <a:r>
-              <a:rPr lang="en-US" altLang="zh-CN" sz="1800" dirty="0">
+              <a:rPr lang="en-US" altLang="en-US" sz="1540" dirty="0">
                 <a:solidFill>
                   <a:srgbClr val="262626"/>
                 </a:solidFill>
               </a:rPr>
-              <a:t>Context acts as global variables, comparing with props and states (</a:t>
-            </a:r>
-            <a:r>
-              <a:rPr lang="en-US" altLang="zh-CN" sz="1800" dirty="0">
-                <a:solidFill>
-                  <a:srgbClr val="FF0000"/>
-                </a:solidFill>
-              </a:rPr>
-              <a:t>draw diagram</a:t>
-            </a:r>
-            <a:r>
-              <a:rPr lang="en-US" altLang="zh-CN" sz="1800" dirty="0">
+              <a:t>Two ways of defining functional States</a:t>
+            </a:r>
+            <a:endParaRPr lang="en-US" altLang="en-US" sz="1540" dirty="0">
+              <a:solidFill>
+                <a:srgbClr val="262626"/>
+              </a:solidFill>
+            </a:endParaRPr>
+          </a:p>
+          <a:p>
+            <a:pPr marL="228600" lvl="0" indent="-228600" defTabSz="342900">
+              <a:lnSpc>
+                <a:spcPct val="120000"/>
+              </a:lnSpc>
+              <a:buFont typeface="Arial" panose="020B0604020202020204" pitchFamily="34" charset="0"/>
+              <a:buChar char="•"/>
+            </a:pPr>
+            <a:r>
+              <a:rPr lang="en-US" altLang="en-US" sz="1540" dirty="0">
                 <a:solidFill>
                   <a:srgbClr val="262626"/>
                 </a:solidFill>
               </a:rPr>
-              <a:t>)</a:t>
-            </a:r>
-            <a:endParaRPr lang="en-US" altLang="zh-CN" sz="1800" dirty="0">
+              <a:t>const [age, setAge] = useState(19)</a:t>
+            </a:r>
+            <a:endParaRPr lang="en-US" altLang="en-US" sz="1540" dirty="0">
               <a:solidFill>
                 <a:srgbClr val="262626"/>
               </a:solidFill>
             </a:endParaRPr>
           </a:p>
+          <a:p>
+            <a:pPr marL="228600" lvl="0" indent="-228600" defTabSz="342900">
+              <a:lnSpc>
+                <a:spcPct val="120000"/>
+              </a:lnSpc>
+              <a:buFont typeface="Arial" panose="020B0604020202020204" pitchFamily="34" charset="0"/>
+              <a:buChar char="•"/>
+            </a:pPr>
+            <a:r>
+              <a:rPr lang="en-US" altLang="en-US" sz="1535" dirty="0">
+                <a:solidFill>
+                  <a:srgbClr val="262626"/>
+                </a:solidFill>
+                <a:sym typeface="+mn-ea"/>
+              </a:rPr>
+              <a:t>const [</a:t>
+            </a:r>
+            <a:r>
+              <a:rPr lang="en-US" altLang="en-US" sz="1535" dirty="0">
+                <a:solidFill>
+                  <a:srgbClr val="262626"/>
+                </a:solidFill>
+                <a:sym typeface="+mn-ea"/>
+              </a:rPr>
+              <a:t>name</a:t>
+            </a:r>
+            <a:r>
+              <a:rPr lang="en-US" altLang="en-US" sz="1535" dirty="0">
+                <a:solidFill>
+                  <a:srgbClr val="262626"/>
+                </a:solidFill>
+                <a:sym typeface="+mn-ea"/>
+              </a:rPr>
+              <a:t>, setN</a:t>
+            </a:r>
+            <a:r>
+              <a:rPr lang="en-US" altLang="en-US" sz="1535" dirty="0">
+                <a:solidFill>
+                  <a:srgbClr val="262626"/>
+                </a:solidFill>
+                <a:sym typeface="+mn-ea"/>
+              </a:rPr>
+              <a:t>ame</a:t>
+            </a:r>
+            <a:r>
+              <a:rPr lang="en-US" altLang="en-US" sz="1535" dirty="0">
+                <a:solidFill>
+                  <a:srgbClr val="262626"/>
+                </a:solidFill>
+                <a:sym typeface="+mn-ea"/>
+              </a:rPr>
+              <a:t>] = useState(“John”)</a:t>
+            </a:r>
+            <a:endParaRPr lang="en-US" altLang="en-US" sz="1535" dirty="0">
+              <a:solidFill>
+                <a:srgbClr val="262626"/>
+              </a:solidFill>
+            </a:endParaRPr>
+          </a:p>
+          <a:p>
+            <a:pPr marL="228600" lvl="0" indent="-228600" defTabSz="342900">
+              <a:lnSpc>
+                <a:spcPct val="120000"/>
+              </a:lnSpc>
+              <a:buFont typeface="Arial" panose="020B0604020202020204" pitchFamily="34" charset="0"/>
+              <a:buChar char="•"/>
+            </a:pPr>
+            <a:endParaRPr lang="zh-CN" altLang="en-US" sz="1540" dirty="0">
+              <a:solidFill>
+                <a:srgbClr val="262626"/>
+              </a:solidFill>
+            </a:endParaRPr>
+          </a:p>
+          <a:p>
+            <a:pPr marL="228600" lvl="0" indent="-228600" defTabSz="342900">
+              <a:lnSpc>
+                <a:spcPct val="120000"/>
+              </a:lnSpc>
+              <a:buFont typeface="Arial" panose="020B0604020202020204" pitchFamily="34" charset="0"/>
+              <a:buChar char="•"/>
+            </a:pPr>
+            <a:r>
+              <a:rPr lang="en-US" altLang="zh-CN" sz="1540" dirty="0">
+                <a:solidFill>
+                  <a:srgbClr val="262626"/>
+                </a:solidFill>
+              </a:rPr>
+              <a:t>const </a:t>
+            </a:r>
+            <a:r>
+              <a:rPr lang="en-US" altLang="en-US" sz="1535" dirty="0">
+                <a:solidFill>
+                  <a:srgbClr val="262626"/>
+                </a:solidFill>
+                <a:sym typeface="+mn-ea"/>
+              </a:rPr>
+              <a:t> [status, setS</a:t>
+            </a:r>
+            <a:r>
+              <a:rPr lang="en-US" altLang="en-US" sz="1535" dirty="0">
+                <a:solidFill>
+                  <a:srgbClr val="262626"/>
+                </a:solidFill>
+                <a:sym typeface="+mn-ea"/>
+              </a:rPr>
+              <a:t>tatus</a:t>
+            </a:r>
+            <a:r>
+              <a:rPr lang="en-US" altLang="en-US" sz="1535" dirty="0">
+                <a:solidFill>
+                  <a:srgbClr val="262626"/>
+                </a:solidFill>
+                <a:sym typeface="+mn-ea"/>
+              </a:rPr>
+              <a:t>] = useState({</a:t>
+            </a:r>
+            <a:endParaRPr lang="en-US" altLang="en-US" sz="1535" dirty="0">
+              <a:solidFill>
+                <a:srgbClr val="262626"/>
+              </a:solidFill>
+              <a:sym typeface="+mn-ea"/>
+            </a:endParaRPr>
+          </a:p>
+          <a:p>
+            <a:pPr marL="228600" lvl="0" indent="-228600" defTabSz="342900">
+              <a:lnSpc>
+                <a:spcPct val="120000"/>
+              </a:lnSpc>
+              <a:buFont typeface="Arial" panose="020B0604020202020204" pitchFamily="34" charset="0"/>
+              <a:buChar char="•"/>
+            </a:pPr>
+            <a:r>
+              <a:rPr lang="en-US" altLang="en-US" sz="1600" dirty="0">
+                <a:solidFill>
+                  <a:srgbClr val="262626"/>
+                </a:solidFill>
+                <a:sym typeface="+mn-ea"/>
+              </a:rPr>
+              <a:t>age: 19,</a:t>
+            </a:r>
+            <a:endParaRPr lang="en-US" altLang="en-US" sz="1600" dirty="0">
+              <a:solidFill>
+                <a:srgbClr val="262626"/>
+              </a:solidFill>
+              <a:sym typeface="+mn-ea"/>
+            </a:endParaRPr>
+          </a:p>
+          <a:p>
+            <a:pPr marL="228600" lvl="0" indent="-228600" defTabSz="342900">
+              <a:lnSpc>
+                <a:spcPct val="120000"/>
+              </a:lnSpc>
+              <a:buFont typeface="Arial" panose="020B0604020202020204" pitchFamily="34" charset="0"/>
+              <a:buChar char="•"/>
+            </a:pPr>
+            <a:r>
+              <a:rPr lang="en-US" altLang="en-US" sz="1600" dirty="0">
+                <a:solidFill>
+                  <a:srgbClr val="262626"/>
+                </a:solidFill>
+                <a:sym typeface="+mn-ea"/>
+              </a:rPr>
+              <a:t>name: “John“</a:t>
+            </a:r>
+            <a:endParaRPr lang="en-US" altLang="en-US" sz="1600" dirty="0">
+              <a:solidFill>
+                <a:srgbClr val="262626"/>
+              </a:solidFill>
+              <a:sym typeface="+mn-ea"/>
+            </a:endParaRPr>
+          </a:p>
+          <a:p>
+            <a:pPr marL="228600" lvl="0" indent="-228600" defTabSz="342900">
+              <a:lnSpc>
+                <a:spcPct val="120000"/>
+              </a:lnSpc>
+              <a:buFont typeface="Arial" panose="020B0604020202020204" pitchFamily="34" charset="0"/>
+              <a:buChar char="•"/>
+            </a:pPr>
+            <a:r>
+              <a:rPr lang="en-US" altLang="en-US" sz="1535" dirty="0">
+                <a:solidFill>
+                  <a:srgbClr val="262626"/>
+                </a:solidFill>
+                <a:sym typeface="+mn-ea"/>
+              </a:rPr>
+              <a:t>})</a:t>
+            </a:r>
+            <a:endParaRPr lang="en-US" altLang="en-US" sz="1535" dirty="0">
+              <a:solidFill>
+                <a:srgbClr val="262626"/>
+              </a:solidFill>
+              <a:sym typeface="+mn-ea"/>
+            </a:endParaRPr>
+          </a:p>
+          <a:p>
+            <a:pPr marL="228600" lvl="0" indent="-228600" defTabSz="342900">
+              <a:lnSpc>
+                <a:spcPct val="120000"/>
+              </a:lnSpc>
+              <a:buFont typeface="Arial" panose="020B0604020202020204" pitchFamily="34" charset="0"/>
+              <a:buChar char="•"/>
+            </a:pPr>
+            <a:endParaRPr lang="en-US" altLang="en-US" sz="1535" dirty="0">
+              <a:solidFill>
+                <a:srgbClr val="262626"/>
+              </a:solidFill>
+              <a:sym typeface="+mn-ea"/>
+            </a:endParaRPr>
+          </a:p>
+          <a:p>
+            <a:pPr marL="228600" lvl="0" indent="-228600" defTabSz="342900">
+              <a:lnSpc>
+                <a:spcPct val="120000"/>
+              </a:lnSpc>
+              <a:buFont typeface="Arial" panose="020B0604020202020204" pitchFamily="34" charset="0"/>
+              <a:buChar char="•"/>
+            </a:pPr>
+            <a:r>
+              <a:rPr lang="en-US" altLang="en-US" sz="1535" dirty="0">
+                <a:solidFill>
+                  <a:srgbClr val="262626"/>
+                </a:solidFill>
+              </a:rPr>
+              <a:t>When update:</a:t>
+            </a:r>
+            <a:endParaRPr lang="en-US" altLang="en-US" sz="1535" dirty="0">
+              <a:solidFill>
+                <a:srgbClr val="262626"/>
+              </a:solidFill>
+            </a:endParaRPr>
+          </a:p>
+          <a:p>
+            <a:pPr marL="228600" lvl="0" indent="-228600" defTabSz="342900">
+              <a:lnSpc>
+                <a:spcPct val="120000"/>
+              </a:lnSpc>
+              <a:buFont typeface="Arial" panose="020B0604020202020204" pitchFamily="34" charset="0"/>
+              <a:buChar char="•"/>
+            </a:pPr>
+            <a:r>
+              <a:rPr lang="en-US" altLang="en-US" sz="1535" dirty="0">
+                <a:solidFill>
+                  <a:srgbClr val="262626"/>
+                </a:solidFill>
+                <a:sym typeface="+mn-ea"/>
+              </a:rPr>
+              <a:t>setStatus({</a:t>
+            </a:r>
+            <a:endParaRPr lang="en-US" altLang="en-US" sz="1535" dirty="0">
+              <a:solidFill>
+                <a:srgbClr val="262626"/>
+              </a:solidFill>
+              <a:sym typeface="+mn-ea"/>
+            </a:endParaRPr>
+          </a:p>
+          <a:p>
+            <a:pPr marL="228600" lvl="0" indent="-228600" defTabSz="342900">
+              <a:lnSpc>
+                <a:spcPct val="120000"/>
+              </a:lnSpc>
+              <a:buFont typeface="Arial" panose="020B0604020202020204" pitchFamily="34" charset="0"/>
+              <a:buChar char="•"/>
+            </a:pPr>
+            <a:r>
+              <a:rPr lang="en-US" altLang="en-US" sz="1535" dirty="0">
+                <a:solidFill>
+                  <a:srgbClr val="262626"/>
+                </a:solidFill>
+                <a:sym typeface="+mn-ea"/>
+              </a:rPr>
+              <a:t>age: 12,</a:t>
+            </a:r>
+            <a:endParaRPr lang="en-US" altLang="en-US" sz="1535" dirty="0">
+              <a:solidFill>
+                <a:srgbClr val="262626"/>
+              </a:solidFill>
+              <a:sym typeface="+mn-ea"/>
+            </a:endParaRPr>
+          </a:p>
+          <a:p>
+            <a:pPr marL="228600" lvl="0" indent="-228600" defTabSz="342900">
+              <a:lnSpc>
+                <a:spcPct val="120000"/>
+              </a:lnSpc>
+              <a:buFont typeface="Arial" panose="020B0604020202020204" pitchFamily="34" charset="0"/>
+              <a:buChar char="•"/>
+            </a:pPr>
+            <a:r>
+              <a:rPr lang="en-US" altLang="en-US" sz="1535" dirty="0">
+                <a:solidFill>
+                  <a:srgbClr val="262626"/>
+                </a:solidFill>
+                <a:sym typeface="+mn-ea"/>
+              </a:rPr>
+              <a:t>name: “John“</a:t>
+            </a:r>
+            <a:endParaRPr lang="en-US" altLang="en-US" sz="1535" dirty="0">
+              <a:solidFill>
+                <a:srgbClr val="262626"/>
+              </a:solidFill>
+              <a:sym typeface="+mn-ea"/>
+            </a:endParaRPr>
+          </a:p>
+          <a:p>
+            <a:pPr marL="228600" lvl="0" indent="-228600" defTabSz="342900">
+              <a:lnSpc>
+                <a:spcPct val="120000"/>
+              </a:lnSpc>
+              <a:buFont typeface="Arial" panose="020B0604020202020204" pitchFamily="34" charset="0"/>
+              <a:buChar char="•"/>
+            </a:pPr>
+            <a:r>
+              <a:rPr lang="en-US" altLang="en-US" sz="1535" dirty="0">
+                <a:solidFill>
+                  <a:srgbClr val="262626"/>
+                </a:solidFill>
+                <a:sym typeface="+mn-ea"/>
+              </a:rPr>
+              <a:t>})</a:t>
+            </a:r>
+            <a:endParaRPr lang="en-US" altLang="zh-CN" sz="1540" dirty="0">
+              <a:solidFill>
+                <a:srgbClr val="262626"/>
+              </a:solidFill>
+            </a:endParaRPr>
+          </a:p>
         </p:txBody>
       </p:sp>
-      <p:pic>
-        <p:nvPicPr>
-          <p:cNvPr id="5" name="图片 4"/>
-          <p:cNvPicPr>
-            <a:picLocks noChangeAspect="1"/>
-          </p:cNvPicPr>
-          <p:nvPr/>
-        </p:nvPicPr>
-        <p:blipFill>
-          <a:blip r:embed="rId1"/>
-          <a:stretch>
-            <a:fillRect/>
-          </a:stretch>
-        </p:blipFill>
-        <p:spPr>
-          <a:xfrm>
-            <a:off x="628650" y="1452245"/>
-            <a:ext cx="6978015" cy="5405755"/>
-          </a:xfrm>
-          <a:prstGeom prst="rect">
-            <a:avLst/>
-          </a:prstGeom>
-        </p:spPr>
-      </p:pic>
     </p:spTree>
   </p:cSld>
   <p:clrMapOvr>
@@ -8402,33 +8659,9 @@
           </a:p>
         </p:txBody>
       </p:sp>
-      <p:pic>
-        <p:nvPicPr>
-          <p:cNvPr id="6" name="图片 5"/>
-          <p:cNvPicPr>
-            <a:picLocks noChangeAspect="1"/>
-          </p:cNvPicPr>
-          <p:nvPr/>
-        </p:nvPicPr>
-        <p:blipFill>
-          <a:blip r:embed="rId1"/>
-          <a:stretch>
-            <a:fillRect/>
-          </a:stretch>
-        </p:blipFill>
-        <p:spPr>
-          <a:xfrm>
-            <a:off x="628650" y="1588135"/>
-            <a:ext cx="6332855" cy="3134995"/>
-          </a:xfrm>
-          <a:prstGeom prst="rect">
-            <a:avLst/>
-          </a:prstGeom>
-        </p:spPr>
-      </p:pic>
       <p:sp>
         <p:nvSpPr>
-          <p:cNvPr id="5" name="Content Placeholder 2"/>
+          <p:cNvPr id="3" name="Content Placeholder 2"/>
           <p:cNvSpPr>
             <a:spLocks noGrp="1"/>
           </p:cNvSpPr>
@@ -8446,6 +8679,7 @@
           <a:bodyPr>
             <a:normAutofit/>
           </a:bodyPr>
+          <a:lstStyle/>
           <a:p>
             <a:pPr defTabSz="342900">
               <a:lnSpc>
@@ -8458,7 +8692,23 @@
                   <a:srgbClr val="262626"/>
                 </a:solidFill>
               </a:rPr>
-              <a:t>Implimentation 1</a:t>
+              <a:t>Context acts as global variables, comparing with props and states (</a:t>
+            </a:r>
+            <a:r>
+              <a:rPr lang="en-US" altLang="zh-CN" sz="1800" dirty="0">
+                <a:solidFill>
+                  <a:srgbClr val="FF0000"/>
+                </a:solidFill>
+              </a:rPr>
+              <a:t>draw diagram</a:t>
+            </a:r>
+            <a:r>
+              <a:rPr lang="en-US" altLang="zh-CN" sz="1800" dirty="0">
+                <a:solidFill>
+                  <a:srgbClr val="262626"/>
+                </a:solidFill>
+              </a:rPr>
+              <a:t>)</a:t>
             </a:r>
             <a:endParaRPr lang="en-US" altLang="zh-CN" sz="1800" dirty="0">
               <a:solidFill>
@@ -8468,6 +8718,30 @@
           </a:p>
         </p:txBody>
       </p:sp>
+      <p:pic>
+        <p:nvPicPr>
+          <p:cNvPr id="5" name="图片 4"/>
+          <p:cNvPicPr>
+            <a:picLocks noChangeAspect="1"/>
+          </p:cNvPicPr>
+          <p:nvPr/>
+        </p:nvPicPr>
+        <p:blipFill>
+          <a:blip r:embed="rId1"/>
+          <a:stretch>
+            <a:fillRect/>
+          </a:stretch>
+        </p:blipFill>
+        <p:spPr>
+          <a:xfrm>
+            <a:off x="628650" y="1452245"/>
+            <a:ext cx="6978015" cy="5405755"/>
+          </a:xfrm>
+          <a:prstGeom prst="rect">
+            <a:avLst/>
+          </a:prstGeom>
+        </p:spPr>
+      </p:pic>
     </p:spTree>
   </p:cSld>
   <p:clrMapOvr>
@@ -8530,6 +8804,30 @@
           </a:p>
         </p:txBody>
       </p:sp>
+      <p:pic>
+        <p:nvPicPr>
+          <p:cNvPr id="6" name="图片 5"/>
+          <p:cNvPicPr>
+            <a:picLocks noChangeAspect="1"/>
+          </p:cNvPicPr>
+          <p:nvPr/>
+        </p:nvPicPr>
+        <p:blipFill>
+          <a:blip r:embed="rId1"/>
+          <a:stretch>
+            <a:fillRect/>
+          </a:stretch>
+        </p:blipFill>
+        <p:spPr>
+          <a:xfrm>
+            <a:off x="628650" y="1588135"/>
+            <a:ext cx="6332855" cy="3134995"/>
+          </a:xfrm>
+          <a:prstGeom prst="rect">
+            <a:avLst/>
+          </a:prstGeom>
+        </p:spPr>
+      </p:pic>
       <p:sp>
         <p:nvSpPr>
           <p:cNvPr id="5" name="Content Placeholder 2"/>
@@ -8562,7 +8860,7 @@
                   <a:srgbClr val="262626"/>
                 </a:solidFill>
               </a:rPr>
-              <a:t>Implimentation 2</a:t>
+              <a:t>Implimentation 1</a:t>
             </a:r>
             <a:endParaRPr lang="en-US" altLang="zh-CN" sz="1800" dirty="0">
               <a:solidFill>
@@ -8572,30 +8870,6 @@
           </a:p>
         </p:txBody>
       </p:sp>
-      <p:pic>
-        <p:nvPicPr>
-          <p:cNvPr id="9" name="图片 8"/>
-          <p:cNvPicPr>
-            <a:picLocks noChangeAspect="1"/>
-          </p:cNvPicPr>
-          <p:nvPr/>
-        </p:nvPicPr>
-        <p:blipFill>
-          <a:blip r:embed="rId1"/>
-          <a:stretch>
-            <a:fillRect/>
-          </a:stretch>
-        </p:blipFill>
-        <p:spPr>
-          <a:xfrm>
-            <a:off x="628650" y="1647190"/>
-            <a:ext cx="8178800" cy="4737100"/>
-          </a:xfrm>
-          <a:prstGeom prst="rect">
-            <a:avLst/>
-          </a:prstGeom>
-        </p:spPr>
-      </p:pic>
     </p:spTree>
   </p:cSld>
   <p:clrMapOvr>
@@ -8690,6 +8964,134 @@
                   <a:srgbClr val="262626"/>
                 </a:solidFill>
               </a:rPr>
+              <a:t>Implimentation 2</a:t>
+            </a:r>
+            <a:endParaRPr lang="en-US" altLang="zh-CN" sz="1800" dirty="0">
+              <a:solidFill>
+                <a:srgbClr val="262626"/>
+              </a:solidFill>
+            </a:endParaRPr>
+          </a:p>
+        </p:txBody>
+      </p:sp>
+      <p:pic>
+        <p:nvPicPr>
+          <p:cNvPr id="9" name="图片 8"/>
+          <p:cNvPicPr>
+            <a:picLocks noChangeAspect="1"/>
+          </p:cNvPicPr>
+          <p:nvPr/>
+        </p:nvPicPr>
+        <p:blipFill>
+          <a:blip r:embed="rId1"/>
+          <a:stretch>
+            <a:fillRect/>
+          </a:stretch>
+        </p:blipFill>
+        <p:spPr>
+          <a:xfrm>
+            <a:off x="628650" y="1647190"/>
+            <a:ext cx="8178800" cy="4737100"/>
+          </a:xfrm>
+          <a:prstGeom prst="rect">
+            <a:avLst/>
+          </a:prstGeom>
+        </p:spPr>
+      </p:pic>
+    </p:spTree>
+  </p:cSld>
+  <p:clrMapOvr>
+    <a:masterClrMapping/>
+  </p:clrMapOvr>
+</p:sld>
+</file>
+
+<file path=ppt/slides/slide18.xml><?xml version="1.0" encoding="utf-8"?>
+<p:sld xmlns:a="http://schemas.openxmlformats.org/drawingml/2006/main" xmlns:r="http://schemas.openxmlformats.org/officeDocument/2006/relationships" xmlns:p="http://schemas.openxmlformats.org/presentationml/2006/main">
+  <p:cSld>
+    <p:spTree>
+      <p:nvGrpSpPr>
+        <p:cNvPr id="1" name=""/>
+        <p:cNvGrpSpPr/>
+        <p:nvPr/>
+      </p:nvGrpSpPr>
+      <p:grpSpPr>
+        <a:xfrm>
+          <a:off x="0" y="0"/>
+          <a:ext cx="0" cy="0"/>
+          <a:chOff x="0" y="0"/>
+          <a:chExt cx="0" cy="0"/>
+        </a:xfrm>
+      </p:grpSpPr>
+      <p:sp>
+        <p:nvSpPr>
+          <p:cNvPr id="2" name="Title 1"/>
+          <p:cNvSpPr>
+            <a:spLocks noGrp="1"/>
+          </p:cNvSpPr>
+          <p:nvPr>
+            <p:ph type="title"/>
+          </p:nvPr>
+        </p:nvSpPr>
+        <p:spPr>
+          <a:xfrm>
+            <a:off x="628650" y="155263"/>
+            <a:ext cx="7886700" cy="526790"/>
+          </a:xfrm>
+        </p:spPr>
+        <p:txBody>
+          <a:bodyPr>
+            <a:normAutofit fontScale="90000"/>
+          </a:bodyPr>
+          <a:lstStyle/>
+          <a:p>
+            <a:pPr algn="ctr"/>
+            <a:r>
+              <a:rPr lang="en-US" sz="3200" b="1" dirty="0">
+                <a:latin typeface="Calibri" panose="020F0502020204030204" pitchFamily="34" charset="0"/>
+                <a:cs typeface="Calibri" panose="020F0502020204030204" pitchFamily="34" charset="0"/>
+              </a:rPr>
+              <a:t>Context</a:t>
+            </a:r>
+            <a:endParaRPr lang="en-US" sz="3200" b="1" dirty="0">
+              <a:latin typeface="Calibri" panose="020F0502020204030204" pitchFamily="34" charset="0"/>
+              <a:cs typeface="Calibri" panose="020F0502020204030204" pitchFamily="34" charset="0"/>
+            </a:endParaRPr>
+          </a:p>
+        </p:txBody>
+      </p:sp>
+      <p:sp>
+        <p:nvSpPr>
+          <p:cNvPr id="5" name="Content Placeholder 2"/>
+          <p:cNvSpPr>
+            <a:spLocks noGrp="1"/>
+          </p:cNvSpPr>
+          <p:nvPr>
+            <p:ph idx="1"/>
+          </p:nvPr>
+        </p:nvSpPr>
+        <p:spPr>
+          <a:xfrm>
+            <a:off x="628650" y="989044"/>
+            <a:ext cx="7886700" cy="5605719"/>
+          </a:xfrm>
+        </p:spPr>
+        <p:txBody>
+          <a:bodyPr>
+            <a:normAutofit/>
+          </a:bodyPr>
+          <a:p>
+            <a:pPr defTabSz="342900">
+              <a:lnSpc>
+                <a:spcPct val="120000"/>
+              </a:lnSpc>
+            </a:pPr>
+            <a:r>
+              <a:rPr lang="en-US" altLang="zh-CN" sz="1800" dirty="0">
+                <a:solidFill>
+                  <a:srgbClr val="262626"/>
+                </a:solidFill>
+              </a:rPr>
               <a:t>Implimentation 3</a:t>
             </a:r>
             <a:endParaRPr lang="en-US" altLang="zh-CN" sz="1800" dirty="0">
@@ -8732,7 +9134,7 @@
 </p:sld>
 </file>
 
-<file path=ppt/slides/slide18.xml><?xml version="1.0" encoding="utf-8"?>
+<file path=ppt/slides/slide19.xml><?xml version="1.0" encoding="utf-8"?>
 <p:sld xmlns:a="http://schemas.openxmlformats.org/drawingml/2006/main" xmlns:r="http://schemas.openxmlformats.org/officeDocument/2006/relationships" xmlns:p="http://schemas.openxmlformats.org/presentationml/2006/main">
   <p:cSld>
     <p:spTree>
@@ -9025,239 +9427,6 @@
 </p:sld>
 </file>
 
-<file path=ppt/slides/slide19.xml><?xml version="1.0" encoding="utf-8"?>
-<p:sld xmlns:a="http://schemas.openxmlformats.org/drawingml/2006/main" xmlns:r="http://schemas.openxmlformats.org/officeDocument/2006/relationships" xmlns:p="http://schemas.openxmlformats.org/presentationml/2006/main">
-  <p:cSld>
-    <p:spTree>
-      <p:nvGrpSpPr>
-        <p:cNvPr id="1" name=""/>
-        <p:cNvGrpSpPr/>
-        <p:nvPr/>
-      </p:nvGrpSpPr>
-      <p:grpSpPr>
-        <a:xfrm>
-          <a:off x="0" y="0"/>
-          <a:ext cx="0" cy="0"/>
-          <a:chOff x="0" y="0"/>
-          <a:chExt cx="0" cy="0"/>
-        </a:xfrm>
-      </p:grpSpPr>
-      <p:sp>
-        <p:nvSpPr>
-          <p:cNvPr id="2" name="Title 1"/>
-          <p:cNvSpPr>
-            <a:spLocks noGrp="1"/>
-          </p:cNvSpPr>
-          <p:nvPr>
-            <p:ph type="title"/>
-          </p:nvPr>
-        </p:nvSpPr>
-        <p:spPr>
-          <a:xfrm>
-            <a:off x="628650" y="155263"/>
-            <a:ext cx="7886700" cy="526790"/>
-          </a:xfrm>
-        </p:spPr>
-        <p:txBody>
-          <a:bodyPr>
-            <a:normAutofit fontScale="90000"/>
-          </a:bodyPr>
-          <a:lstStyle/>
-          <a:p>
-            <a:pPr algn="ctr"/>
-            <a:r>
-              <a:rPr lang="en-US" sz="3200" b="1" dirty="0">
-                <a:latin typeface="Calibri" panose="020F0502020204030204" pitchFamily="34" charset="0"/>
-                <a:cs typeface="Calibri" panose="020F0502020204030204" pitchFamily="34" charset="0"/>
-              </a:rPr>
-              <a:t>Functional Component vs Class Component</a:t>
-            </a:r>
-            <a:endParaRPr lang="en-US" sz="3200" b="1" dirty="0">
-              <a:latin typeface="Calibri" panose="020F0502020204030204" pitchFamily="34" charset="0"/>
-              <a:cs typeface="Calibri" panose="020F0502020204030204" pitchFamily="34" charset="0"/>
-            </a:endParaRPr>
-          </a:p>
-        </p:txBody>
-      </p:sp>
-      <p:sp>
-        <p:nvSpPr>
-          <p:cNvPr id="3" name="Content Placeholder 2"/>
-          <p:cNvSpPr>
-            <a:spLocks noGrp="1"/>
-          </p:cNvSpPr>
-          <p:nvPr>
-            <p:ph idx="1"/>
-          </p:nvPr>
-        </p:nvSpPr>
-        <p:spPr>
-          <a:xfrm>
-            <a:off x="628650" y="989044"/>
-            <a:ext cx="7886700" cy="5605719"/>
-          </a:xfrm>
-        </p:spPr>
-        <p:txBody>
-          <a:bodyPr>
-            <a:normAutofit/>
-          </a:bodyPr>
-          <a:lstStyle/>
-          <a:p>
-            <a:pPr defTabSz="342900">
-              <a:lnSpc>
-                <a:spcPct val="120000"/>
-              </a:lnSpc>
-            </a:pPr>
-            <a:r>
-              <a:rPr lang="en-US" altLang="zh-CN" sz="1800" dirty="0">
-                <a:solidFill>
-                  <a:srgbClr val="262626"/>
-                </a:solidFill>
-              </a:rPr>
-              <a:t>3 componentDidMount vs useEffect</a:t>
-            </a:r>
-            <a:endParaRPr lang="en-US" altLang="zh-CN" sz="1800" dirty="0">
-              <a:solidFill>
-                <a:srgbClr val="262626"/>
-              </a:solidFill>
-            </a:endParaRPr>
-          </a:p>
-          <a:p>
-            <a:pPr defTabSz="342900">
-              <a:lnSpc>
-                <a:spcPct val="120000"/>
-              </a:lnSpc>
-            </a:pPr>
-            <a:endParaRPr lang="en-US" altLang="zh-CN" sz="1800" dirty="0">
-              <a:solidFill>
-                <a:srgbClr val="262626"/>
-              </a:solidFill>
-            </a:endParaRPr>
-          </a:p>
-          <a:p>
-            <a:pPr defTabSz="342900">
-              <a:lnSpc>
-                <a:spcPct val="120000"/>
-              </a:lnSpc>
-            </a:pPr>
-            <a:endParaRPr lang="en-US" altLang="zh-CN" sz="1800" dirty="0">
-              <a:solidFill>
-                <a:srgbClr val="262626"/>
-              </a:solidFill>
-            </a:endParaRPr>
-          </a:p>
-          <a:p>
-            <a:pPr defTabSz="342900">
-              <a:lnSpc>
-                <a:spcPct val="120000"/>
-              </a:lnSpc>
-            </a:pPr>
-            <a:endParaRPr lang="en-US" altLang="zh-CN" sz="1800" dirty="0">
-              <a:solidFill>
-                <a:srgbClr val="262626"/>
-              </a:solidFill>
-            </a:endParaRPr>
-          </a:p>
-          <a:p>
-            <a:pPr defTabSz="342900">
-              <a:lnSpc>
-                <a:spcPct val="120000"/>
-              </a:lnSpc>
-            </a:pPr>
-            <a:endParaRPr lang="en-US" altLang="zh-CN" sz="1800" dirty="0">
-              <a:solidFill>
-                <a:srgbClr val="262626"/>
-              </a:solidFill>
-            </a:endParaRPr>
-          </a:p>
-          <a:p>
-            <a:pPr defTabSz="342900">
-              <a:lnSpc>
-                <a:spcPct val="120000"/>
-              </a:lnSpc>
-            </a:pPr>
-            <a:endParaRPr lang="en-US" altLang="zh-CN" sz="1800" dirty="0">
-              <a:solidFill>
-                <a:srgbClr val="262626"/>
-              </a:solidFill>
-            </a:endParaRPr>
-          </a:p>
-          <a:p>
-            <a:pPr defTabSz="342900">
-              <a:lnSpc>
-                <a:spcPct val="120000"/>
-              </a:lnSpc>
-            </a:pPr>
-            <a:r>
-              <a:rPr lang="en-US" altLang="zh-CN" sz="1800" dirty="0">
-                <a:solidFill>
-                  <a:srgbClr val="262626"/>
-                </a:solidFill>
-              </a:rPr>
-              <a:t>2 Context (covered)</a:t>
-            </a:r>
-            <a:endParaRPr lang="en-US" altLang="zh-CN" sz="1800" dirty="0">
-              <a:solidFill>
-                <a:srgbClr val="262626"/>
-              </a:solidFill>
-            </a:endParaRPr>
-          </a:p>
-          <a:p>
-            <a:pPr defTabSz="342900">
-              <a:lnSpc>
-                <a:spcPct val="120000"/>
-              </a:lnSpc>
-            </a:pPr>
-            <a:endParaRPr lang="en-US" altLang="zh-CN" sz="1800" dirty="0">
-              <a:solidFill>
-                <a:srgbClr val="262626"/>
-              </a:solidFill>
-            </a:endParaRPr>
-          </a:p>
-          <a:p>
-            <a:pPr defTabSz="342900">
-              <a:lnSpc>
-                <a:spcPct val="120000"/>
-              </a:lnSpc>
-            </a:pPr>
-            <a:endParaRPr lang="en-US" altLang="zh-CN" sz="1800" dirty="0">
-              <a:solidFill>
-                <a:srgbClr val="262626"/>
-              </a:solidFill>
-            </a:endParaRPr>
-          </a:p>
-        </p:txBody>
-      </p:sp>
-      <p:pic>
-        <p:nvPicPr>
-          <p:cNvPr id="8" name="图片 7"/>
-          <p:cNvPicPr>
-            <a:picLocks noChangeAspect="1"/>
-          </p:cNvPicPr>
-          <p:nvPr/>
-        </p:nvPicPr>
-        <p:blipFill>
-          <a:blip r:embed="rId1"/>
-          <a:stretch>
-            <a:fillRect/>
-          </a:stretch>
-        </p:blipFill>
-        <p:spPr>
-          <a:xfrm>
-            <a:off x="5358130" y="989330"/>
-            <a:ext cx="2900680" cy="5576570"/>
-          </a:xfrm>
-          <a:prstGeom prst="rect">
-            <a:avLst/>
-          </a:prstGeom>
-        </p:spPr>
-      </p:pic>
-    </p:spTree>
-  </p:cSld>
-  <p:clrMapOvr>
-    <a:masterClrMapping/>
-  </p:clrMapOvr>
-</p:sld>
-</file>
-
 <file path=ppt/slides/slide2.xml><?xml version="1.0" encoding="utf-8"?>
 <p:sld xmlns:a="http://schemas.openxmlformats.org/drawingml/2006/main" xmlns:r="http://schemas.openxmlformats.org/officeDocument/2006/relationships" xmlns:p="http://schemas.openxmlformats.org/presentationml/2006/main">
   <p:cSld>
@@ -9588,6 +9757,239 @@
 </file>
 
 <file path=ppt/slides/slide20.xml><?xml version="1.0" encoding="utf-8"?>
+<p:sld xmlns:a="http://schemas.openxmlformats.org/drawingml/2006/main" xmlns:r="http://schemas.openxmlformats.org/officeDocument/2006/relationships" xmlns:p="http://schemas.openxmlformats.org/presentationml/2006/main">
+  <p:cSld>
+    <p:spTree>
+      <p:nvGrpSpPr>
+        <p:cNvPr id="1" name=""/>
+        <p:cNvGrpSpPr/>
+        <p:nvPr/>
+      </p:nvGrpSpPr>
+      <p:grpSpPr>
+        <a:xfrm>
+          <a:off x="0" y="0"/>
+          <a:ext cx="0" cy="0"/>
+          <a:chOff x="0" y="0"/>
+          <a:chExt cx="0" cy="0"/>
+        </a:xfrm>
+      </p:grpSpPr>
+      <p:sp>
+        <p:nvSpPr>
+          <p:cNvPr id="2" name="Title 1"/>
+          <p:cNvSpPr>
+            <a:spLocks noGrp="1"/>
+          </p:cNvSpPr>
+          <p:nvPr>
+            <p:ph type="title"/>
+          </p:nvPr>
+        </p:nvSpPr>
+        <p:spPr>
+          <a:xfrm>
+            <a:off x="628650" y="155263"/>
+            <a:ext cx="7886700" cy="526790"/>
+          </a:xfrm>
+        </p:spPr>
+        <p:txBody>
+          <a:bodyPr>
+            <a:normAutofit fontScale="90000"/>
+          </a:bodyPr>
+          <a:lstStyle/>
+          <a:p>
+            <a:pPr algn="ctr"/>
+            <a:r>
+              <a:rPr lang="en-US" sz="3200" b="1" dirty="0">
+                <a:latin typeface="Calibri" panose="020F0502020204030204" pitchFamily="34" charset="0"/>
+                <a:cs typeface="Calibri" panose="020F0502020204030204" pitchFamily="34" charset="0"/>
+              </a:rPr>
+              <a:t>Functional Component vs Class Component</a:t>
+            </a:r>
+            <a:endParaRPr lang="en-US" sz="3200" b="1" dirty="0">
+              <a:latin typeface="Calibri" panose="020F0502020204030204" pitchFamily="34" charset="0"/>
+              <a:cs typeface="Calibri" panose="020F0502020204030204" pitchFamily="34" charset="0"/>
+            </a:endParaRPr>
+          </a:p>
+        </p:txBody>
+      </p:sp>
+      <p:sp>
+        <p:nvSpPr>
+          <p:cNvPr id="3" name="Content Placeholder 2"/>
+          <p:cNvSpPr>
+            <a:spLocks noGrp="1"/>
+          </p:cNvSpPr>
+          <p:nvPr>
+            <p:ph idx="1"/>
+          </p:nvPr>
+        </p:nvSpPr>
+        <p:spPr>
+          <a:xfrm>
+            <a:off x="628650" y="989044"/>
+            <a:ext cx="7886700" cy="5605719"/>
+          </a:xfrm>
+        </p:spPr>
+        <p:txBody>
+          <a:bodyPr>
+            <a:normAutofit/>
+          </a:bodyPr>
+          <a:lstStyle/>
+          <a:p>
+            <a:pPr defTabSz="342900">
+              <a:lnSpc>
+                <a:spcPct val="120000"/>
+              </a:lnSpc>
+            </a:pPr>
+            <a:r>
+              <a:rPr lang="en-US" altLang="zh-CN" sz="1800" dirty="0">
+                <a:solidFill>
+                  <a:srgbClr val="262626"/>
+                </a:solidFill>
+              </a:rPr>
+              <a:t>3 componentDidMount vs useEffect</a:t>
+            </a:r>
+            <a:endParaRPr lang="en-US" altLang="zh-CN" sz="1800" dirty="0">
+              <a:solidFill>
+                <a:srgbClr val="262626"/>
+              </a:solidFill>
+            </a:endParaRPr>
+          </a:p>
+          <a:p>
+            <a:pPr defTabSz="342900">
+              <a:lnSpc>
+                <a:spcPct val="120000"/>
+              </a:lnSpc>
+            </a:pPr>
+            <a:endParaRPr lang="en-US" altLang="zh-CN" sz="1800" dirty="0">
+              <a:solidFill>
+                <a:srgbClr val="262626"/>
+              </a:solidFill>
+            </a:endParaRPr>
+          </a:p>
+          <a:p>
+            <a:pPr defTabSz="342900">
+              <a:lnSpc>
+                <a:spcPct val="120000"/>
+              </a:lnSpc>
+            </a:pPr>
+            <a:endParaRPr lang="en-US" altLang="zh-CN" sz="1800" dirty="0">
+              <a:solidFill>
+                <a:srgbClr val="262626"/>
+              </a:solidFill>
+            </a:endParaRPr>
+          </a:p>
+          <a:p>
+            <a:pPr defTabSz="342900">
+              <a:lnSpc>
+                <a:spcPct val="120000"/>
+              </a:lnSpc>
+            </a:pPr>
+            <a:endParaRPr lang="en-US" altLang="zh-CN" sz="1800" dirty="0">
+              <a:solidFill>
+                <a:srgbClr val="262626"/>
+              </a:solidFill>
+            </a:endParaRPr>
+          </a:p>
+          <a:p>
+            <a:pPr defTabSz="342900">
+              <a:lnSpc>
+                <a:spcPct val="120000"/>
+              </a:lnSpc>
+            </a:pPr>
+            <a:endParaRPr lang="en-US" altLang="zh-CN" sz="1800" dirty="0">
+              <a:solidFill>
+                <a:srgbClr val="262626"/>
+              </a:solidFill>
+            </a:endParaRPr>
+          </a:p>
+          <a:p>
+            <a:pPr defTabSz="342900">
+              <a:lnSpc>
+                <a:spcPct val="120000"/>
+              </a:lnSpc>
+            </a:pPr>
+            <a:endParaRPr lang="en-US" altLang="zh-CN" sz="1800" dirty="0">
+              <a:solidFill>
+                <a:srgbClr val="262626"/>
+              </a:solidFill>
+            </a:endParaRPr>
+          </a:p>
+          <a:p>
+            <a:pPr defTabSz="342900">
+              <a:lnSpc>
+                <a:spcPct val="120000"/>
+              </a:lnSpc>
+            </a:pPr>
+            <a:r>
+              <a:rPr lang="en-US" altLang="zh-CN" sz="1800" dirty="0">
+                <a:solidFill>
+                  <a:srgbClr val="262626"/>
+                </a:solidFill>
+              </a:rPr>
+              <a:t>2 Context (covered)</a:t>
+            </a:r>
+            <a:endParaRPr lang="en-US" altLang="zh-CN" sz="1800" dirty="0">
+              <a:solidFill>
+                <a:srgbClr val="262626"/>
+              </a:solidFill>
+            </a:endParaRPr>
+          </a:p>
+          <a:p>
+            <a:pPr defTabSz="342900">
+              <a:lnSpc>
+                <a:spcPct val="120000"/>
+              </a:lnSpc>
+            </a:pPr>
+            <a:endParaRPr lang="en-US" altLang="zh-CN" sz="1800" dirty="0">
+              <a:solidFill>
+                <a:srgbClr val="262626"/>
+              </a:solidFill>
+            </a:endParaRPr>
+          </a:p>
+          <a:p>
+            <a:pPr defTabSz="342900">
+              <a:lnSpc>
+                <a:spcPct val="120000"/>
+              </a:lnSpc>
+            </a:pPr>
+            <a:endParaRPr lang="en-US" altLang="zh-CN" sz="1800" dirty="0">
+              <a:solidFill>
+                <a:srgbClr val="262626"/>
+              </a:solidFill>
+            </a:endParaRPr>
+          </a:p>
+        </p:txBody>
+      </p:sp>
+      <p:pic>
+        <p:nvPicPr>
+          <p:cNvPr id="8" name="图片 7"/>
+          <p:cNvPicPr>
+            <a:picLocks noChangeAspect="1"/>
+          </p:cNvPicPr>
+          <p:nvPr/>
+        </p:nvPicPr>
+        <p:blipFill>
+          <a:blip r:embed="rId1"/>
+          <a:stretch>
+            <a:fillRect/>
+          </a:stretch>
+        </p:blipFill>
+        <p:spPr>
+          <a:xfrm>
+            <a:off x="5358130" y="989330"/>
+            <a:ext cx="2900680" cy="5576570"/>
+          </a:xfrm>
+          <a:prstGeom prst="rect">
+            <a:avLst/>
+          </a:prstGeom>
+        </p:spPr>
+      </p:pic>
+    </p:spTree>
+  </p:cSld>
+  <p:clrMapOvr>
+    <a:masterClrMapping/>
+  </p:clrMapOvr>
+</p:sld>
+</file>
+
+<file path=ppt/slides/slide21.xml><?xml version="1.0" encoding="utf-8"?>
 <p:sld xmlns:a="http://schemas.openxmlformats.org/drawingml/2006/main" xmlns:r="http://schemas.openxmlformats.org/officeDocument/2006/relationships" xmlns:p="http://schemas.openxmlformats.org/presentationml/2006/main">
   <p:cSld>
     <p:spTree>
@@ -9908,240 +10310,6 @@
 </p:sld>
 </file>
 
-<file path=ppt/slides/slide21.xml><?xml version="1.0" encoding="utf-8"?>
-<p:sld xmlns:a="http://schemas.openxmlformats.org/drawingml/2006/main" xmlns:r="http://schemas.openxmlformats.org/officeDocument/2006/relationships" xmlns:p="http://schemas.openxmlformats.org/presentationml/2006/main">
-  <p:cSld>
-    <p:spTree>
-      <p:nvGrpSpPr>
-        <p:cNvPr id="1" name=""/>
-        <p:cNvGrpSpPr/>
-        <p:nvPr/>
-      </p:nvGrpSpPr>
-      <p:grpSpPr>
-        <a:xfrm>
-          <a:off x="0" y="0"/>
-          <a:ext cx="0" cy="0"/>
-          <a:chOff x="0" y="0"/>
-          <a:chExt cx="0" cy="0"/>
-        </a:xfrm>
-      </p:grpSpPr>
-      <p:sp>
-        <p:nvSpPr>
-          <p:cNvPr id="2" name="Title 1"/>
-          <p:cNvSpPr>
-            <a:spLocks noGrp="1"/>
-          </p:cNvSpPr>
-          <p:nvPr>
-            <p:ph type="title"/>
-          </p:nvPr>
-        </p:nvSpPr>
-        <p:spPr>
-          <a:xfrm>
-            <a:off x="628650" y="155263"/>
-            <a:ext cx="7886700" cy="526790"/>
-          </a:xfrm>
-        </p:spPr>
-        <p:txBody>
-          <a:bodyPr>
-            <a:normAutofit fontScale="90000"/>
-          </a:bodyPr>
-          <a:lstStyle/>
-          <a:p>
-            <a:pPr algn="ctr"/>
-            <a:r>
-              <a:rPr lang="en-US" sz="3200" b="1" dirty="0">
-                <a:latin typeface="Calibri" panose="020F0502020204030204" pitchFamily="34" charset="0"/>
-                <a:cs typeface="Calibri" panose="020F0502020204030204" pitchFamily="34" charset="0"/>
-              </a:rPr>
-              <a:t>Bind in Reactjs</a:t>
-            </a:r>
-            <a:endParaRPr lang="en-US" sz="3200" b="1" dirty="0">
-              <a:latin typeface="Calibri" panose="020F0502020204030204" pitchFamily="34" charset="0"/>
-              <a:cs typeface="Calibri" panose="020F0502020204030204" pitchFamily="34" charset="0"/>
-            </a:endParaRPr>
-          </a:p>
-        </p:txBody>
-      </p:sp>
-      <p:sp>
-        <p:nvSpPr>
-          <p:cNvPr id="3" name="Content Placeholder 2"/>
-          <p:cNvSpPr>
-            <a:spLocks noGrp="1"/>
-          </p:cNvSpPr>
-          <p:nvPr>
-            <p:ph idx="1"/>
-          </p:nvPr>
-        </p:nvSpPr>
-        <p:spPr>
-          <a:xfrm>
-            <a:off x="628650" y="989044"/>
-            <a:ext cx="7886700" cy="5605719"/>
-          </a:xfrm>
-        </p:spPr>
-        <p:txBody>
-          <a:bodyPr>
-            <a:normAutofit/>
-          </a:bodyPr>
-          <a:lstStyle/>
-          <a:p>
-            <a:pPr defTabSz="342900">
-              <a:lnSpc>
-                <a:spcPct val="120000"/>
-              </a:lnSpc>
-            </a:pPr>
-            <a:r>
-              <a:rPr lang="en-US" altLang="zh-CN" sz="1800" dirty="0">
-                <a:solidFill>
-                  <a:srgbClr val="262626"/>
-                </a:solidFill>
-              </a:rPr>
-              <a:t>What is bind? and why we need to use Bind?</a:t>
-            </a:r>
-            <a:endParaRPr lang="en-US" altLang="zh-CN" sz="1800" dirty="0">
-              <a:solidFill>
-                <a:srgbClr val="262626"/>
-              </a:solidFill>
-            </a:endParaRPr>
-          </a:p>
-          <a:p>
-            <a:pPr defTabSz="342900">
-              <a:lnSpc>
-                <a:spcPct val="120000"/>
-              </a:lnSpc>
-            </a:pPr>
-            <a:r>
-              <a:rPr lang="en-US" altLang="zh-CN" sz="1800" dirty="0">
-                <a:solidFill>
-                  <a:srgbClr val="262626"/>
-                </a:solidFill>
-              </a:rPr>
-              <a:t>when passing down to the child component, this would probabily be change, so need to bind this</a:t>
-            </a:r>
-            <a:endParaRPr lang="en-US" altLang="zh-CN" sz="1800" dirty="0">
-              <a:solidFill>
-                <a:srgbClr val="262626"/>
-              </a:solidFill>
-            </a:endParaRPr>
-          </a:p>
-          <a:p>
-            <a:pPr defTabSz="342900">
-              <a:lnSpc>
-                <a:spcPct val="120000"/>
-              </a:lnSpc>
-            </a:pPr>
-            <a:endParaRPr lang="en-US" altLang="zh-CN" sz="1800" dirty="0">
-              <a:solidFill>
-                <a:srgbClr val="262626"/>
-              </a:solidFill>
-            </a:endParaRPr>
-          </a:p>
-          <a:p>
-            <a:pPr defTabSz="342900">
-              <a:lnSpc>
-                <a:spcPct val="120000"/>
-              </a:lnSpc>
-            </a:pPr>
-            <a:endParaRPr lang="en-US" altLang="zh-CN" sz="1800" dirty="0">
-              <a:solidFill>
-                <a:srgbClr val="262626"/>
-              </a:solidFill>
-            </a:endParaRPr>
-          </a:p>
-          <a:p>
-            <a:pPr defTabSz="342900">
-              <a:lnSpc>
-                <a:spcPct val="120000"/>
-              </a:lnSpc>
-            </a:pPr>
-            <a:endParaRPr lang="en-US" altLang="zh-CN" sz="1800" dirty="0">
-              <a:solidFill>
-                <a:srgbClr val="262626"/>
-              </a:solidFill>
-            </a:endParaRPr>
-          </a:p>
-          <a:p>
-            <a:pPr defTabSz="342900">
-              <a:lnSpc>
-                <a:spcPct val="120000"/>
-              </a:lnSpc>
-            </a:pPr>
-            <a:endParaRPr lang="en-US" altLang="zh-CN" sz="1800" dirty="0">
-              <a:solidFill>
-                <a:srgbClr val="262626"/>
-              </a:solidFill>
-            </a:endParaRPr>
-          </a:p>
-          <a:p>
-            <a:pPr defTabSz="342900">
-              <a:lnSpc>
-                <a:spcPct val="120000"/>
-              </a:lnSpc>
-            </a:pPr>
-            <a:endParaRPr lang="en-US" altLang="zh-CN" sz="1800" dirty="0">
-              <a:solidFill>
-                <a:srgbClr val="262626"/>
-              </a:solidFill>
-            </a:endParaRPr>
-          </a:p>
-          <a:p>
-            <a:pPr defTabSz="342900">
-              <a:lnSpc>
-                <a:spcPct val="120000"/>
-              </a:lnSpc>
-            </a:pPr>
-            <a:endParaRPr lang="en-US" altLang="zh-CN" sz="1800" dirty="0">
-              <a:solidFill>
-                <a:srgbClr val="262626"/>
-              </a:solidFill>
-            </a:endParaRPr>
-          </a:p>
-          <a:p>
-            <a:pPr marL="0" indent="0" defTabSz="342900">
-              <a:lnSpc>
-                <a:spcPct val="120000"/>
-              </a:lnSpc>
-              <a:buNone/>
-            </a:pPr>
-            <a:endParaRPr lang="en-US" altLang="zh-CN" sz="1800" dirty="0">
-              <a:solidFill>
-                <a:srgbClr val="262626"/>
-              </a:solidFill>
-            </a:endParaRPr>
-          </a:p>
-        </p:txBody>
-      </p:sp>
-      <p:pic>
-        <p:nvPicPr>
-          <p:cNvPr id="7" name="图片 6"/>
-          <p:cNvPicPr>
-            <a:picLocks noChangeAspect="1"/>
-          </p:cNvPicPr>
-          <p:nvPr/>
-        </p:nvPicPr>
-        <p:blipFill>
-          <a:blip r:embed="rId1"/>
-          <a:stretch>
-            <a:fillRect/>
-          </a:stretch>
-        </p:blipFill>
-        <p:spPr>
-          <a:xfrm>
-            <a:off x="628650" y="2984500"/>
-            <a:ext cx="6791325" cy="2510155"/>
-          </a:xfrm>
-          <a:prstGeom prst="rect">
-            <a:avLst/>
-          </a:prstGeom>
-        </p:spPr>
-      </p:pic>
-    </p:spTree>
-  </p:cSld>
-  <p:clrMapOvr>
-    <a:masterClrMapping/>
-  </p:clrMapOvr>
-</p:sld>
-</file>
-
 <file path=ppt/slides/slide22.xml><?xml version="1.0" encoding="utf-8"?>
 <p:sld xmlns:a="http://schemas.openxmlformats.org/drawingml/2006/main" xmlns:r="http://schemas.openxmlformats.org/officeDocument/2006/relationships" xmlns:p="http://schemas.openxmlformats.org/presentationml/2006/main">
   <p:cSld>
@@ -10187,7 +10355,7 @@
                 <a:latin typeface="Calibri" panose="020F0502020204030204" pitchFamily="34" charset="0"/>
                 <a:cs typeface="Calibri" panose="020F0502020204030204" pitchFamily="34" charset="0"/>
               </a:rPr>
-              <a:t>Code Demo</a:t>
+              <a:t>Bind in Reactjs</a:t>
             </a:r>
             <a:endParaRPr lang="en-US" sz="3200" b="1" dirty="0">
               <a:latin typeface="Calibri" panose="020F0502020204030204" pitchFamily="34" charset="0"/>
@@ -10229,7 +10397,7 @@
                   <a:srgbClr val="262626"/>
                 </a:solidFill>
               </a:rPr>
-              <a:t>tasks:</a:t>
+              <a:t>What is bind? and why we need to use Bind?</a:t>
             </a:r>
             <a:endParaRPr lang="en-US" altLang="zh-CN" sz="1800" dirty="0">
               <a:solidFill>
@@ -10249,7 +10417,7 @@
                   <a:srgbClr val="262626"/>
                 </a:solidFill>
               </a:rPr>
-              <a:t>1 setting up reactjs app</a:t>
+              <a:t>when passing down to the child component, this would probabily be change, so need to bind this</a:t>
             </a:r>
             <a:endParaRPr lang="en-US" altLang="zh-CN" sz="1800" dirty="0">
               <a:solidFill>
@@ -10263,14 +10431,6 @@
                 <a:spcPct val="120000"/>
               </a:lnSpc>
             </a:pPr>
-            <a:r>
-              <a:rPr lang="en-US" altLang="zh-CN" sz="1800" dirty="0">
-                <a:solidFill>
-                  <a:srgbClr val="262626"/>
-                </a:solidFill>
-              </a:rPr>
-              <a:t>2 add nodejs login to react</a:t>
-            </a:r>
             <a:endParaRPr lang="en-US" altLang="zh-CN" sz="1800" dirty="0">
               <a:solidFill>
                 <a:srgbClr val="262626"/>
@@ -10278,175 +10438,104 @@
             </a:endParaRPr>
           </a:p>
           <a:p>
-            <a:pPr lvl="1" defTabSz="342900">
+            <a:pPr defTabSz="342900">
               <a:lnSpc>
                 <a:spcPct val="120000"/>
               </a:lnSpc>
             </a:pPr>
-            <a:r>
-              <a:rPr lang="en-US" altLang="zh-CN" sz="1540" dirty="0">
-                <a:solidFill>
-                  <a:srgbClr val="262626"/>
-                </a:solidFill>
-              </a:rPr>
-              <a:t>add routes and link</a:t>
-            </a:r>
-            <a:endParaRPr lang="en-US" altLang="zh-CN" sz="1540" dirty="0">
+            <a:endParaRPr lang="en-US" altLang="zh-CN" sz="1800" dirty="0">
               <a:solidFill>
                 <a:srgbClr val="262626"/>
               </a:solidFill>
             </a:endParaRPr>
           </a:p>
           <a:p>
-            <a:pPr lvl="1" defTabSz="342900">
+            <a:pPr defTabSz="342900">
               <a:lnSpc>
                 <a:spcPct val="120000"/>
               </a:lnSpc>
             </a:pPr>
-            <a:r>
-              <a:rPr lang="en-US" altLang="zh-CN" sz="1540" dirty="0">
-                <a:solidFill>
-                  <a:srgbClr val="262626"/>
-                </a:solidFill>
-              </a:rPr>
-              <a:t>https://reactrouter.com/web/example/basic</a:t>
-            </a:r>
-            <a:endParaRPr lang="en-US" altLang="zh-CN" sz="1540" dirty="0">
+            <a:endParaRPr lang="en-US" altLang="zh-CN" sz="1800" dirty="0">
               <a:solidFill>
                 <a:srgbClr val="262626"/>
               </a:solidFill>
             </a:endParaRPr>
           </a:p>
           <a:p>
-            <a:pPr lvl="1" defTabSz="342900">
+            <a:pPr defTabSz="342900">
               <a:lnSpc>
                 <a:spcPct val="120000"/>
               </a:lnSpc>
             </a:pPr>
-            <a:endParaRPr lang="en-US" altLang="zh-CN" sz="1540" dirty="0">
+            <a:endParaRPr lang="en-US" altLang="zh-CN" sz="1800" dirty="0">
               <a:solidFill>
                 <a:srgbClr val="262626"/>
               </a:solidFill>
             </a:endParaRPr>
           </a:p>
           <a:p>
-            <a:pPr lvl="1" defTabSz="342900">
+            <a:pPr defTabSz="342900">
               <a:lnSpc>
                 <a:spcPct val="120000"/>
               </a:lnSpc>
             </a:pPr>
-            <a:r>
-              <a:rPr lang="en-US" altLang="zh-CN" sz="1540" dirty="0">
-                <a:solidFill>
-                  <a:srgbClr val="262626"/>
-                </a:solidFill>
-              </a:rPr>
-              <a:t>add forms</a:t>
-            </a:r>
-            <a:endParaRPr lang="en-US" altLang="zh-CN" sz="1540" dirty="0">
+            <a:endParaRPr lang="en-US" altLang="zh-CN" sz="1800" dirty="0">
               <a:solidFill>
                 <a:srgbClr val="262626"/>
               </a:solidFill>
             </a:endParaRPr>
           </a:p>
           <a:p>
-            <a:pPr lvl="1" defTabSz="342900">
+            <a:pPr defTabSz="342900">
               <a:lnSpc>
                 <a:spcPct val="120000"/>
               </a:lnSpc>
             </a:pPr>
-            <a:endParaRPr lang="en-US" altLang="zh-CN" sz="1540" dirty="0">
+            <a:endParaRPr lang="en-US" altLang="zh-CN" sz="1800" dirty="0">
               <a:solidFill>
                 <a:srgbClr val="262626"/>
               </a:solidFill>
             </a:endParaRPr>
           </a:p>
           <a:p>
-            <a:pPr lvl="1" defTabSz="342900">
+            <a:pPr marL="0" indent="0" defTabSz="342900">
               <a:lnSpc>
                 <a:spcPct val="120000"/>
               </a:lnSpc>
+              <a:buNone/>
             </a:pPr>
-            <a:r>
-              <a:rPr lang="en-US" altLang="zh-CN" sz="1540" dirty="0">
-                <a:solidFill>
-                  <a:srgbClr val="262626"/>
-                </a:solidFill>
-              </a:rPr>
-              <a:t>add events handler</a:t>
-            </a:r>
-            <a:endParaRPr lang="en-US" altLang="zh-CN" sz="1540" dirty="0">
+            <a:endParaRPr lang="en-US" altLang="zh-CN" sz="1800" dirty="0">
               <a:solidFill>
                 <a:srgbClr val="262626"/>
               </a:solidFill>
             </a:endParaRPr>
           </a:p>
-          <a:p>
-            <a:pPr lvl="1" defTabSz="342900">
-              <a:lnSpc>
-                <a:spcPct val="120000"/>
-              </a:lnSpc>
-            </a:pPr>
-            <a:endParaRPr lang="en-US" altLang="zh-CN" sz="1540" dirty="0">
-              <a:solidFill>
-                <a:srgbClr val="262626"/>
-              </a:solidFill>
-            </a:endParaRPr>
-          </a:p>
-          <a:p>
-            <a:pPr lvl="1" defTabSz="342900">
-              <a:lnSpc>
-                <a:spcPct val="120000"/>
-              </a:lnSpc>
-            </a:pPr>
-            <a:r>
-              <a:rPr lang="en-US" altLang="zh-CN" sz="1540" dirty="0">
-                <a:solidFill>
-                  <a:srgbClr val="262626"/>
-                </a:solidFill>
-              </a:rPr>
-              <a:t>add submit handler</a:t>
-            </a:r>
-            <a:endParaRPr lang="en-US" altLang="zh-CN" sz="1540" dirty="0">
-              <a:solidFill>
-                <a:srgbClr val="262626"/>
-              </a:solidFill>
-            </a:endParaRPr>
-          </a:p>
-          <a:p>
-            <a:pPr lvl="1" defTabSz="342900">
-              <a:lnSpc>
-                <a:spcPct val="120000"/>
-              </a:lnSpc>
-            </a:pPr>
-            <a:endParaRPr lang="en-US" altLang="zh-CN" sz="1540" dirty="0">
-              <a:solidFill>
-                <a:srgbClr val="262626"/>
-              </a:solidFill>
-            </a:endParaRPr>
-          </a:p>
-          <a:p>
-            <a:pPr lvl="1" defTabSz="342900">
-              <a:lnSpc>
-                <a:spcPct val="120000"/>
-              </a:lnSpc>
-            </a:pPr>
-            <a:r>
-              <a:rPr lang="en-US" altLang="zh-CN" sz="1540" dirty="0">
-                <a:solidFill>
-                  <a:srgbClr val="262626"/>
-                </a:solidFill>
-              </a:rPr>
-              <a:t>add auth</a:t>
-            </a:r>
-            <a:endParaRPr lang="en-US" altLang="zh-CN" sz="1540" dirty="0">
-              <a:solidFill>
-                <a:srgbClr val="262626"/>
-              </a:solidFill>
-            </a:endParaRPr>
-          </a:p>
         </p:txBody>
       </p:sp>
+      <p:pic>
+        <p:nvPicPr>
+          <p:cNvPr id="7" name="图片 6"/>
+          <p:cNvPicPr>
+            <a:picLocks noChangeAspect="1"/>
+          </p:cNvPicPr>
+          <p:nvPr/>
+        </p:nvPicPr>
+        <p:blipFill>
+          <a:blip r:embed="rId1"/>
+          <a:stretch>
+            <a:fillRect/>
+          </a:stretch>
+        </p:blipFill>
+        <p:spPr>
+          <a:xfrm>
+            <a:off x="628650" y="2984500"/>
+            <a:ext cx="6791325" cy="2510155"/>
+          </a:xfrm>
+          <a:prstGeom prst="rect">
+            <a:avLst/>
+          </a:prstGeom>
+        </p:spPr>
+      </p:pic>
     </p:spTree>
   </p:cSld>
   <p:clrMapOvr>
@@ -10500,7 +10589,7 @@
                 <a:latin typeface="Calibri" panose="020F0502020204030204" pitchFamily="34" charset="0"/>
                 <a:cs typeface="Calibri" panose="020F0502020204030204" pitchFamily="34" charset="0"/>
               </a:rPr>
-              <a:t>Route Link and Redirect</a:t>
+              <a:t>Code Demo</a:t>
             </a:r>
             <a:endParaRPr lang="en-US" sz="3200" b="1" dirty="0">
               <a:latin typeface="Calibri" panose="020F0502020204030204" pitchFamily="34" charset="0"/>
@@ -10542,7 +10631,7 @@
                   <a:srgbClr val="262626"/>
                 </a:solidFill>
               </a:rPr>
-              <a:t>react-router-dom</a:t>
+              <a:t>tasks:</a:t>
             </a:r>
             <a:endParaRPr lang="en-US" altLang="zh-CN" sz="1800" dirty="0">
               <a:solidFill>
@@ -10562,7 +10651,7 @@
                   <a:srgbClr val="262626"/>
                 </a:solidFill>
               </a:rPr>
-              <a:t>is a third-party context</a:t>
+              <a:t>1 setting up reactjs app</a:t>
             </a:r>
             <a:endParaRPr lang="en-US" altLang="zh-CN" sz="1800" dirty="0">
               <a:solidFill>
@@ -10576,25 +10665,13 @@
                 <a:spcPct val="120000"/>
               </a:lnSpc>
             </a:pPr>
-            <a:endParaRPr lang="en-US" altLang="zh-CN" sz="1800" dirty="0">
-              <a:solidFill>
-                <a:srgbClr val="262626"/>
-              </a:solidFill>
-            </a:endParaRPr>
-          </a:p>
-          <a:p>
-            <a:pPr defTabSz="342900">
-              <a:lnSpc>
-                <a:spcPct val="120000"/>
-              </a:lnSpc>
-            </a:pPr>
             <a:r>
               <a:rPr lang="en-US" altLang="zh-CN" sz="1800" dirty="0">
                 <a:solidFill>
                   <a:srgbClr val="262626"/>
                 </a:solidFill>
               </a:rPr>
-              <a:t>In a functional component, we use useHistory to invoke it; while in a class component we use withRoute to invoke it</a:t>
+              <a:t>2 add nodejs login to react</a:t>
             </a:r>
             <a:endParaRPr lang="en-US" altLang="zh-CN" sz="1800" dirty="0">
               <a:solidFill>
@@ -10603,52 +10680,168 @@
             </a:endParaRPr>
           </a:p>
           <a:p>
-            <a:pPr defTabSz="342900">
+            <a:pPr lvl="1" defTabSz="342900">
               <a:lnSpc>
                 <a:spcPct val="120000"/>
               </a:lnSpc>
             </a:pPr>
-            <a:endParaRPr lang="en-US" altLang="zh-CN" sz="1800" dirty="0">
+            <a:r>
+              <a:rPr lang="en-US" altLang="zh-CN" sz="1540" dirty="0">
+                <a:solidFill>
+                  <a:srgbClr val="262626"/>
+                </a:solidFill>
+              </a:rPr>
+              <a:t>add routes and link</a:t>
+            </a:r>
+            <a:endParaRPr lang="en-US" altLang="zh-CN" sz="1540" dirty="0">
               <a:solidFill>
                 <a:srgbClr val="262626"/>
               </a:solidFill>
             </a:endParaRPr>
           </a:p>
           <a:p>
-            <a:pPr defTabSz="342900">
+            <a:pPr lvl="1" defTabSz="342900">
               <a:lnSpc>
                 <a:spcPct val="120000"/>
               </a:lnSpc>
             </a:pPr>
             <a:r>
-              <a:rPr lang="en-US" altLang="zh-CN" sz="1800" dirty="0">
+              <a:rPr lang="en-US" altLang="zh-CN" sz="1540" dirty="0">
                 <a:solidFill>
                   <a:srgbClr val="262626"/>
                 </a:solidFill>
               </a:rPr>
-              <a:t>history.push = Link in html</a:t>
-            </a:r>
-            <a:endParaRPr lang="en-US" altLang="zh-CN" sz="1800" dirty="0">
+              <a:t>https://reactrouter.com/web/example/basic</a:t>
+            </a:r>
+            <a:endParaRPr lang="en-US" altLang="zh-CN" sz="1540" dirty="0">
               <a:solidFill>
                 <a:srgbClr val="262626"/>
               </a:solidFill>
             </a:endParaRPr>
           </a:p>
           <a:p>
-            <a:pPr defTabSz="342900">
+            <a:pPr lvl="1" defTabSz="342900">
               <a:lnSpc>
                 <a:spcPct val="120000"/>
               </a:lnSpc>
             </a:pPr>
-            <a:r>
-              <a:rPr lang="en-US" altLang="zh-CN" sz="1800" dirty="0">
+            <a:endParaRPr lang="en-US" altLang="zh-CN" sz="1540" dirty="0">
+              <a:solidFill>
+                <a:srgbClr val="262626"/>
+              </a:solidFill>
+            </a:endParaRPr>
+          </a:p>
+          <a:p>
+            <a:pPr lvl="1" defTabSz="342900">
+              <a:lnSpc>
+                <a:spcPct val="120000"/>
+              </a:lnSpc>
+            </a:pPr>
+            <a:r>
+              <a:rPr lang="en-US" altLang="zh-CN" sz="1540" dirty="0">
                 <a:solidFill>
                   <a:srgbClr val="262626"/>
                 </a:solidFill>
               </a:rPr>
-              <a:t>history.replace = Redirect in html</a:t>
-            </a:r>
-            <a:endParaRPr lang="en-US" altLang="zh-CN" sz="1800" dirty="0">
+              <a:t>add forms</a:t>
+            </a:r>
+            <a:endParaRPr lang="en-US" altLang="zh-CN" sz="1540" dirty="0">
+              <a:solidFill>
+                <a:srgbClr val="262626"/>
+              </a:solidFill>
+            </a:endParaRPr>
+          </a:p>
+          <a:p>
+            <a:pPr lvl="1" defTabSz="342900">
+              <a:lnSpc>
+                <a:spcPct val="120000"/>
+              </a:lnSpc>
+            </a:pPr>
+            <a:endParaRPr lang="en-US" altLang="zh-CN" sz="1540" dirty="0">
+              <a:solidFill>
+                <a:srgbClr val="262626"/>
+              </a:solidFill>
+            </a:endParaRPr>
+          </a:p>
+          <a:p>
+            <a:pPr lvl="1" defTabSz="342900">
+              <a:lnSpc>
+                <a:spcPct val="120000"/>
+              </a:lnSpc>
+            </a:pPr>
+            <a:r>
+              <a:rPr lang="en-US" altLang="zh-CN" sz="1540" dirty="0">
+                <a:solidFill>
+                  <a:srgbClr val="262626"/>
+                </a:solidFill>
+              </a:rPr>
+              <a:t>add events handler</a:t>
+            </a:r>
+            <a:endParaRPr lang="en-US" altLang="zh-CN" sz="1540" dirty="0">
+              <a:solidFill>
+                <a:srgbClr val="262626"/>
+              </a:solidFill>
+            </a:endParaRPr>
+          </a:p>
+          <a:p>
+            <a:pPr lvl="1" defTabSz="342900">
+              <a:lnSpc>
+                <a:spcPct val="120000"/>
+              </a:lnSpc>
+            </a:pPr>
+            <a:endParaRPr lang="en-US" altLang="zh-CN" sz="1540" dirty="0">
+              <a:solidFill>
+                <a:srgbClr val="262626"/>
+              </a:solidFill>
+            </a:endParaRPr>
+          </a:p>
+          <a:p>
+            <a:pPr lvl="1" defTabSz="342900">
+              <a:lnSpc>
+                <a:spcPct val="120000"/>
+              </a:lnSpc>
+            </a:pPr>
+            <a:r>
+              <a:rPr lang="en-US" altLang="zh-CN" sz="1540" dirty="0">
+                <a:solidFill>
+                  <a:srgbClr val="262626"/>
+                </a:solidFill>
+              </a:rPr>
+              <a:t>add submit handler</a:t>
+            </a:r>
+            <a:endParaRPr lang="en-US" altLang="zh-CN" sz="1540" dirty="0">
+              <a:solidFill>
+                <a:srgbClr val="262626"/>
+              </a:solidFill>
+            </a:endParaRPr>
+          </a:p>
+          <a:p>
+            <a:pPr lvl="1" defTabSz="342900">
+              <a:lnSpc>
+                <a:spcPct val="120000"/>
+              </a:lnSpc>
+            </a:pPr>
+            <a:endParaRPr lang="en-US" altLang="zh-CN" sz="1540" dirty="0">
+              <a:solidFill>
+                <a:srgbClr val="262626"/>
+              </a:solidFill>
+            </a:endParaRPr>
+          </a:p>
+          <a:p>
+            <a:pPr lvl="1" defTabSz="342900">
+              <a:lnSpc>
+                <a:spcPct val="120000"/>
+              </a:lnSpc>
+            </a:pPr>
+            <a:r>
+              <a:rPr lang="en-US" altLang="zh-CN" sz="1540" dirty="0">
+                <a:solidFill>
+                  <a:srgbClr val="262626"/>
+                </a:solidFill>
+              </a:rPr>
+              <a:t>add auth</a:t>
+            </a:r>
+            <a:endParaRPr lang="en-US" altLang="zh-CN" sz="1540" dirty="0">
               <a:solidFill>
                 <a:srgbClr val="262626"/>
               </a:solidFill>
@@ -10709,6 +10902,215 @@
                 <a:latin typeface="Calibri" panose="020F0502020204030204" pitchFamily="34" charset="0"/>
                 <a:cs typeface="Calibri" panose="020F0502020204030204" pitchFamily="34" charset="0"/>
               </a:rPr>
+              <a:t>Route Link and Redirect</a:t>
+            </a:r>
+            <a:endParaRPr lang="en-US" sz="3200" b="1" dirty="0">
+              <a:latin typeface="Calibri" panose="020F0502020204030204" pitchFamily="34" charset="0"/>
+              <a:cs typeface="Calibri" panose="020F0502020204030204" pitchFamily="34" charset="0"/>
+            </a:endParaRPr>
+          </a:p>
+        </p:txBody>
+      </p:sp>
+      <p:sp>
+        <p:nvSpPr>
+          <p:cNvPr id="3" name="Content Placeholder 2"/>
+          <p:cNvSpPr>
+            <a:spLocks noGrp="1"/>
+          </p:cNvSpPr>
+          <p:nvPr>
+            <p:ph idx="1"/>
+          </p:nvPr>
+        </p:nvSpPr>
+        <p:spPr>
+          <a:xfrm>
+            <a:off x="628650" y="989044"/>
+            <a:ext cx="7886700" cy="5605719"/>
+          </a:xfrm>
+        </p:spPr>
+        <p:txBody>
+          <a:bodyPr>
+            <a:normAutofit/>
+          </a:bodyPr>
+          <a:lstStyle/>
+          <a:p>
+            <a:pPr defTabSz="342900">
+              <a:lnSpc>
+                <a:spcPct val="120000"/>
+              </a:lnSpc>
+            </a:pPr>
+            <a:r>
+              <a:rPr lang="en-US" altLang="zh-CN" sz="1800" dirty="0">
+                <a:solidFill>
+                  <a:srgbClr val="262626"/>
+                </a:solidFill>
+              </a:rPr>
+              <a:t>react-router-dom</a:t>
+            </a:r>
+            <a:endParaRPr lang="en-US" altLang="zh-CN" sz="1800" dirty="0">
+              <a:solidFill>
+                <a:srgbClr val="262626"/>
+              </a:solidFill>
+            </a:endParaRPr>
+          </a:p>
+          <a:p>
+            <a:pPr defTabSz="342900">
+              <a:lnSpc>
+                <a:spcPct val="120000"/>
+              </a:lnSpc>
+            </a:pPr>
+            <a:r>
+              <a:rPr lang="en-US" altLang="zh-CN" sz="1800" dirty="0">
+                <a:solidFill>
+                  <a:srgbClr val="262626"/>
+                </a:solidFill>
+              </a:rPr>
+              <a:t>is a third-party context</a:t>
+            </a:r>
+            <a:endParaRPr lang="en-US" altLang="zh-CN" sz="1800" dirty="0">
+              <a:solidFill>
+                <a:srgbClr val="262626"/>
+              </a:solidFill>
+            </a:endParaRPr>
+          </a:p>
+          <a:p>
+            <a:pPr defTabSz="342900">
+              <a:lnSpc>
+                <a:spcPct val="120000"/>
+              </a:lnSpc>
+            </a:pPr>
+            <a:endParaRPr lang="en-US" altLang="zh-CN" sz="1800" dirty="0">
+              <a:solidFill>
+                <a:srgbClr val="262626"/>
+              </a:solidFill>
+            </a:endParaRPr>
+          </a:p>
+          <a:p>
+            <a:pPr defTabSz="342900">
+              <a:lnSpc>
+                <a:spcPct val="120000"/>
+              </a:lnSpc>
+            </a:pPr>
+            <a:r>
+              <a:rPr lang="en-US" altLang="zh-CN" sz="1800" dirty="0">
+                <a:solidFill>
+                  <a:srgbClr val="262626"/>
+                </a:solidFill>
+              </a:rPr>
+              <a:t>In a functional component, we use useHistory to invoke it; while in a class component we use withRoute to invoke it</a:t>
+            </a:r>
+            <a:endParaRPr lang="en-US" altLang="zh-CN" sz="1800" dirty="0">
+              <a:solidFill>
+                <a:srgbClr val="262626"/>
+              </a:solidFill>
+            </a:endParaRPr>
+          </a:p>
+          <a:p>
+            <a:pPr defTabSz="342900">
+              <a:lnSpc>
+                <a:spcPct val="120000"/>
+              </a:lnSpc>
+            </a:pPr>
+            <a:endParaRPr lang="en-US" altLang="zh-CN" sz="1800" dirty="0">
+              <a:solidFill>
+                <a:srgbClr val="262626"/>
+              </a:solidFill>
+            </a:endParaRPr>
+          </a:p>
+          <a:p>
+            <a:pPr defTabSz="342900">
+              <a:lnSpc>
+                <a:spcPct val="120000"/>
+              </a:lnSpc>
+            </a:pPr>
+            <a:r>
+              <a:rPr lang="en-US" altLang="zh-CN" sz="1800" dirty="0">
+                <a:solidFill>
+                  <a:srgbClr val="262626"/>
+                </a:solidFill>
+              </a:rPr>
+              <a:t>history.push = Link in html</a:t>
+            </a:r>
+            <a:endParaRPr lang="en-US" altLang="zh-CN" sz="1800" dirty="0">
+              <a:solidFill>
+                <a:srgbClr val="262626"/>
+              </a:solidFill>
+            </a:endParaRPr>
+          </a:p>
+          <a:p>
+            <a:pPr defTabSz="342900">
+              <a:lnSpc>
+                <a:spcPct val="120000"/>
+              </a:lnSpc>
+            </a:pPr>
+            <a:r>
+              <a:rPr lang="en-US" altLang="zh-CN" sz="1800" dirty="0">
+                <a:solidFill>
+                  <a:srgbClr val="262626"/>
+                </a:solidFill>
+              </a:rPr>
+              <a:t>history.replace = Redirect in html</a:t>
+            </a:r>
+            <a:endParaRPr lang="en-US" altLang="zh-CN" sz="1800" dirty="0">
+              <a:solidFill>
+                <a:srgbClr val="262626"/>
+              </a:solidFill>
+            </a:endParaRPr>
+          </a:p>
+        </p:txBody>
+      </p:sp>
+    </p:spTree>
+  </p:cSld>
+  <p:clrMapOvr>
+    <a:masterClrMapping/>
+  </p:clrMapOvr>
+</p:sld>
+</file>
+
+<file path=ppt/slides/slide25.xml><?xml version="1.0" encoding="utf-8"?>
+<p:sld xmlns:a="http://schemas.openxmlformats.org/drawingml/2006/main" xmlns:r="http://schemas.openxmlformats.org/officeDocument/2006/relationships" xmlns:p="http://schemas.openxmlformats.org/presentationml/2006/main">
+  <p:cSld>
+    <p:spTree>
+      <p:nvGrpSpPr>
+        <p:cNvPr id="1" name=""/>
+        <p:cNvGrpSpPr/>
+        <p:nvPr/>
+      </p:nvGrpSpPr>
+      <p:grpSpPr>
+        <a:xfrm>
+          <a:off x="0" y="0"/>
+          <a:ext cx="0" cy="0"/>
+          <a:chOff x="0" y="0"/>
+          <a:chExt cx="0" cy="0"/>
+        </a:xfrm>
+      </p:grpSpPr>
+      <p:sp>
+        <p:nvSpPr>
+          <p:cNvPr id="2" name="Title 1"/>
+          <p:cNvSpPr>
+            <a:spLocks noGrp="1"/>
+          </p:cNvSpPr>
+          <p:nvPr>
+            <p:ph type="title"/>
+          </p:nvPr>
+        </p:nvSpPr>
+        <p:spPr>
+          <a:xfrm>
+            <a:off x="628650" y="155263"/>
+            <a:ext cx="7886700" cy="526790"/>
+          </a:xfrm>
+        </p:spPr>
+        <p:txBody>
+          <a:bodyPr>
+            <a:normAutofit fontScale="90000"/>
+          </a:bodyPr>
+          <a:lstStyle/>
+          <a:p>
+            <a:pPr algn="ctr"/>
+            <a:r>
+              <a:rPr lang="en-US" sz="3200" b="1" dirty="0">
+                <a:latin typeface="Calibri" panose="020F0502020204030204" pitchFamily="34" charset="0"/>
+                <a:cs typeface="Calibri" panose="020F0502020204030204" pitchFamily="34" charset="0"/>
+              </a:rPr>
               <a:t>Code Demo</a:t>
             </a:r>
             <a:endParaRPr lang="en-US" sz="3200" b="1" dirty="0">
@@ -11154,7 +11556,7 @@
       </p:sp>
       <p:sp>
         <p:nvSpPr>
-          <p:cNvPr id="3" name="Content Placeholder 2"/>
+          <p:cNvPr id="5" name="Content Placeholder 2"/>
           <p:cNvSpPr>
             <a:spLocks noGrp="1"/>
           </p:cNvSpPr>
@@ -11170,7 +11572,7 @@
         </p:spPr>
         <p:txBody>
           <a:bodyPr>
-            <a:normAutofit lnSpcReduction="10000"/>
+            <a:normAutofit lnSpcReduction="20000"/>
           </a:bodyPr>
           <a:lstStyle/>
           <a:p>
@@ -11186,9 +11588,8 @@
                 <a:solidFill>
                   <a:srgbClr val="262626"/>
                 </a:solidFill>
-                <a:sym typeface="+mn-ea"/>
               </a:rPr>
-              <a:t>Within a React component, we have the following areas to think about:</a:t>
+              <a:t>Key Points</a:t>
             </a:r>
             <a:endParaRPr lang="en-US" altLang="en-US" sz="1800" dirty="0">
               <a:solidFill>
@@ -11204,25 +11605,7 @@
               <a:buFont typeface="Arial" panose="020B0604020202020204" pitchFamily="34" charset="0"/>
               <a:buChar char="•"/>
             </a:pPr>
-            <a:r>
-              <a:rPr lang="en-US" altLang="en-US" sz="1800" dirty="0">
-                <a:solidFill>
-                  <a:srgbClr val="262626"/>
-                </a:solidFill>
-                <a:sym typeface="+mn-ea"/>
-              </a:rPr>
-              <a:t>Data: This is data that comes from somewhere (the component doesn't care where), and is rendered by the component.</a:t>
-            </a:r>
-            <a:r>
-              <a:rPr lang="en-US" altLang="en-US" sz="1800" b="1" dirty="0">
-                <a:solidFill>
-                  <a:srgbClr val="262626"/>
-                </a:solidFill>
-                <a:sym typeface="+mn-ea"/>
-              </a:rPr>
-              <a:t> (use props and states)</a:t>
-            </a:r>
-            <a:endParaRPr lang="en-US" altLang="en-US" sz="1800" b="1" dirty="0">
+            <a:endParaRPr lang="en-US" altLang="en-US" sz="1800" dirty="0">
               <a:solidFill>
                 <a:srgbClr val="262626"/>
               </a:solidFill>
@@ -11243,7 +11626,7 @@
                 </a:solidFill>
                 <a:sym typeface="+mn-ea"/>
               </a:rPr>
-              <a:t>Lifecycle: This consists of methods or Hooks that we implement to respond to the component's entering and exiting phases of the React rendering process as they happen over time. For example, one phase of the lifecycle is when the component is about to be rendered.</a:t>
+              <a:t>JSX: This is the syntax of React components used to describe UI structures.</a:t>
             </a:r>
             <a:endParaRPr lang="en-US" altLang="en-US" sz="1800" dirty="0">
               <a:solidFill>
@@ -11264,9 +11647,17 @@
                 <a:solidFill>
                   <a:srgbClr val="262626"/>
                 </a:solidFill>
+              </a:rPr>
+              <a:t>Lifecycle &amp; lifecycle methods: </a:t>
+            </a:r>
+            <a:r>
+              <a:rPr lang="en-US" altLang="en-US" sz="1800" dirty="0">
+                <a:solidFill>
+                  <a:srgbClr val="262626"/>
+                </a:solidFill>
                 <a:sym typeface="+mn-ea"/>
               </a:rPr>
-              <a:t>Events: These are the code that we write for responding to user interactions.</a:t>
+              <a:t>This consists of methods or Hooks that we implement to respond to the component's entering and exiting phases of the React rendering process as they happen over time. For example, one phase of the lifecycle is when the component is about to be rendered.</a:t>
             </a:r>
             <a:endParaRPr lang="en-US" altLang="en-US" sz="1800" dirty="0">
               <a:solidFill>
@@ -11289,9 +11680,177 @@
                 </a:solidFill>
                 <a:sym typeface="+mn-ea"/>
               </a:rPr>
-              <a:t>JSX: This is the syntax of React components used to describe UI structures.</a:t>
-            </a:r>
-            <a:endParaRPr lang="en-US" altLang="en-US" sz="1540" dirty="0">
+              <a:t>Data P</a:t>
+            </a:r>
+            <a:r>
+              <a:rPr lang="en-US" altLang="en-US" sz="1800" dirty="0">
+                <a:solidFill>
+                  <a:srgbClr val="262626"/>
+                </a:solidFill>
+                <a:sym typeface="+mn-ea"/>
+              </a:rPr>
+              <a:t>assing</a:t>
+            </a:r>
+            <a:r>
+              <a:rPr lang="en-US" altLang="en-US" sz="1800" dirty="0">
+                <a:solidFill>
+                  <a:srgbClr val="262626"/>
+                </a:solidFill>
+                <a:sym typeface="+mn-ea"/>
+              </a:rPr>
+              <a:t>: </a:t>
+            </a:r>
+            <a:r>
+              <a:rPr lang="en-US" altLang="en-US" sz="1800" dirty="0">
+                <a:solidFill>
+                  <a:srgbClr val="262626"/>
+                </a:solidFill>
+              </a:rPr>
+              <a:t>props and states, </a:t>
+            </a:r>
+            <a:r>
+              <a:rPr lang="en-US" altLang="en-US" sz="1800" dirty="0">
+                <a:solidFill>
+                  <a:srgbClr val="262626"/>
+                </a:solidFill>
+                <a:sym typeface="+mn-ea"/>
+              </a:rPr>
+              <a:t>Context API</a:t>
+            </a:r>
+            <a:endParaRPr lang="en-US" altLang="en-US" sz="1800" dirty="0">
+              <a:solidFill>
+                <a:srgbClr val="262626"/>
+              </a:solidFill>
+            </a:endParaRPr>
+          </a:p>
+          <a:p>
+            <a:pPr marL="228600" lvl="0" indent="-228600" defTabSz="342900">
+              <a:lnSpc>
+                <a:spcPct val="120000"/>
+              </a:lnSpc>
+              <a:buFont typeface="Arial" panose="020B0604020202020204" pitchFamily="34" charset="0"/>
+              <a:buChar char="•"/>
+            </a:pPr>
+            <a:r>
+              <a:rPr lang="en-US" altLang="en-US" sz="1800" dirty="0">
+                <a:solidFill>
+                  <a:srgbClr val="262626"/>
+                </a:solidFill>
+              </a:rPr>
+              <a:t>Class Component &amp; Functional components</a:t>
+            </a:r>
+            <a:endParaRPr lang="en-US" altLang="en-US" sz="1800" dirty="0">
+              <a:solidFill>
+                <a:srgbClr val="262626"/>
+              </a:solidFill>
+            </a:endParaRPr>
+          </a:p>
+          <a:p>
+            <a:pPr marL="228600" lvl="0" indent="-228600" defTabSz="342900">
+              <a:lnSpc>
+                <a:spcPct val="120000"/>
+              </a:lnSpc>
+              <a:buFont typeface="Arial" panose="020B0604020202020204" pitchFamily="34" charset="0"/>
+              <a:buChar char="•"/>
+            </a:pPr>
+            <a:r>
+              <a:rPr lang="en-US" altLang="en-US" sz="1800" dirty="0">
+                <a:solidFill>
+                  <a:srgbClr val="262626"/>
+                </a:solidFill>
+              </a:rPr>
+              <a:t>Hooks</a:t>
+            </a:r>
+            <a:endParaRPr lang="en-US" altLang="en-US" sz="1800" dirty="0">
+              <a:solidFill>
+                <a:srgbClr val="262626"/>
+              </a:solidFill>
+            </a:endParaRPr>
+          </a:p>
+          <a:p>
+            <a:pPr marL="228600" lvl="0" indent="-228600" defTabSz="342900">
+              <a:lnSpc>
+                <a:spcPct val="120000"/>
+              </a:lnSpc>
+              <a:buFont typeface="Arial" panose="020B0604020202020204" pitchFamily="34" charset="0"/>
+              <a:buChar char="•"/>
+            </a:pPr>
+            <a:r>
+              <a:rPr lang="en-US" altLang="en-US" sz="1800" dirty="0">
+                <a:solidFill>
+                  <a:srgbClr val="262626"/>
+                </a:solidFill>
+              </a:rPr>
+              <a:t>how to write logic in react</a:t>
+            </a:r>
+            <a:endParaRPr lang="en-US" altLang="en-US" sz="1800" dirty="0">
+              <a:solidFill>
+                <a:srgbClr val="262626"/>
+              </a:solidFill>
+            </a:endParaRPr>
+          </a:p>
+          <a:p>
+            <a:pPr marL="228600" lvl="0" indent="-228600" defTabSz="342900">
+              <a:lnSpc>
+                <a:spcPct val="120000"/>
+              </a:lnSpc>
+              <a:buFont typeface="Arial" panose="020B0604020202020204" pitchFamily="34" charset="0"/>
+              <a:buChar char="•"/>
+            </a:pPr>
+            <a:r>
+              <a:rPr lang="en-US" altLang="en-US" sz="1800" dirty="0">
+                <a:solidFill>
+                  <a:srgbClr val="262626"/>
+                </a:solidFill>
+              </a:rPr>
+              <a:t>forms</a:t>
+            </a:r>
+            <a:endParaRPr lang="en-US" altLang="en-US" sz="1800" dirty="0">
+              <a:solidFill>
+                <a:srgbClr val="262626"/>
+              </a:solidFill>
+            </a:endParaRPr>
+          </a:p>
+          <a:p>
+            <a:pPr marL="228600" lvl="0" indent="-228600" defTabSz="342900">
+              <a:lnSpc>
+                <a:spcPct val="120000"/>
+              </a:lnSpc>
+              <a:buFont typeface="Arial" panose="020B0604020202020204" pitchFamily="34" charset="0"/>
+              <a:buChar char="•"/>
+            </a:pPr>
+            <a:r>
+              <a:rPr lang="en-US" altLang="en-US" sz="1800" dirty="0">
+                <a:solidFill>
+                  <a:srgbClr val="262626"/>
+                </a:solidFill>
+              </a:rPr>
+              <a:t>uploads</a:t>
+            </a:r>
+            <a:endParaRPr lang="en-US" altLang="en-US" sz="1800" dirty="0">
+              <a:solidFill>
+                <a:srgbClr val="262626"/>
+              </a:solidFill>
+            </a:endParaRPr>
+          </a:p>
+          <a:p>
+            <a:pPr marL="228600" lvl="0" indent="-228600" defTabSz="342900">
+              <a:lnSpc>
+                <a:spcPct val="120000"/>
+              </a:lnSpc>
+              <a:buFont typeface="Arial" panose="020B0604020202020204" pitchFamily="34" charset="0"/>
+              <a:buChar char="•"/>
+            </a:pPr>
+            <a:r>
+              <a:rPr lang="en-US" altLang="en-US" sz="1800" dirty="0">
+                <a:solidFill>
+                  <a:srgbClr val="262626"/>
+                </a:solidFill>
+                <a:sym typeface="+mn-ea"/>
+              </a:rPr>
+              <a:t>events: These are the code that we write for responding to user interactions.</a:t>
+            </a:r>
+            <a:endParaRPr lang="en-US" altLang="en-US" sz="1800" dirty="0">
               <a:solidFill>
                 <a:srgbClr val="262626"/>
               </a:solidFill>
@@ -11352,7 +11911,7 @@
                 <a:latin typeface="Calibri" panose="020F0502020204030204" pitchFamily="34" charset="0"/>
                 <a:cs typeface="Calibri" panose="020F0502020204030204" pitchFamily="34" charset="0"/>
               </a:rPr>
-              <a:t>Example</a:t>
+              <a:t>JSX</a:t>
             </a:r>
             <a:endParaRPr lang="en-US" sz="3200" b="1" dirty="0">
               <a:latin typeface="Calibri" panose="020F0502020204030204" pitchFamily="34" charset="0"/>
@@ -11440,7 +11999,7 @@
                 <a:latin typeface="Calibri" panose="020F0502020204030204" pitchFamily="34" charset="0"/>
                 <a:cs typeface="Calibri" panose="020F0502020204030204" pitchFamily="34" charset="0"/>
               </a:rPr>
-              <a:t>Key Concepts</a:t>
+              <a:t>JSX</a:t>
             </a:r>
             <a:endParaRPr lang="en-US" sz="3200" b="1" dirty="0">
               <a:latin typeface="Calibri" panose="020F0502020204030204" pitchFamily="34" charset="0"/>
@@ -11449,286 +12008,292 @@
           </a:p>
         </p:txBody>
       </p:sp>
-      <p:sp>
-        <p:nvSpPr>
-          <p:cNvPr id="5" name="Content Placeholder 2"/>
-          <p:cNvSpPr>
-            <a:spLocks noGrp="1"/>
-          </p:cNvSpPr>
+      <p:graphicFrame>
+        <p:nvGraphicFramePr>
+          <p:cNvPr id="4" name="内容占位符 3"/>
+          <p:cNvGraphicFramePr/>
           <p:nvPr>
             <p:ph idx="1"/>
+            <p:custDataLst>
+              <p:tags r:id="rId1"/>
+            </p:custDataLst>
           </p:nvPr>
-        </p:nvSpPr>
-        <p:spPr>
-          <a:xfrm>
-            <a:off x="628650" y="989044"/>
-            <a:ext cx="7886700" cy="5605719"/>
-          </a:xfrm>
-        </p:spPr>
-        <p:txBody>
-          <a:bodyPr>
-            <a:normAutofit lnSpcReduction="10000"/>
-          </a:bodyPr>
-          <a:lstStyle/>
-          <a:p>
-            <a:pPr marL="228600" lvl="0" indent="-228600" defTabSz="342900">
-              <a:lnSpc>
-                <a:spcPct val="120000"/>
-              </a:lnSpc>
-              <a:buFont typeface="Arial" panose="020B0604020202020204" pitchFamily="34" charset="0"/>
-              <a:buChar char="•"/>
-            </a:pPr>
-            <a:r>
-              <a:rPr lang="en-US" altLang="en-US" sz="1540" dirty="0">
-                <a:solidFill>
-                  <a:srgbClr val="262626"/>
-                </a:solidFill>
-              </a:rPr>
-              <a:t>Lifecycle methods</a:t>
-            </a:r>
-            <a:endParaRPr lang="en-US" altLang="en-US" sz="1540" dirty="0">
-              <a:solidFill>
-                <a:srgbClr val="262626"/>
-              </a:solidFill>
-            </a:endParaRPr>
-          </a:p>
-          <a:p>
-            <a:pPr marL="228600" lvl="0" indent="-228600" defTabSz="342900">
-              <a:lnSpc>
-                <a:spcPct val="120000"/>
-              </a:lnSpc>
-              <a:buFont typeface="Arial" panose="020B0604020202020204" pitchFamily="34" charset="0"/>
-              <a:buChar char="•"/>
-            </a:pPr>
-            <a:r>
-              <a:rPr lang="en-US" altLang="en-US" sz="1540" dirty="0">
-                <a:solidFill>
-                  <a:srgbClr val="262626"/>
-                </a:solidFill>
-              </a:rPr>
-              <a:t>props and states</a:t>
-            </a:r>
-            <a:endParaRPr lang="en-US" altLang="en-US" sz="1540" dirty="0">
-              <a:solidFill>
-                <a:srgbClr val="262626"/>
-              </a:solidFill>
-            </a:endParaRPr>
-          </a:p>
-          <a:p>
-            <a:pPr marL="228600" lvl="0" indent="-228600" defTabSz="342900">
-              <a:lnSpc>
-                <a:spcPct val="120000"/>
-              </a:lnSpc>
-              <a:buFont typeface="Arial" panose="020B0604020202020204" pitchFamily="34" charset="0"/>
-              <a:buChar char="•"/>
-            </a:pPr>
-            <a:r>
-              <a:rPr lang="en-US" altLang="en-US" sz="1540" dirty="0">
-                <a:solidFill>
-                  <a:srgbClr val="262626"/>
-                </a:solidFill>
-              </a:rPr>
-              <a:t>Functional components</a:t>
-            </a:r>
-            <a:endParaRPr lang="en-US" altLang="en-US" sz="1540" dirty="0">
-              <a:solidFill>
-                <a:srgbClr val="262626"/>
-              </a:solidFill>
-            </a:endParaRPr>
-          </a:p>
-          <a:p>
-            <a:pPr marL="228600" lvl="0" indent="-228600" defTabSz="342900">
-              <a:lnSpc>
-                <a:spcPct val="120000"/>
-              </a:lnSpc>
-              <a:buFont typeface="Arial" panose="020B0604020202020204" pitchFamily="34" charset="0"/>
-              <a:buChar char="•"/>
-            </a:pPr>
-            <a:r>
-              <a:rPr lang="en-US" altLang="en-US" sz="1535" dirty="0">
-                <a:solidFill>
-                  <a:srgbClr val="262626"/>
-                </a:solidFill>
-                <a:sym typeface="+mn-ea"/>
-              </a:rPr>
-              <a:t>Context API</a:t>
-            </a:r>
-            <a:endParaRPr lang="en-US" altLang="en-US" sz="1540" dirty="0">
-              <a:solidFill>
-                <a:srgbClr val="262626"/>
-              </a:solidFill>
-            </a:endParaRPr>
-          </a:p>
-          <a:p>
-            <a:pPr marL="228600" lvl="0" indent="-228600" defTabSz="342900">
-              <a:lnSpc>
-                <a:spcPct val="120000"/>
-              </a:lnSpc>
-              <a:buFont typeface="Arial" panose="020B0604020202020204" pitchFamily="34" charset="0"/>
-              <a:buChar char="•"/>
-            </a:pPr>
-            <a:r>
-              <a:rPr lang="en-US" altLang="en-US" sz="1540" dirty="0">
-                <a:solidFill>
-                  <a:srgbClr val="262626"/>
-                </a:solidFill>
-              </a:rPr>
-              <a:t>Hooks</a:t>
-            </a:r>
-            <a:endParaRPr lang="en-US" altLang="en-US" sz="1540" dirty="0">
-              <a:solidFill>
-                <a:srgbClr val="262626"/>
-              </a:solidFill>
-            </a:endParaRPr>
-          </a:p>
-          <a:p>
-            <a:pPr marL="228600" lvl="0" indent="-228600" defTabSz="342900">
-              <a:lnSpc>
-                <a:spcPct val="120000"/>
-              </a:lnSpc>
-              <a:buFont typeface="Arial" panose="020B0604020202020204" pitchFamily="34" charset="0"/>
-              <a:buChar char="•"/>
-            </a:pPr>
-            <a:endParaRPr lang="en-US" altLang="en-US" sz="1540" dirty="0">
-              <a:solidFill>
-                <a:srgbClr val="262626"/>
-              </a:solidFill>
-            </a:endParaRPr>
-          </a:p>
-          <a:p>
-            <a:pPr marL="228600" lvl="0" indent="-228600" defTabSz="342900">
-              <a:lnSpc>
-                <a:spcPct val="120000"/>
-              </a:lnSpc>
-              <a:buFont typeface="Arial" panose="020B0604020202020204" pitchFamily="34" charset="0"/>
-              <a:buChar char="•"/>
-            </a:pPr>
-            <a:r>
-              <a:rPr lang="en-US" altLang="en-US" sz="1540" dirty="0">
-                <a:solidFill>
-                  <a:srgbClr val="262626"/>
-                </a:solidFill>
-              </a:rPr>
-              <a:t>Key Points:</a:t>
-            </a:r>
-            <a:endParaRPr lang="en-US" altLang="en-US" sz="1540" dirty="0">
-              <a:solidFill>
-                <a:srgbClr val="262626"/>
-              </a:solidFill>
-            </a:endParaRPr>
-          </a:p>
-          <a:p>
-            <a:pPr marL="228600" lvl="0" indent="-228600" defTabSz="342900">
-              <a:lnSpc>
-                <a:spcPct val="120000"/>
-              </a:lnSpc>
-              <a:buFont typeface="Arial" panose="020B0604020202020204" pitchFamily="34" charset="0"/>
-              <a:buChar char="•"/>
-            </a:pPr>
-            <a:r>
-              <a:rPr lang="en-US" altLang="en-US" sz="1540" dirty="0">
-                <a:solidFill>
-                  <a:srgbClr val="262626"/>
-                </a:solidFill>
-              </a:rPr>
-              <a:t>data passing: props stats and context</a:t>
-            </a:r>
-            <a:endParaRPr lang="en-US" altLang="en-US" sz="1540" dirty="0">
-              <a:solidFill>
-                <a:srgbClr val="262626"/>
-              </a:solidFill>
-            </a:endParaRPr>
-          </a:p>
-          <a:p>
-            <a:pPr marL="228600" lvl="0" indent="-228600" defTabSz="342900">
-              <a:lnSpc>
-                <a:spcPct val="120000"/>
-              </a:lnSpc>
-              <a:buFont typeface="Arial" panose="020B0604020202020204" pitchFamily="34" charset="0"/>
-              <a:buChar char="•"/>
-            </a:pPr>
-            <a:r>
-              <a:rPr lang="en-US" altLang="en-US" sz="1540" dirty="0">
-                <a:solidFill>
-                  <a:srgbClr val="262626"/>
-                </a:solidFill>
-              </a:rPr>
-              <a:t>two types: functional vs class</a:t>
-            </a:r>
-            <a:endParaRPr lang="en-US" altLang="en-US" sz="1540" dirty="0">
-              <a:solidFill>
-                <a:srgbClr val="262626"/>
-              </a:solidFill>
-            </a:endParaRPr>
-          </a:p>
-          <a:p>
-            <a:pPr marL="228600" lvl="0" indent="-228600" defTabSz="342900">
-              <a:lnSpc>
-                <a:spcPct val="120000"/>
-              </a:lnSpc>
-              <a:buFont typeface="Arial" panose="020B0604020202020204" pitchFamily="34" charset="0"/>
-              <a:buChar char="•"/>
-            </a:pPr>
-            <a:r>
-              <a:rPr lang="en-US" altLang="en-US" sz="1540" dirty="0">
-                <a:solidFill>
-                  <a:srgbClr val="262626"/>
-                </a:solidFill>
-              </a:rPr>
-              <a:t>how to write logic in react</a:t>
-            </a:r>
-            <a:endParaRPr lang="en-US" altLang="en-US" sz="1540" dirty="0">
-              <a:solidFill>
-                <a:srgbClr val="262626"/>
-              </a:solidFill>
-            </a:endParaRPr>
-          </a:p>
-          <a:p>
-            <a:pPr marL="228600" lvl="0" indent="-228600" defTabSz="342900">
-              <a:lnSpc>
-                <a:spcPct val="120000"/>
-              </a:lnSpc>
-              <a:buFont typeface="Arial" panose="020B0604020202020204" pitchFamily="34" charset="0"/>
-              <a:buChar char="•"/>
-            </a:pPr>
-            <a:r>
-              <a:rPr lang="en-US" altLang="en-US" sz="1540" dirty="0">
-                <a:solidFill>
-                  <a:srgbClr val="262626"/>
-                </a:solidFill>
-              </a:rPr>
-              <a:t>forms</a:t>
-            </a:r>
-            <a:endParaRPr lang="en-US" altLang="en-US" sz="1540" dirty="0">
-              <a:solidFill>
-                <a:srgbClr val="262626"/>
-              </a:solidFill>
-            </a:endParaRPr>
-          </a:p>
-          <a:p>
-            <a:pPr marL="228600" lvl="0" indent="-228600" defTabSz="342900">
-              <a:lnSpc>
-                <a:spcPct val="120000"/>
-              </a:lnSpc>
-              <a:buFont typeface="Arial" panose="020B0604020202020204" pitchFamily="34" charset="0"/>
-              <a:buChar char="•"/>
-            </a:pPr>
-            <a:r>
-              <a:rPr lang="en-US" altLang="en-US" sz="1540" dirty="0">
-                <a:solidFill>
-                  <a:srgbClr val="262626"/>
-                </a:solidFill>
-              </a:rPr>
-              <a:t>uploads</a:t>
-            </a:r>
-            <a:endParaRPr lang="en-US" altLang="en-US" sz="1540" dirty="0">
-              <a:solidFill>
-                <a:srgbClr val="262626"/>
-              </a:solidFill>
-            </a:endParaRPr>
-          </a:p>
-        </p:txBody>
-      </p:sp>
+        </p:nvGraphicFramePr>
+        <p:xfrm>
+          <a:off x="642620" y="1586230"/>
+          <a:ext cx="7886700" cy="2712720"/>
+        </p:xfrm>
+        <a:graphic>
+          <a:graphicData uri="http://schemas.openxmlformats.org/drawingml/2006/table">
+            <a:tbl>
+              <a:tblPr firstRow="1" bandRow="1">
+                <a:tableStyleId>{5C22544A-7EE6-4342-B048-85BDC9FD1C3A}</a:tableStyleId>
+              </a:tblPr>
+              <a:tblGrid>
+                <a:gridCol w="2628900"/>
+                <a:gridCol w="2628900"/>
+                <a:gridCol w="2628900"/>
+              </a:tblGrid>
+              <a:tr h="381000">
+                <a:tc>
+                  <a:txBody>
+                    <a:bodyPr/>
+                    <a:p>
+                      <a:pPr>
+                        <a:buNone/>
+                      </a:pPr>
+                      <a:endParaRPr lang="en-US" altLang="zh-CN"/>
+                    </a:p>
+                  </a:txBody>
+                  <a:tcPr/>
+                </a:tc>
+                <a:tc>
+                  <a:txBody>
+                    <a:bodyPr/>
+                    <a:p>
+                      <a:pPr>
+                        <a:buNone/>
+                      </a:pPr>
+                      <a:r>
+                        <a:rPr lang="en-US" altLang="zh-CN"/>
+                        <a:t>EJS</a:t>
+                      </a:r>
+                      <a:endParaRPr lang="en-US" altLang="zh-CN"/>
+                    </a:p>
+                  </a:txBody>
+                  <a:tcPr/>
+                </a:tc>
+                <a:tc>
+                  <a:txBody>
+                    <a:bodyPr/>
+                    <a:p>
+                      <a:pPr>
+                        <a:buNone/>
+                      </a:pPr>
+                      <a:r>
+                        <a:rPr lang="en-US" altLang="zh-CN"/>
+                        <a:t>JSX</a:t>
+                      </a:r>
+                      <a:endParaRPr lang="en-US" altLang="zh-CN"/>
+                    </a:p>
+                  </a:txBody>
+                  <a:tcPr/>
+                </a:tc>
+              </a:tr>
+              <a:tr h="381000">
+                <a:tc>
+                  <a:txBody>
+                    <a:bodyPr/>
+                    <a:p>
+                      <a:pPr>
+                        <a:buNone/>
+                      </a:pPr>
+                      <a:r>
+                        <a:rPr lang="en-US" altLang="zh-CN"/>
+                        <a:t>include module</a:t>
+                      </a:r>
+                      <a:endParaRPr lang="en-US" altLang="zh-CN"/>
+                    </a:p>
+                  </a:txBody>
+                  <a:tcPr/>
+                </a:tc>
+                <a:tc>
+                  <a:txBody>
+                    <a:bodyPr/>
+                    <a:p>
+                      <a:pPr>
+                        <a:buNone/>
+                      </a:pPr>
+                      <a:r>
+                        <a:rPr lang="en-US" altLang="zh-CN"/>
+                        <a:t>&lt;%- include("navi") %&gt;</a:t>
+                      </a:r>
+                      <a:endParaRPr lang="en-US" altLang="zh-CN"/>
+                    </a:p>
+                  </a:txBody>
+                  <a:tcPr/>
+                </a:tc>
+                <a:tc>
+                  <a:txBody>
+                    <a:bodyPr/>
+                    <a:p>
+                      <a:pPr>
+                        <a:buNone/>
+                      </a:pPr>
+                      <a:r>
+                        <a:rPr lang="en-US" altLang="zh-CN"/>
+                        <a:t>&lt;Navi props={pros} /&gt;</a:t>
+                      </a:r>
+                      <a:endParaRPr lang="en-US" altLang="zh-CN"/>
+                    </a:p>
+                  </a:txBody>
+                  <a:tcPr/>
+                </a:tc>
+              </a:tr>
+              <a:tr h="381000">
+                <a:tc>
+                  <a:txBody>
+                    <a:bodyPr/>
+                    <a:p>
+                      <a:pPr>
+                        <a:buNone/>
+                      </a:pPr>
+                      <a:r>
+                        <a:rPr lang="en-US" altLang="zh-CN"/>
+                        <a:t>data passing</a:t>
+                      </a:r>
+                      <a:endParaRPr lang="en-US" altLang="zh-CN"/>
+                    </a:p>
+                  </a:txBody>
+                  <a:tcPr/>
+                </a:tc>
+                <a:tc>
+                  <a:txBody>
+                    <a:bodyPr/>
+                    <a:p>
+                      <a:pPr>
+                        <a:buNone/>
+                      </a:pPr>
+                      <a:r>
+                        <a:rPr lang="en-US" altLang="zh-CN"/>
+                        <a:t>no </a:t>
+                      </a:r>
+                      <a:endParaRPr lang="en-US" altLang="zh-CN"/>
+                    </a:p>
+                  </a:txBody>
+                  <a:tcPr/>
+                </a:tc>
+                <a:tc>
+                  <a:txBody>
+                    <a:bodyPr/>
+                    <a:p>
+                      <a:pPr>
+                        <a:buNone/>
+                      </a:pPr>
+                      <a:r>
+                        <a:rPr lang="en-US" altLang="zh-CN"/>
+                        <a:t>yes</a:t>
+                      </a:r>
+                      <a:endParaRPr lang="en-US" altLang="zh-CN"/>
+                    </a:p>
+                  </a:txBody>
+                  <a:tcPr/>
+                </a:tc>
+              </a:tr>
+              <a:tr h="381000">
+                <a:tc>
+                  <a:txBody>
+                    <a:bodyPr/>
+                    <a:p>
+                      <a:pPr>
+                        <a:buNone/>
+                      </a:pPr>
+                      <a:r>
+                        <a:rPr lang="en-US" altLang="zh-CN"/>
+                        <a:t>functions</a:t>
+                      </a:r>
+                      <a:endParaRPr lang="en-US" altLang="zh-CN"/>
+                    </a:p>
+                  </a:txBody>
+                  <a:tcPr/>
+                </a:tc>
+                <a:tc>
+                  <a:txBody>
+                    <a:bodyPr/>
+                    <a:p>
+                      <a:pPr>
+                        <a:buNone/>
+                      </a:pPr>
+                      <a:r>
+                        <a:rPr lang="en-US" altLang="zh-CN"/>
+                        <a:t>&lt;scripts&gt; &lt;/scripts&gt; </a:t>
+                      </a:r>
+                      <a:endParaRPr lang="en-US" altLang="zh-CN"/>
+                    </a:p>
+                    <a:p>
+                      <a:pPr>
+                        <a:buNone/>
+                      </a:pPr>
+                      <a:r>
+                        <a:rPr lang="en-US" altLang="zh-CN"/>
+                        <a:t>but usually we don't write functions directly in ejs templates</a:t>
+                      </a:r>
+                      <a:endParaRPr lang="en-US" altLang="zh-CN"/>
+                    </a:p>
+                  </a:txBody>
+                  <a:tcPr/>
+                </a:tc>
+                <a:tc>
+                  <a:txBody>
+                    <a:bodyPr/>
+                    <a:p>
+                      <a:pPr>
+                        <a:buNone/>
+                      </a:pPr>
+                      <a:r>
+                        <a:rPr lang="en-US" altLang="zh-CN"/>
+                        <a:t>can define functions inside of the class or functional components</a:t>
+                      </a:r>
+                      <a:endParaRPr lang="en-US" altLang="zh-CN"/>
+                    </a:p>
+                  </a:txBody>
+                  <a:tcPr/>
+                </a:tc>
+              </a:tr>
+              <a:tr h="381000">
+                <a:tc>
+                  <a:txBody>
+                    <a:bodyPr/>
+                    <a:p>
+                      <a:pPr>
+                        <a:buNone/>
+                      </a:pPr>
+                      <a:r>
+                        <a:rPr lang="en-US" altLang="zh-CN"/>
+                        <a:t>how to implement</a:t>
+                      </a:r>
+                      <a:endParaRPr lang="en-US" altLang="zh-CN"/>
+                    </a:p>
+                  </a:txBody>
+                  <a:tcPr/>
+                </a:tc>
+                <a:tc>
+                  <a:txBody>
+                    <a:bodyPr/>
+                    <a:p>
+                      <a:pPr>
+                        <a:buNone/>
+                      </a:pPr>
+                      <a:r>
+                        <a:rPr lang="en-US" altLang="zh-CN"/>
+                        <a:t>EJS templates are written in the seprate files</a:t>
+                      </a:r>
+                      <a:endParaRPr lang="en-US" altLang="zh-CN"/>
+                    </a:p>
+                  </a:txBody>
+                  <a:tcPr/>
+                </a:tc>
+                <a:tc>
+                  <a:txBody>
+                    <a:bodyPr/>
+                    <a:p>
+                      <a:pPr>
+                        <a:buNone/>
+                      </a:pPr>
+                      <a:r>
+                        <a:rPr lang="en-US" altLang="zh-CN"/>
+                        <a:t>JSX are the return of a react component</a:t>
+                      </a:r>
+                      <a:endParaRPr lang="en-US" altLang="zh-CN"/>
+                    </a:p>
+                  </a:txBody>
+                  <a:tcPr/>
+                </a:tc>
+              </a:tr>
+            </a:tbl>
+          </a:graphicData>
+        </a:graphic>
+      </p:graphicFrame>
     </p:spTree>
   </p:cSld>
   <p:clrMapOvr>
@@ -11782,7 +12347,7 @@
                 <a:latin typeface="Calibri" panose="020F0502020204030204" pitchFamily="34" charset="0"/>
                 <a:cs typeface="Calibri" panose="020F0502020204030204" pitchFamily="34" charset="0"/>
               </a:rPr>
-              <a:t>Lifecycle Methods</a:t>
+              <a:t>Example</a:t>
             </a:r>
             <a:endParaRPr lang="en-US" sz="3200" b="1" dirty="0">
               <a:latin typeface="Calibri" panose="020F0502020204030204" pitchFamily="34" charset="0"/>
@@ -11793,26 +12358,22 @@
       </p:sp>
       <p:pic>
         <p:nvPicPr>
-          <p:cNvPr id="5" name="图片 4" descr="1-u8hTumGAPQMYZIvfgQMfPA"/>
+          <p:cNvPr id="4" name="图片 3"/>
           <p:cNvPicPr>
             <a:picLocks noChangeAspect="1"/>
           </p:cNvPicPr>
-          <p:nvPr>
-            <p:custDataLst>
-              <p:tags r:id="rId1"/>
-            </p:custDataLst>
-          </p:nvPr>
+          <p:nvPr/>
         </p:nvPicPr>
         <p:blipFill>
-          <a:blip r:embed="rId2"/>
+          <a:blip r:embed="rId1"/>
           <a:stretch>
             <a:fillRect/>
           </a:stretch>
         </p:blipFill>
         <p:spPr>
           <a:xfrm>
-            <a:off x="1717040" y="682625"/>
-            <a:ext cx="5464175" cy="6163945"/>
+            <a:off x="1450340" y="682625"/>
+            <a:ext cx="6243320" cy="6176010"/>
           </a:xfrm>
           <a:prstGeom prst="rect">
             <a:avLst/>
@@ -11872,7 +12433,7 @@
                 <a:latin typeface="Calibri" panose="020F0502020204030204" pitchFamily="34" charset="0"/>
                 <a:cs typeface="Calibri" panose="020F0502020204030204" pitchFamily="34" charset="0"/>
               </a:rPr>
-              <a:t>Lifecycle Methods Code Demo</a:t>
+              <a:t>Lifecycle Methods</a:t>
             </a:r>
             <a:endParaRPr lang="en-US" sz="3200" b="1" dirty="0">
               <a:latin typeface="Calibri" panose="020F0502020204030204" pitchFamily="34" charset="0"/>
@@ -11881,74 +12442,34 @@
           </a:p>
         </p:txBody>
       </p:sp>
-      <p:sp>
-        <p:nvSpPr>
-          <p:cNvPr id="6" name="Content Placeholder 2"/>
-          <p:cNvSpPr>
-            <a:spLocks noGrp="1"/>
-          </p:cNvSpPr>
+      <p:pic>
+        <p:nvPicPr>
+          <p:cNvPr id="5" name="图片 4" descr="1-u8hTumGAPQMYZIvfgQMfPA"/>
+          <p:cNvPicPr>
+            <a:picLocks noChangeAspect="1"/>
+          </p:cNvPicPr>
           <p:nvPr>
-            <p:ph idx="1"/>
+            <p:custDataLst>
+              <p:tags r:id="rId1"/>
+            </p:custDataLst>
           </p:nvPr>
-        </p:nvSpPr>
+        </p:nvPicPr>
+        <p:blipFill>
+          <a:blip r:embed="rId2"/>
+          <a:stretch>
+            <a:fillRect/>
+          </a:stretch>
+        </p:blipFill>
         <p:spPr>
           <a:xfrm>
-            <a:off x="628650" y="989044"/>
-            <a:ext cx="7886700" cy="5605719"/>
+            <a:off x="1717040" y="682625"/>
+            <a:ext cx="5464175" cy="6163945"/>
           </a:xfrm>
+          <a:prstGeom prst="rect">
+            <a:avLst/>
+          </a:prstGeom>
         </p:spPr>
-        <p:txBody>
-          <a:bodyPr>
-            <a:normAutofit lnSpcReduction="10000"/>
-          </a:bodyPr>
-          <a:p>
-            <a:pPr marL="228600" lvl="0" indent="-228600" defTabSz="342900">
-              <a:lnSpc>
-                <a:spcPct val="120000"/>
-              </a:lnSpc>
-              <a:buFont typeface="Arial" panose="020B0604020202020204" pitchFamily="34" charset="0"/>
-              <a:buChar char="•"/>
-            </a:pPr>
-            <a:r>
-              <a:rPr lang="en-US" altLang="en-US" sz="1540" dirty="0">
-                <a:solidFill>
-                  <a:srgbClr val="262626"/>
-                </a:solidFill>
-              </a:rPr>
-              <a:t>Debug the</a:t>
-            </a:r>
-            <a:r>
-              <a:rPr lang="en-US" altLang="en-US" sz="1540" dirty="0">
-                <a:solidFill>
-                  <a:srgbClr val="262626"/>
-                </a:solidFill>
-              </a:rPr>
-              <a:t> rendering process (</a:t>
-            </a:r>
-            <a:r>
-              <a:rPr lang="en-US" altLang="en-US" sz="1540" dirty="0">
-                <a:solidFill>
-                  <a:srgbClr val="FF0000"/>
-                </a:solidFill>
-              </a:rPr>
-              <a:t>code demo</a:t>
-            </a:r>
-            <a:r>
-              <a:rPr lang="en-US" altLang="en-US" sz="1540" dirty="0">
-                <a:solidFill>
-                  <a:srgbClr val="262626"/>
-                </a:solidFill>
-              </a:rPr>
-              <a:t>)</a:t>
-            </a:r>
-            <a:endParaRPr lang="en-US" altLang="en-US" sz="1540" dirty="0">
-              <a:solidFill>
-                <a:srgbClr val="262626"/>
-              </a:solidFill>
-            </a:endParaRPr>
-          </a:p>
-        </p:txBody>
-      </p:sp>
+      </p:pic>
     </p:spTree>
   </p:cSld>
   <p:clrMapOvr>
@@ -12002,7 +12523,7 @@
                 <a:latin typeface="Calibri" panose="020F0502020204030204" pitchFamily="34" charset="0"/>
                 <a:cs typeface="Calibri" panose="020F0502020204030204" pitchFamily="34" charset="0"/>
               </a:rPr>
-              <a:t>Props vs States</a:t>
+              <a:t>Lifecycle Methods Code Demo</a:t>
             </a:r>
             <a:endParaRPr lang="en-US" sz="3200" b="1" dirty="0">
               <a:latin typeface="Calibri" panose="020F0502020204030204" pitchFamily="34" charset="0"/>
@@ -12045,7 +12566,31 @@
                   <a:srgbClr val="262626"/>
                 </a:solidFill>
               </a:rPr>
-              <a:t>Props:</a:t>
+              <a:t>1 Debug the</a:t>
+            </a:r>
+            <a:r>
+              <a:rPr lang="en-US" altLang="en-US" sz="1540" dirty="0">
+                <a:solidFill>
+                  <a:srgbClr val="262626"/>
+                </a:solidFill>
+              </a:rPr>
+              <a:t> rendering process (</a:t>
+            </a:r>
+            <a:r>
+              <a:rPr lang="en-US" altLang="en-US" sz="1540" dirty="0">
+                <a:solidFill>
+                  <a:srgbClr val="FF0000"/>
+                </a:solidFill>
+              </a:rPr>
+              <a:t>code demo</a:t>
+            </a:r>
+            <a:r>
+              <a:rPr lang="en-US" altLang="en-US" sz="1540" dirty="0">
+                <a:solidFill>
+                  <a:srgbClr val="262626"/>
+                </a:solidFill>
+              </a:rPr>
+              <a:t>)</a:t>
             </a:r>
             <a:endParaRPr lang="en-US" altLang="en-US" sz="1540" dirty="0">
               <a:solidFill>
@@ -12067,31 +12612,36 @@
                   <a:srgbClr val="262626"/>
                 </a:solidFill>
               </a:rPr>
-              <a:t>Think of props as arguments to a function. React components are functions which return JSX (or more generally something that's renderable like React elements, null, a string, etc.). </a:t>
-            </a:r>
-            <a:endParaRPr lang="en-US" altLang="en-US" sz="1540" dirty="0">
-              <a:solidFill>
-                <a:srgbClr val="262626"/>
-              </a:solidFill>
-            </a:endParaRPr>
-          </a:p>
-          <a:p>
-            <a:pPr marL="228600" lvl="0" indent="-228600" defTabSz="342900">
-              <a:lnSpc>
-                <a:spcPct val="120000"/>
-              </a:lnSpc>
-              <a:buFont typeface="Arial" panose="020B0604020202020204" pitchFamily="34" charset="0"/>
-              <a:buChar char="•"/>
-            </a:pPr>
-            <a:r>
-              <a:rPr lang="en-US" altLang="en-US" sz="1540" dirty="0">
+              <a:t>2  Transform ejs to jsx</a:t>
+            </a:r>
+            <a:r>
+              <a:rPr lang="en-US" altLang="en-US" sz="1535" dirty="0">
                 <a:solidFill>
                   <a:srgbClr val="262626"/>
                 </a:solidFill>
+                <a:sym typeface="+mn-ea"/>
               </a:rPr>
-              <a:t>props should not change</a:t>
-            </a:r>
-            <a:endParaRPr lang="en-US" altLang="en-US" sz="1540" dirty="0">
+              <a:t> (</a:t>
+            </a:r>
+            <a:r>
+              <a:rPr lang="en-US" altLang="en-US" sz="1535" dirty="0">
+                <a:solidFill>
+                  <a:srgbClr val="FF0000"/>
+                </a:solidFill>
+                <a:sym typeface="+mn-ea"/>
+              </a:rPr>
+              <a:t>code demo</a:t>
+            </a:r>
+            <a:r>
+              <a:rPr lang="en-US" altLang="en-US" sz="1535" dirty="0">
+                <a:solidFill>
+                  <a:srgbClr val="262626"/>
+                </a:solidFill>
+                <a:sym typeface="+mn-ea"/>
+              </a:rPr>
+              <a:t>)</a:t>
+            </a:r>
+            <a:endParaRPr lang="en-US" altLang="en-US" sz="1535" dirty="0">
               <a:solidFill>
                 <a:srgbClr val="262626"/>
               </a:solidFill>
@@ -12119,122 +12669,14 @@
               <a:buFont typeface="Arial" panose="020B0604020202020204" pitchFamily="34" charset="0"/>
               <a:buChar char="•"/>
             </a:pPr>
-            <a:r>
-              <a:rPr lang="en-US" altLang="en-US" sz="1540" dirty="0">
-                <a:solidFill>
-                  <a:srgbClr val="262626"/>
-                </a:solidFill>
-              </a:rPr>
-              <a:t>State: is data that changes over time</a:t>
-            </a:r>
             <a:endParaRPr lang="en-US" altLang="en-US" sz="1540" dirty="0">
               <a:solidFill>
                 <a:srgbClr val="262626"/>
               </a:solidFill>
             </a:endParaRPr>
           </a:p>
-          <a:p>
-            <a:pPr marL="228600" lvl="0" indent="-228600" defTabSz="342900">
-              <a:lnSpc>
-                <a:spcPct val="120000"/>
-              </a:lnSpc>
-              <a:buFont typeface="Arial" panose="020B0604020202020204" pitchFamily="34" charset="0"/>
-              <a:buChar char="•"/>
-            </a:pPr>
-            <a:r>
-              <a:rPr lang="en-US" altLang="en-US" sz="1540" dirty="0">
-                <a:solidFill>
-                  <a:srgbClr val="262626"/>
-                </a:solidFill>
-              </a:rPr>
-              <a:t>Like props, state holds information about the component. However, the kind of information and how it is handled is different (</a:t>
-            </a:r>
-            <a:r>
-              <a:rPr lang="en-US" altLang="en-US" sz="1540" dirty="0">
-                <a:solidFill>
-                  <a:srgbClr val="FF0000"/>
-                </a:solidFill>
-              </a:rPr>
-              <a:t>code demo</a:t>
-            </a:r>
-            <a:r>
-              <a:rPr lang="en-US" altLang="en-US" sz="1540" dirty="0">
-                <a:solidFill>
-                  <a:srgbClr val="262626"/>
-                </a:solidFill>
-              </a:rPr>
-              <a:t>)</a:t>
-            </a:r>
-            <a:endParaRPr lang="en-US" altLang="en-US" sz="1540" dirty="0">
-              <a:solidFill>
-                <a:srgbClr val="262626"/>
-              </a:solidFill>
-            </a:endParaRPr>
-          </a:p>
-          <a:p>
-            <a:pPr marL="228600" lvl="0" indent="-228600" defTabSz="342900">
-              <a:lnSpc>
-                <a:spcPct val="120000"/>
-              </a:lnSpc>
-              <a:buFont typeface="Arial" panose="020B0604020202020204" pitchFamily="34" charset="0"/>
-              <a:buChar char="•"/>
-            </a:pPr>
-            <a:endParaRPr lang="en-US" altLang="en-US" sz="1540" dirty="0">
-              <a:solidFill>
-                <a:srgbClr val="262626"/>
-              </a:solidFill>
-            </a:endParaRPr>
-          </a:p>
         </p:txBody>
       </p:sp>
-      <p:pic>
-        <p:nvPicPr>
-          <p:cNvPr id="3" name="图片 2"/>
-          <p:cNvPicPr>
-            <a:picLocks noChangeAspect="1"/>
-          </p:cNvPicPr>
-          <p:nvPr/>
-        </p:nvPicPr>
-        <p:blipFill>
-          <a:blip r:embed="rId1"/>
-          <a:stretch>
-            <a:fillRect/>
-          </a:stretch>
-        </p:blipFill>
-        <p:spPr>
-          <a:xfrm>
-            <a:off x="628650" y="3963670"/>
-            <a:ext cx="4972050" cy="2514600"/>
-          </a:xfrm>
-          <a:prstGeom prst="rect">
-            <a:avLst/>
-          </a:prstGeom>
-        </p:spPr>
-      </p:pic>
-      <p:pic>
-        <p:nvPicPr>
-          <p:cNvPr id="4" name="图片 3"/>
-          <p:cNvPicPr>
-            <a:picLocks noChangeAspect="1"/>
-          </p:cNvPicPr>
-          <p:nvPr/>
-        </p:nvPicPr>
-        <p:blipFill>
-          <a:blip r:embed="rId2"/>
-          <a:stretch>
-            <a:fillRect/>
-          </a:stretch>
-        </p:blipFill>
-        <p:spPr>
-          <a:xfrm>
-            <a:off x="5791200" y="3830320"/>
-            <a:ext cx="3352800" cy="2647950"/>
-          </a:xfrm>
-          <a:prstGeom prst="rect">
-            <a:avLst/>
-          </a:prstGeom>
-        </p:spPr>
-      </p:pic>
     </p:spTree>
   </p:cSld>
   <p:clrMapOvr>
@@ -12245,11 +12687,25 @@
 
 <file path=ppt/tags/tag1.xml><?xml version="1.0" encoding="utf-8"?>
 <p:tagLst xmlns:p="http://schemas.openxmlformats.org/presentationml/2006/main">
+  <p:tag name="KSO_WM_UNIT_TABLE_BEAUTIFY" val="smartTable{a48a042d-14c0-4ae9-8205-d1c57bd375d7}"/>
+</p:tagLst>
+</file>
+
+<file path=ppt/tags/tag2.xml><?xml version="1.0" encoding="utf-8"?>
+<p:tagLst xmlns:p="http://schemas.openxmlformats.org/presentationml/2006/main">
   <p:tag name="KSO_WM_UNIT_PLACING_PICTURE_USER_VIEWPORT" val="{&quot;height&quot;:14535,&quot;width&quot;:12885}"/>
 </p:tagLst>
 </file>
 
-<file path=ppt/tags/tag2.xml><?xml version="1.0" encoding="utf-8"?>
+<file path=ppt/tags/tag3.xml><?xml version="1.0" encoding="utf-8"?>
+<p:tagLst xmlns:p="http://schemas.openxmlformats.org/presentationml/2006/main">
+  <p:tag name="KSO_WM_UNIT_TABLE_BEAUTIFY" val="smartTable{1b22eaaa-1e3c-431c-86e4-617e9c1146cb}"/>
+  <p:tag name="TABLE_ENDDRAG_ORIGIN_RECT" val="600*144"/>
+  <p:tag name="TABLE_ENDDRAG_RECT" val="58*77*600*144"/>
+</p:tagLst>
+</file>
+
+<file path=ppt/tags/tag4.xml><?xml version="1.0" encoding="utf-8"?>
 <p:tagLst xmlns:p="http://schemas.openxmlformats.org/presentationml/2006/main">
   <p:tag name="KSO_WM_UNIT_PLACING_PICTURE_USER_VIEWPORT" val="{&quot;height&quot;:6853,&quot;width&quot;:3934}"/>
 </p:tagLst>

--- a/BCI - Batch2 - Day9 - Reactjs 1 Intro.pptx
+++ b/BCI - Batch2 - Day9 - Reactjs 1 Intro.pptx
@@ -18,21 +18,22 @@
     <p:sldId id="1817" r:id="rId11"/>
     <p:sldId id="1828" r:id="rId12"/>
     <p:sldId id="1844" r:id="rId13"/>
-    <p:sldId id="1818" r:id="rId14"/>
-    <p:sldId id="1832" r:id="rId15"/>
-    <p:sldId id="1843" r:id="rId16"/>
-    <p:sldId id="1854" r:id="rId17"/>
-    <p:sldId id="1849" r:id="rId18"/>
-    <p:sldId id="1848" r:id="rId19"/>
-    <p:sldId id="1850" r:id="rId20"/>
-    <p:sldId id="1851" r:id="rId21"/>
-    <p:sldId id="1845" r:id="rId22"/>
-    <p:sldId id="1846" r:id="rId23"/>
-    <p:sldId id="1847" r:id="rId24"/>
-    <p:sldId id="1855" r:id="rId25"/>
-    <p:sldId id="1852" r:id="rId26"/>
-    <p:sldId id="1865" r:id="rId27"/>
-    <p:sldId id="1853" r:id="rId28"/>
+    <p:sldId id="1869" r:id="rId14"/>
+    <p:sldId id="1818" r:id="rId15"/>
+    <p:sldId id="1832" r:id="rId16"/>
+    <p:sldId id="1843" r:id="rId17"/>
+    <p:sldId id="1854" r:id="rId18"/>
+    <p:sldId id="1849" r:id="rId19"/>
+    <p:sldId id="1848" r:id="rId20"/>
+    <p:sldId id="1850" r:id="rId21"/>
+    <p:sldId id="1851" r:id="rId22"/>
+    <p:sldId id="1845" r:id="rId23"/>
+    <p:sldId id="1846" r:id="rId24"/>
+    <p:sldId id="1847" r:id="rId25"/>
+    <p:sldId id="1855" r:id="rId26"/>
+    <p:sldId id="1852" r:id="rId27"/>
+    <p:sldId id="1865" r:id="rId28"/>
+    <p:sldId id="1853" r:id="rId29"/>
   </p:sldIdLst>
   <p:sldSz cx="9144000" cy="6858000" type="screen4x3"/>
   <p:notesSz cx="7315200" cy="9601200"/>
@@ -7721,6 +7722,407 @@
                 <a:latin typeface="Calibri" panose="020F0502020204030204" pitchFamily="34" charset="0"/>
                 <a:cs typeface="Calibri" panose="020F0502020204030204" pitchFamily="34" charset="0"/>
               </a:rPr>
+              <a:t>Props vs States</a:t>
+            </a:r>
+            <a:endParaRPr lang="en-US" sz="3200" b="1" dirty="0">
+              <a:latin typeface="Calibri" panose="020F0502020204030204" pitchFamily="34" charset="0"/>
+              <a:cs typeface="Calibri" panose="020F0502020204030204" pitchFamily="34" charset="0"/>
+            </a:endParaRPr>
+          </a:p>
+        </p:txBody>
+      </p:sp>
+      <p:sp>
+        <p:nvSpPr>
+          <p:cNvPr id="6" name="Content Placeholder 2"/>
+          <p:cNvSpPr>
+            <a:spLocks noGrp="1"/>
+          </p:cNvSpPr>
+          <p:nvPr>
+            <p:ph idx="1"/>
+          </p:nvPr>
+        </p:nvSpPr>
+        <p:spPr>
+          <a:xfrm>
+            <a:off x="628650" y="989044"/>
+            <a:ext cx="7886700" cy="5605719"/>
+          </a:xfrm>
+        </p:spPr>
+        <p:txBody>
+          <a:bodyPr>
+            <a:normAutofit lnSpcReduction="10000"/>
+          </a:bodyPr>
+          <a:p>
+            <a:pPr marL="228600" lvl="0" indent="-228600" defTabSz="342900">
+              <a:lnSpc>
+                <a:spcPct val="120000"/>
+              </a:lnSpc>
+              <a:buFont typeface="Arial" panose="020B0604020202020204" pitchFamily="34" charset="0"/>
+              <a:buChar char="•"/>
+            </a:pPr>
+            <a:endParaRPr lang="en-US" altLang="en-US" sz="1540" dirty="0">
+              <a:solidFill>
+                <a:srgbClr val="262626"/>
+              </a:solidFill>
+            </a:endParaRPr>
+          </a:p>
+          <a:p>
+            <a:pPr marL="228600" lvl="0" indent="-228600" defTabSz="342900">
+              <a:lnSpc>
+                <a:spcPct val="120000"/>
+              </a:lnSpc>
+              <a:buFont typeface="Arial" panose="020B0604020202020204" pitchFamily="34" charset="0"/>
+              <a:buChar char="•"/>
+            </a:pPr>
+            <a:endParaRPr lang="en-US" altLang="en-US" sz="1540" dirty="0">
+              <a:solidFill>
+                <a:srgbClr val="262626"/>
+              </a:solidFill>
+            </a:endParaRPr>
+          </a:p>
+          <a:p>
+            <a:pPr marL="228600" lvl="0" indent="-228600" defTabSz="342900">
+              <a:lnSpc>
+                <a:spcPct val="120000"/>
+              </a:lnSpc>
+              <a:buFont typeface="Arial" panose="020B0604020202020204" pitchFamily="34" charset="0"/>
+              <a:buChar char="•"/>
+            </a:pPr>
+            <a:endParaRPr lang="en-US" altLang="en-US" sz="1540" dirty="0">
+              <a:solidFill>
+                <a:srgbClr val="262626"/>
+              </a:solidFill>
+            </a:endParaRPr>
+          </a:p>
+          <a:p>
+            <a:pPr marL="228600" lvl="0" indent="-228600" defTabSz="342900">
+              <a:lnSpc>
+                <a:spcPct val="120000"/>
+              </a:lnSpc>
+              <a:buFont typeface="Arial" panose="020B0604020202020204" pitchFamily="34" charset="0"/>
+              <a:buChar char="•"/>
+            </a:pPr>
+            <a:endParaRPr lang="en-US" altLang="en-US" sz="1540" dirty="0">
+              <a:solidFill>
+                <a:srgbClr val="262626"/>
+              </a:solidFill>
+            </a:endParaRPr>
+          </a:p>
+          <a:p>
+            <a:pPr marL="0" lvl="0" indent="0" defTabSz="342900">
+              <a:lnSpc>
+                <a:spcPct val="120000"/>
+              </a:lnSpc>
+              <a:buFont typeface="Arial" panose="020B0604020202020204" pitchFamily="34" charset="0"/>
+              <a:buNone/>
+            </a:pPr>
+            <a:endParaRPr lang="en-US" altLang="en-US" sz="1540" dirty="0">
+              <a:solidFill>
+                <a:srgbClr val="262626"/>
+              </a:solidFill>
+            </a:endParaRPr>
+          </a:p>
+        </p:txBody>
+      </p:sp>
+      <p:pic>
+        <p:nvPicPr>
+          <p:cNvPr id="3" name="图片 2"/>
+          <p:cNvPicPr>
+            <a:picLocks noChangeAspect="1"/>
+          </p:cNvPicPr>
+          <p:nvPr/>
+        </p:nvPicPr>
+        <p:blipFill>
+          <a:blip r:embed="rId1"/>
+          <a:stretch>
+            <a:fillRect/>
+          </a:stretch>
+        </p:blipFill>
+        <p:spPr>
+          <a:xfrm>
+            <a:off x="0" y="2947670"/>
+            <a:ext cx="4972050" cy="2514600"/>
+          </a:xfrm>
+          <a:prstGeom prst="rect">
+            <a:avLst/>
+          </a:prstGeom>
+        </p:spPr>
+      </p:pic>
+      <p:pic>
+        <p:nvPicPr>
+          <p:cNvPr id="4" name="图片 3"/>
+          <p:cNvPicPr>
+            <a:picLocks noChangeAspect="1"/>
+          </p:cNvPicPr>
+          <p:nvPr/>
+        </p:nvPicPr>
+        <p:blipFill>
+          <a:blip r:embed="rId2"/>
+          <a:stretch>
+            <a:fillRect/>
+          </a:stretch>
+        </p:blipFill>
+        <p:spPr>
+          <a:xfrm>
+            <a:off x="5011420" y="2515235"/>
+            <a:ext cx="3352800" cy="2647950"/>
+          </a:xfrm>
+          <a:prstGeom prst="rect">
+            <a:avLst/>
+          </a:prstGeom>
+        </p:spPr>
+      </p:pic>
+      <p:graphicFrame>
+        <p:nvGraphicFramePr>
+          <p:cNvPr id="5" name="表格 4"/>
+          <p:cNvGraphicFramePr/>
+          <p:nvPr>
+            <p:custDataLst>
+              <p:tags r:id="rId3"/>
+            </p:custDataLst>
+          </p:nvPr>
+        </p:nvGraphicFramePr>
+        <p:xfrm>
+          <a:off x="736600" y="987425"/>
+          <a:ext cx="7627620" cy="1893570"/>
+        </p:xfrm>
+        <a:graphic>
+          <a:graphicData uri="http://schemas.openxmlformats.org/drawingml/2006/table">
+            <a:tbl>
+              <a:tblPr firstRow="1" bandRow="1">
+                <a:tableStyleId>{5C22544A-7EE6-4342-B048-85BDC9FD1C3A}</a:tableStyleId>
+              </a:tblPr>
+              <a:tblGrid>
+                <a:gridCol w="2542540"/>
+                <a:gridCol w="2542540"/>
+                <a:gridCol w="2542540"/>
+              </a:tblGrid>
+              <a:tr h="365760">
+                <a:tc>
+                  <a:txBody>
+                    <a:bodyPr/>
+                    <a:p>
+                      <a:pPr>
+                        <a:buNone/>
+                      </a:pPr>
+                      <a:endParaRPr lang="zh-CN" altLang="en-US"/>
+                    </a:p>
+                  </a:txBody>
+                  <a:tcPr/>
+                </a:tc>
+                <a:tc>
+                  <a:txBody>
+                    <a:bodyPr/>
+                    <a:p>
+                      <a:pPr>
+                        <a:buNone/>
+                      </a:pPr>
+                      <a:r>
+                        <a:rPr lang="en-US" altLang="zh-CN"/>
+                        <a:t>Props</a:t>
+                      </a:r>
+                      <a:endParaRPr lang="en-US" altLang="zh-CN"/>
+                    </a:p>
+                  </a:txBody>
+                  <a:tcPr/>
+                </a:tc>
+                <a:tc>
+                  <a:txBody>
+                    <a:bodyPr/>
+                    <a:p>
+                      <a:pPr>
+                        <a:buNone/>
+                      </a:pPr>
+                      <a:r>
+                        <a:rPr lang="en-US" altLang="zh-CN"/>
+                        <a:t>States</a:t>
+                      </a:r>
+                      <a:endParaRPr lang="en-US" altLang="zh-CN"/>
+                    </a:p>
+                  </a:txBody>
+                  <a:tcPr/>
+                </a:tc>
+              </a:tr>
+              <a:tr h="796290">
+                <a:tc>
+                  <a:txBody>
+                    <a:bodyPr/>
+                    <a:p>
+                      <a:pPr>
+                        <a:buNone/>
+                      </a:pPr>
+                      <a:r>
+                        <a:rPr lang="en-US" altLang="zh-CN"/>
+                        <a:t>scope</a:t>
+                      </a:r>
+                      <a:endParaRPr lang="en-US" altLang="zh-CN"/>
+                    </a:p>
+                  </a:txBody>
+                  <a:tcPr/>
+                </a:tc>
+                <a:tc>
+                  <a:txBody>
+                    <a:bodyPr/>
+                    <a:p>
+                      <a:pPr>
+                        <a:buNone/>
+                      </a:pPr>
+                      <a:r>
+                        <a:rPr lang="en-US" altLang="zh-CN"/>
+                        <a:t>can be passed among the components</a:t>
+                      </a:r>
+                      <a:endParaRPr lang="en-US" altLang="zh-CN"/>
+                    </a:p>
+                  </a:txBody>
+                  <a:tcPr/>
+                </a:tc>
+                <a:tc>
+                  <a:txBody>
+                    <a:bodyPr/>
+                    <a:p>
+                      <a:pPr>
+                        <a:buNone/>
+                      </a:pPr>
+                      <a:r>
+                        <a:rPr lang="en-US" altLang="zh-CN"/>
+                        <a:t>local variables for the component</a:t>
+                      </a:r>
+                      <a:endParaRPr lang="en-US" altLang="zh-CN"/>
+                    </a:p>
+                  </a:txBody>
+                  <a:tcPr/>
+                </a:tc>
+              </a:tr>
+              <a:tr h="365760">
+                <a:tc>
+                  <a:txBody>
+                    <a:bodyPr/>
+                    <a:p>
+                      <a:pPr>
+                        <a:buNone/>
+                      </a:pPr>
+                      <a:r>
+                        <a:rPr lang="en-US" altLang="zh-CN"/>
+                        <a:t>mutable</a:t>
+                      </a:r>
+                      <a:endParaRPr lang="en-US" altLang="zh-CN"/>
+                    </a:p>
+                  </a:txBody>
+                  <a:tcPr/>
+                </a:tc>
+                <a:tc>
+                  <a:txBody>
+                    <a:bodyPr/>
+                    <a:p>
+                      <a:pPr>
+                        <a:buNone/>
+                      </a:pPr>
+                      <a:r>
+                        <a:rPr lang="en-US" altLang="zh-CN"/>
+                        <a:t>props cannot be changed</a:t>
+                      </a:r>
+                      <a:endParaRPr lang="en-US" altLang="zh-CN"/>
+                    </a:p>
+                  </a:txBody>
+                  <a:tcPr/>
+                </a:tc>
+                <a:tc>
+                  <a:txBody>
+                    <a:bodyPr/>
+                    <a:p>
+                      <a:pPr>
+                        <a:buNone/>
+                      </a:pPr>
+                      <a:r>
+                        <a:rPr lang="en-US" altLang="zh-CN"/>
+                        <a:t>states can be changed</a:t>
+                      </a:r>
+                      <a:endParaRPr lang="en-US" altLang="zh-CN"/>
+                    </a:p>
+                  </a:txBody>
+                  <a:tcPr/>
+                </a:tc>
+              </a:tr>
+            </a:tbl>
+          </a:graphicData>
+        </a:graphic>
+      </p:graphicFrame>
+      <p:pic>
+        <p:nvPicPr>
+          <p:cNvPr id="7" name="图片 6"/>
+          <p:cNvPicPr>
+            <a:picLocks noChangeAspect="1"/>
+          </p:cNvPicPr>
+          <p:nvPr/>
+        </p:nvPicPr>
+        <p:blipFill>
+          <a:blip r:embed="rId4"/>
+          <a:stretch>
+            <a:fillRect/>
+          </a:stretch>
+        </p:blipFill>
+        <p:spPr>
+          <a:xfrm>
+            <a:off x="4514850" y="4752975"/>
+            <a:ext cx="4000500" cy="2105025"/>
+          </a:xfrm>
+          <a:prstGeom prst="rect">
+            <a:avLst/>
+          </a:prstGeom>
+        </p:spPr>
+      </p:pic>
+    </p:spTree>
+  </p:cSld>
+  <p:clrMapOvr>
+    <a:masterClrMapping/>
+  </p:clrMapOvr>
+</p:sld>
+</file>
+
+<file path=ppt/slides/slide12.xml><?xml version="1.0" encoding="utf-8"?>
+<p:sld xmlns:a="http://schemas.openxmlformats.org/drawingml/2006/main" xmlns:r="http://schemas.openxmlformats.org/officeDocument/2006/relationships" xmlns:p="http://schemas.openxmlformats.org/presentationml/2006/main">
+  <p:cSld>
+    <p:spTree>
+      <p:nvGrpSpPr>
+        <p:cNvPr id="1" name=""/>
+        <p:cNvGrpSpPr/>
+        <p:nvPr/>
+      </p:nvGrpSpPr>
+      <p:grpSpPr>
+        <a:xfrm>
+          <a:off x="0" y="0"/>
+          <a:ext cx="0" cy="0"/>
+          <a:chOff x="0" y="0"/>
+          <a:chExt cx="0" cy="0"/>
+        </a:xfrm>
+      </p:grpSpPr>
+      <p:sp>
+        <p:nvSpPr>
+          <p:cNvPr id="2" name="Title 1"/>
+          <p:cNvSpPr>
+            <a:spLocks noGrp="1"/>
+          </p:cNvSpPr>
+          <p:nvPr>
+            <p:ph type="title"/>
+          </p:nvPr>
+        </p:nvSpPr>
+        <p:spPr>
+          <a:xfrm>
+            <a:off x="628650" y="155263"/>
+            <a:ext cx="7886700" cy="526790"/>
+          </a:xfrm>
+        </p:spPr>
+        <p:txBody>
+          <a:bodyPr>
+            <a:normAutofit fontScale="90000"/>
+          </a:bodyPr>
+          <a:lstStyle/>
+          <a:p>
+            <a:pPr algn="ctr"/>
+            <a:r>
+              <a:rPr lang="en-US" sz="3200" b="1" dirty="0">
+                <a:latin typeface="Calibri" panose="020F0502020204030204" pitchFamily="34" charset="0"/>
+                <a:cs typeface="Calibri" panose="020F0502020204030204" pitchFamily="34" charset="0"/>
+              </a:rPr>
               <a:t>Functional Component and Hooks</a:t>
             </a:r>
             <a:endParaRPr lang="en-US" sz="3200" b="1" dirty="0">
@@ -7925,7 +8327,7 @@
 </p:sld>
 </file>
 
-<file path=ppt/slides/slide12.xml><?xml version="1.0" encoding="utf-8"?>
+<file path=ppt/slides/slide13.xml><?xml version="1.0" encoding="utf-8"?>
 <p:sld xmlns:a="http://schemas.openxmlformats.org/drawingml/2006/main" xmlns:r="http://schemas.openxmlformats.org/officeDocument/2006/relationships" xmlns:p="http://schemas.openxmlformats.org/presentationml/2006/main">
   <p:cSld>
     <p:spTree>
@@ -8040,7 +8442,7 @@
 </p:sld>
 </file>
 
-<file path=ppt/slides/slide13.xml><?xml version="1.0" encoding="utf-8"?>
+<file path=ppt/slides/slide14.xml><?xml version="1.0" encoding="utf-8"?>
 <p:sld xmlns:a="http://schemas.openxmlformats.org/drawingml/2006/main" xmlns:r="http://schemas.openxmlformats.org/officeDocument/2006/relationships" xmlns:p="http://schemas.openxmlformats.org/presentationml/2006/main">
   <p:cSld>
     <p:spTree>
@@ -8150,461 +8552,6 @@
 </p:sld>
 </file>
 
-<file path=ppt/slides/slide14.xml><?xml version="1.0" encoding="utf-8"?>
-<p:sld xmlns:a="http://schemas.openxmlformats.org/drawingml/2006/main" xmlns:r="http://schemas.openxmlformats.org/officeDocument/2006/relationships" xmlns:p="http://schemas.openxmlformats.org/presentationml/2006/main">
-  <p:cSld>
-    <p:spTree>
-      <p:nvGrpSpPr>
-        <p:cNvPr id="1" name=""/>
-        <p:cNvGrpSpPr/>
-        <p:nvPr/>
-      </p:nvGrpSpPr>
-      <p:grpSpPr>
-        <a:xfrm>
-          <a:off x="0" y="0"/>
-          <a:ext cx="0" cy="0"/>
-          <a:chOff x="0" y="0"/>
-          <a:chExt cx="0" cy="0"/>
-        </a:xfrm>
-      </p:grpSpPr>
-      <p:sp>
-        <p:nvSpPr>
-          <p:cNvPr id="2" name="Title 1"/>
-          <p:cNvSpPr>
-            <a:spLocks noGrp="1"/>
-          </p:cNvSpPr>
-          <p:nvPr>
-            <p:ph type="title"/>
-          </p:nvPr>
-        </p:nvSpPr>
-        <p:spPr>
-          <a:xfrm>
-            <a:off x="628650" y="155263"/>
-            <a:ext cx="7886700" cy="526790"/>
-          </a:xfrm>
-        </p:spPr>
-        <p:txBody>
-          <a:bodyPr>
-            <a:normAutofit fontScale="90000"/>
-          </a:bodyPr>
-          <a:lstStyle/>
-          <a:p>
-            <a:pPr algn="ctr"/>
-            <a:r>
-              <a:rPr lang="en-US" sz="3200" b="1" dirty="0">
-                <a:latin typeface="Calibri" panose="020F0502020204030204" pitchFamily="34" charset="0"/>
-                <a:cs typeface="Calibri" panose="020F0502020204030204" pitchFamily="34" charset="0"/>
-              </a:rPr>
-              <a:t>Hook Code Demo</a:t>
-            </a:r>
-            <a:endParaRPr lang="en-US" sz="3200" b="1" dirty="0">
-              <a:latin typeface="Calibri" panose="020F0502020204030204" pitchFamily="34" charset="0"/>
-              <a:cs typeface="Calibri" panose="020F0502020204030204" pitchFamily="34" charset="0"/>
-            </a:endParaRPr>
-          </a:p>
-        </p:txBody>
-      </p:sp>
-      <p:sp>
-        <p:nvSpPr>
-          <p:cNvPr id="6" name="Content Placeholder 2"/>
-          <p:cNvSpPr>
-            <a:spLocks noGrp="1"/>
-          </p:cNvSpPr>
-          <p:nvPr>
-            <p:ph idx="1"/>
-          </p:nvPr>
-        </p:nvSpPr>
-        <p:spPr>
-          <a:xfrm>
-            <a:off x="628650" y="989044"/>
-            <a:ext cx="7886700" cy="5605719"/>
-          </a:xfrm>
-        </p:spPr>
-        <p:txBody>
-          <a:bodyPr>
-            <a:normAutofit lnSpcReduction="20000"/>
-          </a:bodyPr>
-          <a:p>
-            <a:pPr marL="228600" lvl="0" indent="-228600" defTabSz="342900">
-              <a:lnSpc>
-                <a:spcPct val="120000"/>
-              </a:lnSpc>
-              <a:buFont typeface="Arial" panose="020B0604020202020204" pitchFamily="34" charset="0"/>
-              <a:buChar char="•"/>
-            </a:pPr>
-            <a:r>
-              <a:rPr lang="en-US" altLang="en-US" sz="1540" dirty="0">
-                <a:solidFill>
-                  <a:srgbClr val="262626"/>
-                </a:solidFill>
-              </a:rPr>
-              <a:t>Two ways of defining functional States</a:t>
-            </a:r>
-            <a:endParaRPr lang="en-US" altLang="en-US" sz="1540" dirty="0">
-              <a:solidFill>
-                <a:srgbClr val="262626"/>
-              </a:solidFill>
-            </a:endParaRPr>
-          </a:p>
-          <a:p>
-            <a:pPr marL="228600" lvl="0" indent="-228600" defTabSz="342900">
-              <a:lnSpc>
-                <a:spcPct val="120000"/>
-              </a:lnSpc>
-              <a:buFont typeface="Arial" panose="020B0604020202020204" pitchFamily="34" charset="0"/>
-              <a:buChar char="•"/>
-            </a:pPr>
-            <a:r>
-              <a:rPr lang="en-US" altLang="en-US" sz="1540" dirty="0">
-                <a:solidFill>
-                  <a:srgbClr val="262626"/>
-                </a:solidFill>
-              </a:rPr>
-              <a:t>const [age, setAge] = useState(19)</a:t>
-            </a:r>
-            <a:endParaRPr lang="en-US" altLang="en-US" sz="1540" dirty="0">
-              <a:solidFill>
-                <a:srgbClr val="262626"/>
-              </a:solidFill>
-            </a:endParaRPr>
-          </a:p>
-          <a:p>
-            <a:pPr marL="228600" lvl="0" indent="-228600" defTabSz="342900">
-              <a:lnSpc>
-                <a:spcPct val="120000"/>
-              </a:lnSpc>
-              <a:buFont typeface="Arial" panose="020B0604020202020204" pitchFamily="34" charset="0"/>
-              <a:buChar char="•"/>
-            </a:pPr>
-            <a:r>
-              <a:rPr lang="en-US" altLang="en-US" sz="1535" dirty="0">
-                <a:solidFill>
-                  <a:srgbClr val="262626"/>
-                </a:solidFill>
-                <a:sym typeface="+mn-ea"/>
-              </a:rPr>
-              <a:t>const [</a:t>
-            </a:r>
-            <a:r>
-              <a:rPr lang="en-US" altLang="en-US" sz="1535" dirty="0">
-                <a:solidFill>
-                  <a:srgbClr val="262626"/>
-                </a:solidFill>
-                <a:sym typeface="+mn-ea"/>
-              </a:rPr>
-              <a:t>name</a:t>
-            </a:r>
-            <a:r>
-              <a:rPr lang="en-US" altLang="en-US" sz="1535" dirty="0">
-                <a:solidFill>
-                  <a:srgbClr val="262626"/>
-                </a:solidFill>
-                <a:sym typeface="+mn-ea"/>
-              </a:rPr>
-              <a:t>, setN</a:t>
-            </a:r>
-            <a:r>
-              <a:rPr lang="en-US" altLang="en-US" sz="1535" dirty="0">
-                <a:solidFill>
-                  <a:srgbClr val="262626"/>
-                </a:solidFill>
-                <a:sym typeface="+mn-ea"/>
-              </a:rPr>
-              <a:t>ame</a:t>
-            </a:r>
-            <a:r>
-              <a:rPr lang="en-US" altLang="en-US" sz="1535" dirty="0">
-                <a:solidFill>
-                  <a:srgbClr val="262626"/>
-                </a:solidFill>
-                <a:sym typeface="+mn-ea"/>
-              </a:rPr>
-              <a:t>] = useState(“John”)</a:t>
-            </a:r>
-            <a:endParaRPr lang="en-US" altLang="en-US" sz="1535" dirty="0">
-              <a:solidFill>
-                <a:srgbClr val="262626"/>
-              </a:solidFill>
-            </a:endParaRPr>
-          </a:p>
-          <a:p>
-            <a:pPr marL="228600" lvl="0" indent="-228600" defTabSz="342900">
-              <a:lnSpc>
-                <a:spcPct val="120000"/>
-              </a:lnSpc>
-              <a:buFont typeface="Arial" panose="020B0604020202020204" pitchFamily="34" charset="0"/>
-              <a:buChar char="•"/>
-            </a:pPr>
-            <a:endParaRPr lang="zh-CN" altLang="en-US" sz="1540" dirty="0">
-              <a:solidFill>
-                <a:srgbClr val="262626"/>
-              </a:solidFill>
-            </a:endParaRPr>
-          </a:p>
-          <a:p>
-            <a:pPr marL="228600" lvl="0" indent="-228600" defTabSz="342900">
-              <a:lnSpc>
-                <a:spcPct val="120000"/>
-              </a:lnSpc>
-              <a:buFont typeface="Arial" panose="020B0604020202020204" pitchFamily="34" charset="0"/>
-              <a:buChar char="•"/>
-            </a:pPr>
-            <a:r>
-              <a:rPr lang="en-US" altLang="zh-CN" sz="1540" dirty="0">
-                <a:solidFill>
-                  <a:srgbClr val="262626"/>
-                </a:solidFill>
-              </a:rPr>
-              <a:t>const </a:t>
-            </a:r>
-            <a:r>
-              <a:rPr lang="en-US" altLang="en-US" sz="1535" dirty="0">
-                <a:solidFill>
-                  <a:srgbClr val="262626"/>
-                </a:solidFill>
-                <a:sym typeface="+mn-ea"/>
-              </a:rPr>
-              <a:t> [status, setS</a:t>
-            </a:r>
-            <a:r>
-              <a:rPr lang="en-US" altLang="en-US" sz="1535" dirty="0">
-                <a:solidFill>
-                  <a:srgbClr val="262626"/>
-                </a:solidFill>
-                <a:sym typeface="+mn-ea"/>
-              </a:rPr>
-              <a:t>tatus</a:t>
-            </a:r>
-            <a:r>
-              <a:rPr lang="en-US" altLang="en-US" sz="1535" dirty="0">
-                <a:solidFill>
-                  <a:srgbClr val="262626"/>
-                </a:solidFill>
-                <a:sym typeface="+mn-ea"/>
-              </a:rPr>
-              <a:t>] = useState({</a:t>
-            </a:r>
-            <a:endParaRPr lang="en-US" altLang="en-US" sz="1535" dirty="0">
-              <a:solidFill>
-                <a:srgbClr val="262626"/>
-              </a:solidFill>
-              <a:sym typeface="+mn-ea"/>
-            </a:endParaRPr>
-          </a:p>
-          <a:p>
-            <a:pPr marL="228600" lvl="0" indent="-228600" defTabSz="342900">
-              <a:lnSpc>
-                <a:spcPct val="120000"/>
-              </a:lnSpc>
-              <a:buFont typeface="Arial" panose="020B0604020202020204" pitchFamily="34" charset="0"/>
-              <a:buChar char="•"/>
-            </a:pPr>
-            <a:r>
-              <a:rPr lang="en-US" altLang="en-US" sz="1600" dirty="0">
-                <a:solidFill>
-                  <a:srgbClr val="262626"/>
-                </a:solidFill>
-                <a:sym typeface="+mn-ea"/>
-              </a:rPr>
-              <a:t>age: 19,</a:t>
-            </a:r>
-            <a:endParaRPr lang="en-US" altLang="en-US" sz="1600" dirty="0">
-              <a:solidFill>
-                <a:srgbClr val="262626"/>
-              </a:solidFill>
-              <a:sym typeface="+mn-ea"/>
-            </a:endParaRPr>
-          </a:p>
-          <a:p>
-            <a:pPr marL="228600" lvl="0" indent="-228600" defTabSz="342900">
-              <a:lnSpc>
-                <a:spcPct val="120000"/>
-              </a:lnSpc>
-              <a:buFont typeface="Arial" panose="020B0604020202020204" pitchFamily="34" charset="0"/>
-              <a:buChar char="•"/>
-            </a:pPr>
-            <a:r>
-              <a:rPr lang="en-US" altLang="en-US" sz="1600" dirty="0">
-                <a:solidFill>
-                  <a:srgbClr val="262626"/>
-                </a:solidFill>
-                <a:sym typeface="+mn-ea"/>
-              </a:rPr>
-              <a:t>name: “John“</a:t>
-            </a:r>
-            <a:endParaRPr lang="en-US" altLang="en-US" sz="1600" dirty="0">
-              <a:solidFill>
-                <a:srgbClr val="262626"/>
-              </a:solidFill>
-              <a:sym typeface="+mn-ea"/>
-            </a:endParaRPr>
-          </a:p>
-          <a:p>
-            <a:pPr marL="228600" lvl="0" indent="-228600" defTabSz="342900">
-              <a:lnSpc>
-                <a:spcPct val="120000"/>
-              </a:lnSpc>
-              <a:buFont typeface="Arial" panose="020B0604020202020204" pitchFamily="34" charset="0"/>
-              <a:buChar char="•"/>
-            </a:pPr>
-            <a:r>
-              <a:rPr lang="en-US" altLang="en-US" sz="1535" dirty="0">
-                <a:solidFill>
-                  <a:srgbClr val="262626"/>
-                </a:solidFill>
-                <a:sym typeface="+mn-ea"/>
-              </a:rPr>
-              <a:t>})</a:t>
-            </a:r>
-            <a:endParaRPr lang="en-US" altLang="en-US" sz="1535" dirty="0">
-              <a:solidFill>
-                <a:srgbClr val="262626"/>
-              </a:solidFill>
-              <a:sym typeface="+mn-ea"/>
-            </a:endParaRPr>
-          </a:p>
-          <a:p>
-            <a:pPr marL="228600" lvl="0" indent="-228600" defTabSz="342900">
-              <a:lnSpc>
-                <a:spcPct val="120000"/>
-              </a:lnSpc>
-              <a:buFont typeface="Arial" panose="020B0604020202020204" pitchFamily="34" charset="0"/>
-              <a:buChar char="•"/>
-            </a:pPr>
-            <a:endParaRPr lang="en-US" altLang="en-US" sz="1535" dirty="0">
-              <a:solidFill>
-                <a:srgbClr val="262626"/>
-              </a:solidFill>
-              <a:sym typeface="+mn-ea"/>
-            </a:endParaRPr>
-          </a:p>
-          <a:p>
-            <a:pPr marL="228600" lvl="0" indent="-228600" defTabSz="342900">
-              <a:lnSpc>
-                <a:spcPct val="120000"/>
-              </a:lnSpc>
-              <a:buFont typeface="Arial" panose="020B0604020202020204" pitchFamily="34" charset="0"/>
-              <a:buChar char="•"/>
-            </a:pPr>
-            <a:r>
-              <a:rPr lang="en-US" altLang="en-US" sz="1535" dirty="0">
-                <a:solidFill>
-                  <a:srgbClr val="262626"/>
-                </a:solidFill>
-              </a:rPr>
-              <a:t>When update:</a:t>
-            </a:r>
-            <a:endParaRPr lang="en-US" altLang="en-US" sz="1535" dirty="0">
-              <a:solidFill>
-                <a:srgbClr val="262626"/>
-              </a:solidFill>
-            </a:endParaRPr>
-          </a:p>
-          <a:p>
-            <a:pPr marL="228600" lvl="0" indent="-228600" defTabSz="342900">
-              <a:lnSpc>
-                <a:spcPct val="120000"/>
-              </a:lnSpc>
-              <a:buFont typeface="Arial" panose="020B0604020202020204" pitchFamily="34" charset="0"/>
-              <a:buChar char="•"/>
-            </a:pPr>
-            <a:r>
-              <a:rPr lang="en-US" altLang="en-US" sz="1535" dirty="0">
-                <a:solidFill>
-                  <a:srgbClr val="262626"/>
-                </a:solidFill>
-                <a:sym typeface="+mn-ea"/>
-              </a:rPr>
-              <a:t>setStatus({</a:t>
-            </a:r>
-            <a:endParaRPr lang="en-US" altLang="en-US" sz="1535" dirty="0">
-              <a:solidFill>
-                <a:srgbClr val="262626"/>
-              </a:solidFill>
-              <a:sym typeface="+mn-ea"/>
-            </a:endParaRPr>
-          </a:p>
-          <a:p>
-            <a:pPr marL="228600" lvl="0" indent="-228600" defTabSz="342900">
-              <a:lnSpc>
-                <a:spcPct val="120000"/>
-              </a:lnSpc>
-              <a:buFont typeface="Arial" panose="020B0604020202020204" pitchFamily="34" charset="0"/>
-              <a:buChar char="•"/>
-            </a:pPr>
-            <a:r>
-              <a:rPr lang="en-US" altLang="en-US" sz="1535" dirty="0">
-                <a:solidFill>
-                  <a:srgbClr val="262626"/>
-                </a:solidFill>
-                <a:sym typeface="+mn-ea"/>
-              </a:rPr>
-              <a:t>age: 12,</a:t>
-            </a:r>
-            <a:endParaRPr lang="en-US" altLang="en-US" sz="1535" dirty="0">
-              <a:solidFill>
-                <a:srgbClr val="262626"/>
-              </a:solidFill>
-              <a:sym typeface="+mn-ea"/>
-            </a:endParaRPr>
-          </a:p>
-          <a:p>
-            <a:pPr marL="228600" lvl="0" indent="-228600" defTabSz="342900">
-              <a:lnSpc>
-                <a:spcPct val="120000"/>
-              </a:lnSpc>
-              <a:buFont typeface="Arial" panose="020B0604020202020204" pitchFamily="34" charset="0"/>
-              <a:buChar char="•"/>
-            </a:pPr>
-            <a:r>
-              <a:rPr lang="en-US" altLang="en-US" sz="1535" dirty="0">
-                <a:solidFill>
-                  <a:srgbClr val="262626"/>
-                </a:solidFill>
-                <a:sym typeface="+mn-ea"/>
-              </a:rPr>
-              <a:t>name: “John“</a:t>
-            </a:r>
-            <a:endParaRPr lang="en-US" altLang="en-US" sz="1535" dirty="0">
-              <a:solidFill>
-                <a:srgbClr val="262626"/>
-              </a:solidFill>
-              <a:sym typeface="+mn-ea"/>
-            </a:endParaRPr>
-          </a:p>
-          <a:p>
-            <a:pPr marL="228600" lvl="0" indent="-228600" defTabSz="342900">
-              <a:lnSpc>
-                <a:spcPct val="120000"/>
-              </a:lnSpc>
-              <a:buFont typeface="Arial" panose="020B0604020202020204" pitchFamily="34" charset="0"/>
-              <a:buChar char="•"/>
-            </a:pPr>
-            <a:r>
-              <a:rPr lang="en-US" altLang="en-US" sz="1535" dirty="0">
-                <a:solidFill>
-                  <a:srgbClr val="262626"/>
-                </a:solidFill>
-                <a:sym typeface="+mn-ea"/>
-              </a:rPr>
-              <a:t>})</a:t>
-            </a:r>
-            <a:endParaRPr lang="en-US" altLang="zh-CN" sz="1540" dirty="0">
-              <a:solidFill>
-                <a:srgbClr val="262626"/>
-              </a:solidFill>
-            </a:endParaRPr>
-          </a:p>
-        </p:txBody>
-      </p:sp>
-    </p:spTree>
-  </p:cSld>
-  <p:clrMapOvr>
-    <a:masterClrMapping/>
-  </p:clrMapOvr>
-</p:sld>
-</file>
-
 <file path=ppt/slides/slide15.xml><?xml version="1.0" encoding="utf-8"?>
 <p:sld xmlns:a="http://schemas.openxmlformats.org/drawingml/2006/main" xmlns:r="http://schemas.openxmlformats.org/officeDocument/2006/relationships" xmlns:p="http://schemas.openxmlformats.org/presentationml/2006/main">
   <p:cSld>
@@ -8650,7 +8597,7 @@
                 <a:latin typeface="Calibri" panose="020F0502020204030204" pitchFamily="34" charset="0"/>
                 <a:cs typeface="Calibri" panose="020F0502020204030204" pitchFamily="34" charset="0"/>
               </a:rPr>
-              <a:t>Context</a:t>
+              <a:t>Hook Code Demo</a:t>
             </a:r>
             <a:endParaRPr lang="en-US" sz="3200" b="1" dirty="0">
               <a:latin typeface="Calibri" panose="020F0502020204030204" pitchFamily="34" charset="0"/>
@@ -8661,7 +8608,7 @@
       </p:sp>
       <p:sp>
         <p:nvSpPr>
-          <p:cNvPr id="3" name="Content Placeholder 2"/>
+          <p:cNvPr id="6" name="Content Placeholder 2"/>
           <p:cNvSpPr>
             <a:spLocks noGrp="1"/>
           </p:cNvSpPr>
@@ -8677,71 +8624,381 @@
         </p:spPr>
         <p:txBody>
           <a:bodyPr>
-            <a:normAutofit/>
+            <a:normAutofit lnSpcReduction="20000"/>
           </a:bodyPr>
-          <a:lstStyle/>
-          <a:p>
-            <a:pPr defTabSz="342900">
+          <a:p>
+            <a:pPr marL="228600" lvl="0" indent="-228600" defTabSz="342900">
               <a:lnSpc>
                 <a:spcPct val="120000"/>
               </a:lnSpc>
+              <a:buFont typeface="Arial" panose="020B0604020202020204" pitchFamily="34" charset="0"/>
+              <a:buChar char="•"/>
             </a:pPr>
             <a:r>
-              <a:rPr lang="en-US" altLang="zh-CN" sz="1800" dirty="0">
+              <a:rPr lang="en-US" altLang="en-US" sz="1540" dirty="0">
                 <a:solidFill>
                   <a:srgbClr val="262626"/>
                 </a:solidFill>
               </a:rPr>
-              <a:t>Context acts as global variables, comparing with props and states (</a:t>
-            </a:r>
-            <a:r>
-              <a:rPr lang="en-US" altLang="zh-CN" sz="1800" dirty="0">
-                <a:solidFill>
-                  <a:srgbClr val="FF0000"/>
-                </a:solidFill>
-              </a:rPr>
-              <a:t>draw diagram</a:t>
-            </a:r>
-            <a:r>
-              <a:rPr lang="en-US" altLang="zh-CN" sz="1800" dirty="0">
+              <a:t>Two ways of defining functional States</a:t>
+            </a:r>
+            <a:endParaRPr lang="en-US" altLang="en-US" sz="1540" dirty="0">
+              <a:solidFill>
+                <a:srgbClr val="262626"/>
+              </a:solidFill>
+            </a:endParaRPr>
+          </a:p>
+          <a:p>
+            <a:pPr marL="228600" lvl="0" indent="-228600" defTabSz="342900">
+              <a:lnSpc>
+                <a:spcPct val="120000"/>
+              </a:lnSpc>
+              <a:buFont typeface="Arial" panose="020B0604020202020204" pitchFamily="34" charset="0"/>
+              <a:buChar char="•"/>
+            </a:pPr>
+            <a:r>
+              <a:rPr lang="en-US" altLang="en-US" sz="1540" dirty="0">
                 <a:solidFill>
                   <a:srgbClr val="262626"/>
                 </a:solidFill>
               </a:rPr>
-              <a:t>)</a:t>
-            </a:r>
-            <a:endParaRPr lang="en-US" altLang="zh-CN" sz="1800" dirty="0">
+              <a:t>const [age, setAge] = useState(19)</a:t>
+            </a:r>
+            <a:endParaRPr lang="en-US" altLang="en-US" sz="1540" dirty="0">
               <a:solidFill>
                 <a:srgbClr val="262626"/>
               </a:solidFill>
             </a:endParaRPr>
           </a:p>
+          <a:p>
+            <a:pPr marL="228600" lvl="0" indent="-228600" defTabSz="342900">
+              <a:lnSpc>
+                <a:spcPct val="120000"/>
+              </a:lnSpc>
+              <a:buFont typeface="Arial" panose="020B0604020202020204" pitchFamily="34" charset="0"/>
+              <a:buChar char="•"/>
+            </a:pPr>
+            <a:r>
+              <a:rPr lang="en-US" altLang="en-US" sz="1535" dirty="0">
+                <a:solidFill>
+                  <a:srgbClr val="262626"/>
+                </a:solidFill>
+                <a:sym typeface="+mn-ea"/>
+              </a:rPr>
+              <a:t>const [</a:t>
+            </a:r>
+            <a:r>
+              <a:rPr lang="en-US" altLang="en-US" sz="1535" dirty="0">
+                <a:solidFill>
+                  <a:srgbClr val="262626"/>
+                </a:solidFill>
+                <a:sym typeface="+mn-ea"/>
+              </a:rPr>
+              <a:t>name</a:t>
+            </a:r>
+            <a:r>
+              <a:rPr lang="en-US" altLang="en-US" sz="1535" dirty="0">
+                <a:solidFill>
+                  <a:srgbClr val="262626"/>
+                </a:solidFill>
+                <a:sym typeface="+mn-ea"/>
+              </a:rPr>
+              <a:t>, setN</a:t>
+            </a:r>
+            <a:r>
+              <a:rPr lang="en-US" altLang="en-US" sz="1535" dirty="0">
+                <a:solidFill>
+                  <a:srgbClr val="262626"/>
+                </a:solidFill>
+                <a:sym typeface="+mn-ea"/>
+              </a:rPr>
+              <a:t>ame</a:t>
+            </a:r>
+            <a:r>
+              <a:rPr lang="en-US" altLang="en-US" sz="1535" dirty="0">
+                <a:solidFill>
+                  <a:srgbClr val="262626"/>
+                </a:solidFill>
+                <a:sym typeface="+mn-ea"/>
+              </a:rPr>
+              <a:t>] = useState(“John”)</a:t>
+            </a:r>
+            <a:endParaRPr lang="en-US" altLang="en-US" sz="1535" dirty="0">
+              <a:solidFill>
+                <a:srgbClr val="262626"/>
+              </a:solidFill>
+            </a:endParaRPr>
+          </a:p>
+          <a:p>
+            <a:pPr marL="228600" lvl="0" indent="-228600" defTabSz="342900">
+              <a:lnSpc>
+                <a:spcPct val="120000"/>
+              </a:lnSpc>
+              <a:buFont typeface="Arial" panose="020B0604020202020204" pitchFamily="34" charset="0"/>
+              <a:buChar char="•"/>
+            </a:pPr>
+            <a:endParaRPr lang="zh-CN" altLang="en-US" sz="1540" dirty="0">
+              <a:solidFill>
+                <a:srgbClr val="262626"/>
+              </a:solidFill>
+            </a:endParaRPr>
+          </a:p>
+          <a:p>
+            <a:pPr marL="228600" lvl="0" indent="-228600" defTabSz="342900">
+              <a:lnSpc>
+                <a:spcPct val="120000"/>
+              </a:lnSpc>
+              <a:buFont typeface="Arial" panose="020B0604020202020204" pitchFamily="34" charset="0"/>
+              <a:buChar char="•"/>
+            </a:pPr>
+            <a:r>
+              <a:rPr lang="en-US" altLang="zh-CN" sz="1540" dirty="0">
+                <a:solidFill>
+                  <a:srgbClr val="262626"/>
+                </a:solidFill>
+              </a:rPr>
+              <a:t>const </a:t>
+            </a:r>
+            <a:r>
+              <a:rPr lang="en-US" altLang="en-US" sz="1535" dirty="0">
+                <a:solidFill>
+                  <a:srgbClr val="262626"/>
+                </a:solidFill>
+                <a:sym typeface="+mn-ea"/>
+              </a:rPr>
+              <a:t> [status, setS</a:t>
+            </a:r>
+            <a:r>
+              <a:rPr lang="en-US" altLang="en-US" sz="1535" dirty="0">
+                <a:solidFill>
+                  <a:srgbClr val="262626"/>
+                </a:solidFill>
+                <a:sym typeface="+mn-ea"/>
+              </a:rPr>
+              <a:t>tatus</a:t>
+            </a:r>
+            <a:r>
+              <a:rPr lang="en-US" altLang="en-US" sz="1535" dirty="0">
+                <a:solidFill>
+                  <a:srgbClr val="262626"/>
+                </a:solidFill>
+                <a:sym typeface="+mn-ea"/>
+              </a:rPr>
+              <a:t>] = useState({</a:t>
+            </a:r>
+            <a:endParaRPr lang="en-US" altLang="en-US" sz="1535" dirty="0">
+              <a:solidFill>
+                <a:srgbClr val="262626"/>
+              </a:solidFill>
+              <a:sym typeface="+mn-ea"/>
+            </a:endParaRPr>
+          </a:p>
+          <a:p>
+            <a:pPr marL="228600" lvl="0" indent="-228600" defTabSz="342900">
+              <a:lnSpc>
+                <a:spcPct val="120000"/>
+              </a:lnSpc>
+              <a:buFont typeface="Arial" panose="020B0604020202020204" pitchFamily="34" charset="0"/>
+              <a:buChar char="•"/>
+            </a:pPr>
+            <a:r>
+              <a:rPr lang="en-US" altLang="en-US" sz="1600" dirty="0">
+                <a:solidFill>
+                  <a:srgbClr val="262626"/>
+                </a:solidFill>
+                <a:sym typeface="+mn-ea"/>
+              </a:rPr>
+              <a:t>age: 19,</a:t>
+            </a:r>
+            <a:endParaRPr lang="en-US" altLang="en-US" sz="1600" dirty="0">
+              <a:solidFill>
+                <a:srgbClr val="262626"/>
+              </a:solidFill>
+              <a:sym typeface="+mn-ea"/>
+            </a:endParaRPr>
+          </a:p>
+          <a:p>
+            <a:pPr marL="228600" lvl="0" indent="-228600" defTabSz="342900">
+              <a:lnSpc>
+                <a:spcPct val="120000"/>
+              </a:lnSpc>
+              <a:buFont typeface="Arial" panose="020B0604020202020204" pitchFamily="34" charset="0"/>
+              <a:buChar char="•"/>
+            </a:pPr>
+            <a:r>
+              <a:rPr lang="en-US" altLang="en-US" sz="1600" dirty="0">
+                <a:solidFill>
+                  <a:srgbClr val="262626"/>
+                </a:solidFill>
+                <a:sym typeface="+mn-ea"/>
+              </a:rPr>
+              <a:t>name: “John“</a:t>
+            </a:r>
+            <a:endParaRPr lang="en-US" altLang="en-US" sz="1600" dirty="0">
+              <a:solidFill>
+                <a:srgbClr val="262626"/>
+              </a:solidFill>
+              <a:sym typeface="+mn-ea"/>
+            </a:endParaRPr>
+          </a:p>
+          <a:p>
+            <a:pPr marL="228600" lvl="0" indent="-228600" defTabSz="342900">
+              <a:lnSpc>
+                <a:spcPct val="120000"/>
+              </a:lnSpc>
+              <a:buFont typeface="Arial" panose="020B0604020202020204" pitchFamily="34" charset="0"/>
+              <a:buChar char="•"/>
+            </a:pPr>
+            <a:r>
+              <a:rPr lang="en-US" altLang="en-US" sz="1535" dirty="0">
+                <a:solidFill>
+                  <a:srgbClr val="262626"/>
+                </a:solidFill>
+                <a:sym typeface="+mn-ea"/>
+              </a:rPr>
+              <a:t>})</a:t>
+            </a:r>
+            <a:endParaRPr lang="en-US" altLang="en-US" sz="1535" dirty="0">
+              <a:solidFill>
+                <a:srgbClr val="262626"/>
+              </a:solidFill>
+              <a:sym typeface="+mn-ea"/>
+            </a:endParaRPr>
+          </a:p>
+          <a:p>
+            <a:pPr marL="228600" lvl="0" indent="-228600" defTabSz="342900">
+              <a:lnSpc>
+                <a:spcPct val="120000"/>
+              </a:lnSpc>
+              <a:buFont typeface="Arial" panose="020B0604020202020204" pitchFamily="34" charset="0"/>
+              <a:buChar char="•"/>
+            </a:pPr>
+            <a:endParaRPr lang="en-US" altLang="en-US" sz="1535" dirty="0">
+              <a:solidFill>
+                <a:srgbClr val="262626"/>
+              </a:solidFill>
+              <a:sym typeface="+mn-ea"/>
+            </a:endParaRPr>
+          </a:p>
+          <a:p>
+            <a:pPr marL="228600" lvl="0" indent="-228600" defTabSz="342900">
+              <a:lnSpc>
+                <a:spcPct val="120000"/>
+              </a:lnSpc>
+              <a:buFont typeface="Arial" panose="020B0604020202020204" pitchFamily="34" charset="0"/>
+              <a:buChar char="•"/>
+            </a:pPr>
+            <a:r>
+              <a:rPr lang="en-US" altLang="en-US" sz="1535" dirty="0">
+                <a:solidFill>
+                  <a:srgbClr val="262626"/>
+                </a:solidFill>
+              </a:rPr>
+              <a:t>When update:</a:t>
+            </a:r>
+            <a:endParaRPr lang="en-US" altLang="en-US" sz="1535" dirty="0">
+              <a:solidFill>
+                <a:srgbClr val="262626"/>
+              </a:solidFill>
+            </a:endParaRPr>
+          </a:p>
+          <a:p>
+            <a:pPr marL="228600" lvl="0" indent="-228600" defTabSz="342900">
+              <a:lnSpc>
+                <a:spcPct val="120000"/>
+              </a:lnSpc>
+              <a:buFont typeface="Arial" panose="020B0604020202020204" pitchFamily="34" charset="0"/>
+              <a:buChar char="•"/>
+            </a:pPr>
+            <a:r>
+              <a:rPr lang="en-US" altLang="en-US" sz="1535" dirty="0">
+                <a:solidFill>
+                  <a:srgbClr val="262626"/>
+                </a:solidFill>
+                <a:sym typeface="+mn-ea"/>
+              </a:rPr>
+              <a:t>setStatus({</a:t>
+            </a:r>
+            <a:endParaRPr lang="en-US" altLang="en-US" sz="1535" dirty="0">
+              <a:solidFill>
+                <a:srgbClr val="262626"/>
+              </a:solidFill>
+              <a:sym typeface="+mn-ea"/>
+            </a:endParaRPr>
+          </a:p>
+          <a:p>
+            <a:pPr marL="228600" lvl="0" indent="-228600" defTabSz="342900">
+              <a:lnSpc>
+                <a:spcPct val="120000"/>
+              </a:lnSpc>
+              <a:buFont typeface="Arial" panose="020B0604020202020204" pitchFamily="34" charset="0"/>
+              <a:buChar char="•"/>
+            </a:pPr>
+            <a:r>
+              <a:rPr lang="en-US" altLang="en-US" sz="1535" dirty="0">
+                <a:solidFill>
+                  <a:srgbClr val="262626"/>
+                </a:solidFill>
+                <a:sym typeface="+mn-ea"/>
+              </a:rPr>
+              <a:t>age: 12,</a:t>
+            </a:r>
+            <a:endParaRPr lang="en-US" altLang="en-US" sz="1535" dirty="0">
+              <a:solidFill>
+                <a:srgbClr val="262626"/>
+              </a:solidFill>
+              <a:sym typeface="+mn-ea"/>
+            </a:endParaRPr>
+          </a:p>
+          <a:p>
+            <a:pPr marL="228600" lvl="0" indent="-228600" defTabSz="342900">
+              <a:lnSpc>
+                <a:spcPct val="120000"/>
+              </a:lnSpc>
+              <a:buFont typeface="Arial" panose="020B0604020202020204" pitchFamily="34" charset="0"/>
+              <a:buChar char="•"/>
+            </a:pPr>
+            <a:r>
+              <a:rPr lang="en-US" altLang="en-US" sz="1535" dirty="0">
+                <a:solidFill>
+                  <a:srgbClr val="262626"/>
+                </a:solidFill>
+                <a:sym typeface="+mn-ea"/>
+              </a:rPr>
+              <a:t>name: “John“</a:t>
+            </a:r>
+            <a:endParaRPr lang="en-US" altLang="en-US" sz="1535" dirty="0">
+              <a:solidFill>
+                <a:srgbClr val="262626"/>
+              </a:solidFill>
+              <a:sym typeface="+mn-ea"/>
+            </a:endParaRPr>
+          </a:p>
+          <a:p>
+            <a:pPr marL="228600" lvl="0" indent="-228600" defTabSz="342900">
+              <a:lnSpc>
+                <a:spcPct val="120000"/>
+              </a:lnSpc>
+              <a:buFont typeface="Arial" panose="020B0604020202020204" pitchFamily="34" charset="0"/>
+              <a:buChar char="•"/>
+            </a:pPr>
+            <a:r>
+              <a:rPr lang="en-US" altLang="en-US" sz="1535" dirty="0">
+                <a:solidFill>
+                  <a:srgbClr val="262626"/>
+                </a:solidFill>
+                <a:sym typeface="+mn-ea"/>
+              </a:rPr>
+              <a:t>})</a:t>
+            </a:r>
+            <a:endParaRPr lang="en-US" altLang="zh-CN" sz="1540" dirty="0">
+              <a:solidFill>
+                <a:srgbClr val="262626"/>
+              </a:solidFill>
+            </a:endParaRPr>
+          </a:p>
         </p:txBody>
       </p:sp>
-      <p:pic>
-        <p:nvPicPr>
-          <p:cNvPr id="5" name="图片 4"/>
-          <p:cNvPicPr>
-            <a:picLocks noChangeAspect="1"/>
-          </p:cNvPicPr>
-          <p:nvPr/>
-        </p:nvPicPr>
-        <p:blipFill>
-          <a:blip r:embed="rId1"/>
-          <a:stretch>
-            <a:fillRect/>
-          </a:stretch>
-        </p:blipFill>
-        <p:spPr>
-          <a:xfrm>
-            <a:off x="628650" y="1452245"/>
-            <a:ext cx="6978015" cy="5405755"/>
-          </a:xfrm>
-          <a:prstGeom prst="rect">
-            <a:avLst/>
-          </a:prstGeom>
-        </p:spPr>
-      </p:pic>
     </p:spTree>
   </p:cSld>
   <p:clrMapOvr>
@@ -8804,33 +9061,9 @@
           </a:p>
         </p:txBody>
       </p:sp>
-      <p:pic>
-        <p:nvPicPr>
-          <p:cNvPr id="6" name="图片 5"/>
-          <p:cNvPicPr>
-            <a:picLocks noChangeAspect="1"/>
-          </p:cNvPicPr>
-          <p:nvPr/>
-        </p:nvPicPr>
-        <p:blipFill>
-          <a:blip r:embed="rId1"/>
-          <a:stretch>
-            <a:fillRect/>
-          </a:stretch>
-        </p:blipFill>
-        <p:spPr>
-          <a:xfrm>
-            <a:off x="628650" y="1588135"/>
-            <a:ext cx="6332855" cy="3134995"/>
-          </a:xfrm>
-          <a:prstGeom prst="rect">
-            <a:avLst/>
-          </a:prstGeom>
-        </p:spPr>
-      </p:pic>
       <p:sp>
         <p:nvSpPr>
-          <p:cNvPr id="5" name="Content Placeholder 2"/>
+          <p:cNvPr id="3" name="Content Placeholder 2"/>
           <p:cNvSpPr>
             <a:spLocks noGrp="1"/>
           </p:cNvSpPr>
@@ -8848,6 +9081,7 @@
           <a:bodyPr>
             <a:normAutofit/>
           </a:bodyPr>
+          <a:lstStyle/>
           <a:p>
             <a:pPr defTabSz="342900">
               <a:lnSpc>
@@ -8860,7 +9094,23 @@
                   <a:srgbClr val="262626"/>
                 </a:solidFill>
               </a:rPr>
-              <a:t>Implimentation 1</a:t>
+              <a:t>Context acts as global variables, comparing with props and states (</a:t>
+            </a:r>
+            <a:r>
+              <a:rPr lang="en-US" altLang="zh-CN" sz="1800" dirty="0">
+                <a:solidFill>
+                  <a:srgbClr val="FF0000"/>
+                </a:solidFill>
+              </a:rPr>
+              <a:t>draw diagram</a:t>
+            </a:r>
+            <a:r>
+              <a:rPr lang="en-US" altLang="zh-CN" sz="1800" dirty="0">
+                <a:solidFill>
+                  <a:srgbClr val="262626"/>
+                </a:solidFill>
+              </a:rPr>
+              <a:t>)</a:t>
             </a:r>
             <a:endParaRPr lang="en-US" altLang="zh-CN" sz="1800" dirty="0">
               <a:solidFill>
@@ -8870,6 +9120,30 @@
           </a:p>
         </p:txBody>
       </p:sp>
+      <p:pic>
+        <p:nvPicPr>
+          <p:cNvPr id="5" name="图片 4"/>
+          <p:cNvPicPr>
+            <a:picLocks noChangeAspect="1"/>
+          </p:cNvPicPr>
+          <p:nvPr/>
+        </p:nvPicPr>
+        <p:blipFill>
+          <a:blip r:embed="rId1"/>
+          <a:stretch>
+            <a:fillRect/>
+          </a:stretch>
+        </p:blipFill>
+        <p:spPr>
+          <a:xfrm>
+            <a:off x="628650" y="1452245"/>
+            <a:ext cx="6978015" cy="5405755"/>
+          </a:xfrm>
+          <a:prstGeom prst="rect">
+            <a:avLst/>
+          </a:prstGeom>
+        </p:spPr>
+      </p:pic>
     </p:spTree>
   </p:cSld>
   <p:clrMapOvr>
@@ -8932,6 +9206,30 @@
           </a:p>
         </p:txBody>
       </p:sp>
+      <p:pic>
+        <p:nvPicPr>
+          <p:cNvPr id="6" name="图片 5"/>
+          <p:cNvPicPr>
+            <a:picLocks noChangeAspect="1"/>
+          </p:cNvPicPr>
+          <p:nvPr/>
+        </p:nvPicPr>
+        <p:blipFill>
+          <a:blip r:embed="rId1"/>
+          <a:stretch>
+            <a:fillRect/>
+          </a:stretch>
+        </p:blipFill>
+        <p:spPr>
+          <a:xfrm>
+            <a:off x="628650" y="1588135"/>
+            <a:ext cx="6332855" cy="3134995"/>
+          </a:xfrm>
+          <a:prstGeom prst="rect">
+            <a:avLst/>
+          </a:prstGeom>
+        </p:spPr>
+      </p:pic>
       <p:sp>
         <p:nvSpPr>
           <p:cNvPr id="5" name="Content Placeholder 2"/>
@@ -8964,7 +9262,7 @@
                   <a:srgbClr val="262626"/>
                 </a:solidFill>
               </a:rPr>
-              <a:t>Implimentation 2</a:t>
+              <a:t>Implimentation 1</a:t>
             </a:r>
             <a:endParaRPr lang="en-US" altLang="zh-CN" sz="1800" dirty="0">
               <a:solidFill>
@@ -8974,30 +9272,6 @@
           </a:p>
         </p:txBody>
       </p:sp>
-      <p:pic>
-        <p:nvPicPr>
-          <p:cNvPr id="9" name="图片 8"/>
-          <p:cNvPicPr>
-            <a:picLocks noChangeAspect="1"/>
-          </p:cNvPicPr>
-          <p:nvPr/>
-        </p:nvPicPr>
-        <p:blipFill>
-          <a:blip r:embed="rId1"/>
-          <a:stretch>
-            <a:fillRect/>
-          </a:stretch>
-        </p:blipFill>
-        <p:spPr>
-          <a:xfrm>
-            <a:off x="628650" y="1647190"/>
-            <a:ext cx="8178800" cy="4737100"/>
-          </a:xfrm>
-          <a:prstGeom prst="rect">
-            <a:avLst/>
-          </a:prstGeom>
-        </p:spPr>
-      </p:pic>
     </p:spTree>
   </p:cSld>
   <p:clrMapOvr>
@@ -9092,6 +9366,134 @@
                   <a:srgbClr val="262626"/>
                 </a:solidFill>
               </a:rPr>
+              <a:t>Implimentation 2</a:t>
+            </a:r>
+            <a:endParaRPr lang="en-US" altLang="zh-CN" sz="1800" dirty="0">
+              <a:solidFill>
+                <a:srgbClr val="262626"/>
+              </a:solidFill>
+            </a:endParaRPr>
+          </a:p>
+        </p:txBody>
+      </p:sp>
+      <p:pic>
+        <p:nvPicPr>
+          <p:cNvPr id="9" name="图片 8"/>
+          <p:cNvPicPr>
+            <a:picLocks noChangeAspect="1"/>
+          </p:cNvPicPr>
+          <p:nvPr/>
+        </p:nvPicPr>
+        <p:blipFill>
+          <a:blip r:embed="rId1"/>
+          <a:stretch>
+            <a:fillRect/>
+          </a:stretch>
+        </p:blipFill>
+        <p:spPr>
+          <a:xfrm>
+            <a:off x="628650" y="1647190"/>
+            <a:ext cx="8178800" cy="4737100"/>
+          </a:xfrm>
+          <a:prstGeom prst="rect">
+            <a:avLst/>
+          </a:prstGeom>
+        </p:spPr>
+      </p:pic>
+    </p:spTree>
+  </p:cSld>
+  <p:clrMapOvr>
+    <a:masterClrMapping/>
+  </p:clrMapOvr>
+</p:sld>
+</file>
+
+<file path=ppt/slides/slide19.xml><?xml version="1.0" encoding="utf-8"?>
+<p:sld xmlns:a="http://schemas.openxmlformats.org/drawingml/2006/main" xmlns:r="http://schemas.openxmlformats.org/officeDocument/2006/relationships" xmlns:p="http://schemas.openxmlformats.org/presentationml/2006/main">
+  <p:cSld>
+    <p:spTree>
+      <p:nvGrpSpPr>
+        <p:cNvPr id="1" name=""/>
+        <p:cNvGrpSpPr/>
+        <p:nvPr/>
+      </p:nvGrpSpPr>
+      <p:grpSpPr>
+        <a:xfrm>
+          <a:off x="0" y="0"/>
+          <a:ext cx="0" cy="0"/>
+          <a:chOff x="0" y="0"/>
+          <a:chExt cx="0" cy="0"/>
+        </a:xfrm>
+      </p:grpSpPr>
+      <p:sp>
+        <p:nvSpPr>
+          <p:cNvPr id="2" name="Title 1"/>
+          <p:cNvSpPr>
+            <a:spLocks noGrp="1"/>
+          </p:cNvSpPr>
+          <p:nvPr>
+            <p:ph type="title"/>
+          </p:nvPr>
+        </p:nvSpPr>
+        <p:spPr>
+          <a:xfrm>
+            <a:off x="628650" y="155263"/>
+            <a:ext cx="7886700" cy="526790"/>
+          </a:xfrm>
+        </p:spPr>
+        <p:txBody>
+          <a:bodyPr>
+            <a:normAutofit fontScale="90000"/>
+          </a:bodyPr>
+          <a:lstStyle/>
+          <a:p>
+            <a:pPr algn="ctr"/>
+            <a:r>
+              <a:rPr lang="en-US" sz="3200" b="1" dirty="0">
+                <a:latin typeface="Calibri" panose="020F0502020204030204" pitchFamily="34" charset="0"/>
+                <a:cs typeface="Calibri" panose="020F0502020204030204" pitchFamily="34" charset="0"/>
+              </a:rPr>
+              <a:t>Context</a:t>
+            </a:r>
+            <a:endParaRPr lang="en-US" sz="3200" b="1" dirty="0">
+              <a:latin typeface="Calibri" panose="020F0502020204030204" pitchFamily="34" charset="0"/>
+              <a:cs typeface="Calibri" panose="020F0502020204030204" pitchFamily="34" charset="0"/>
+            </a:endParaRPr>
+          </a:p>
+        </p:txBody>
+      </p:sp>
+      <p:sp>
+        <p:nvSpPr>
+          <p:cNvPr id="5" name="Content Placeholder 2"/>
+          <p:cNvSpPr>
+            <a:spLocks noGrp="1"/>
+          </p:cNvSpPr>
+          <p:nvPr>
+            <p:ph idx="1"/>
+          </p:nvPr>
+        </p:nvSpPr>
+        <p:spPr>
+          <a:xfrm>
+            <a:off x="628650" y="989044"/>
+            <a:ext cx="7886700" cy="5605719"/>
+          </a:xfrm>
+        </p:spPr>
+        <p:txBody>
+          <a:bodyPr>
+            <a:normAutofit/>
+          </a:bodyPr>
+          <a:p>
+            <a:pPr defTabSz="342900">
+              <a:lnSpc>
+                <a:spcPct val="120000"/>
+              </a:lnSpc>
+            </a:pPr>
+            <a:r>
+              <a:rPr lang="en-US" altLang="zh-CN" sz="1800" dirty="0">
+                <a:solidFill>
+                  <a:srgbClr val="262626"/>
+                </a:solidFill>
+              </a:rPr>
               <a:t>Implimentation 3</a:t>
             </a:r>
             <a:endParaRPr lang="en-US" altLang="zh-CN" sz="1800" dirty="0">
@@ -9134,7 +9536,336 @@
 </p:sld>
 </file>
 
-<file path=ppt/slides/slide19.xml><?xml version="1.0" encoding="utf-8"?>
+<file path=ppt/slides/slide2.xml><?xml version="1.0" encoding="utf-8"?>
+<p:sld xmlns:a="http://schemas.openxmlformats.org/drawingml/2006/main" xmlns:r="http://schemas.openxmlformats.org/officeDocument/2006/relationships" xmlns:p="http://schemas.openxmlformats.org/presentationml/2006/main">
+  <p:cSld>
+    <p:spTree>
+      <p:nvGrpSpPr>
+        <p:cNvPr id="1" name=""/>
+        <p:cNvGrpSpPr/>
+        <p:nvPr/>
+      </p:nvGrpSpPr>
+      <p:grpSpPr>
+        <a:xfrm>
+          <a:off x="0" y="0"/>
+          <a:ext cx="0" cy="0"/>
+          <a:chOff x="0" y="0"/>
+          <a:chExt cx="0" cy="0"/>
+        </a:xfrm>
+      </p:grpSpPr>
+      <p:sp>
+        <p:nvSpPr>
+          <p:cNvPr id="21505" name="Title 1"/>
+          <p:cNvSpPr>
+            <a:spLocks noGrp="1"/>
+          </p:cNvSpPr>
+          <p:nvPr>
+            <p:ph type="title"/>
+          </p:nvPr>
+        </p:nvSpPr>
+        <p:spPr>
+          <a:xfrm>
+            <a:off x="233363" y="308848"/>
+            <a:ext cx="8227219" cy="327422"/>
+          </a:xfrm>
+        </p:spPr>
+        <p:txBody>
+          <a:bodyPr vert="horz" lIns="0" tIns="0" rIns="0" bIns="0" rtlCol="0" anchor="ctr">
+            <a:normAutofit fontScale="90000"/>
+          </a:bodyPr>
+          <a:lstStyle/>
+          <a:p>
+            <a:pPr algn="ctr"/>
+            <a:r>
+              <a:rPr lang="en-US" altLang="zh-CN" sz="3200" b="1" dirty="0">
+                <a:latin typeface="Calibri" panose="020F0502020204030204" pitchFamily="34" charset="0"/>
+                <a:cs typeface="Calibri" panose="020F0502020204030204" pitchFamily="34" charset="0"/>
+              </a:rPr>
+              <a:t>Outline</a:t>
+            </a:r>
+            <a:endParaRPr lang="en-GB" altLang="zh-CN" sz="3200" b="1" dirty="0">
+              <a:latin typeface="Calibri" panose="020F0502020204030204" pitchFamily="34" charset="0"/>
+              <a:cs typeface="Calibri" panose="020F0502020204030204" pitchFamily="34" charset="0"/>
+            </a:endParaRPr>
+          </a:p>
+        </p:txBody>
+      </p:sp>
+      <p:sp>
+        <p:nvSpPr>
+          <p:cNvPr id="21506" name="文本框 6"/>
+          <p:cNvSpPr txBox="1"/>
+          <p:nvPr/>
+        </p:nvSpPr>
+        <p:spPr>
+          <a:xfrm>
+            <a:off x="246455" y="859156"/>
+            <a:ext cx="8651359" cy="5486400"/>
+          </a:xfrm>
+          <a:prstGeom prst="rect">
+            <a:avLst/>
+          </a:prstGeom>
+          <a:noFill/>
+          <a:ln w="9525">
+            <a:noFill/>
+          </a:ln>
+        </p:spPr>
+        <p:txBody>
+          <a:bodyPr wrap="square" lIns="0" tIns="0" rIns="0" bIns="0" anchor="t"/>
+          <a:lstStyle/>
+          <a:p>
+            <a:pPr marL="171450" lvl="0" indent="-171450" fontAlgn="auto">
+              <a:lnSpc>
+                <a:spcPct val="200000"/>
+              </a:lnSpc>
+              <a:spcBef>
+                <a:spcPts val="700"/>
+              </a:spcBef>
+              <a:buFont typeface="Arial" panose="020B0604020202020204" pitchFamily="34" charset="0"/>
+              <a:buChar char="•"/>
+            </a:pPr>
+            <a:r>
+              <a:rPr lang="en-US" dirty="0"/>
+              <a:t>What is Reactjs</a:t>
+            </a:r>
+            <a:endParaRPr lang="en-US" dirty="0"/>
+          </a:p>
+          <a:p>
+            <a:pPr marL="171450" lvl="0" indent="-171450" fontAlgn="auto">
+              <a:lnSpc>
+                <a:spcPct val="200000"/>
+              </a:lnSpc>
+              <a:spcBef>
+                <a:spcPts val="700"/>
+              </a:spcBef>
+              <a:buFont typeface="Arial" panose="020B0604020202020204" pitchFamily="34" charset="0"/>
+              <a:buChar char="•"/>
+            </a:pPr>
+            <a:r>
+              <a:rPr lang="en-US" dirty="0"/>
+              <a:t>Code Demo</a:t>
+            </a:r>
+            <a:endParaRPr lang="en-US" dirty="0"/>
+          </a:p>
+          <a:p>
+            <a:pPr marL="171450" lvl="0" indent="-171450" fontAlgn="auto">
+              <a:lnSpc>
+                <a:spcPct val="200000"/>
+              </a:lnSpc>
+              <a:spcBef>
+                <a:spcPts val="700"/>
+              </a:spcBef>
+              <a:buFont typeface="Arial" panose="020B0604020202020204" pitchFamily="34" charset="0"/>
+              <a:buChar char="•"/>
+            </a:pPr>
+            <a:r>
+              <a:rPr lang="en-US" dirty="0">
+                <a:latin typeface="Calibri" panose="020F0502020204030204" pitchFamily="34" charset="0"/>
+                <a:cs typeface="Calibri" panose="020F0502020204030204" pitchFamily="34" charset="0"/>
+                <a:sym typeface="+mn-ea"/>
+              </a:rPr>
+              <a:t>Key Concepts</a:t>
+            </a:r>
+            <a:endParaRPr lang="en-US" dirty="0">
+              <a:latin typeface="Calibri" panose="020F0502020204030204" pitchFamily="34" charset="0"/>
+              <a:cs typeface="Calibri" panose="020F0502020204030204" pitchFamily="34" charset="0"/>
+            </a:endParaRPr>
+          </a:p>
+          <a:p>
+            <a:pPr marL="171450" lvl="0" indent="-171450" fontAlgn="auto">
+              <a:lnSpc>
+                <a:spcPct val="200000"/>
+              </a:lnSpc>
+              <a:spcBef>
+                <a:spcPts val="700"/>
+              </a:spcBef>
+              <a:buFont typeface="Arial" panose="020B0604020202020204" pitchFamily="34" charset="0"/>
+              <a:buChar char="•"/>
+            </a:pPr>
+            <a:r>
+              <a:rPr lang="en-US" dirty="0">
+                <a:latin typeface="Calibri" panose="020F0502020204030204" pitchFamily="34" charset="0"/>
+                <a:cs typeface="Calibri" panose="020F0502020204030204" pitchFamily="34" charset="0"/>
+                <a:sym typeface="+mn-ea"/>
+              </a:rPr>
+              <a:t>Lifecycle Methods</a:t>
+            </a:r>
+            <a:endParaRPr lang="en-US" dirty="0">
+              <a:latin typeface="Calibri" panose="020F0502020204030204" pitchFamily="34" charset="0"/>
+              <a:cs typeface="Calibri" panose="020F0502020204030204" pitchFamily="34" charset="0"/>
+            </a:endParaRPr>
+          </a:p>
+          <a:p>
+            <a:pPr marL="171450" lvl="0" indent="-171450" fontAlgn="auto">
+              <a:lnSpc>
+                <a:spcPct val="200000"/>
+              </a:lnSpc>
+              <a:spcBef>
+                <a:spcPts val="700"/>
+              </a:spcBef>
+              <a:buFont typeface="Arial" panose="020B0604020202020204" pitchFamily="34" charset="0"/>
+              <a:buChar char="•"/>
+            </a:pPr>
+            <a:r>
+              <a:rPr lang="en-US" dirty="0">
+                <a:latin typeface="Calibri" panose="020F0502020204030204" pitchFamily="34" charset="0"/>
+                <a:cs typeface="Calibri" panose="020F0502020204030204" pitchFamily="34" charset="0"/>
+                <a:sym typeface="+mn-ea"/>
+              </a:rPr>
+              <a:t>Functional Component and Hooks</a:t>
+            </a:r>
+            <a:endParaRPr lang="en-US" dirty="0">
+              <a:latin typeface="Calibri" panose="020F0502020204030204" pitchFamily="34" charset="0"/>
+              <a:cs typeface="Calibri" panose="020F0502020204030204" pitchFamily="34" charset="0"/>
+              <a:sym typeface="+mn-ea"/>
+            </a:endParaRPr>
+          </a:p>
+          <a:p>
+            <a:pPr marL="171450" lvl="0" indent="-171450" fontAlgn="auto">
+              <a:lnSpc>
+                <a:spcPct val="200000"/>
+              </a:lnSpc>
+              <a:spcBef>
+                <a:spcPts val="700"/>
+              </a:spcBef>
+              <a:buFont typeface="Arial" panose="020B0604020202020204" pitchFamily="34" charset="0"/>
+              <a:buChar char="•"/>
+            </a:pPr>
+            <a:r>
+              <a:rPr lang="en-US" dirty="0">
+                <a:latin typeface="Calibri" panose="020F0502020204030204" pitchFamily="34" charset="0"/>
+                <a:cs typeface="Calibri" panose="020F0502020204030204" pitchFamily="34" charset="0"/>
+                <a:sym typeface="+mn-ea"/>
+              </a:rPr>
+              <a:t>Code Demo</a:t>
+            </a:r>
+            <a:endParaRPr lang="en-US" dirty="0">
+              <a:latin typeface="Calibri" panose="020F0502020204030204" pitchFamily="34" charset="0"/>
+              <a:cs typeface="Calibri" panose="020F0502020204030204" pitchFamily="34" charset="0"/>
+              <a:sym typeface="+mn-ea"/>
+            </a:endParaRPr>
+          </a:p>
+          <a:p>
+            <a:pPr lvl="0" indent="0" fontAlgn="auto">
+              <a:lnSpc>
+                <a:spcPct val="200000"/>
+              </a:lnSpc>
+              <a:spcBef>
+                <a:spcPts val="700"/>
+              </a:spcBef>
+              <a:buFont typeface="Arial" panose="020B0604020202020204" pitchFamily="34" charset="0"/>
+              <a:buNone/>
+            </a:pPr>
+            <a:endParaRPr lang="en-US" dirty="0"/>
+          </a:p>
+        </p:txBody>
+      </p:sp>
+      <p:sp>
+        <p:nvSpPr>
+          <p:cNvPr id="6" name="TextBox 6"/>
+          <p:cNvSpPr txBox="1"/>
+          <p:nvPr/>
+        </p:nvSpPr>
+        <p:spPr>
+          <a:xfrm>
+            <a:off x="25183" y="6636420"/>
+            <a:ext cx="3270445" cy="184664"/>
+          </a:xfrm>
+          <a:prstGeom prst="rect">
+            <a:avLst/>
+          </a:prstGeom>
+          <a:ln w="12700">
+            <a:miter lim="400000"/>
+          </a:ln>
+        </p:spPr>
+        <p:txBody>
+          <a:bodyPr wrap="none" lIns="34289" tIns="34289" rIns="34289" bIns="34289">
+            <a:spAutoFit/>
+          </a:bodyPr>
+          <a:lstStyle>
+            <a:lvl1pPr defTabSz="914400">
+              <a:defRPr sz="1000">
+                <a:solidFill>
+                  <a:srgbClr val="FFFFFF"/>
+                </a:solidFill>
+                <a:latin typeface="Montserrat" panose="00000500000000000000"/>
+                <a:ea typeface="Montserrat" panose="00000500000000000000"/>
+                <a:cs typeface="Montserrat" panose="00000500000000000000"/>
+                <a:sym typeface="Montserrat" panose="00000500000000000000"/>
+              </a:defRPr>
+            </a:lvl1pPr>
+          </a:lstStyle>
+          <a:p>
+            <a:r>
+              <a:rPr lang="en-US" sz="750" dirty="0">
+                <a:solidFill>
+                  <a:schemeClr val="tx1"/>
+                </a:solidFill>
+                <a:latin typeface="Montserrat" panose="00000500000000000000" pitchFamily="2" charset="0"/>
+              </a:rPr>
+              <a:t>© 2017-2020    SmartMesh Foundation Pte. Ltd.  |  MeshBox Foundation Pte. Ltd.</a:t>
+            </a:r>
+            <a:endParaRPr lang="en-US" sz="750" dirty="0">
+              <a:solidFill>
+                <a:schemeClr val="tx1"/>
+              </a:solidFill>
+              <a:latin typeface="Montserrat" panose="00000500000000000000" pitchFamily="2" charset="0"/>
+              <a:sym typeface="Arial" panose="020B0604020202020204"/>
+            </a:endParaRPr>
+          </a:p>
+        </p:txBody>
+      </p:sp>
+      <p:sp>
+        <p:nvSpPr>
+          <p:cNvPr id="7" name="TextBox 6"/>
+          <p:cNvSpPr txBox="1">
+            <a:spLocks noChangeArrowheads="1"/>
+          </p:cNvSpPr>
+          <p:nvPr/>
+        </p:nvSpPr>
+        <p:spPr bwMode="auto">
+          <a:xfrm>
+            <a:off x="7872314" y="6569155"/>
+            <a:ext cx="1289447" cy="253916"/>
+          </a:xfrm>
+          <a:prstGeom prst="rect">
+            <a:avLst/>
+          </a:prstGeom>
+          <a:noFill/>
+          <a:ln w="9525">
+            <a:noFill/>
+            <a:miter lim="800000"/>
+          </a:ln>
+        </p:spPr>
+        <p:txBody>
+          <a:bodyPr>
+            <a:spAutoFit/>
+          </a:bodyPr>
+          <a:lstStyle/>
+          <a:p>
+            <a:pPr algn="r"/>
+            <a:fld id="{6F888031-CE6A-4173-BB2B-520974F34056}" type="slidenum">
+              <a:rPr lang="en-GB" sz="1050">
+                <a:latin typeface="Calibri" panose="020F0502020204030204" pitchFamily="34" charset="0"/>
+              </a:rPr>
+            </a:fld>
+            <a:endParaRPr lang="en-GB" sz="1050" dirty="0">
+              <a:latin typeface="Calibri" panose="020F0502020204030204" pitchFamily="34" charset="0"/>
+            </a:endParaRPr>
+          </a:p>
+        </p:txBody>
+      </p:sp>
+    </p:spTree>
+  </p:cSld>
+  <p:clrMapOvr>
+    <a:masterClrMapping/>
+  </p:clrMapOvr>
+  <p:transition spd="med">
+    <p:fade/>
+  </p:transition>
+</p:sld>
+</file>
+
+<file path=ppt/slides/slide20.xml><?xml version="1.0" encoding="utf-8"?>
 <p:sld xmlns:a="http://schemas.openxmlformats.org/drawingml/2006/main" xmlns:r="http://schemas.openxmlformats.org/officeDocument/2006/relationships" xmlns:p="http://schemas.openxmlformats.org/presentationml/2006/main">
   <p:cSld>
     <p:spTree>
@@ -9427,336 +10158,7 @@
 </p:sld>
 </file>
 
-<file path=ppt/slides/slide2.xml><?xml version="1.0" encoding="utf-8"?>
-<p:sld xmlns:a="http://schemas.openxmlformats.org/drawingml/2006/main" xmlns:r="http://schemas.openxmlformats.org/officeDocument/2006/relationships" xmlns:p="http://schemas.openxmlformats.org/presentationml/2006/main">
-  <p:cSld>
-    <p:spTree>
-      <p:nvGrpSpPr>
-        <p:cNvPr id="1" name=""/>
-        <p:cNvGrpSpPr/>
-        <p:nvPr/>
-      </p:nvGrpSpPr>
-      <p:grpSpPr>
-        <a:xfrm>
-          <a:off x="0" y="0"/>
-          <a:ext cx="0" cy="0"/>
-          <a:chOff x="0" y="0"/>
-          <a:chExt cx="0" cy="0"/>
-        </a:xfrm>
-      </p:grpSpPr>
-      <p:sp>
-        <p:nvSpPr>
-          <p:cNvPr id="21505" name="Title 1"/>
-          <p:cNvSpPr>
-            <a:spLocks noGrp="1"/>
-          </p:cNvSpPr>
-          <p:nvPr>
-            <p:ph type="title"/>
-          </p:nvPr>
-        </p:nvSpPr>
-        <p:spPr>
-          <a:xfrm>
-            <a:off x="233363" y="308848"/>
-            <a:ext cx="8227219" cy="327422"/>
-          </a:xfrm>
-        </p:spPr>
-        <p:txBody>
-          <a:bodyPr vert="horz" lIns="0" tIns="0" rIns="0" bIns="0" rtlCol="0" anchor="ctr">
-            <a:normAutofit fontScale="90000"/>
-          </a:bodyPr>
-          <a:lstStyle/>
-          <a:p>
-            <a:pPr algn="ctr"/>
-            <a:r>
-              <a:rPr lang="en-US" altLang="zh-CN" sz="3200" b="1" dirty="0">
-                <a:latin typeface="Calibri" panose="020F0502020204030204" pitchFamily="34" charset="0"/>
-                <a:cs typeface="Calibri" panose="020F0502020204030204" pitchFamily="34" charset="0"/>
-              </a:rPr>
-              <a:t>Outline</a:t>
-            </a:r>
-            <a:endParaRPr lang="en-GB" altLang="zh-CN" sz="3200" b="1" dirty="0">
-              <a:latin typeface="Calibri" panose="020F0502020204030204" pitchFamily="34" charset="0"/>
-              <a:cs typeface="Calibri" panose="020F0502020204030204" pitchFamily="34" charset="0"/>
-            </a:endParaRPr>
-          </a:p>
-        </p:txBody>
-      </p:sp>
-      <p:sp>
-        <p:nvSpPr>
-          <p:cNvPr id="21506" name="文本框 6"/>
-          <p:cNvSpPr txBox="1"/>
-          <p:nvPr/>
-        </p:nvSpPr>
-        <p:spPr>
-          <a:xfrm>
-            <a:off x="246455" y="859156"/>
-            <a:ext cx="8651359" cy="5486400"/>
-          </a:xfrm>
-          <a:prstGeom prst="rect">
-            <a:avLst/>
-          </a:prstGeom>
-          <a:noFill/>
-          <a:ln w="9525">
-            <a:noFill/>
-          </a:ln>
-        </p:spPr>
-        <p:txBody>
-          <a:bodyPr wrap="square" lIns="0" tIns="0" rIns="0" bIns="0" anchor="t"/>
-          <a:lstStyle/>
-          <a:p>
-            <a:pPr marL="171450" lvl="0" indent="-171450" fontAlgn="auto">
-              <a:lnSpc>
-                <a:spcPct val="200000"/>
-              </a:lnSpc>
-              <a:spcBef>
-                <a:spcPts val="700"/>
-              </a:spcBef>
-              <a:buFont typeface="Arial" panose="020B0604020202020204" pitchFamily="34" charset="0"/>
-              <a:buChar char="•"/>
-            </a:pPr>
-            <a:r>
-              <a:rPr lang="en-US" dirty="0"/>
-              <a:t>What is Reactjs</a:t>
-            </a:r>
-            <a:endParaRPr lang="en-US" dirty="0"/>
-          </a:p>
-          <a:p>
-            <a:pPr marL="171450" lvl="0" indent="-171450" fontAlgn="auto">
-              <a:lnSpc>
-                <a:spcPct val="200000"/>
-              </a:lnSpc>
-              <a:spcBef>
-                <a:spcPts val="700"/>
-              </a:spcBef>
-              <a:buFont typeface="Arial" panose="020B0604020202020204" pitchFamily="34" charset="0"/>
-              <a:buChar char="•"/>
-            </a:pPr>
-            <a:r>
-              <a:rPr lang="en-US" dirty="0"/>
-              <a:t>Code Demo</a:t>
-            </a:r>
-            <a:endParaRPr lang="en-US" dirty="0"/>
-          </a:p>
-          <a:p>
-            <a:pPr marL="171450" lvl="0" indent="-171450" fontAlgn="auto">
-              <a:lnSpc>
-                <a:spcPct val="200000"/>
-              </a:lnSpc>
-              <a:spcBef>
-                <a:spcPts val="700"/>
-              </a:spcBef>
-              <a:buFont typeface="Arial" panose="020B0604020202020204" pitchFamily="34" charset="0"/>
-              <a:buChar char="•"/>
-            </a:pPr>
-            <a:r>
-              <a:rPr lang="en-US" dirty="0">
-                <a:latin typeface="Calibri" panose="020F0502020204030204" pitchFamily="34" charset="0"/>
-                <a:cs typeface="Calibri" panose="020F0502020204030204" pitchFamily="34" charset="0"/>
-                <a:sym typeface="+mn-ea"/>
-              </a:rPr>
-              <a:t>Key Concepts</a:t>
-            </a:r>
-            <a:endParaRPr lang="en-US" dirty="0">
-              <a:latin typeface="Calibri" panose="020F0502020204030204" pitchFamily="34" charset="0"/>
-              <a:cs typeface="Calibri" panose="020F0502020204030204" pitchFamily="34" charset="0"/>
-            </a:endParaRPr>
-          </a:p>
-          <a:p>
-            <a:pPr marL="171450" lvl="0" indent="-171450" fontAlgn="auto">
-              <a:lnSpc>
-                <a:spcPct val="200000"/>
-              </a:lnSpc>
-              <a:spcBef>
-                <a:spcPts val="700"/>
-              </a:spcBef>
-              <a:buFont typeface="Arial" panose="020B0604020202020204" pitchFamily="34" charset="0"/>
-              <a:buChar char="•"/>
-            </a:pPr>
-            <a:r>
-              <a:rPr lang="en-US" dirty="0">
-                <a:latin typeface="Calibri" panose="020F0502020204030204" pitchFamily="34" charset="0"/>
-                <a:cs typeface="Calibri" panose="020F0502020204030204" pitchFamily="34" charset="0"/>
-                <a:sym typeface="+mn-ea"/>
-              </a:rPr>
-              <a:t>Lifecycle Methods</a:t>
-            </a:r>
-            <a:endParaRPr lang="en-US" dirty="0">
-              <a:latin typeface="Calibri" panose="020F0502020204030204" pitchFamily="34" charset="0"/>
-              <a:cs typeface="Calibri" panose="020F0502020204030204" pitchFamily="34" charset="0"/>
-            </a:endParaRPr>
-          </a:p>
-          <a:p>
-            <a:pPr marL="171450" lvl="0" indent="-171450" fontAlgn="auto">
-              <a:lnSpc>
-                <a:spcPct val="200000"/>
-              </a:lnSpc>
-              <a:spcBef>
-                <a:spcPts val="700"/>
-              </a:spcBef>
-              <a:buFont typeface="Arial" panose="020B0604020202020204" pitchFamily="34" charset="0"/>
-              <a:buChar char="•"/>
-            </a:pPr>
-            <a:r>
-              <a:rPr lang="en-US" dirty="0">
-                <a:latin typeface="Calibri" panose="020F0502020204030204" pitchFamily="34" charset="0"/>
-                <a:cs typeface="Calibri" panose="020F0502020204030204" pitchFamily="34" charset="0"/>
-                <a:sym typeface="+mn-ea"/>
-              </a:rPr>
-              <a:t>Functional Component and Hooks</a:t>
-            </a:r>
-            <a:endParaRPr lang="en-US" dirty="0">
-              <a:latin typeface="Calibri" panose="020F0502020204030204" pitchFamily="34" charset="0"/>
-              <a:cs typeface="Calibri" panose="020F0502020204030204" pitchFamily="34" charset="0"/>
-              <a:sym typeface="+mn-ea"/>
-            </a:endParaRPr>
-          </a:p>
-          <a:p>
-            <a:pPr marL="171450" lvl="0" indent="-171450" fontAlgn="auto">
-              <a:lnSpc>
-                <a:spcPct val="200000"/>
-              </a:lnSpc>
-              <a:spcBef>
-                <a:spcPts val="700"/>
-              </a:spcBef>
-              <a:buFont typeface="Arial" panose="020B0604020202020204" pitchFamily="34" charset="0"/>
-              <a:buChar char="•"/>
-            </a:pPr>
-            <a:r>
-              <a:rPr lang="en-US" dirty="0">
-                <a:latin typeface="Calibri" panose="020F0502020204030204" pitchFamily="34" charset="0"/>
-                <a:cs typeface="Calibri" panose="020F0502020204030204" pitchFamily="34" charset="0"/>
-                <a:sym typeface="+mn-ea"/>
-              </a:rPr>
-              <a:t>Code Demo</a:t>
-            </a:r>
-            <a:endParaRPr lang="en-US" dirty="0">
-              <a:latin typeface="Calibri" panose="020F0502020204030204" pitchFamily="34" charset="0"/>
-              <a:cs typeface="Calibri" panose="020F0502020204030204" pitchFamily="34" charset="0"/>
-              <a:sym typeface="+mn-ea"/>
-            </a:endParaRPr>
-          </a:p>
-          <a:p>
-            <a:pPr lvl="0" indent="0" fontAlgn="auto">
-              <a:lnSpc>
-                <a:spcPct val="200000"/>
-              </a:lnSpc>
-              <a:spcBef>
-                <a:spcPts val="700"/>
-              </a:spcBef>
-              <a:buFont typeface="Arial" panose="020B0604020202020204" pitchFamily="34" charset="0"/>
-              <a:buNone/>
-            </a:pPr>
-            <a:endParaRPr lang="en-US" dirty="0"/>
-          </a:p>
-        </p:txBody>
-      </p:sp>
-      <p:sp>
-        <p:nvSpPr>
-          <p:cNvPr id="6" name="TextBox 6"/>
-          <p:cNvSpPr txBox="1"/>
-          <p:nvPr/>
-        </p:nvSpPr>
-        <p:spPr>
-          <a:xfrm>
-            <a:off x="25183" y="6636420"/>
-            <a:ext cx="3270445" cy="184664"/>
-          </a:xfrm>
-          <a:prstGeom prst="rect">
-            <a:avLst/>
-          </a:prstGeom>
-          <a:ln w="12700">
-            <a:miter lim="400000"/>
-          </a:ln>
-        </p:spPr>
-        <p:txBody>
-          <a:bodyPr wrap="none" lIns="34289" tIns="34289" rIns="34289" bIns="34289">
-            <a:spAutoFit/>
-          </a:bodyPr>
-          <a:lstStyle>
-            <a:lvl1pPr defTabSz="914400">
-              <a:defRPr sz="1000">
-                <a:solidFill>
-                  <a:srgbClr val="FFFFFF"/>
-                </a:solidFill>
-                <a:latin typeface="Montserrat" panose="00000500000000000000"/>
-                <a:ea typeface="Montserrat" panose="00000500000000000000"/>
-                <a:cs typeface="Montserrat" panose="00000500000000000000"/>
-                <a:sym typeface="Montserrat" panose="00000500000000000000"/>
-              </a:defRPr>
-            </a:lvl1pPr>
-          </a:lstStyle>
-          <a:p>
-            <a:r>
-              <a:rPr lang="en-US" sz="750" dirty="0">
-                <a:solidFill>
-                  <a:schemeClr val="tx1"/>
-                </a:solidFill>
-                <a:latin typeface="Montserrat" panose="00000500000000000000" pitchFamily="2" charset="0"/>
-              </a:rPr>
-              <a:t>© 2017-2020    SmartMesh Foundation Pte. Ltd.  |  MeshBox Foundation Pte. Ltd.</a:t>
-            </a:r>
-            <a:endParaRPr lang="en-US" sz="750" dirty="0">
-              <a:solidFill>
-                <a:schemeClr val="tx1"/>
-              </a:solidFill>
-              <a:latin typeface="Montserrat" panose="00000500000000000000" pitchFamily="2" charset="0"/>
-              <a:sym typeface="Arial" panose="020B0604020202020204"/>
-            </a:endParaRPr>
-          </a:p>
-        </p:txBody>
-      </p:sp>
-      <p:sp>
-        <p:nvSpPr>
-          <p:cNvPr id="7" name="TextBox 6"/>
-          <p:cNvSpPr txBox="1">
-            <a:spLocks noChangeArrowheads="1"/>
-          </p:cNvSpPr>
-          <p:nvPr/>
-        </p:nvSpPr>
-        <p:spPr bwMode="auto">
-          <a:xfrm>
-            <a:off x="7872314" y="6569155"/>
-            <a:ext cx="1289447" cy="253916"/>
-          </a:xfrm>
-          <a:prstGeom prst="rect">
-            <a:avLst/>
-          </a:prstGeom>
-          <a:noFill/>
-          <a:ln w="9525">
-            <a:noFill/>
-            <a:miter lim="800000"/>
-          </a:ln>
-        </p:spPr>
-        <p:txBody>
-          <a:bodyPr>
-            <a:spAutoFit/>
-          </a:bodyPr>
-          <a:lstStyle/>
-          <a:p>
-            <a:pPr algn="r"/>
-            <a:fld id="{6F888031-CE6A-4173-BB2B-520974F34056}" type="slidenum">
-              <a:rPr lang="en-GB" sz="1050">
-                <a:latin typeface="Calibri" panose="020F0502020204030204" pitchFamily="34" charset="0"/>
-              </a:rPr>
-            </a:fld>
-            <a:endParaRPr lang="en-GB" sz="1050" dirty="0">
-              <a:latin typeface="Calibri" panose="020F0502020204030204" pitchFamily="34" charset="0"/>
-            </a:endParaRPr>
-          </a:p>
-        </p:txBody>
-      </p:sp>
-    </p:spTree>
-  </p:cSld>
-  <p:clrMapOvr>
-    <a:masterClrMapping/>
-  </p:clrMapOvr>
-  <p:transition spd="med">
-    <p:fade/>
-  </p:transition>
-</p:sld>
-</file>
-
-<file path=ppt/slides/slide20.xml><?xml version="1.0" encoding="utf-8"?>
+<file path=ppt/slides/slide21.xml><?xml version="1.0" encoding="utf-8"?>
 <p:sld xmlns:a="http://schemas.openxmlformats.org/drawingml/2006/main" xmlns:r="http://schemas.openxmlformats.org/officeDocument/2006/relationships" xmlns:p="http://schemas.openxmlformats.org/presentationml/2006/main">
   <p:cSld>
     <p:spTree>
@@ -9989,7 +10391,7 @@
 </p:sld>
 </file>
 
-<file path=ppt/slides/slide21.xml><?xml version="1.0" encoding="utf-8"?>
+<file path=ppt/slides/slide22.xml><?xml version="1.0" encoding="utf-8"?>
 <p:sld xmlns:a="http://schemas.openxmlformats.org/drawingml/2006/main" xmlns:r="http://schemas.openxmlformats.org/officeDocument/2006/relationships" xmlns:p="http://schemas.openxmlformats.org/presentationml/2006/main">
   <p:cSld>
     <p:spTree>
@@ -10310,240 +10712,6 @@
 </p:sld>
 </file>
 
-<file path=ppt/slides/slide22.xml><?xml version="1.0" encoding="utf-8"?>
-<p:sld xmlns:a="http://schemas.openxmlformats.org/drawingml/2006/main" xmlns:r="http://schemas.openxmlformats.org/officeDocument/2006/relationships" xmlns:p="http://schemas.openxmlformats.org/presentationml/2006/main">
-  <p:cSld>
-    <p:spTree>
-      <p:nvGrpSpPr>
-        <p:cNvPr id="1" name=""/>
-        <p:cNvGrpSpPr/>
-        <p:nvPr/>
-      </p:nvGrpSpPr>
-      <p:grpSpPr>
-        <a:xfrm>
-          <a:off x="0" y="0"/>
-          <a:ext cx="0" cy="0"/>
-          <a:chOff x="0" y="0"/>
-          <a:chExt cx="0" cy="0"/>
-        </a:xfrm>
-      </p:grpSpPr>
-      <p:sp>
-        <p:nvSpPr>
-          <p:cNvPr id="2" name="Title 1"/>
-          <p:cNvSpPr>
-            <a:spLocks noGrp="1"/>
-          </p:cNvSpPr>
-          <p:nvPr>
-            <p:ph type="title"/>
-          </p:nvPr>
-        </p:nvSpPr>
-        <p:spPr>
-          <a:xfrm>
-            <a:off x="628650" y="155263"/>
-            <a:ext cx="7886700" cy="526790"/>
-          </a:xfrm>
-        </p:spPr>
-        <p:txBody>
-          <a:bodyPr>
-            <a:normAutofit fontScale="90000"/>
-          </a:bodyPr>
-          <a:lstStyle/>
-          <a:p>
-            <a:pPr algn="ctr"/>
-            <a:r>
-              <a:rPr lang="en-US" sz="3200" b="1" dirty="0">
-                <a:latin typeface="Calibri" panose="020F0502020204030204" pitchFamily="34" charset="0"/>
-                <a:cs typeface="Calibri" panose="020F0502020204030204" pitchFamily="34" charset="0"/>
-              </a:rPr>
-              <a:t>Bind in Reactjs</a:t>
-            </a:r>
-            <a:endParaRPr lang="en-US" sz="3200" b="1" dirty="0">
-              <a:latin typeface="Calibri" panose="020F0502020204030204" pitchFamily="34" charset="0"/>
-              <a:cs typeface="Calibri" panose="020F0502020204030204" pitchFamily="34" charset="0"/>
-            </a:endParaRPr>
-          </a:p>
-        </p:txBody>
-      </p:sp>
-      <p:sp>
-        <p:nvSpPr>
-          <p:cNvPr id="3" name="Content Placeholder 2"/>
-          <p:cNvSpPr>
-            <a:spLocks noGrp="1"/>
-          </p:cNvSpPr>
-          <p:nvPr>
-            <p:ph idx="1"/>
-          </p:nvPr>
-        </p:nvSpPr>
-        <p:spPr>
-          <a:xfrm>
-            <a:off x="628650" y="989044"/>
-            <a:ext cx="7886700" cy="5605719"/>
-          </a:xfrm>
-        </p:spPr>
-        <p:txBody>
-          <a:bodyPr>
-            <a:normAutofit/>
-          </a:bodyPr>
-          <a:lstStyle/>
-          <a:p>
-            <a:pPr defTabSz="342900">
-              <a:lnSpc>
-                <a:spcPct val="120000"/>
-              </a:lnSpc>
-            </a:pPr>
-            <a:r>
-              <a:rPr lang="en-US" altLang="zh-CN" sz="1800" dirty="0">
-                <a:solidFill>
-                  <a:srgbClr val="262626"/>
-                </a:solidFill>
-              </a:rPr>
-              <a:t>What is bind? and why we need to use Bind?</a:t>
-            </a:r>
-            <a:endParaRPr lang="en-US" altLang="zh-CN" sz="1800" dirty="0">
-              <a:solidFill>
-                <a:srgbClr val="262626"/>
-              </a:solidFill>
-            </a:endParaRPr>
-          </a:p>
-          <a:p>
-            <a:pPr defTabSz="342900">
-              <a:lnSpc>
-                <a:spcPct val="120000"/>
-              </a:lnSpc>
-            </a:pPr>
-            <a:r>
-              <a:rPr lang="en-US" altLang="zh-CN" sz="1800" dirty="0">
-                <a:solidFill>
-                  <a:srgbClr val="262626"/>
-                </a:solidFill>
-              </a:rPr>
-              <a:t>when passing down to the child component, this would probabily be change, so need to bind this</a:t>
-            </a:r>
-            <a:endParaRPr lang="en-US" altLang="zh-CN" sz="1800" dirty="0">
-              <a:solidFill>
-                <a:srgbClr val="262626"/>
-              </a:solidFill>
-            </a:endParaRPr>
-          </a:p>
-          <a:p>
-            <a:pPr defTabSz="342900">
-              <a:lnSpc>
-                <a:spcPct val="120000"/>
-              </a:lnSpc>
-            </a:pPr>
-            <a:endParaRPr lang="en-US" altLang="zh-CN" sz="1800" dirty="0">
-              <a:solidFill>
-                <a:srgbClr val="262626"/>
-              </a:solidFill>
-            </a:endParaRPr>
-          </a:p>
-          <a:p>
-            <a:pPr defTabSz="342900">
-              <a:lnSpc>
-                <a:spcPct val="120000"/>
-              </a:lnSpc>
-            </a:pPr>
-            <a:endParaRPr lang="en-US" altLang="zh-CN" sz="1800" dirty="0">
-              <a:solidFill>
-                <a:srgbClr val="262626"/>
-              </a:solidFill>
-            </a:endParaRPr>
-          </a:p>
-          <a:p>
-            <a:pPr defTabSz="342900">
-              <a:lnSpc>
-                <a:spcPct val="120000"/>
-              </a:lnSpc>
-            </a:pPr>
-            <a:endParaRPr lang="en-US" altLang="zh-CN" sz="1800" dirty="0">
-              <a:solidFill>
-                <a:srgbClr val="262626"/>
-              </a:solidFill>
-            </a:endParaRPr>
-          </a:p>
-          <a:p>
-            <a:pPr defTabSz="342900">
-              <a:lnSpc>
-                <a:spcPct val="120000"/>
-              </a:lnSpc>
-            </a:pPr>
-            <a:endParaRPr lang="en-US" altLang="zh-CN" sz="1800" dirty="0">
-              <a:solidFill>
-                <a:srgbClr val="262626"/>
-              </a:solidFill>
-            </a:endParaRPr>
-          </a:p>
-          <a:p>
-            <a:pPr defTabSz="342900">
-              <a:lnSpc>
-                <a:spcPct val="120000"/>
-              </a:lnSpc>
-            </a:pPr>
-            <a:endParaRPr lang="en-US" altLang="zh-CN" sz="1800" dirty="0">
-              <a:solidFill>
-                <a:srgbClr val="262626"/>
-              </a:solidFill>
-            </a:endParaRPr>
-          </a:p>
-          <a:p>
-            <a:pPr defTabSz="342900">
-              <a:lnSpc>
-                <a:spcPct val="120000"/>
-              </a:lnSpc>
-            </a:pPr>
-            <a:endParaRPr lang="en-US" altLang="zh-CN" sz="1800" dirty="0">
-              <a:solidFill>
-                <a:srgbClr val="262626"/>
-              </a:solidFill>
-            </a:endParaRPr>
-          </a:p>
-          <a:p>
-            <a:pPr marL="0" indent="0" defTabSz="342900">
-              <a:lnSpc>
-                <a:spcPct val="120000"/>
-              </a:lnSpc>
-              <a:buNone/>
-            </a:pPr>
-            <a:endParaRPr lang="en-US" altLang="zh-CN" sz="1800" dirty="0">
-              <a:solidFill>
-                <a:srgbClr val="262626"/>
-              </a:solidFill>
-            </a:endParaRPr>
-          </a:p>
-        </p:txBody>
-      </p:sp>
-      <p:pic>
-        <p:nvPicPr>
-          <p:cNvPr id="7" name="图片 6"/>
-          <p:cNvPicPr>
-            <a:picLocks noChangeAspect="1"/>
-          </p:cNvPicPr>
-          <p:nvPr/>
-        </p:nvPicPr>
-        <p:blipFill>
-          <a:blip r:embed="rId1"/>
-          <a:stretch>
-            <a:fillRect/>
-          </a:stretch>
-        </p:blipFill>
-        <p:spPr>
-          <a:xfrm>
-            <a:off x="628650" y="2984500"/>
-            <a:ext cx="6791325" cy="2510155"/>
-          </a:xfrm>
-          <a:prstGeom prst="rect">
-            <a:avLst/>
-          </a:prstGeom>
-        </p:spPr>
-      </p:pic>
-    </p:spTree>
-  </p:cSld>
-  <p:clrMapOvr>
-    <a:masterClrMapping/>
-  </p:clrMapOvr>
-</p:sld>
-</file>
-
 <file path=ppt/slides/slide23.xml><?xml version="1.0" encoding="utf-8"?>
 <p:sld xmlns:a="http://schemas.openxmlformats.org/drawingml/2006/main" xmlns:r="http://schemas.openxmlformats.org/officeDocument/2006/relationships" xmlns:p="http://schemas.openxmlformats.org/presentationml/2006/main">
   <p:cSld>
@@ -10589,7 +10757,7 @@
                 <a:latin typeface="Calibri" panose="020F0502020204030204" pitchFamily="34" charset="0"/>
                 <a:cs typeface="Calibri" panose="020F0502020204030204" pitchFamily="34" charset="0"/>
               </a:rPr>
-              <a:t>Code Demo</a:t>
+              <a:t>Bind in Reactjs</a:t>
             </a:r>
             <a:endParaRPr lang="en-US" sz="3200" b="1" dirty="0">
               <a:latin typeface="Calibri" panose="020F0502020204030204" pitchFamily="34" charset="0"/>
@@ -10631,7 +10799,7 @@
                   <a:srgbClr val="262626"/>
                 </a:solidFill>
               </a:rPr>
-              <a:t>tasks:</a:t>
+              <a:t>What is bind? and why we need to use Bind?</a:t>
             </a:r>
             <a:endParaRPr lang="en-US" altLang="zh-CN" sz="1800" dirty="0">
               <a:solidFill>
@@ -10651,7 +10819,7 @@
                   <a:srgbClr val="262626"/>
                 </a:solidFill>
               </a:rPr>
-              <a:t>1 setting up reactjs app</a:t>
+              <a:t>when passing down to the child component, this would probabily be change, so need to bind this</a:t>
             </a:r>
             <a:endParaRPr lang="en-US" altLang="zh-CN" sz="1800" dirty="0">
               <a:solidFill>
@@ -10665,14 +10833,6 @@
                 <a:spcPct val="120000"/>
               </a:lnSpc>
             </a:pPr>
-            <a:r>
-              <a:rPr lang="en-US" altLang="zh-CN" sz="1800" dirty="0">
-                <a:solidFill>
-                  <a:srgbClr val="262626"/>
-                </a:solidFill>
-              </a:rPr>
-              <a:t>2 add nodejs login to react</a:t>
-            </a:r>
             <a:endParaRPr lang="en-US" altLang="zh-CN" sz="1800" dirty="0">
               <a:solidFill>
                 <a:srgbClr val="262626"/>
@@ -10680,175 +10840,104 @@
             </a:endParaRPr>
           </a:p>
           <a:p>
-            <a:pPr lvl="1" defTabSz="342900">
+            <a:pPr defTabSz="342900">
               <a:lnSpc>
                 <a:spcPct val="120000"/>
               </a:lnSpc>
             </a:pPr>
-            <a:r>
-              <a:rPr lang="en-US" altLang="zh-CN" sz="1540" dirty="0">
-                <a:solidFill>
-                  <a:srgbClr val="262626"/>
-                </a:solidFill>
-              </a:rPr>
-              <a:t>add routes and link</a:t>
-            </a:r>
-            <a:endParaRPr lang="en-US" altLang="zh-CN" sz="1540" dirty="0">
+            <a:endParaRPr lang="en-US" altLang="zh-CN" sz="1800" dirty="0">
               <a:solidFill>
                 <a:srgbClr val="262626"/>
               </a:solidFill>
             </a:endParaRPr>
           </a:p>
           <a:p>
-            <a:pPr lvl="1" defTabSz="342900">
+            <a:pPr defTabSz="342900">
               <a:lnSpc>
                 <a:spcPct val="120000"/>
               </a:lnSpc>
             </a:pPr>
-            <a:r>
-              <a:rPr lang="en-US" altLang="zh-CN" sz="1540" dirty="0">
-                <a:solidFill>
-                  <a:srgbClr val="262626"/>
-                </a:solidFill>
-              </a:rPr>
-              <a:t>https://reactrouter.com/web/example/basic</a:t>
-            </a:r>
-            <a:endParaRPr lang="en-US" altLang="zh-CN" sz="1540" dirty="0">
+            <a:endParaRPr lang="en-US" altLang="zh-CN" sz="1800" dirty="0">
               <a:solidFill>
                 <a:srgbClr val="262626"/>
               </a:solidFill>
             </a:endParaRPr>
           </a:p>
           <a:p>
-            <a:pPr lvl="1" defTabSz="342900">
+            <a:pPr defTabSz="342900">
               <a:lnSpc>
                 <a:spcPct val="120000"/>
               </a:lnSpc>
             </a:pPr>
-            <a:endParaRPr lang="en-US" altLang="zh-CN" sz="1540" dirty="0">
+            <a:endParaRPr lang="en-US" altLang="zh-CN" sz="1800" dirty="0">
               <a:solidFill>
                 <a:srgbClr val="262626"/>
               </a:solidFill>
             </a:endParaRPr>
           </a:p>
           <a:p>
-            <a:pPr lvl="1" defTabSz="342900">
+            <a:pPr defTabSz="342900">
               <a:lnSpc>
                 <a:spcPct val="120000"/>
               </a:lnSpc>
             </a:pPr>
-            <a:r>
-              <a:rPr lang="en-US" altLang="zh-CN" sz="1540" dirty="0">
-                <a:solidFill>
-                  <a:srgbClr val="262626"/>
-                </a:solidFill>
-              </a:rPr>
-              <a:t>add forms</a:t>
-            </a:r>
-            <a:endParaRPr lang="en-US" altLang="zh-CN" sz="1540" dirty="0">
+            <a:endParaRPr lang="en-US" altLang="zh-CN" sz="1800" dirty="0">
               <a:solidFill>
                 <a:srgbClr val="262626"/>
               </a:solidFill>
             </a:endParaRPr>
           </a:p>
           <a:p>
-            <a:pPr lvl="1" defTabSz="342900">
+            <a:pPr defTabSz="342900">
               <a:lnSpc>
                 <a:spcPct val="120000"/>
               </a:lnSpc>
             </a:pPr>
-            <a:endParaRPr lang="en-US" altLang="zh-CN" sz="1540" dirty="0">
+            <a:endParaRPr lang="en-US" altLang="zh-CN" sz="1800" dirty="0">
               <a:solidFill>
                 <a:srgbClr val="262626"/>
               </a:solidFill>
             </a:endParaRPr>
           </a:p>
           <a:p>
-            <a:pPr lvl="1" defTabSz="342900">
+            <a:pPr marL="0" indent="0" defTabSz="342900">
               <a:lnSpc>
                 <a:spcPct val="120000"/>
               </a:lnSpc>
+              <a:buNone/>
             </a:pPr>
-            <a:r>
-              <a:rPr lang="en-US" altLang="zh-CN" sz="1540" dirty="0">
-                <a:solidFill>
-                  <a:srgbClr val="262626"/>
-                </a:solidFill>
-              </a:rPr>
-              <a:t>add events handler</a:t>
-            </a:r>
-            <a:endParaRPr lang="en-US" altLang="zh-CN" sz="1540" dirty="0">
+            <a:endParaRPr lang="en-US" altLang="zh-CN" sz="1800" dirty="0">
               <a:solidFill>
                 <a:srgbClr val="262626"/>
               </a:solidFill>
             </a:endParaRPr>
           </a:p>
-          <a:p>
-            <a:pPr lvl="1" defTabSz="342900">
-              <a:lnSpc>
-                <a:spcPct val="120000"/>
-              </a:lnSpc>
-            </a:pPr>
-            <a:endParaRPr lang="en-US" altLang="zh-CN" sz="1540" dirty="0">
-              <a:solidFill>
-                <a:srgbClr val="262626"/>
-              </a:solidFill>
-            </a:endParaRPr>
-          </a:p>
-          <a:p>
-            <a:pPr lvl="1" defTabSz="342900">
-              <a:lnSpc>
-                <a:spcPct val="120000"/>
-              </a:lnSpc>
-            </a:pPr>
-            <a:r>
-              <a:rPr lang="en-US" altLang="zh-CN" sz="1540" dirty="0">
-                <a:solidFill>
-                  <a:srgbClr val="262626"/>
-                </a:solidFill>
-              </a:rPr>
-              <a:t>add submit handler</a:t>
-            </a:r>
-            <a:endParaRPr lang="en-US" altLang="zh-CN" sz="1540" dirty="0">
-              <a:solidFill>
-                <a:srgbClr val="262626"/>
-              </a:solidFill>
-            </a:endParaRPr>
-          </a:p>
-          <a:p>
-            <a:pPr lvl="1" defTabSz="342900">
-              <a:lnSpc>
-                <a:spcPct val="120000"/>
-              </a:lnSpc>
-            </a:pPr>
-            <a:endParaRPr lang="en-US" altLang="zh-CN" sz="1540" dirty="0">
-              <a:solidFill>
-                <a:srgbClr val="262626"/>
-              </a:solidFill>
-            </a:endParaRPr>
-          </a:p>
-          <a:p>
-            <a:pPr lvl="1" defTabSz="342900">
-              <a:lnSpc>
-                <a:spcPct val="120000"/>
-              </a:lnSpc>
-            </a:pPr>
-            <a:r>
-              <a:rPr lang="en-US" altLang="zh-CN" sz="1540" dirty="0">
-                <a:solidFill>
-                  <a:srgbClr val="262626"/>
-                </a:solidFill>
-              </a:rPr>
-              <a:t>add auth</a:t>
-            </a:r>
-            <a:endParaRPr lang="en-US" altLang="zh-CN" sz="1540" dirty="0">
-              <a:solidFill>
-                <a:srgbClr val="262626"/>
-              </a:solidFill>
-            </a:endParaRPr>
-          </a:p>
         </p:txBody>
       </p:sp>
+      <p:pic>
+        <p:nvPicPr>
+          <p:cNvPr id="7" name="图片 6"/>
+          <p:cNvPicPr>
+            <a:picLocks noChangeAspect="1"/>
+          </p:cNvPicPr>
+          <p:nvPr/>
+        </p:nvPicPr>
+        <p:blipFill>
+          <a:blip r:embed="rId1"/>
+          <a:stretch>
+            <a:fillRect/>
+          </a:stretch>
+        </p:blipFill>
+        <p:spPr>
+          <a:xfrm>
+            <a:off x="628650" y="2984500"/>
+            <a:ext cx="6791325" cy="2510155"/>
+          </a:xfrm>
+          <a:prstGeom prst="rect">
+            <a:avLst/>
+          </a:prstGeom>
+        </p:spPr>
+      </p:pic>
     </p:spTree>
   </p:cSld>
   <p:clrMapOvr>
@@ -10902,7 +10991,7 @@
                 <a:latin typeface="Calibri" panose="020F0502020204030204" pitchFamily="34" charset="0"/>
                 <a:cs typeface="Calibri" panose="020F0502020204030204" pitchFamily="34" charset="0"/>
               </a:rPr>
-              <a:t>Route Link and Redirect</a:t>
+              <a:t>Code Demo</a:t>
             </a:r>
             <a:endParaRPr lang="en-US" sz="3200" b="1" dirty="0">
               <a:latin typeface="Calibri" panose="020F0502020204030204" pitchFamily="34" charset="0"/>
@@ -10944,7 +11033,7 @@
                   <a:srgbClr val="262626"/>
                 </a:solidFill>
               </a:rPr>
-              <a:t>react-router-dom</a:t>
+              <a:t>tasks:</a:t>
             </a:r>
             <a:endParaRPr lang="en-US" altLang="zh-CN" sz="1800" dirty="0">
               <a:solidFill>
@@ -10964,7 +11053,7 @@
                   <a:srgbClr val="262626"/>
                 </a:solidFill>
               </a:rPr>
-              <a:t>is a third-party context</a:t>
+              <a:t>1 setting up reactjs app</a:t>
             </a:r>
             <a:endParaRPr lang="en-US" altLang="zh-CN" sz="1800" dirty="0">
               <a:solidFill>
@@ -10978,25 +11067,13 @@
                 <a:spcPct val="120000"/>
               </a:lnSpc>
             </a:pPr>
-            <a:endParaRPr lang="en-US" altLang="zh-CN" sz="1800" dirty="0">
-              <a:solidFill>
-                <a:srgbClr val="262626"/>
-              </a:solidFill>
-            </a:endParaRPr>
-          </a:p>
-          <a:p>
-            <a:pPr defTabSz="342900">
-              <a:lnSpc>
-                <a:spcPct val="120000"/>
-              </a:lnSpc>
-            </a:pPr>
             <a:r>
               <a:rPr lang="en-US" altLang="zh-CN" sz="1800" dirty="0">
                 <a:solidFill>
                   <a:srgbClr val="262626"/>
                 </a:solidFill>
               </a:rPr>
-              <a:t>In a functional component, we use useHistory to invoke it; while in a class component we use withRoute to invoke it</a:t>
+              <a:t>2 add nodejs login to react</a:t>
             </a:r>
             <a:endParaRPr lang="en-US" altLang="zh-CN" sz="1800" dirty="0">
               <a:solidFill>
@@ -11005,52 +11082,168 @@
             </a:endParaRPr>
           </a:p>
           <a:p>
-            <a:pPr defTabSz="342900">
+            <a:pPr lvl="1" defTabSz="342900">
               <a:lnSpc>
                 <a:spcPct val="120000"/>
               </a:lnSpc>
             </a:pPr>
-            <a:endParaRPr lang="en-US" altLang="zh-CN" sz="1800" dirty="0">
+            <a:r>
+              <a:rPr lang="en-US" altLang="zh-CN" sz="1540" dirty="0">
+                <a:solidFill>
+                  <a:srgbClr val="262626"/>
+                </a:solidFill>
+              </a:rPr>
+              <a:t>add routes and link</a:t>
+            </a:r>
+            <a:endParaRPr lang="en-US" altLang="zh-CN" sz="1540" dirty="0">
               <a:solidFill>
                 <a:srgbClr val="262626"/>
               </a:solidFill>
             </a:endParaRPr>
           </a:p>
           <a:p>
-            <a:pPr defTabSz="342900">
+            <a:pPr lvl="1" defTabSz="342900">
               <a:lnSpc>
                 <a:spcPct val="120000"/>
               </a:lnSpc>
             </a:pPr>
             <a:r>
-              <a:rPr lang="en-US" altLang="zh-CN" sz="1800" dirty="0">
+              <a:rPr lang="en-US" altLang="zh-CN" sz="1540" dirty="0">
                 <a:solidFill>
                   <a:srgbClr val="262626"/>
                 </a:solidFill>
               </a:rPr>
-              <a:t>history.push = Link in html</a:t>
-            </a:r>
-            <a:endParaRPr lang="en-US" altLang="zh-CN" sz="1800" dirty="0">
+              <a:t>https://reactrouter.com/web/example/basic</a:t>
+            </a:r>
+            <a:endParaRPr lang="en-US" altLang="zh-CN" sz="1540" dirty="0">
               <a:solidFill>
                 <a:srgbClr val="262626"/>
               </a:solidFill>
             </a:endParaRPr>
           </a:p>
           <a:p>
-            <a:pPr defTabSz="342900">
+            <a:pPr lvl="1" defTabSz="342900">
               <a:lnSpc>
                 <a:spcPct val="120000"/>
               </a:lnSpc>
             </a:pPr>
-            <a:r>
-              <a:rPr lang="en-US" altLang="zh-CN" sz="1800" dirty="0">
+            <a:endParaRPr lang="en-US" altLang="zh-CN" sz="1540" dirty="0">
+              <a:solidFill>
+                <a:srgbClr val="262626"/>
+              </a:solidFill>
+            </a:endParaRPr>
+          </a:p>
+          <a:p>
+            <a:pPr lvl="1" defTabSz="342900">
+              <a:lnSpc>
+                <a:spcPct val="120000"/>
+              </a:lnSpc>
+            </a:pPr>
+            <a:r>
+              <a:rPr lang="en-US" altLang="zh-CN" sz="1540" dirty="0">
                 <a:solidFill>
                   <a:srgbClr val="262626"/>
                 </a:solidFill>
               </a:rPr>
-              <a:t>history.replace = Redirect in html</a:t>
-            </a:r>
-            <a:endParaRPr lang="en-US" altLang="zh-CN" sz="1800" dirty="0">
+              <a:t>add forms</a:t>
+            </a:r>
+            <a:endParaRPr lang="en-US" altLang="zh-CN" sz="1540" dirty="0">
+              <a:solidFill>
+                <a:srgbClr val="262626"/>
+              </a:solidFill>
+            </a:endParaRPr>
+          </a:p>
+          <a:p>
+            <a:pPr lvl="1" defTabSz="342900">
+              <a:lnSpc>
+                <a:spcPct val="120000"/>
+              </a:lnSpc>
+            </a:pPr>
+            <a:endParaRPr lang="en-US" altLang="zh-CN" sz="1540" dirty="0">
+              <a:solidFill>
+                <a:srgbClr val="262626"/>
+              </a:solidFill>
+            </a:endParaRPr>
+          </a:p>
+          <a:p>
+            <a:pPr lvl="1" defTabSz="342900">
+              <a:lnSpc>
+                <a:spcPct val="120000"/>
+              </a:lnSpc>
+            </a:pPr>
+            <a:r>
+              <a:rPr lang="en-US" altLang="zh-CN" sz="1540" dirty="0">
+                <a:solidFill>
+                  <a:srgbClr val="262626"/>
+                </a:solidFill>
+              </a:rPr>
+              <a:t>add events handler</a:t>
+            </a:r>
+            <a:endParaRPr lang="en-US" altLang="zh-CN" sz="1540" dirty="0">
+              <a:solidFill>
+                <a:srgbClr val="262626"/>
+              </a:solidFill>
+            </a:endParaRPr>
+          </a:p>
+          <a:p>
+            <a:pPr lvl="1" defTabSz="342900">
+              <a:lnSpc>
+                <a:spcPct val="120000"/>
+              </a:lnSpc>
+            </a:pPr>
+            <a:endParaRPr lang="en-US" altLang="zh-CN" sz="1540" dirty="0">
+              <a:solidFill>
+                <a:srgbClr val="262626"/>
+              </a:solidFill>
+            </a:endParaRPr>
+          </a:p>
+          <a:p>
+            <a:pPr lvl="1" defTabSz="342900">
+              <a:lnSpc>
+                <a:spcPct val="120000"/>
+              </a:lnSpc>
+            </a:pPr>
+            <a:r>
+              <a:rPr lang="en-US" altLang="zh-CN" sz="1540" dirty="0">
+                <a:solidFill>
+                  <a:srgbClr val="262626"/>
+                </a:solidFill>
+              </a:rPr>
+              <a:t>add submit handler</a:t>
+            </a:r>
+            <a:endParaRPr lang="en-US" altLang="zh-CN" sz="1540" dirty="0">
+              <a:solidFill>
+                <a:srgbClr val="262626"/>
+              </a:solidFill>
+            </a:endParaRPr>
+          </a:p>
+          <a:p>
+            <a:pPr lvl="1" defTabSz="342900">
+              <a:lnSpc>
+                <a:spcPct val="120000"/>
+              </a:lnSpc>
+            </a:pPr>
+            <a:endParaRPr lang="en-US" altLang="zh-CN" sz="1540" dirty="0">
+              <a:solidFill>
+                <a:srgbClr val="262626"/>
+              </a:solidFill>
+            </a:endParaRPr>
+          </a:p>
+          <a:p>
+            <a:pPr lvl="1" defTabSz="342900">
+              <a:lnSpc>
+                <a:spcPct val="120000"/>
+              </a:lnSpc>
+            </a:pPr>
+            <a:r>
+              <a:rPr lang="en-US" altLang="zh-CN" sz="1540" dirty="0">
+                <a:solidFill>
+                  <a:srgbClr val="262626"/>
+                </a:solidFill>
+              </a:rPr>
+              <a:t>add auth</a:t>
+            </a:r>
+            <a:endParaRPr lang="en-US" altLang="zh-CN" sz="1540" dirty="0">
               <a:solidFill>
                 <a:srgbClr val="262626"/>
               </a:solidFill>
@@ -11067,6 +11260,215 @@
 </file>
 
 <file path=ppt/slides/slide25.xml><?xml version="1.0" encoding="utf-8"?>
+<p:sld xmlns:a="http://schemas.openxmlformats.org/drawingml/2006/main" xmlns:r="http://schemas.openxmlformats.org/officeDocument/2006/relationships" xmlns:p="http://schemas.openxmlformats.org/presentationml/2006/main">
+  <p:cSld>
+    <p:spTree>
+      <p:nvGrpSpPr>
+        <p:cNvPr id="1" name=""/>
+        <p:cNvGrpSpPr/>
+        <p:nvPr/>
+      </p:nvGrpSpPr>
+      <p:grpSpPr>
+        <a:xfrm>
+          <a:off x="0" y="0"/>
+          <a:ext cx="0" cy="0"/>
+          <a:chOff x="0" y="0"/>
+          <a:chExt cx="0" cy="0"/>
+        </a:xfrm>
+      </p:grpSpPr>
+      <p:sp>
+        <p:nvSpPr>
+          <p:cNvPr id="2" name="Title 1"/>
+          <p:cNvSpPr>
+            <a:spLocks noGrp="1"/>
+          </p:cNvSpPr>
+          <p:nvPr>
+            <p:ph type="title"/>
+          </p:nvPr>
+        </p:nvSpPr>
+        <p:spPr>
+          <a:xfrm>
+            <a:off x="628650" y="155263"/>
+            <a:ext cx="7886700" cy="526790"/>
+          </a:xfrm>
+        </p:spPr>
+        <p:txBody>
+          <a:bodyPr>
+            <a:normAutofit fontScale="90000"/>
+          </a:bodyPr>
+          <a:lstStyle/>
+          <a:p>
+            <a:pPr algn="ctr"/>
+            <a:r>
+              <a:rPr lang="en-US" sz="3200" b="1" dirty="0">
+                <a:latin typeface="Calibri" panose="020F0502020204030204" pitchFamily="34" charset="0"/>
+                <a:cs typeface="Calibri" panose="020F0502020204030204" pitchFamily="34" charset="0"/>
+              </a:rPr>
+              <a:t>Route Link and Redirect</a:t>
+            </a:r>
+            <a:endParaRPr lang="en-US" sz="3200" b="1" dirty="0">
+              <a:latin typeface="Calibri" panose="020F0502020204030204" pitchFamily="34" charset="0"/>
+              <a:cs typeface="Calibri" panose="020F0502020204030204" pitchFamily="34" charset="0"/>
+            </a:endParaRPr>
+          </a:p>
+        </p:txBody>
+      </p:sp>
+      <p:sp>
+        <p:nvSpPr>
+          <p:cNvPr id="3" name="Content Placeholder 2"/>
+          <p:cNvSpPr>
+            <a:spLocks noGrp="1"/>
+          </p:cNvSpPr>
+          <p:nvPr>
+            <p:ph idx="1"/>
+          </p:nvPr>
+        </p:nvSpPr>
+        <p:spPr>
+          <a:xfrm>
+            <a:off x="628650" y="989044"/>
+            <a:ext cx="7886700" cy="5605719"/>
+          </a:xfrm>
+        </p:spPr>
+        <p:txBody>
+          <a:bodyPr>
+            <a:normAutofit/>
+          </a:bodyPr>
+          <a:lstStyle/>
+          <a:p>
+            <a:pPr defTabSz="342900">
+              <a:lnSpc>
+                <a:spcPct val="120000"/>
+              </a:lnSpc>
+            </a:pPr>
+            <a:r>
+              <a:rPr lang="en-US" altLang="zh-CN" sz="1800" dirty="0">
+                <a:solidFill>
+                  <a:srgbClr val="262626"/>
+                </a:solidFill>
+              </a:rPr>
+              <a:t>react-router-dom</a:t>
+            </a:r>
+            <a:endParaRPr lang="en-US" altLang="zh-CN" sz="1800" dirty="0">
+              <a:solidFill>
+                <a:srgbClr val="262626"/>
+              </a:solidFill>
+            </a:endParaRPr>
+          </a:p>
+          <a:p>
+            <a:pPr defTabSz="342900">
+              <a:lnSpc>
+                <a:spcPct val="120000"/>
+              </a:lnSpc>
+            </a:pPr>
+            <a:r>
+              <a:rPr lang="en-US" altLang="zh-CN" sz="1800" dirty="0">
+                <a:solidFill>
+                  <a:srgbClr val="262626"/>
+                </a:solidFill>
+              </a:rPr>
+              <a:t>is a third-party context</a:t>
+            </a:r>
+            <a:endParaRPr lang="en-US" altLang="zh-CN" sz="1800" dirty="0">
+              <a:solidFill>
+                <a:srgbClr val="262626"/>
+              </a:solidFill>
+            </a:endParaRPr>
+          </a:p>
+          <a:p>
+            <a:pPr defTabSz="342900">
+              <a:lnSpc>
+                <a:spcPct val="120000"/>
+              </a:lnSpc>
+            </a:pPr>
+            <a:endParaRPr lang="en-US" altLang="zh-CN" sz="1800" dirty="0">
+              <a:solidFill>
+                <a:srgbClr val="262626"/>
+              </a:solidFill>
+            </a:endParaRPr>
+          </a:p>
+          <a:p>
+            <a:pPr defTabSz="342900">
+              <a:lnSpc>
+                <a:spcPct val="120000"/>
+              </a:lnSpc>
+            </a:pPr>
+            <a:r>
+              <a:rPr lang="en-US" altLang="zh-CN" sz="1800" dirty="0">
+                <a:solidFill>
+                  <a:srgbClr val="262626"/>
+                </a:solidFill>
+              </a:rPr>
+              <a:t>In a functional component, we use useHistory to invoke it; while in a class component we use withRoute to invoke it</a:t>
+            </a:r>
+            <a:endParaRPr lang="en-US" altLang="zh-CN" sz="1800" dirty="0">
+              <a:solidFill>
+                <a:srgbClr val="262626"/>
+              </a:solidFill>
+            </a:endParaRPr>
+          </a:p>
+          <a:p>
+            <a:pPr defTabSz="342900">
+              <a:lnSpc>
+                <a:spcPct val="120000"/>
+              </a:lnSpc>
+            </a:pPr>
+            <a:endParaRPr lang="en-US" altLang="zh-CN" sz="1800" dirty="0">
+              <a:solidFill>
+                <a:srgbClr val="262626"/>
+              </a:solidFill>
+            </a:endParaRPr>
+          </a:p>
+          <a:p>
+            <a:pPr defTabSz="342900">
+              <a:lnSpc>
+                <a:spcPct val="120000"/>
+              </a:lnSpc>
+            </a:pPr>
+            <a:r>
+              <a:rPr lang="en-US" altLang="zh-CN" sz="1800" dirty="0">
+                <a:solidFill>
+                  <a:srgbClr val="262626"/>
+                </a:solidFill>
+              </a:rPr>
+              <a:t>history.push = Link in html</a:t>
+            </a:r>
+            <a:endParaRPr lang="en-US" altLang="zh-CN" sz="1800" dirty="0">
+              <a:solidFill>
+                <a:srgbClr val="262626"/>
+              </a:solidFill>
+            </a:endParaRPr>
+          </a:p>
+          <a:p>
+            <a:pPr defTabSz="342900">
+              <a:lnSpc>
+                <a:spcPct val="120000"/>
+              </a:lnSpc>
+            </a:pPr>
+            <a:r>
+              <a:rPr lang="en-US" altLang="zh-CN" sz="1800" dirty="0">
+                <a:solidFill>
+                  <a:srgbClr val="262626"/>
+                </a:solidFill>
+              </a:rPr>
+              <a:t>history.replace = Redirect in html</a:t>
+            </a:r>
+            <a:endParaRPr lang="en-US" altLang="zh-CN" sz="1800" dirty="0">
+              <a:solidFill>
+                <a:srgbClr val="262626"/>
+              </a:solidFill>
+            </a:endParaRPr>
+          </a:p>
+        </p:txBody>
+      </p:sp>
+    </p:spTree>
+  </p:cSld>
+  <p:clrMapOvr>
+    <a:masterClrMapping/>
+  </p:clrMapOvr>
+</p:sld>
+</file>
+
+<file path=ppt/slides/slide26.xml><?xml version="1.0" encoding="utf-8"?>
 <p:sld xmlns:a="http://schemas.openxmlformats.org/drawingml/2006/main" xmlns:r="http://schemas.openxmlformats.org/officeDocument/2006/relationships" xmlns:p="http://schemas.openxmlformats.org/presentationml/2006/main">
   <p:cSld>
     <p:spTree>
@@ -12706,6 +13108,14 @@
 </file>
 
 <file path=ppt/tags/tag4.xml><?xml version="1.0" encoding="utf-8"?>
+<p:tagLst xmlns:p="http://schemas.openxmlformats.org/presentationml/2006/main">
+  <p:tag name="KSO_WM_UNIT_TABLE_BEAUTIFY" val="smartTable{1b22eaaa-1e3c-431c-86e4-617e9c1146cb}"/>
+  <p:tag name="TABLE_ENDDRAG_ORIGIN_RECT" val="600*144"/>
+  <p:tag name="TABLE_ENDDRAG_RECT" val="58*77*600*144"/>
+</p:tagLst>
+</file>
+
+<file path=ppt/tags/tag5.xml><?xml version="1.0" encoding="utf-8"?>
 <p:tagLst xmlns:p="http://schemas.openxmlformats.org/presentationml/2006/main">
   <p:tag name="KSO_WM_UNIT_PLACING_PICTURE_USER_VIEWPORT" val="{&quot;height&quot;:6853,&quot;width&quot;:3934}"/>
 </p:tagLst>

--- a/BCI - Batch2 - Day9 - Reactjs 1 Intro.pptx
+++ b/BCI - Batch2 - Day9 - Reactjs 1 Intro.pptx
@@ -10,30 +10,32 @@
   <p:sldIdLst>
     <p:sldId id="1833" r:id="rId3"/>
     <p:sldId id="1387" r:id="rId4"/>
-    <p:sldId id="1551" r:id="rId6"/>
-    <p:sldId id="1826" r:id="rId7"/>
-    <p:sldId id="1827" r:id="rId8"/>
-    <p:sldId id="1868" r:id="rId9"/>
-    <p:sldId id="1867" r:id="rId10"/>
-    <p:sldId id="1817" r:id="rId11"/>
-    <p:sldId id="1828" r:id="rId12"/>
-    <p:sldId id="1844" r:id="rId13"/>
-    <p:sldId id="1869" r:id="rId14"/>
-    <p:sldId id="1818" r:id="rId15"/>
-    <p:sldId id="1832" r:id="rId16"/>
-    <p:sldId id="1843" r:id="rId17"/>
-    <p:sldId id="1854" r:id="rId18"/>
-    <p:sldId id="1849" r:id="rId19"/>
-    <p:sldId id="1848" r:id="rId20"/>
-    <p:sldId id="1850" r:id="rId21"/>
-    <p:sldId id="1851" r:id="rId22"/>
-    <p:sldId id="1845" r:id="rId23"/>
-    <p:sldId id="1846" r:id="rId24"/>
-    <p:sldId id="1847" r:id="rId25"/>
-    <p:sldId id="1855" r:id="rId26"/>
-    <p:sldId id="1852" r:id="rId27"/>
-    <p:sldId id="1865" r:id="rId28"/>
-    <p:sldId id="1853" r:id="rId29"/>
+    <p:sldId id="1852" r:id="rId6"/>
+    <p:sldId id="1551" r:id="rId7"/>
+    <p:sldId id="1826" r:id="rId8"/>
+    <p:sldId id="1827" r:id="rId9"/>
+    <p:sldId id="1868" r:id="rId10"/>
+    <p:sldId id="1867" r:id="rId11"/>
+    <p:sldId id="1817" r:id="rId12"/>
+    <p:sldId id="1828" r:id="rId13"/>
+    <p:sldId id="1844" r:id="rId14"/>
+    <p:sldId id="1869" r:id="rId15"/>
+    <p:sldId id="1870" r:id="rId16"/>
+    <p:sldId id="1871" r:id="rId17"/>
+    <p:sldId id="1872" r:id="rId18"/>
+    <p:sldId id="1818" r:id="rId19"/>
+    <p:sldId id="1832" r:id="rId20"/>
+    <p:sldId id="1843" r:id="rId21"/>
+    <p:sldId id="1854" r:id="rId22"/>
+    <p:sldId id="1874" r:id="rId23"/>
+    <p:sldId id="1849" r:id="rId24"/>
+    <p:sldId id="1848" r:id="rId25"/>
+    <p:sldId id="1850" r:id="rId26"/>
+    <p:sldId id="1851" r:id="rId27"/>
+    <p:sldId id="1845" r:id="rId28"/>
+    <p:sldId id="1846" r:id="rId29"/>
+    <p:sldId id="1865" r:id="rId30"/>
+    <p:sldId id="1853" r:id="rId31"/>
   </p:sldIdLst>
   <p:sldSz cx="9144000" cy="6858000" type="screen4x3"/>
   <p:notesSz cx="7315200" cy="9601200"/>
@@ -7321,7 +7323,7 @@
                 <a:latin typeface="Calibri" panose="020F0502020204030204" pitchFamily="34" charset="0"/>
                 <a:cs typeface="Calibri" panose="020F0502020204030204" pitchFamily="34" charset="0"/>
               </a:rPr>
-              <a:t>Props vs States</a:t>
+              <a:t>Lifecycle Methods Code Demo</a:t>
             </a:r>
             <a:endParaRPr lang="en-US" sz="3200" b="1" dirty="0">
               <a:latin typeface="Calibri" panose="020F0502020204030204" pitchFamily="34" charset="0"/>
@@ -7358,6 +7360,38 @@
               <a:buFont typeface="Arial" panose="020B0604020202020204" pitchFamily="34" charset="0"/>
               <a:buChar char="•"/>
             </a:pPr>
+            <a:r>
+              <a:rPr lang="en-US" altLang="en-US" sz="1540" dirty="0">
+                <a:solidFill>
+                  <a:srgbClr val="262626"/>
+                </a:solidFill>
+              </a:rPr>
+              <a:t>1 Debug the</a:t>
+            </a:r>
+            <a:r>
+              <a:rPr lang="en-US" altLang="en-US" sz="1540" dirty="0">
+                <a:solidFill>
+                  <a:srgbClr val="262626"/>
+                </a:solidFill>
+              </a:rPr>
+              <a:t> rendering process (</a:t>
+            </a:r>
+            <a:r>
+              <a:rPr lang="en-US" altLang="en-US" sz="1540" dirty="0">
+                <a:solidFill>
+                  <a:srgbClr val="FF0000"/>
+                </a:solidFill>
+              </a:rPr>
+              <a:t>code demo</a:t>
+            </a:r>
+            <a:r>
+              <a:rPr lang="en-US" altLang="en-US" sz="1540" dirty="0">
+                <a:solidFill>
+                  <a:srgbClr val="262626"/>
+                </a:solidFill>
+              </a:rPr>
+              <a:t>)</a:t>
+            </a:r>
             <a:endParaRPr lang="en-US" altLang="en-US" sz="1540" dirty="0">
               <a:solidFill>
                 <a:srgbClr val="262626"/>
@@ -7372,7 +7406,42 @@
               <a:buFont typeface="Arial" panose="020B0604020202020204" pitchFamily="34" charset="0"/>
               <a:buChar char="•"/>
             </a:pPr>
-            <a:endParaRPr lang="en-US" altLang="en-US" sz="1540" dirty="0">
+            <a:r>
+              <a:rPr lang="en-US" altLang="en-US" sz="1540" dirty="0">
+                <a:solidFill>
+                  <a:srgbClr val="262626"/>
+                </a:solidFill>
+              </a:rPr>
+              <a:t>2  Transform ejs to jsx</a:t>
+            </a:r>
+            <a:r>
+              <a:rPr lang="en-US" altLang="en-US" sz="1535" dirty="0">
+                <a:solidFill>
+                  <a:srgbClr val="262626"/>
+                </a:solidFill>
+                <a:sym typeface="+mn-ea"/>
+              </a:rPr>
+              <a:t> (</a:t>
+            </a:r>
+            <a:r>
+              <a:rPr lang="en-US" altLang="en-US" sz="1535" dirty="0">
+                <a:solidFill>
+                  <a:srgbClr val="FF0000"/>
+                </a:solidFill>
+                <a:sym typeface="+mn-ea"/>
+              </a:rPr>
+              <a:t>code demo</a:t>
+            </a:r>
+            <a:r>
+              <a:rPr lang="en-US" altLang="en-US" sz="1535" dirty="0">
+                <a:solidFill>
+                  <a:srgbClr val="262626"/>
+                </a:solidFill>
+                <a:sym typeface="+mn-ea"/>
+              </a:rPr>
+              <a:t>)</a:t>
+            </a:r>
+            <a:endParaRPr lang="en-US" altLang="en-US" sz="1535" dirty="0">
               <a:solidFill>
                 <a:srgbClr val="262626"/>
               </a:solidFill>
@@ -7406,269 +7475,8 @@
               </a:solidFill>
             </a:endParaRPr>
           </a:p>
-          <a:p>
-            <a:pPr marL="0" lvl="0" indent="0" defTabSz="342900">
-              <a:lnSpc>
-                <a:spcPct val="120000"/>
-              </a:lnSpc>
-              <a:buFont typeface="Arial" panose="020B0604020202020204" pitchFamily="34" charset="0"/>
-              <a:buNone/>
-            </a:pPr>
-            <a:endParaRPr lang="en-US" altLang="en-US" sz="1540" dirty="0">
-              <a:solidFill>
-                <a:srgbClr val="262626"/>
-              </a:solidFill>
-            </a:endParaRPr>
-          </a:p>
         </p:txBody>
       </p:sp>
-      <p:pic>
-        <p:nvPicPr>
-          <p:cNvPr id="3" name="图片 2"/>
-          <p:cNvPicPr>
-            <a:picLocks noChangeAspect="1"/>
-          </p:cNvPicPr>
-          <p:nvPr/>
-        </p:nvPicPr>
-        <p:blipFill>
-          <a:blip r:embed="rId1"/>
-          <a:stretch>
-            <a:fillRect/>
-          </a:stretch>
-        </p:blipFill>
-        <p:spPr>
-          <a:xfrm>
-            <a:off x="0" y="2947670"/>
-            <a:ext cx="4972050" cy="2514600"/>
-          </a:xfrm>
-          <a:prstGeom prst="rect">
-            <a:avLst/>
-          </a:prstGeom>
-        </p:spPr>
-      </p:pic>
-      <p:pic>
-        <p:nvPicPr>
-          <p:cNvPr id="4" name="图片 3"/>
-          <p:cNvPicPr>
-            <a:picLocks noChangeAspect="1"/>
-          </p:cNvPicPr>
-          <p:nvPr/>
-        </p:nvPicPr>
-        <p:blipFill>
-          <a:blip r:embed="rId2"/>
-          <a:stretch>
-            <a:fillRect/>
-          </a:stretch>
-        </p:blipFill>
-        <p:spPr>
-          <a:xfrm>
-            <a:off x="5011420" y="2515235"/>
-            <a:ext cx="3352800" cy="2647950"/>
-          </a:xfrm>
-          <a:prstGeom prst="rect">
-            <a:avLst/>
-          </a:prstGeom>
-        </p:spPr>
-      </p:pic>
-      <p:graphicFrame>
-        <p:nvGraphicFramePr>
-          <p:cNvPr id="5" name="表格 4"/>
-          <p:cNvGraphicFramePr/>
-          <p:nvPr>
-            <p:custDataLst>
-              <p:tags r:id="rId3"/>
-            </p:custDataLst>
-          </p:nvPr>
-        </p:nvGraphicFramePr>
-        <p:xfrm>
-          <a:off x="736600" y="987425"/>
-          <a:ext cx="7627620" cy="1893570"/>
-        </p:xfrm>
-        <a:graphic>
-          <a:graphicData uri="http://schemas.openxmlformats.org/drawingml/2006/table">
-            <a:tbl>
-              <a:tblPr firstRow="1" bandRow="1">
-                <a:tableStyleId>{5C22544A-7EE6-4342-B048-85BDC9FD1C3A}</a:tableStyleId>
-              </a:tblPr>
-              <a:tblGrid>
-                <a:gridCol w="2542540"/>
-                <a:gridCol w="2542540"/>
-                <a:gridCol w="2542540"/>
-              </a:tblGrid>
-              <a:tr h="365760">
-                <a:tc>
-                  <a:txBody>
-                    <a:bodyPr/>
-                    <a:p>
-                      <a:pPr>
-                        <a:buNone/>
-                      </a:pPr>
-                      <a:endParaRPr lang="zh-CN" altLang="en-US"/>
-                    </a:p>
-                  </a:txBody>
-                  <a:tcPr/>
-                </a:tc>
-                <a:tc>
-                  <a:txBody>
-                    <a:bodyPr/>
-                    <a:p>
-                      <a:pPr>
-                        <a:buNone/>
-                      </a:pPr>
-                      <a:r>
-                        <a:rPr lang="en-US" altLang="zh-CN"/>
-                        <a:t>Props</a:t>
-                      </a:r>
-                      <a:endParaRPr lang="en-US" altLang="zh-CN"/>
-                    </a:p>
-                  </a:txBody>
-                  <a:tcPr/>
-                </a:tc>
-                <a:tc>
-                  <a:txBody>
-                    <a:bodyPr/>
-                    <a:p>
-                      <a:pPr>
-                        <a:buNone/>
-                      </a:pPr>
-                      <a:r>
-                        <a:rPr lang="en-US" altLang="zh-CN"/>
-                        <a:t>States</a:t>
-                      </a:r>
-                      <a:endParaRPr lang="en-US" altLang="zh-CN"/>
-                    </a:p>
-                  </a:txBody>
-                  <a:tcPr/>
-                </a:tc>
-              </a:tr>
-              <a:tr h="796290">
-                <a:tc>
-                  <a:txBody>
-                    <a:bodyPr/>
-                    <a:p>
-                      <a:pPr>
-                        <a:buNone/>
-                      </a:pPr>
-                      <a:r>
-                        <a:rPr lang="en-US" altLang="zh-CN"/>
-                        <a:t>scope</a:t>
-                      </a:r>
-                      <a:endParaRPr lang="en-US" altLang="zh-CN"/>
-                    </a:p>
-                  </a:txBody>
-                  <a:tcPr/>
-                </a:tc>
-                <a:tc>
-                  <a:txBody>
-                    <a:bodyPr/>
-                    <a:p>
-                      <a:pPr>
-                        <a:buNone/>
-                      </a:pPr>
-                      <a:r>
-                        <a:rPr lang="en-US" altLang="zh-CN"/>
-                        <a:t>can be passed among the components</a:t>
-                      </a:r>
-                      <a:endParaRPr lang="en-US" altLang="zh-CN"/>
-                    </a:p>
-                  </a:txBody>
-                  <a:tcPr/>
-                </a:tc>
-                <a:tc>
-                  <a:txBody>
-                    <a:bodyPr/>
-                    <a:p>
-                      <a:pPr>
-                        <a:buNone/>
-                      </a:pPr>
-                      <a:r>
-                        <a:rPr lang="en-US" altLang="zh-CN"/>
-                        <a:t>local variables for the component</a:t>
-                      </a:r>
-                      <a:endParaRPr lang="en-US" altLang="zh-CN"/>
-                    </a:p>
-                  </a:txBody>
-                  <a:tcPr/>
-                </a:tc>
-              </a:tr>
-              <a:tr h="365760">
-                <a:tc>
-                  <a:txBody>
-                    <a:bodyPr/>
-                    <a:p>
-                      <a:pPr>
-                        <a:buNone/>
-                      </a:pPr>
-                      <a:r>
-                        <a:rPr lang="en-US" altLang="zh-CN"/>
-                        <a:t>mutable</a:t>
-                      </a:r>
-                      <a:endParaRPr lang="en-US" altLang="zh-CN"/>
-                    </a:p>
-                  </a:txBody>
-                  <a:tcPr/>
-                </a:tc>
-                <a:tc>
-                  <a:txBody>
-                    <a:bodyPr/>
-                    <a:p>
-                      <a:pPr>
-                        <a:buNone/>
-                      </a:pPr>
-                      <a:r>
-                        <a:rPr lang="en-US" altLang="zh-CN"/>
-                        <a:t>props cannot be changed</a:t>
-                      </a:r>
-                      <a:endParaRPr lang="en-US" altLang="zh-CN"/>
-                    </a:p>
-                  </a:txBody>
-                  <a:tcPr/>
-                </a:tc>
-                <a:tc>
-                  <a:txBody>
-                    <a:bodyPr/>
-                    <a:p>
-                      <a:pPr>
-                        <a:buNone/>
-                      </a:pPr>
-                      <a:r>
-                        <a:rPr lang="en-US" altLang="zh-CN"/>
-                        <a:t>states can be changed</a:t>
-                      </a:r>
-                      <a:endParaRPr lang="en-US" altLang="zh-CN"/>
-                    </a:p>
-                  </a:txBody>
-                  <a:tcPr/>
-                </a:tc>
-              </a:tr>
-            </a:tbl>
-          </a:graphicData>
-        </a:graphic>
-      </p:graphicFrame>
-      <p:pic>
-        <p:nvPicPr>
-          <p:cNvPr id="7" name="图片 6"/>
-          <p:cNvPicPr>
-            <a:picLocks noChangeAspect="1"/>
-          </p:cNvPicPr>
-          <p:nvPr/>
-        </p:nvPicPr>
-        <p:blipFill>
-          <a:blip r:embed="rId4"/>
-          <a:stretch>
-            <a:fillRect/>
-          </a:stretch>
-        </p:blipFill>
-        <p:spPr>
-          <a:xfrm>
-            <a:off x="4514850" y="4752975"/>
-            <a:ext cx="4000500" cy="2105025"/>
-          </a:xfrm>
-          <a:prstGeom prst="rect">
-            <a:avLst/>
-          </a:prstGeom>
-        </p:spPr>
-      </p:pic>
     </p:spTree>
   </p:cSld>
   <p:clrMapOvr>
@@ -8123,7 +7931,592 @@
                 <a:latin typeface="Calibri" panose="020F0502020204030204" pitchFamily="34" charset="0"/>
                 <a:cs typeface="Calibri" panose="020F0502020204030204" pitchFamily="34" charset="0"/>
               </a:rPr>
-              <a:t>Functional Component and Hooks</a:t>
+              <a:t>Routes</a:t>
+            </a:r>
+            <a:endParaRPr lang="en-US" sz="3200" b="1" dirty="0">
+              <a:latin typeface="Calibri" panose="020F0502020204030204" pitchFamily="34" charset="0"/>
+              <a:cs typeface="Calibri" panose="020F0502020204030204" pitchFamily="34" charset="0"/>
+            </a:endParaRPr>
+          </a:p>
+        </p:txBody>
+      </p:sp>
+      <p:sp>
+        <p:nvSpPr>
+          <p:cNvPr id="6" name="Content Placeholder 2"/>
+          <p:cNvSpPr>
+            <a:spLocks noGrp="1"/>
+          </p:cNvSpPr>
+          <p:nvPr>
+            <p:ph idx="1"/>
+          </p:nvPr>
+        </p:nvSpPr>
+        <p:spPr>
+          <a:xfrm>
+            <a:off x="628650" y="989044"/>
+            <a:ext cx="7886700" cy="5605719"/>
+          </a:xfrm>
+        </p:spPr>
+        <p:txBody>
+          <a:bodyPr>
+            <a:normAutofit lnSpcReduction="10000"/>
+          </a:bodyPr>
+          <a:p>
+            <a:pPr marL="228600" lvl="0" indent="-228600" defTabSz="342900">
+              <a:lnSpc>
+                <a:spcPct val="120000"/>
+              </a:lnSpc>
+              <a:buFont typeface="Arial" panose="020B0604020202020204" pitchFamily="34" charset="0"/>
+              <a:buChar char="•"/>
+            </a:pPr>
+            <a:r>
+              <a:rPr lang="en-US" altLang="en-US" sz="1540" dirty="0">
+                <a:solidFill>
+                  <a:srgbClr val="262626"/>
+                </a:solidFill>
+              </a:rPr>
+              <a:t>Reactjs is initailly designed for onepage application</a:t>
+            </a:r>
+            <a:endParaRPr lang="en-US" altLang="en-US" sz="1540" dirty="0">
+              <a:solidFill>
+                <a:srgbClr val="262626"/>
+              </a:solidFill>
+            </a:endParaRPr>
+          </a:p>
+          <a:p>
+            <a:pPr marL="228600" lvl="0" indent="-228600" defTabSz="342900">
+              <a:lnSpc>
+                <a:spcPct val="120000"/>
+              </a:lnSpc>
+              <a:buFont typeface="Arial" panose="020B0604020202020204" pitchFamily="34" charset="0"/>
+              <a:buChar char="•"/>
+            </a:pPr>
+            <a:r>
+              <a:rPr lang="en-US" altLang="en-US" sz="1540" dirty="0">
+                <a:solidFill>
+                  <a:srgbClr val="262626"/>
+                </a:solidFill>
+              </a:rPr>
+              <a:t>So the route in react is a third party library</a:t>
+            </a:r>
+            <a:endParaRPr lang="en-US" altLang="en-US" sz="1540" dirty="0">
+              <a:solidFill>
+                <a:srgbClr val="262626"/>
+              </a:solidFill>
+            </a:endParaRPr>
+          </a:p>
+          <a:p>
+            <a:pPr marL="228600" lvl="0" indent="-228600" defTabSz="342900">
+              <a:lnSpc>
+                <a:spcPct val="120000"/>
+              </a:lnSpc>
+              <a:buFont typeface="Arial" panose="020B0604020202020204" pitchFamily="34" charset="0"/>
+              <a:buChar char="•"/>
+            </a:pPr>
+            <a:endParaRPr lang="en-US" altLang="en-US" sz="1540" dirty="0">
+              <a:solidFill>
+                <a:srgbClr val="262626"/>
+              </a:solidFill>
+            </a:endParaRPr>
+          </a:p>
+          <a:p>
+            <a:pPr marL="228600" lvl="0" indent="-228600" defTabSz="342900">
+              <a:lnSpc>
+                <a:spcPct val="120000"/>
+              </a:lnSpc>
+              <a:buFont typeface="Arial" panose="020B0604020202020204" pitchFamily="34" charset="0"/>
+              <a:buChar char="•"/>
+            </a:pPr>
+            <a:r>
+              <a:rPr lang="en-US" altLang="en-US" sz="1540" dirty="0">
+                <a:solidFill>
+                  <a:srgbClr val="262626"/>
+                </a:solidFill>
+              </a:rPr>
+              <a:t>1 Nesting</a:t>
+            </a:r>
+            <a:endParaRPr lang="en-US" altLang="en-US" sz="1540" dirty="0">
+              <a:solidFill>
+                <a:srgbClr val="262626"/>
+              </a:solidFill>
+            </a:endParaRPr>
+          </a:p>
+          <a:p>
+            <a:pPr marL="228600" lvl="0" indent="-228600" defTabSz="342900">
+              <a:lnSpc>
+                <a:spcPct val="120000"/>
+              </a:lnSpc>
+              <a:buFont typeface="Arial" panose="020B0604020202020204" pitchFamily="34" charset="0"/>
+              <a:buChar char="•"/>
+            </a:pPr>
+            <a:endParaRPr lang="en-US" altLang="en-US" sz="1540" dirty="0">
+              <a:solidFill>
+                <a:srgbClr val="262626"/>
+              </a:solidFill>
+            </a:endParaRPr>
+          </a:p>
+          <a:p>
+            <a:pPr marL="228600" lvl="0" indent="-228600" defTabSz="342900">
+              <a:lnSpc>
+                <a:spcPct val="120000"/>
+              </a:lnSpc>
+              <a:buFont typeface="Arial" panose="020B0604020202020204" pitchFamily="34" charset="0"/>
+              <a:buChar char="•"/>
+            </a:pPr>
+            <a:endParaRPr lang="en-US" altLang="en-US" sz="1540" dirty="0">
+              <a:solidFill>
+                <a:srgbClr val="262626"/>
+              </a:solidFill>
+            </a:endParaRPr>
+          </a:p>
+          <a:p>
+            <a:pPr marL="228600" lvl="0" indent="-228600" defTabSz="342900">
+              <a:lnSpc>
+                <a:spcPct val="120000"/>
+              </a:lnSpc>
+              <a:buFont typeface="Arial" panose="020B0604020202020204" pitchFamily="34" charset="0"/>
+              <a:buChar char="•"/>
+            </a:pPr>
+            <a:endParaRPr lang="en-US" altLang="en-US" sz="1540" dirty="0">
+              <a:solidFill>
+                <a:srgbClr val="262626"/>
+              </a:solidFill>
+            </a:endParaRPr>
+          </a:p>
+          <a:p>
+            <a:pPr marL="0" lvl="0" indent="0" defTabSz="342900">
+              <a:lnSpc>
+                <a:spcPct val="120000"/>
+              </a:lnSpc>
+              <a:buFont typeface="Arial" panose="020B0604020202020204" pitchFamily="34" charset="0"/>
+              <a:buNone/>
+            </a:pPr>
+            <a:endParaRPr lang="en-US" altLang="en-US" sz="1540" dirty="0">
+              <a:solidFill>
+                <a:srgbClr val="262626"/>
+              </a:solidFill>
+            </a:endParaRPr>
+          </a:p>
+        </p:txBody>
+      </p:sp>
+      <p:pic>
+        <p:nvPicPr>
+          <p:cNvPr id="9" name="图片 8"/>
+          <p:cNvPicPr>
+            <a:picLocks noChangeAspect="1"/>
+          </p:cNvPicPr>
+          <p:nvPr/>
+        </p:nvPicPr>
+        <p:blipFill>
+          <a:blip r:embed="rId1"/>
+          <a:stretch>
+            <a:fillRect/>
+          </a:stretch>
+        </p:blipFill>
+        <p:spPr>
+          <a:xfrm>
+            <a:off x="4562475" y="1613535"/>
+            <a:ext cx="3952875" cy="4981575"/>
+          </a:xfrm>
+          <a:prstGeom prst="rect">
+            <a:avLst/>
+          </a:prstGeom>
+        </p:spPr>
+      </p:pic>
+    </p:spTree>
+  </p:cSld>
+  <p:clrMapOvr>
+    <a:masterClrMapping/>
+  </p:clrMapOvr>
+</p:sld>
+</file>
+
+<file path=ppt/slides/slide13.xml><?xml version="1.0" encoding="utf-8"?>
+<p:sld xmlns:a="http://schemas.openxmlformats.org/drawingml/2006/main" xmlns:r="http://schemas.openxmlformats.org/officeDocument/2006/relationships" xmlns:p="http://schemas.openxmlformats.org/presentationml/2006/main">
+  <p:cSld>
+    <p:spTree>
+      <p:nvGrpSpPr>
+        <p:cNvPr id="1" name=""/>
+        <p:cNvGrpSpPr/>
+        <p:nvPr/>
+      </p:nvGrpSpPr>
+      <p:grpSpPr>
+        <a:xfrm>
+          <a:off x="0" y="0"/>
+          <a:ext cx="0" cy="0"/>
+          <a:chOff x="0" y="0"/>
+          <a:chExt cx="0" cy="0"/>
+        </a:xfrm>
+      </p:grpSpPr>
+      <p:sp>
+        <p:nvSpPr>
+          <p:cNvPr id="2" name="Title 1"/>
+          <p:cNvSpPr>
+            <a:spLocks noGrp="1"/>
+          </p:cNvSpPr>
+          <p:nvPr>
+            <p:ph type="title"/>
+          </p:nvPr>
+        </p:nvSpPr>
+        <p:spPr>
+          <a:xfrm>
+            <a:off x="628650" y="155263"/>
+            <a:ext cx="7886700" cy="526790"/>
+          </a:xfrm>
+        </p:spPr>
+        <p:txBody>
+          <a:bodyPr>
+            <a:normAutofit fontScale="90000"/>
+          </a:bodyPr>
+          <a:lstStyle/>
+          <a:p>
+            <a:pPr algn="ctr"/>
+            <a:r>
+              <a:rPr lang="en-US" sz="3200" b="1" dirty="0">
+                <a:latin typeface="Calibri" panose="020F0502020204030204" pitchFamily="34" charset="0"/>
+                <a:cs typeface="Calibri" panose="020F0502020204030204" pitchFamily="34" charset="0"/>
+              </a:rPr>
+              <a:t>Routes</a:t>
+            </a:r>
+            <a:endParaRPr lang="en-US" sz="3200" b="1" dirty="0">
+              <a:latin typeface="Calibri" panose="020F0502020204030204" pitchFamily="34" charset="0"/>
+              <a:cs typeface="Calibri" panose="020F0502020204030204" pitchFamily="34" charset="0"/>
+            </a:endParaRPr>
+          </a:p>
+        </p:txBody>
+      </p:sp>
+      <p:sp>
+        <p:nvSpPr>
+          <p:cNvPr id="6" name="Content Placeholder 2"/>
+          <p:cNvSpPr>
+            <a:spLocks noGrp="1"/>
+          </p:cNvSpPr>
+          <p:nvPr>
+            <p:ph idx="1"/>
+          </p:nvPr>
+        </p:nvSpPr>
+        <p:spPr>
+          <a:xfrm>
+            <a:off x="628650" y="989044"/>
+            <a:ext cx="7886700" cy="5605719"/>
+          </a:xfrm>
+        </p:spPr>
+        <p:txBody>
+          <a:bodyPr>
+            <a:normAutofit lnSpcReduction="10000"/>
+          </a:bodyPr>
+          <a:p>
+            <a:pPr marL="228600" lvl="0" indent="-228600" defTabSz="342900">
+              <a:lnSpc>
+                <a:spcPct val="120000"/>
+              </a:lnSpc>
+              <a:buFont typeface="Arial" panose="020B0604020202020204" pitchFamily="34" charset="0"/>
+              <a:buChar char="•"/>
+            </a:pPr>
+            <a:r>
+              <a:rPr lang="en-US" altLang="en-US" sz="1540" dirty="0">
+                <a:solidFill>
+                  <a:srgbClr val="262626"/>
+                </a:solidFill>
+              </a:rPr>
+              <a:t>2 redirect</a:t>
+            </a:r>
+            <a:endParaRPr lang="en-US" altLang="en-US" sz="1540" dirty="0">
+              <a:solidFill>
+                <a:srgbClr val="262626"/>
+              </a:solidFill>
+            </a:endParaRPr>
+          </a:p>
+          <a:p>
+            <a:pPr marL="228600" lvl="0" indent="-228600" defTabSz="342900">
+              <a:lnSpc>
+                <a:spcPct val="120000"/>
+              </a:lnSpc>
+              <a:buFont typeface="Arial" panose="020B0604020202020204" pitchFamily="34" charset="0"/>
+              <a:buChar char="•"/>
+            </a:pPr>
+            <a:r>
+              <a:rPr lang="en-US" altLang="en-US" sz="1540" dirty="0">
+                <a:solidFill>
+                  <a:srgbClr val="262626"/>
+                </a:solidFill>
+              </a:rPr>
+              <a:t>1) </a:t>
+            </a:r>
+            <a:r>
+              <a:rPr lang="en-US" altLang="en-US" sz="1535" dirty="0">
+                <a:solidFill>
+                  <a:srgbClr val="262626"/>
+                </a:solidFill>
+                <a:sym typeface="+mn-ea"/>
+              </a:rPr>
+              <a:t>in render html</a:t>
+            </a:r>
+            <a:endParaRPr lang="en-US" altLang="en-US" sz="1535" dirty="0">
+              <a:solidFill>
+                <a:srgbClr val="262626"/>
+              </a:solidFill>
+            </a:endParaRPr>
+          </a:p>
+          <a:p>
+            <a:pPr marL="0" lvl="0" indent="0" defTabSz="342900">
+              <a:lnSpc>
+                <a:spcPct val="120000"/>
+              </a:lnSpc>
+              <a:buFont typeface="Arial" panose="020B0604020202020204" pitchFamily="34" charset="0"/>
+              <a:buNone/>
+            </a:pPr>
+            <a:r>
+              <a:rPr lang="en-US" altLang="en-US" sz="1540" dirty="0">
+                <a:solidFill>
+                  <a:srgbClr val="262626"/>
+                </a:solidFill>
+              </a:rPr>
+              <a:t>	Link to </a:t>
+            </a:r>
+            <a:endParaRPr lang="en-US" altLang="en-US" sz="1540" dirty="0">
+              <a:solidFill>
+                <a:srgbClr val="262626"/>
+              </a:solidFill>
+            </a:endParaRPr>
+          </a:p>
+          <a:p>
+            <a:pPr marL="228600" lvl="0" indent="-228600" defTabSz="342900">
+              <a:lnSpc>
+                <a:spcPct val="120000"/>
+              </a:lnSpc>
+              <a:buFont typeface="Arial" panose="020B0604020202020204" pitchFamily="34" charset="0"/>
+              <a:buChar char="•"/>
+            </a:pPr>
+            <a:endParaRPr lang="en-US" altLang="en-US" sz="1540" dirty="0">
+              <a:solidFill>
+                <a:srgbClr val="262626"/>
+              </a:solidFill>
+            </a:endParaRPr>
+          </a:p>
+          <a:p>
+            <a:pPr marL="228600" lvl="0" indent="-228600" defTabSz="342900">
+              <a:lnSpc>
+                <a:spcPct val="120000"/>
+              </a:lnSpc>
+              <a:buFont typeface="Arial" panose="020B0604020202020204" pitchFamily="34" charset="0"/>
+              <a:buChar char="•"/>
+            </a:pPr>
+            <a:r>
+              <a:rPr lang="en-US" altLang="en-US" sz="1540" dirty="0">
+                <a:solidFill>
+                  <a:srgbClr val="262626"/>
+                </a:solidFill>
+              </a:rPr>
+              <a:t>2) in code</a:t>
+            </a:r>
+            <a:endParaRPr lang="en-US" altLang="en-US" sz="1540" dirty="0">
+              <a:solidFill>
+                <a:srgbClr val="262626"/>
+              </a:solidFill>
+            </a:endParaRPr>
+          </a:p>
+          <a:p>
+            <a:pPr marL="228600" lvl="0" indent="-228600" defTabSz="342900">
+              <a:lnSpc>
+                <a:spcPct val="120000"/>
+              </a:lnSpc>
+              <a:buFont typeface="Arial" panose="020B0604020202020204" pitchFamily="34" charset="0"/>
+              <a:buChar char="•"/>
+            </a:pPr>
+            <a:endParaRPr lang="en-US" altLang="en-US" sz="1540" dirty="0">
+              <a:solidFill>
+                <a:srgbClr val="262626"/>
+              </a:solidFill>
+            </a:endParaRPr>
+          </a:p>
+          <a:p>
+            <a:pPr marL="228600" lvl="0" indent="-228600" defTabSz="342900">
+              <a:lnSpc>
+                <a:spcPct val="120000"/>
+              </a:lnSpc>
+              <a:buFont typeface="Arial" panose="020B0604020202020204" pitchFamily="34" charset="0"/>
+              <a:buChar char="•"/>
+            </a:pPr>
+            <a:endParaRPr lang="en-US" altLang="en-US" sz="1540" dirty="0">
+              <a:solidFill>
+                <a:srgbClr val="262626"/>
+              </a:solidFill>
+            </a:endParaRPr>
+          </a:p>
+          <a:p>
+            <a:pPr marL="228600" lvl="0" indent="-228600" defTabSz="342900">
+              <a:lnSpc>
+                <a:spcPct val="120000"/>
+              </a:lnSpc>
+              <a:buFont typeface="Arial" panose="020B0604020202020204" pitchFamily="34" charset="0"/>
+              <a:buChar char="•"/>
+            </a:pPr>
+            <a:endParaRPr lang="en-US" altLang="en-US" sz="1540" dirty="0">
+              <a:solidFill>
+                <a:srgbClr val="262626"/>
+              </a:solidFill>
+            </a:endParaRPr>
+          </a:p>
+          <a:p>
+            <a:pPr marL="228600" lvl="0" indent="-228600" defTabSz="342900">
+              <a:lnSpc>
+                <a:spcPct val="120000"/>
+              </a:lnSpc>
+              <a:buFont typeface="Arial" panose="020B0604020202020204" pitchFamily="34" charset="0"/>
+              <a:buChar char="•"/>
+            </a:pPr>
+            <a:endParaRPr lang="en-US" altLang="en-US" sz="1540" dirty="0">
+              <a:solidFill>
+                <a:srgbClr val="262626"/>
+              </a:solidFill>
+            </a:endParaRPr>
+          </a:p>
+          <a:p>
+            <a:pPr marL="0" lvl="0" indent="0" defTabSz="342900">
+              <a:lnSpc>
+                <a:spcPct val="120000"/>
+              </a:lnSpc>
+              <a:buFont typeface="Arial" panose="020B0604020202020204" pitchFamily="34" charset="0"/>
+              <a:buNone/>
+            </a:pPr>
+            <a:endParaRPr lang="en-US" altLang="en-US" sz="1540" dirty="0">
+              <a:solidFill>
+                <a:srgbClr val="262626"/>
+              </a:solidFill>
+            </a:endParaRPr>
+          </a:p>
+        </p:txBody>
+      </p:sp>
+      <p:pic>
+        <p:nvPicPr>
+          <p:cNvPr id="9" name="图片 8"/>
+          <p:cNvPicPr>
+            <a:picLocks noChangeAspect="1"/>
+          </p:cNvPicPr>
+          <p:nvPr/>
+        </p:nvPicPr>
+        <p:blipFill>
+          <a:blip r:embed="rId1"/>
+          <a:stretch>
+            <a:fillRect/>
+          </a:stretch>
+        </p:blipFill>
+        <p:spPr>
+          <a:xfrm>
+            <a:off x="5191125" y="1614170"/>
+            <a:ext cx="3952875" cy="4981575"/>
+          </a:xfrm>
+          <a:prstGeom prst="rect">
+            <a:avLst/>
+          </a:prstGeom>
+        </p:spPr>
+      </p:pic>
+      <p:pic>
+        <p:nvPicPr>
+          <p:cNvPr id="4" name="图片 4"/>
+          <p:cNvPicPr>
+            <a:picLocks noChangeAspect="1"/>
+          </p:cNvPicPr>
+          <p:nvPr/>
+        </p:nvPicPr>
+        <p:blipFill>
+          <a:blip r:embed="rId2"/>
+          <a:stretch>
+            <a:fillRect/>
+          </a:stretch>
+        </p:blipFill>
+        <p:spPr>
+          <a:xfrm>
+            <a:off x="0" y="4748530"/>
+            <a:ext cx="5269230" cy="2109470"/>
+          </a:xfrm>
+          <a:prstGeom prst="rect">
+            <a:avLst/>
+          </a:prstGeom>
+          <a:noFill/>
+          <a:ln>
+            <a:noFill/>
+          </a:ln>
+        </p:spPr>
+      </p:pic>
+      <p:pic>
+        <p:nvPicPr>
+          <p:cNvPr id="3" name="图片 2"/>
+          <p:cNvPicPr>
+            <a:picLocks noChangeAspect="1"/>
+          </p:cNvPicPr>
+          <p:nvPr/>
+        </p:nvPicPr>
+        <p:blipFill>
+          <a:blip r:embed="rId3"/>
+          <a:stretch>
+            <a:fillRect/>
+          </a:stretch>
+        </p:blipFill>
+        <p:spPr>
+          <a:xfrm>
+            <a:off x="586740" y="3145155"/>
+            <a:ext cx="4095750" cy="1114425"/>
+          </a:xfrm>
+          <a:prstGeom prst="rect">
+            <a:avLst/>
+          </a:prstGeom>
+        </p:spPr>
+      </p:pic>
+    </p:spTree>
+  </p:cSld>
+  <p:clrMapOvr>
+    <a:masterClrMapping/>
+  </p:clrMapOvr>
+</p:sld>
+</file>
+
+<file path=ppt/slides/slide14.xml><?xml version="1.0" encoding="utf-8"?>
+<p:sld xmlns:a="http://schemas.openxmlformats.org/drawingml/2006/main" xmlns:r="http://schemas.openxmlformats.org/officeDocument/2006/relationships" xmlns:p="http://schemas.openxmlformats.org/presentationml/2006/main">
+  <p:cSld>
+    <p:spTree>
+      <p:nvGrpSpPr>
+        <p:cNvPr id="1" name=""/>
+        <p:cNvGrpSpPr/>
+        <p:nvPr/>
+      </p:nvGrpSpPr>
+      <p:grpSpPr>
+        <a:xfrm>
+          <a:off x="0" y="0"/>
+          <a:ext cx="0" cy="0"/>
+          <a:chOff x="0" y="0"/>
+          <a:chExt cx="0" cy="0"/>
+        </a:xfrm>
+      </p:grpSpPr>
+      <p:sp>
+        <p:nvSpPr>
+          <p:cNvPr id="2" name="Title 1"/>
+          <p:cNvSpPr>
+            <a:spLocks noGrp="1"/>
+          </p:cNvSpPr>
+          <p:nvPr>
+            <p:ph type="title"/>
+          </p:nvPr>
+        </p:nvSpPr>
+        <p:spPr>
+          <a:xfrm>
+            <a:off x="628650" y="155263"/>
+            <a:ext cx="7886700" cy="526790"/>
+          </a:xfrm>
+        </p:spPr>
+        <p:txBody>
+          <a:bodyPr>
+            <a:normAutofit fontScale="90000"/>
+          </a:bodyPr>
+          <a:lstStyle/>
+          <a:p>
+            <a:pPr algn="ctr"/>
+            <a:r>
+              <a:rPr lang="en-US" sz="3200" b="1" dirty="0">
+                <a:latin typeface="Calibri" panose="020F0502020204030204" pitchFamily="34" charset="0"/>
+                <a:cs typeface="Calibri" panose="020F0502020204030204" pitchFamily="34" charset="0"/>
+              </a:rPr>
+              <a:t>Forms in Reactjs</a:t>
             </a:r>
             <a:endParaRPr lang="en-US" sz="3200" b="1" dirty="0">
               <a:latin typeface="Calibri" panose="020F0502020204030204" pitchFamily="34" charset="0"/>
@@ -8160,6 +8553,589 @@
               </a:lnSpc>
             </a:pPr>
             <a:r>
+              <a:rPr lang="en-US" altLang="zh-CN" sz="1800" dirty="0">
+                <a:solidFill>
+                  <a:srgbClr val="262626"/>
+                </a:solidFill>
+              </a:rPr>
+              <a:t>step 1: add event listener</a:t>
+            </a:r>
+            <a:endParaRPr lang="en-US" altLang="zh-CN" sz="1800" dirty="0">
+              <a:solidFill>
+                <a:srgbClr val="262626"/>
+              </a:solidFill>
+            </a:endParaRPr>
+          </a:p>
+          <a:p>
+            <a:pPr defTabSz="342900">
+              <a:lnSpc>
+                <a:spcPct val="120000"/>
+              </a:lnSpc>
+            </a:pPr>
+            <a:endParaRPr lang="en-US" altLang="zh-CN" sz="1800" dirty="0">
+              <a:solidFill>
+                <a:srgbClr val="262626"/>
+              </a:solidFill>
+            </a:endParaRPr>
+          </a:p>
+          <a:p>
+            <a:pPr defTabSz="342900">
+              <a:lnSpc>
+                <a:spcPct val="120000"/>
+              </a:lnSpc>
+            </a:pPr>
+            <a:endParaRPr lang="en-US" altLang="zh-CN" sz="1800" dirty="0">
+              <a:solidFill>
+                <a:srgbClr val="262626"/>
+              </a:solidFill>
+            </a:endParaRPr>
+          </a:p>
+          <a:p>
+            <a:pPr defTabSz="342900">
+              <a:lnSpc>
+                <a:spcPct val="120000"/>
+              </a:lnSpc>
+            </a:pPr>
+            <a:endParaRPr lang="en-US" altLang="zh-CN" sz="1800" dirty="0">
+              <a:solidFill>
+                <a:srgbClr val="262626"/>
+              </a:solidFill>
+            </a:endParaRPr>
+          </a:p>
+          <a:p>
+            <a:pPr defTabSz="342900">
+              <a:lnSpc>
+                <a:spcPct val="120000"/>
+              </a:lnSpc>
+            </a:pPr>
+            <a:endParaRPr lang="en-US" altLang="zh-CN" sz="1800" dirty="0">
+              <a:solidFill>
+                <a:srgbClr val="262626"/>
+              </a:solidFill>
+            </a:endParaRPr>
+          </a:p>
+          <a:p>
+            <a:pPr defTabSz="342900">
+              <a:lnSpc>
+                <a:spcPct val="120000"/>
+              </a:lnSpc>
+            </a:pPr>
+            <a:r>
+              <a:rPr lang="en-US" altLang="zh-CN" sz="1800" dirty="0">
+                <a:solidFill>
+                  <a:srgbClr val="262626"/>
+                </a:solidFill>
+              </a:rPr>
+              <a:t>Features:</a:t>
+            </a:r>
+            <a:endParaRPr lang="en-US" altLang="zh-CN" sz="1800" dirty="0">
+              <a:solidFill>
+                <a:srgbClr val="262626"/>
+              </a:solidFill>
+            </a:endParaRPr>
+          </a:p>
+          <a:p>
+            <a:pPr defTabSz="342900">
+              <a:lnSpc>
+                <a:spcPct val="120000"/>
+              </a:lnSpc>
+            </a:pPr>
+            <a:r>
+              <a:rPr lang="en-US" altLang="zh-CN" sz="1800" dirty="0">
+                <a:solidFill>
+                  <a:srgbClr val="262626"/>
+                </a:solidFill>
+              </a:rPr>
+              <a:t>every input will invoke the event handler function</a:t>
+            </a:r>
+            <a:endParaRPr lang="en-US" altLang="zh-CN" sz="1800" dirty="0">
+              <a:solidFill>
+                <a:srgbClr val="262626"/>
+              </a:solidFill>
+            </a:endParaRPr>
+          </a:p>
+          <a:p>
+            <a:pPr defTabSz="342900">
+              <a:lnSpc>
+                <a:spcPct val="120000"/>
+              </a:lnSpc>
+            </a:pPr>
+            <a:endParaRPr lang="en-US" altLang="zh-CN" sz="1800" dirty="0">
+              <a:solidFill>
+                <a:srgbClr val="262626"/>
+              </a:solidFill>
+            </a:endParaRPr>
+          </a:p>
+          <a:p>
+            <a:pPr defTabSz="342900">
+              <a:lnSpc>
+                <a:spcPct val="120000"/>
+              </a:lnSpc>
+            </a:pPr>
+            <a:r>
+              <a:rPr lang="en-US" altLang="zh-CN" sz="1800" dirty="0">
+                <a:solidFill>
+                  <a:srgbClr val="262626"/>
+                </a:solidFill>
+              </a:rPr>
+              <a:t>step2 create a event handler function to deal with data</a:t>
+            </a:r>
+            <a:endParaRPr lang="en-US" altLang="zh-CN" sz="1800" dirty="0">
+              <a:solidFill>
+                <a:srgbClr val="262626"/>
+              </a:solidFill>
+            </a:endParaRPr>
+          </a:p>
+          <a:p>
+            <a:pPr defTabSz="342900">
+              <a:lnSpc>
+                <a:spcPct val="120000"/>
+              </a:lnSpc>
+            </a:pPr>
+            <a:r>
+              <a:rPr lang="en-US" altLang="zh-CN" sz="1800" dirty="0">
+                <a:solidFill>
+                  <a:srgbClr val="262626"/>
+                </a:solidFill>
+              </a:rPr>
+              <a:t>preventDefault</a:t>
+            </a:r>
+            <a:endParaRPr lang="en-US" altLang="zh-CN" sz="1800" dirty="0">
+              <a:solidFill>
+                <a:srgbClr val="262626"/>
+              </a:solidFill>
+            </a:endParaRPr>
+          </a:p>
+          <a:p>
+            <a:pPr defTabSz="342900">
+              <a:lnSpc>
+                <a:spcPct val="120000"/>
+              </a:lnSpc>
+            </a:pPr>
+            <a:endParaRPr lang="en-US" altLang="zh-CN" sz="1800" dirty="0">
+              <a:solidFill>
+                <a:srgbClr val="262626"/>
+              </a:solidFill>
+            </a:endParaRPr>
+          </a:p>
+        </p:txBody>
+      </p:sp>
+      <p:pic>
+        <p:nvPicPr>
+          <p:cNvPr id="4" name="图片 3"/>
+          <p:cNvPicPr>
+            <a:picLocks noChangeAspect="1"/>
+          </p:cNvPicPr>
+          <p:nvPr/>
+        </p:nvPicPr>
+        <p:blipFill>
+          <a:blip r:embed="rId1"/>
+          <a:stretch>
+            <a:fillRect/>
+          </a:stretch>
+        </p:blipFill>
+        <p:spPr>
+          <a:xfrm>
+            <a:off x="628650" y="1434465"/>
+            <a:ext cx="6867525" cy="1924050"/>
+          </a:xfrm>
+          <a:prstGeom prst="rect">
+            <a:avLst/>
+          </a:prstGeom>
+        </p:spPr>
+      </p:pic>
+      <p:pic>
+        <p:nvPicPr>
+          <p:cNvPr id="5" name="图片 4"/>
+          <p:cNvPicPr>
+            <a:picLocks noChangeAspect="1"/>
+          </p:cNvPicPr>
+          <p:nvPr/>
+        </p:nvPicPr>
+        <p:blipFill>
+          <a:blip r:embed="rId2"/>
+          <a:stretch>
+            <a:fillRect/>
+          </a:stretch>
+        </p:blipFill>
+        <p:spPr>
+          <a:xfrm>
+            <a:off x="628650" y="5671185"/>
+            <a:ext cx="3838575" cy="923925"/>
+          </a:xfrm>
+          <a:prstGeom prst="rect">
+            <a:avLst/>
+          </a:prstGeom>
+        </p:spPr>
+      </p:pic>
+      <p:pic>
+        <p:nvPicPr>
+          <p:cNvPr id="6" name="图片 5"/>
+          <p:cNvPicPr>
+            <a:picLocks noChangeAspect="1"/>
+          </p:cNvPicPr>
+          <p:nvPr/>
+        </p:nvPicPr>
+        <p:blipFill>
+          <a:blip r:embed="rId3"/>
+          <a:stretch>
+            <a:fillRect/>
+          </a:stretch>
+        </p:blipFill>
+        <p:spPr>
+          <a:xfrm>
+            <a:off x="4552950" y="5847715"/>
+            <a:ext cx="4591050" cy="571500"/>
+          </a:xfrm>
+          <a:prstGeom prst="rect">
+            <a:avLst/>
+          </a:prstGeom>
+        </p:spPr>
+      </p:pic>
+    </p:spTree>
+  </p:cSld>
+  <p:clrMapOvr>
+    <a:masterClrMapping/>
+  </p:clrMapOvr>
+</p:sld>
+</file>
+
+<file path=ppt/slides/slide15.xml><?xml version="1.0" encoding="utf-8"?>
+<p:sld xmlns:a="http://schemas.openxmlformats.org/drawingml/2006/main" xmlns:r="http://schemas.openxmlformats.org/officeDocument/2006/relationships" xmlns:p="http://schemas.openxmlformats.org/presentationml/2006/main">
+  <p:cSld>
+    <p:spTree>
+      <p:nvGrpSpPr>
+        <p:cNvPr id="1" name=""/>
+        <p:cNvGrpSpPr/>
+        <p:nvPr/>
+      </p:nvGrpSpPr>
+      <p:grpSpPr>
+        <a:xfrm>
+          <a:off x="0" y="0"/>
+          <a:ext cx="0" cy="0"/>
+          <a:chOff x="0" y="0"/>
+          <a:chExt cx="0" cy="0"/>
+        </a:xfrm>
+      </p:grpSpPr>
+      <p:sp>
+        <p:nvSpPr>
+          <p:cNvPr id="2" name="Title 1"/>
+          <p:cNvSpPr>
+            <a:spLocks noGrp="1"/>
+          </p:cNvSpPr>
+          <p:nvPr>
+            <p:ph type="title"/>
+          </p:nvPr>
+        </p:nvSpPr>
+        <p:spPr>
+          <a:xfrm>
+            <a:off x="628650" y="155263"/>
+            <a:ext cx="7886700" cy="526790"/>
+          </a:xfrm>
+        </p:spPr>
+        <p:txBody>
+          <a:bodyPr>
+            <a:normAutofit fontScale="90000"/>
+          </a:bodyPr>
+          <a:lstStyle/>
+          <a:p>
+            <a:pPr algn="ctr"/>
+            <a:r>
+              <a:rPr lang="en-US" sz="3200" b="1" dirty="0">
+                <a:latin typeface="Calibri" panose="020F0502020204030204" pitchFamily="34" charset="0"/>
+                <a:cs typeface="Calibri" panose="020F0502020204030204" pitchFamily="34" charset="0"/>
+              </a:rPr>
+              <a:t>Bind in Reactjs</a:t>
+            </a:r>
+            <a:endParaRPr lang="en-US" sz="3200" b="1" dirty="0">
+              <a:latin typeface="Calibri" panose="020F0502020204030204" pitchFamily="34" charset="0"/>
+              <a:cs typeface="Calibri" panose="020F0502020204030204" pitchFamily="34" charset="0"/>
+            </a:endParaRPr>
+          </a:p>
+        </p:txBody>
+      </p:sp>
+      <p:sp>
+        <p:nvSpPr>
+          <p:cNvPr id="3" name="Content Placeholder 2"/>
+          <p:cNvSpPr>
+            <a:spLocks noGrp="1"/>
+          </p:cNvSpPr>
+          <p:nvPr>
+            <p:ph idx="1"/>
+          </p:nvPr>
+        </p:nvSpPr>
+        <p:spPr>
+          <a:xfrm>
+            <a:off x="628650" y="989044"/>
+            <a:ext cx="7886700" cy="5605719"/>
+          </a:xfrm>
+        </p:spPr>
+        <p:txBody>
+          <a:bodyPr>
+            <a:normAutofit/>
+          </a:bodyPr>
+          <a:lstStyle/>
+          <a:p>
+            <a:pPr defTabSz="342900">
+              <a:lnSpc>
+                <a:spcPct val="120000"/>
+              </a:lnSpc>
+            </a:pPr>
+            <a:r>
+              <a:rPr lang="en-US" altLang="zh-CN" sz="1800" dirty="0">
+                <a:solidFill>
+                  <a:srgbClr val="262626"/>
+                </a:solidFill>
+              </a:rPr>
+              <a:t>Step 3 add bind</a:t>
+            </a:r>
+            <a:endParaRPr lang="en-US" altLang="zh-CN" sz="1800" dirty="0">
+              <a:solidFill>
+                <a:srgbClr val="262626"/>
+              </a:solidFill>
+            </a:endParaRPr>
+          </a:p>
+          <a:p>
+            <a:pPr defTabSz="342900">
+              <a:lnSpc>
+                <a:spcPct val="120000"/>
+              </a:lnSpc>
+            </a:pPr>
+            <a:r>
+              <a:rPr lang="en-US" altLang="zh-CN" sz="1800" dirty="0">
+                <a:solidFill>
+                  <a:srgbClr val="262626"/>
+                </a:solidFill>
+              </a:rPr>
+              <a:t>What is bind? and why we need to use Bind?</a:t>
+            </a:r>
+            <a:endParaRPr lang="en-US" altLang="zh-CN" sz="1800" dirty="0">
+              <a:solidFill>
+                <a:srgbClr val="262626"/>
+              </a:solidFill>
+            </a:endParaRPr>
+          </a:p>
+          <a:p>
+            <a:pPr defTabSz="342900">
+              <a:lnSpc>
+                <a:spcPct val="120000"/>
+              </a:lnSpc>
+            </a:pPr>
+            <a:r>
+              <a:rPr lang="en-US" altLang="zh-CN" sz="1800" dirty="0">
+                <a:solidFill>
+                  <a:srgbClr val="262626"/>
+                </a:solidFill>
+              </a:rPr>
+              <a:t>when passing down to the child component, this would probabily be change, so need to bind this</a:t>
+            </a:r>
+            <a:endParaRPr lang="en-US" altLang="zh-CN" sz="1800" dirty="0">
+              <a:solidFill>
+                <a:srgbClr val="262626"/>
+              </a:solidFill>
+            </a:endParaRPr>
+          </a:p>
+          <a:p>
+            <a:pPr defTabSz="342900">
+              <a:lnSpc>
+                <a:spcPct val="120000"/>
+              </a:lnSpc>
+            </a:pPr>
+            <a:endParaRPr lang="en-US" altLang="zh-CN" sz="1800" dirty="0">
+              <a:solidFill>
+                <a:srgbClr val="262626"/>
+              </a:solidFill>
+            </a:endParaRPr>
+          </a:p>
+          <a:p>
+            <a:pPr defTabSz="342900">
+              <a:lnSpc>
+                <a:spcPct val="120000"/>
+              </a:lnSpc>
+            </a:pPr>
+            <a:endParaRPr lang="en-US" altLang="zh-CN" sz="1800" dirty="0">
+              <a:solidFill>
+                <a:srgbClr val="262626"/>
+              </a:solidFill>
+            </a:endParaRPr>
+          </a:p>
+          <a:p>
+            <a:pPr defTabSz="342900">
+              <a:lnSpc>
+                <a:spcPct val="120000"/>
+              </a:lnSpc>
+            </a:pPr>
+            <a:endParaRPr lang="en-US" altLang="zh-CN" sz="1800" dirty="0">
+              <a:solidFill>
+                <a:srgbClr val="262626"/>
+              </a:solidFill>
+            </a:endParaRPr>
+          </a:p>
+          <a:p>
+            <a:pPr defTabSz="342900">
+              <a:lnSpc>
+                <a:spcPct val="120000"/>
+              </a:lnSpc>
+            </a:pPr>
+            <a:endParaRPr lang="en-US" altLang="zh-CN" sz="1800" dirty="0">
+              <a:solidFill>
+                <a:srgbClr val="262626"/>
+              </a:solidFill>
+            </a:endParaRPr>
+          </a:p>
+          <a:p>
+            <a:pPr defTabSz="342900">
+              <a:lnSpc>
+                <a:spcPct val="120000"/>
+              </a:lnSpc>
+            </a:pPr>
+            <a:endParaRPr lang="en-US" altLang="zh-CN" sz="1800" dirty="0">
+              <a:solidFill>
+                <a:srgbClr val="262626"/>
+              </a:solidFill>
+            </a:endParaRPr>
+          </a:p>
+          <a:p>
+            <a:pPr defTabSz="342900">
+              <a:lnSpc>
+                <a:spcPct val="120000"/>
+              </a:lnSpc>
+            </a:pPr>
+            <a:endParaRPr lang="en-US" altLang="zh-CN" sz="1800" dirty="0">
+              <a:solidFill>
+                <a:srgbClr val="262626"/>
+              </a:solidFill>
+            </a:endParaRPr>
+          </a:p>
+          <a:p>
+            <a:pPr marL="0" indent="0" defTabSz="342900">
+              <a:lnSpc>
+                <a:spcPct val="120000"/>
+              </a:lnSpc>
+              <a:buNone/>
+            </a:pPr>
+            <a:endParaRPr lang="en-US" altLang="zh-CN" sz="1800" dirty="0">
+              <a:solidFill>
+                <a:srgbClr val="262626"/>
+              </a:solidFill>
+            </a:endParaRPr>
+          </a:p>
+        </p:txBody>
+      </p:sp>
+      <p:pic>
+        <p:nvPicPr>
+          <p:cNvPr id="7" name="图片 6"/>
+          <p:cNvPicPr>
+            <a:picLocks noChangeAspect="1"/>
+          </p:cNvPicPr>
+          <p:nvPr/>
+        </p:nvPicPr>
+        <p:blipFill>
+          <a:blip r:embed="rId1"/>
+          <a:stretch>
+            <a:fillRect/>
+          </a:stretch>
+        </p:blipFill>
+        <p:spPr>
+          <a:xfrm>
+            <a:off x="628650" y="2984500"/>
+            <a:ext cx="6791325" cy="2510155"/>
+          </a:xfrm>
+          <a:prstGeom prst="rect">
+            <a:avLst/>
+          </a:prstGeom>
+        </p:spPr>
+      </p:pic>
+    </p:spTree>
+  </p:cSld>
+  <p:clrMapOvr>
+    <a:masterClrMapping/>
+  </p:clrMapOvr>
+</p:sld>
+</file>
+
+<file path=ppt/slides/slide16.xml><?xml version="1.0" encoding="utf-8"?>
+<p:sld xmlns:a="http://schemas.openxmlformats.org/drawingml/2006/main" xmlns:r="http://schemas.openxmlformats.org/officeDocument/2006/relationships" xmlns:p="http://schemas.openxmlformats.org/presentationml/2006/main">
+  <p:cSld>
+    <p:spTree>
+      <p:nvGrpSpPr>
+        <p:cNvPr id="1" name=""/>
+        <p:cNvGrpSpPr/>
+        <p:nvPr/>
+      </p:nvGrpSpPr>
+      <p:grpSpPr>
+        <a:xfrm>
+          <a:off x="0" y="0"/>
+          <a:ext cx="0" cy="0"/>
+          <a:chOff x="0" y="0"/>
+          <a:chExt cx="0" cy="0"/>
+        </a:xfrm>
+      </p:grpSpPr>
+      <p:sp>
+        <p:nvSpPr>
+          <p:cNvPr id="2" name="Title 1"/>
+          <p:cNvSpPr>
+            <a:spLocks noGrp="1"/>
+          </p:cNvSpPr>
+          <p:nvPr>
+            <p:ph type="title"/>
+          </p:nvPr>
+        </p:nvSpPr>
+        <p:spPr>
+          <a:xfrm>
+            <a:off x="628650" y="155263"/>
+            <a:ext cx="7886700" cy="526790"/>
+          </a:xfrm>
+        </p:spPr>
+        <p:txBody>
+          <a:bodyPr>
+            <a:normAutofit fontScale="90000"/>
+          </a:bodyPr>
+          <a:lstStyle/>
+          <a:p>
+            <a:pPr algn="ctr"/>
+            <a:r>
+              <a:rPr lang="en-US" sz="3200" b="1" dirty="0">
+                <a:latin typeface="Calibri" panose="020F0502020204030204" pitchFamily="34" charset="0"/>
+                <a:cs typeface="Calibri" panose="020F0502020204030204" pitchFamily="34" charset="0"/>
+              </a:rPr>
+              <a:t>Functional Component and Hooks</a:t>
+            </a:r>
+            <a:endParaRPr lang="en-US" sz="3200" b="1" dirty="0">
+              <a:latin typeface="Calibri" panose="020F0502020204030204" pitchFamily="34" charset="0"/>
+              <a:cs typeface="Calibri" panose="020F0502020204030204" pitchFamily="34" charset="0"/>
+            </a:endParaRPr>
+          </a:p>
+        </p:txBody>
+      </p:sp>
+      <p:sp>
+        <p:nvSpPr>
+          <p:cNvPr id="3" name="Content Placeholder 2"/>
+          <p:cNvSpPr>
+            <a:spLocks noGrp="1"/>
+          </p:cNvSpPr>
+          <p:nvPr>
+            <p:ph idx="1"/>
+          </p:nvPr>
+        </p:nvSpPr>
+        <p:spPr>
+          <a:xfrm>
+            <a:off x="628650" y="989044"/>
+            <a:ext cx="7886700" cy="5605719"/>
+          </a:xfrm>
+        </p:spPr>
+        <p:txBody>
+          <a:bodyPr>
+            <a:normAutofit/>
+          </a:bodyPr>
+          <a:lstStyle/>
+          <a:p>
+            <a:pPr defTabSz="342900">
+              <a:lnSpc>
+                <a:spcPct val="120000"/>
+              </a:lnSpc>
+            </a:pPr>
+            <a:r>
               <a:rPr lang="en-US" altLang="en-US" sz="1800" dirty="0">
                 <a:solidFill>
                   <a:srgbClr val="262626"/>
@@ -8327,7 +9303,7 @@
 </p:sld>
 </file>
 
-<file path=ppt/slides/slide13.xml><?xml version="1.0" encoding="utf-8"?>
+<file path=ppt/slides/slide17.xml><?xml version="1.0" encoding="utf-8"?>
 <p:sld xmlns:a="http://schemas.openxmlformats.org/drawingml/2006/main" xmlns:r="http://schemas.openxmlformats.org/officeDocument/2006/relationships" xmlns:p="http://schemas.openxmlformats.org/presentationml/2006/main">
   <p:cSld>
     <p:spTree>
@@ -8442,7 +9418,7 @@
 </p:sld>
 </file>
 
-<file path=ppt/slides/slide14.xml><?xml version="1.0" encoding="utf-8"?>
+<file path=ppt/slides/slide18.xml><?xml version="1.0" encoding="utf-8"?>
 <p:sld xmlns:a="http://schemas.openxmlformats.org/drawingml/2006/main" xmlns:r="http://schemas.openxmlformats.org/officeDocument/2006/relationships" xmlns:p="http://schemas.openxmlformats.org/presentationml/2006/main">
   <p:cSld>
     <p:spTree>
@@ -8552,7 +9528,7 @@
 </p:sld>
 </file>
 
-<file path=ppt/slides/slide15.xml><?xml version="1.0" encoding="utf-8"?>
+<file path=ppt/slides/slide19.xml><?xml version="1.0" encoding="utf-8"?>
 <p:sld xmlns:a="http://schemas.openxmlformats.org/drawingml/2006/main" xmlns:r="http://schemas.openxmlformats.org/officeDocument/2006/relationships" xmlns:p="http://schemas.openxmlformats.org/presentationml/2006/main">
   <p:cSld>
     <p:spTree>
@@ -9007,7 +9983,336 @@
 </p:sld>
 </file>
 
-<file path=ppt/slides/slide16.xml><?xml version="1.0" encoding="utf-8"?>
+<file path=ppt/slides/slide2.xml><?xml version="1.0" encoding="utf-8"?>
+<p:sld xmlns:a="http://schemas.openxmlformats.org/drawingml/2006/main" xmlns:r="http://schemas.openxmlformats.org/officeDocument/2006/relationships" xmlns:p="http://schemas.openxmlformats.org/presentationml/2006/main">
+  <p:cSld>
+    <p:spTree>
+      <p:nvGrpSpPr>
+        <p:cNvPr id="1" name=""/>
+        <p:cNvGrpSpPr/>
+        <p:nvPr/>
+      </p:nvGrpSpPr>
+      <p:grpSpPr>
+        <a:xfrm>
+          <a:off x="0" y="0"/>
+          <a:ext cx="0" cy="0"/>
+          <a:chOff x="0" y="0"/>
+          <a:chExt cx="0" cy="0"/>
+        </a:xfrm>
+      </p:grpSpPr>
+      <p:sp>
+        <p:nvSpPr>
+          <p:cNvPr id="21505" name="Title 1"/>
+          <p:cNvSpPr>
+            <a:spLocks noGrp="1"/>
+          </p:cNvSpPr>
+          <p:nvPr>
+            <p:ph type="title"/>
+          </p:nvPr>
+        </p:nvSpPr>
+        <p:spPr>
+          <a:xfrm>
+            <a:off x="233363" y="308848"/>
+            <a:ext cx="8227219" cy="327422"/>
+          </a:xfrm>
+        </p:spPr>
+        <p:txBody>
+          <a:bodyPr vert="horz" lIns="0" tIns="0" rIns="0" bIns="0" rtlCol="0" anchor="ctr">
+            <a:normAutofit fontScale="90000"/>
+          </a:bodyPr>
+          <a:lstStyle/>
+          <a:p>
+            <a:pPr algn="ctr"/>
+            <a:r>
+              <a:rPr lang="en-US" altLang="zh-CN" sz="3200" b="1" dirty="0">
+                <a:latin typeface="Calibri" panose="020F0502020204030204" pitchFamily="34" charset="0"/>
+                <a:cs typeface="Calibri" panose="020F0502020204030204" pitchFamily="34" charset="0"/>
+              </a:rPr>
+              <a:t>Outline</a:t>
+            </a:r>
+            <a:endParaRPr lang="en-GB" altLang="zh-CN" sz="3200" b="1" dirty="0">
+              <a:latin typeface="Calibri" panose="020F0502020204030204" pitchFamily="34" charset="0"/>
+              <a:cs typeface="Calibri" panose="020F0502020204030204" pitchFamily="34" charset="0"/>
+            </a:endParaRPr>
+          </a:p>
+        </p:txBody>
+      </p:sp>
+      <p:sp>
+        <p:nvSpPr>
+          <p:cNvPr id="21506" name="文本框 6"/>
+          <p:cNvSpPr txBox="1"/>
+          <p:nvPr/>
+        </p:nvSpPr>
+        <p:spPr>
+          <a:xfrm>
+            <a:off x="246455" y="859156"/>
+            <a:ext cx="8651359" cy="5486400"/>
+          </a:xfrm>
+          <a:prstGeom prst="rect">
+            <a:avLst/>
+          </a:prstGeom>
+          <a:noFill/>
+          <a:ln w="9525">
+            <a:noFill/>
+          </a:ln>
+        </p:spPr>
+        <p:txBody>
+          <a:bodyPr wrap="square" lIns="0" tIns="0" rIns="0" bIns="0" anchor="t"/>
+          <a:lstStyle/>
+          <a:p>
+            <a:pPr marL="171450" lvl="0" indent="-171450" fontAlgn="auto">
+              <a:lnSpc>
+                <a:spcPct val="200000"/>
+              </a:lnSpc>
+              <a:spcBef>
+                <a:spcPts val="700"/>
+              </a:spcBef>
+              <a:buFont typeface="Arial" panose="020B0604020202020204" pitchFamily="34" charset="0"/>
+              <a:buChar char="•"/>
+            </a:pPr>
+            <a:r>
+              <a:rPr lang="en-US" dirty="0"/>
+              <a:t>What is Reactjs</a:t>
+            </a:r>
+            <a:endParaRPr lang="en-US" dirty="0"/>
+          </a:p>
+          <a:p>
+            <a:pPr marL="171450" lvl="0" indent="-171450" fontAlgn="auto">
+              <a:lnSpc>
+                <a:spcPct val="200000"/>
+              </a:lnSpc>
+              <a:spcBef>
+                <a:spcPts val="700"/>
+              </a:spcBef>
+              <a:buFont typeface="Arial" panose="020B0604020202020204" pitchFamily="34" charset="0"/>
+              <a:buChar char="•"/>
+            </a:pPr>
+            <a:r>
+              <a:rPr lang="en-US" dirty="0"/>
+              <a:t>Code Demo</a:t>
+            </a:r>
+            <a:endParaRPr lang="en-US" dirty="0"/>
+          </a:p>
+          <a:p>
+            <a:pPr marL="171450" lvl="0" indent="-171450" fontAlgn="auto">
+              <a:lnSpc>
+                <a:spcPct val="200000"/>
+              </a:lnSpc>
+              <a:spcBef>
+                <a:spcPts val="700"/>
+              </a:spcBef>
+              <a:buFont typeface="Arial" panose="020B0604020202020204" pitchFamily="34" charset="0"/>
+              <a:buChar char="•"/>
+            </a:pPr>
+            <a:r>
+              <a:rPr lang="en-US" dirty="0">
+                <a:latin typeface="Calibri" panose="020F0502020204030204" pitchFamily="34" charset="0"/>
+                <a:cs typeface="Calibri" panose="020F0502020204030204" pitchFamily="34" charset="0"/>
+                <a:sym typeface="+mn-ea"/>
+              </a:rPr>
+              <a:t>Key Concepts</a:t>
+            </a:r>
+            <a:endParaRPr lang="en-US" dirty="0">
+              <a:latin typeface="Calibri" panose="020F0502020204030204" pitchFamily="34" charset="0"/>
+              <a:cs typeface="Calibri" panose="020F0502020204030204" pitchFamily="34" charset="0"/>
+            </a:endParaRPr>
+          </a:p>
+          <a:p>
+            <a:pPr marL="171450" lvl="0" indent="-171450" fontAlgn="auto">
+              <a:lnSpc>
+                <a:spcPct val="200000"/>
+              </a:lnSpc>
+              <a:spcBef>
+                <a:spcPts val="700"/>
+              </a:spcBef>
+              <a:buFont typeface="Arial" panose="020B0604020202020204" pitchFamily="34" charset="0"/>
+              <a:buChar char="•"/>
+            </a:pPr>
+            <a:r>
+              <a:rPr lang="en-US" dirty="0">
+                <a:latin typeface="Calibri" panose="020F0502020204030204" pitchFamily="34" charset="0"/>
+                <a:cs typeface="Calibri" panose="020F0502020204030204" pitchFamily="34" charset="0"/>
+                <a:sym typeface="+mn-ea"/>
+              </a:rPr>
+              <a:t>Lifecycle Methods</a:t>
+            </a:r>
+            <a:endParaRPr lang="en-US" dirty="0">
+              <a:latin typeface="Calibri" panose="020F0502020204030204" pitchFamily="34" charset="0"/>
+              <a:cs typeface="Calibri" panose="020F0502020204030204" pitchFamily="34" charset="0"/>
+            </a:endParaRPr>
+          </a:p>
+          <a:p>
+            <a:pPr marL="171450" lvl="0" indent="-171450" fontAlgn="auto">
+              <a:lnSpc>
+                <a:spcPct val="200000"/>
+              </a:lnSpc>
+              <a:spcBef>
+                <a:spcPts val="700"/>
+              </a:spcBef>
+              <a:buFont typeface="Arial" panose="020B0604020202020204" pitchFamily="34" charset="0"/>
+              <a:buChar char="•"/>
+            </a:pPr>
+            <a:r>
+              <a:rPr lang="en-US" dirty="0">
+                <a:latin typeface="Calibri" panose="020F0502020204030204" pitchFamily="34" charset="0"/>
+                <a:cs typeface="Calibri" panose="020F0502020204030204" pitchFamily="34" charset="0"/>
+                <a:sym typeface="+mn-ea"/>
+              </a:rPr>
+              <a:t>Functional Component and Hooks</a:t>
+            </a:r>
+            <a:endParaRPr lang="en-US" dirty="0">
+              <a:latin typeface="Calibri" panose="020F0502020204030204" pitchFamily="34" charset="0"/>
+              <a:cs typeface="Calibri" panose="020F0502020204030204" pitchFamily="34" charset="0"/>
+              <a:sym typeface="+mn-ea"/>
+            </a:endParaRPr>
+          </a:p>
+          <a:p>
+            <a:pPr marL="171450" lvl="0" indent="-171450" fontAlgn="auto">
+              <a:lnSpc>
+                <a:spcPct val="200000"/>
+              </a:lnSpc>
+              <a:spcBef>
+                <a:spcPts val="700"/>
+              </a:spcBef>
+              <a:buFont typeface="Arial" panose="020B0604020202020204" pitchFamily="34" charset="0"/>
+              <a:buChar char="•"/>
+            </a:pPr>
+            <a:r>
+              <a:rPr lang="en-US" dirty="0">
+                <a:latin typeface="Calibri" panose="020F0502020204030204" pitchFamily="34" charset="0"/>
+                <a:cs typeface="Calibri" panose="020F0502020204030204" pitchFamily="34" charset="0"/>
+                <a:sym typeface="+mn-ea"/>
+              </a:rPr>
+              <a:t>Code Demo</a:t>
+            </a:r>
+            <a:endParaRPr lang="en-US" dirty="0">
+              <a:latin typeface="Calibri" panose="020F0502020204030204" pitchFamily="34" charset="0"/>
+              <a:cs typeface="Calibri" panose="020F0502020204030204" pitchFamily="34" charset="0"/>
+              <a:sym typeface="+mn-ea"/>
+            </a:endParaRPr>
+          </a:p>
+          <a:p>
+            <a:pPr lvl="0" indent="0" fontAlgn="auto">
+              <a:lnSpc>
+                <a:spcPct val="200000"/>
+              </a:lnSpc>
+              <a:spcBef>
+                <a:spcPts val="700"/>
+              </a:spcBef>
+              <a:buFont typeface="Arial" panose="020B0604020202020204" pitchFamily="34" charset="0"/>
+              <a:buNone/>
+            </a:pPr>
+            <a:endParaRPr lang="en-US" dirty="0"/>
+          </a:p>
+        </p:txBody>
+      </p:sp>
+      <p:sp>
+        <p:nvSpPr>
+          <p:cNvPr id="6" name="TextBox 6"/>
+          <p:cNvSpPr txBox="1"/>
+          <p:nvPr/>
+        </p:nvSpPr>
+        <p:spPr>
+          <a:xfrm>
+            <a:off x="25183" y="6636420"/>
+            <a:ext cx="3270445" cy="184664"/>
+          </a:xfrm>
+          <a:prstGeom prst="rect">
+            <a:avLst/>
+          </a:prstGeom>
+          <a:ln w="12700">
+            <a:miter lim="400000"/>
+          </a:ln>
+        </p:spPr>
+        <p:txBody>
+          <a:bodyPr wrap="none" lIns="34289" tIns="34289" rIns="34289" bIns="34289">
+            <a:spAutoFit/>
+          </a:bodyPr>
+          <a:lstStyle>
+            <a:lvl1pPr defTabSz="914400">
+              <a:defRPr sz="1000">
+                <a:solidFill>
+                  <a:srgbClr val="FFFFFF"/>
+                </a:solidFill>
+                <a:latin typeface="Montserrat" panose="00000500000000000000"/>
+                <a:ea typeface="Montserrat" panose="00000500000000000000"/>
+                <a:cs typeface="Montserrat" panose="00000500000000000000"/>
+                <a:sym typeface="Montserrat" panose="00000500000000000000"/>
+              </a:defRPr>
+            </a:lvl1pPr>
+          </a:lstStyle>
+          <a:p>
+            <a:r>
+              <a:rPr lang="en-US" sz="750" dirty="0">
+                <a:solidFill>
+                  <a:schemeClr val="tx1"/>
+                </a:solidFill>
+                <a:latin typeface="Montserrat" panose="00000500000000000000" pitchFamily="2" charset="0"/>
+              </a:rPr>
+              <a:t>© 2017-2020    SmartMesh Foundation Pte. Ltd.  |  MeshBox Foundation Pte. Ltd.</a:t>
+            </a:r>
+            <a:endParaRPr lang="en-US" sz="750" dirty="0">
+              <a:solidFill>
+                <a:schemeClr val="tx1"/>
+              </a:solidFill>
+              <a:latin typeface="Montserrat" panose="00000500000000000000" pitchFamily="2" charset="0"/>
+              <a:sym typeface="Arial" panose="020B0604020202020204"/>
+            </a:endParaRPr>
+          </a:p>
+        </p:txBody>
+      </p:sp>
+      <p:sp>
+        <p:nvSpPr>
+          <p:cNvPr id="7" name="TextBox 6"/>
+          <p:cNvSpPr txBox="1">
+            <a:spLocks noChangeArrowheads="1"/>
+          </p:cNvSpPr>
+          <p:nvPr/>
+        </p:nvSpPr>
+        <p:spPr bwMode="auto">
+          <a:xfrm>
+            <a:off x="7872314" y="6569155"/>
+            <a:ext cx="1289447" cy="253916"/>
+          </a:xfrm>
+          <a:prstGeom prst="rect">
+            <a:avLst/>
+          </a:prstGeom>
+          <a:noFill/>
+          <a:ln w="9525">
+            <a:noFill/>
+            <a:miter lim="800000"/>
+          </a:ln>
+        </p:spPr>
+        <p:txBody>
+          <a:bodyPr>
+            <a:spAutoFit/>
+          </a:bodyPr>
+          <a:lstStyle/>
+          <a:p>
+            <a:pPr algn="r"/>
+            <a:fld id="{6F888031-CE6A-4173-BB2B-520974F34056}" type="slidenum">
+              <a:rPr lang="en-GB" sz="1050">
+                <a:latin typeface="Calibri" panose="020F0502020204030204" pitchFamily="34" charset="0"/>
+              </a:rPr>
+            </a:fld>
+            <a:endParaRPr lang="en-GB" sz="1050" dirty="0">
+              <a:latin typeface="Calibri" panose="020F0502020204030204" pitchFamily="34" charset="0"/>
+            </a:endParaRPr>
+          </a:p>
+        </p:txBody>
+      </p:sp>
+    </p:spTree>
+  </p:cSld>
+  <p:clrMapOvr>
+    <a:masterClrMapping/>
+  </p:clrMapOvr>
+  <p:transition spd="med">
+    <p:fade/>
+  </p:transition>
+</p:sld>
+</file>
+
+<file path=ppt/slides/slide20.xml><?xml version="1.0" encoding="utf-8"?>
 <p:sld xmlns:a="http://schemas.openxmlformats.org/drawingml/2006/main" xmlns:r="http://schemas.openxmlformats.org/officeDocument/2006/relationships" xmlns:p="http://schemas.openxmlformats.org/presentationml/2006/main">
   <p:cSld>
     <p:spTree>
@@ -9052,6 +10357,235 @@
                 <a:latin typeface="Calibri" panose="020F0502020204030204" pitchFamily="34" charset="0"/>
                 <a:cs typeface="Calibri" panose="020F0502020204030204" pitchFamily="34" charset="0"/>
               </a:rPr>
+              <a:t>Code Demo</a:t>
+            </a:r>
+            <a:endParaRPr lang="en-US" sz="3200" b="1" dirty="0">
+              <a:latin typeface="Calibri" panose="020F0502020204030204" pitchFamily="34" charset="0"/>
+              <a:cs typeface="Calibri" panose="020F0502020204030204" pitchFamily="34" charset="0"/>
+            </a:endParaRPr>
+          </a:p>
+        </p:txBody>
+      </p:sp>
+      <p:sp>
+        <p:nvSpPr>
+          <p:cNvPr id="6" name="Content Placeholder 2"/>
+          <p:cNvSpPr>
+            <a:spLocks noGrp="1"/>
+          </p:cNvSpPr>
+          <p:nvPr>
+            <p:ph idx="1"/>
+          </p:nvPr>
+        </p:nvSpPr>
+        <p:spPr>
+          <a:xfrm>
+            <a:off x="628650" y="989044"/>
+            <a:ext cx="7886700" cy="5605719"/>
+          </a:xfrm>
+        </p:spPr>
+        <p:txBody>
+          <a:bodyPr>
+            <a:normAutofit lnSpcReduction="10000"/>
+          </a:bodyPr>
+          <a:p>
+            <a:pPr marL="228600" lvl="0" indent="-228600" defTabSz="342900">
+              <a:lnSpc>
+                <a:spcPct val="120000"/>
+              </a:lnSpc>
+              <a:buFont typeface="Arial" panose="020B0604020202020204" pitchFamily="34" charset="0"/>
+              <a:buChar char="•"/>
+            </a:pPr>
+            <a:r>
+              <a:rPr lang="en-US" altLang="en-US" sz="1535" dirty="0">
+                <a:solidFill>
+                  <a:srgbClr val="262626"/>
+                </a:solidFill>
+                <a:sym typeface="+mn-ea"/>
+              </a:rPr>
+              <a:t>3 add routes to the reactjs app (</a:t>
+            </a:r>
+            <a:r>
+              <a:rPr lang="en-US" altLang="en-US" sz="1535" dirty="0">
+                <a:solidFill>
+                  <a:srgbClr val="FF0000"/>
+                </a:solidFill>
+                <a:sym typeface="+mn-ea"/>
+              </a:rPr>
+              <a:t>code demo</a:t>
+            </a:r>
+            <a:r>
+              <a:rPr lang="en-US" altLang="en-US" sz="1535" dirty="0">
+                <a:solidFill>
+                  <a:srgbClr val="262626"/>
+                </a:solidFill>
+                <a:sym typeface="+mn-ea"/>
+              </a:rPr>
+              <a:t>)</a:t>
+            </a:r>
+            <a:endParaRPr lang="en-US" altLang="en-US" sz="1535" dirty="0">
+              <a:solidFill>
+                <a:srgbClr val="262626"/>
+              </a:solidFill>
+            </a:endParaRPr>
+          </a:p>
+          <a:p>
+            <a:pPr marL="228600" lvl="0" indent="-228600" defTabSz="342900">
+              <a:lnSpc>
+                <a:spcPct val="120000"/>
+              </a:lnSpc>
+              <a:buFont typeface="Arial" panose="020B0604020202020204" pitchFamily="34" charset="0"/>
+              <a:buChar char="•"/>
+            </a:pPr>
+            <a:r>
+              <a:rPr lang="en-US" altLang="en-US" sz="1540" dirty="0">
+                <a:solidFill>
+                  <a:srgbClr val="262626"/>
+                </a:solidFill>
+              </a:rPr>
+              <a:t>4 add auth 1 (</a:t>
+            </a:r>
+            <a:r>
+              <a:rPr lang="en-US" altLang="en-US" sz="1540" dirty="0">
+                <a:solidFill>
+                  <a:srgbClr val="FF0000"/>
+                </a:solidFill>
+              </a:rPr>
+              <a:t>code demo</a:t>
+            </a:r>
+            <a:r>
+              <a:rPr lang="en-US" altLang="en-US" sz="1540" dirty="0">
+                <a:solidFill>
+                  <a:srgbClr val="262626"/>
+                </a:solidFill>
+              </a:rPr>
+              <a:t>)</a:t>
+            </a:r>
+            <a:endParaRPr lang="en-US" altLang="en-US" sz="1540" dirty="0">
+              <a:solidFill>
+                <a:srgbClr val="262626"/>
+              </a:solidFill>
+            </a:endParaRPr>
+          </a:p>
+          <a:p>
+            <a:pPr marL="228600" lvl="0" indent="-228600" defTabSz="342900">
+              <a:lnSpc>
+                <a:spcPct val="120000"/>
+              </a:lnSpc>
+              <a:buFont typeface="Arial" panose="020B0604020202020204" pitchFamily="34" charset="0"/>
+              <a:buChar char="•"/>
+            </a:pPr>
+            <a:r>
+              <a:rPr lang="en-US" altLang="en-US" sz="1540" dirty="0">
+                <a:solidFill>
+                  <a:srgbClr val="262626"/>
+                </a:solidFill>
+              </a:rPr>
+              <a:t>5 how to pass the data (</a:t>
+            </a:r>
+            <a:r>
+              <a:rPr lang="en-US" altLang="en-US" sz="1540" dirty="0">
+                <a:solidFill>
+                  <a:srgbClr val="FF0000"/>
+                </a:solidFill>
+              </a:rPr>
+              <a:t>code demo</a:t>
+            </a:r>
+            <a:r>
+              <a:rPr lang="en-US" altLang="en-US" sz="1540" dirty="0">
+                <a:solidFill>
+                  <a:srgbClr val="262626"/>
+                </a:solidFill>
+              </a:rPr>
+              <a:t>)</a:t>
+            </a:r>
+            <a:endParaRPr lang="en-US" altLang="en-US" sz="1540" dirty="0">
+              <a:solidFill>
+                <a:srgbClr val="262626"/>
+              </a:solidFill>
+            </a:endParaRPr>
+          </a:p>
+          <a:p>
+            <a:pPr marL="0" lvl="0" indent="0" defTabSz="342900">
+              <a:lnSpc>
+                <a:spcPct val="120000"/>
+              </a:lnSpc>
+              <a:buFont typeface="Arial" panose="020B0604020202020204" pitchFamily="34" charset="0"/>
+              <a:buNone/>
+            </a:pPr>
+            <a:endParaRPr lang="en-US" altLang="en-US" sz="1540" dirty="0">
+              <a:solidFill>
+                <a:srgbClr val="262626"/>
+              </a:solidFill>
+            </a:endParaRPr>
+          </a:p>
+          <a:p>
+            <a:pPr marL="228600" lvl="0" indent="-228600" defTabSz="342900">
+              <a:lnSpc>
+                <a:spcPct val="120000"/>
+              </a:lnSpc>
+              <a:buFont typeface="Arial" panose="020B0604020202020204" pitchFamily="34" charset="0"/>
+              <a:buChar char="•"/>
+            </a:pPr>
+            <a:endParaRPr lang="en-US" altLang="en-US" sz="1540" dirty="0">
+              <a:solidFill>
+                <a:srgbClr val="262626"/>
+              </a:solidFill>
+            </a:endParaRPr>
+          </a:p>
+        </p:txBody>
+      </p:sp>
+    </p:spTree>
+  </p:cSld>
+  <p:clrMapOvr>
+    <a:masterClrMapping/>
+  </p:clrMapOvr>
+</p:sld>
+</file>
+
+<file path=ppt/slides/slide21.xml><?xml version="1.0" encoding="utf-8"?>
+<p:sld xmlns:a="http://schemas.openxmlformats.org/drawingml/2006/main" xmlns:r="http://schemas.openxmlformats.org/officeDocument/2006/relationships" xmlns:p="http://schemas.openxmlformats.org/presentationml/2006/main">
+  <p:cSld>
+    <p:spTree>
+      <p:nvGrpSpPr>
+        <p:cNvPr id="1" name=""/>
+        <p:cNvGrpSpPr/>
+        <p:nvPr/>
+      </p:nvGrpSpPr>
+      <p:grpSpPr>
+        <a:xfrm>
+          <a:off x="0" y="0"/>
+          <a:ext cx="0" cy="0"/>
+          <a:chOff x="0" y="0"/>
+          <a:chExt cx="0" cy="0"/>
+        </a:xfrm>
+      </p:grpSpPr>
+      <p:sp>
+        <p:nvSpPr>
+          <p:cNvPr id="2" name="Title 1"/>
+          <p:cNvSpPr>
+            <a:spLocks noGrp="1"/>
+          </p:cNvSpPr>
+          <p:nvPr>
+            <p:ph type="title"/>
+          </p:nvPr>
+        </p:nvSpPr>
+        <p:spPr>
+          <a:xfrm>
+            <a:off x="628650" y="155263"/>
+            <a:ext cx="7886700" cy="526790"/>
+          </a:xfrm>
+        </p:spPr>
+        <p:txBody>
+          <a:bodyPr>
+            <a:normAutofit fontScale="90000"/>
+          </a:bodyPr>
+          <a:lstStyle/>
+          <a:p>
+            <a:pPr algn="ctr"/>
+            <a:r>
+              <a:rPr lang="en-US" sz="3200" b="1" dirty="0">
+                <a:latin typeface="Calibri" panose="020F0502020204030204" pitchFamily="34" charset="0"/>
+                <a:cs typeface="Calibri" panose="020F0502020204030204" pitchFamily="34" charset="0"/>
+              </a:rPr>
               <a:t>Context</a:t>
             </a:r>
             <a:endParaRPr lang="en-US" sz="3200" b="1" dirty="0">
@@ -9152,7 +10686,7 @@
 </p:sld>
 </file>
 
-<file path=ppt/slides/slide17.xml><?xml version="1.0" encoding="utf-8"?>
+<file path=ppt/slides/slide22.xml><?xml version="1.0" encoding="utf-8"?>
 <p:sld xmlns:a="http://schemas.openxmlformats.org/drawingml/2006/main" xmlns:r="http://schemas.openxmlformats.org/officeDocument/2006/relationships" xmlns:p="http://schemas.openxmlformats.org/presentationml/2006/main">
   <p:cSld>
     <p:spTree>
@@ -9280,7 +10814,7 @@
 </p:sld>
 </file>
 
-<file path=ppt/slides/slide18.xml><?xml version="1.0" encoding="utf-8"?>
+<file path=ppt/slides/slide23.xml><?xml version="1.0" encoding="utf-8"?>
 <p:sld xmlns:a="http://schemas.openxmlformats.org/drawingml/2006/main" xmlns:r="http://schemas.openxmlformats.org/officeDocument/2006/relationships" xmlns:p="http://schemas.openxmlformats.org/presentationml/2006/main">
   <p:cSld>
     <p:spTree>
@@ -9408,7 +10942,7 @@
 </p:sld>
 </file>
 
-<file path=ppt/slides/slide19.xml><?xml version="1.0" encoding="utf-8"?>
+<file path=ppt/slides/slide24.xml><?xml version="1.0" encoding="utf-8"?>
 <p:sld xmlns:a="http://schemas.openxmlformats.org/drawingml/2006/main" xmlns:r="http://schemas.openxmlformats.org/officeDocument/2006/relationships" xmlns:p="http://schemas.openxmlformats.org/presentationml/2006/main">
   <p:cSld>
     <p:spTree>
@@ -9536,336 +11070,7 @@
 </p:sld>
 </file>
 
-<file path=ppt/slides/slide2.xml><?xml version="1.0" encoding="utf-8"?>
-<p:sld xmlns:a="http://schemas.openxmlformats.org/drawingml/2006/main" xmlns:r="http://schemas.openxmlformats.org/officeDocument/2006/relationships" xmlns:p="http://schemas.openxmlformats.org/presentationml/2006/main">
-  <p:cSld>
-    <p:spTree>
-      <p:nvGrpSpPr>
-        <p:cNvPr id="1" name=""/>
-        <p:cNvGrpSpPr/>
-        <p:nvPr/>
-      </p:nvGrpSpPr>
-      <p:grpSpPr>
-        <a:xfrm>
-          <a:off x="0" y="0"/>
-          <a:ext cx="0" cy="0"/>
-          <a:chOff x="0" y="0"/>
-          <a:chExt cx="0" cy="0"/>
-        </a:xfrm>
-      </p:grpSpPr>
-      <p:sp>
-        <p:nvSpPr>
-          <p:cNvPr id="21505" name="Title 1"/>
-          <p:cNvSpPr>
-            <a:spLocks noGrp="1"/>
-          </p:cNvSpPr>
-          <p:nvPr>
-            <p:ph type="title"/>
-          </p:nvPr>
-        </p:nvSpPr>
-        <p:spPr>
-          <a:xfrm>
-            <a:off x="233363" y="308848"/>
-            <a:ext cx="8227219" cy="327422"/>
-          </a:xfrm>
-        </p:spPr>
-        <p:txBody>
-          <a:bodyPr vert="horz" lIns="0" tIns="0" rIns="0" bIns="0" rtlCol="0" anchor="ctr">
-            <a:normAutofit fontScale="90000"/>
-          </a:bodyPr>
-          <a:lstStyle/>
-          <a:p>
-            <a:pPr algn="ctr"/>
-            <a:r>
-              <a:rPr lang="en-US" altLang="zh-CN" sz="3200" b="1" dirty="0">
-                <a:latin typeface="Calibri" panose="020F0502020204030204" pitchFamily="34" charset="0"/>
-                <a:cs typeface="Calibri" panose="020F0502020204030204" pitchFamily="34" charset="0"/>
-              </a:rPr>
-              <a:t>Outline</a:t>
-            </a:r>
-            <a:endParaRPr lang="en-GB" altLang="zh-CN" sz="3200" b="1" dirty="0">
-              <a:latin typeface="Calibri" panose="020F0502020204030204" pitchFamily="34" charset="0"/>
-              <a:cs typeface="Calibri" panose="020F0502020204030204" pitchFamily="34" charset="0"/>
-            </a:endParaRPr>
-          </a:p>
-        </p:txBody>
-      </p:sp>
-      <p:sp>
-        <p:nvSpPr>
-          <p:cNvPr id="21506" name="文本框 6"/>
-          <p:cNvSpPr txBox="1"/>
-          <p:nvPr/>
-        </p:nvSpPr>
-        <p:spPr>
-          <a:xfrm>
-            <a:off x="246455" y="859156"/>
-            <a:ext cx="8651359" cy="5486400"/>
-          </a:xfrm>
-          <a:prstGeom prst="rect">
-            <a:avLst/>
-          </a:prstGeom>
-          <a:noFill/>
-          <a:ln w="9525">
-            <a:noFill/>
-          </a:ln>
-        </p:spPr>
-        <p:txBody>
-          <a:bodyPr wrap="square" lIns="0" tIns="0" rIns="0" bIns="0" anchor="t"/>
-          <a:lstStyle/>
-          <a:p>
-            <a:pPr marL="171450" lvl="0" indent="-171450" fontAlgn="auto">
-              <a:lnSpc>
-                <a:spcPct val="200000"/>
-              </a:lnSpc>
-              <a:spcBef>
-                <a:spcPts val="700"/>
-              </a:spcBef>
-              <a:buFont typeface="Arial" panose="020B0604020202020204" pitchFamily="34" charset="0"/>
-              <a:buChar char="•"/>
-            </a:pPr>
-            <a:r>
-              <a:rPr lang="en-US" dirty="0"/>
-              <a:t>What is Reactjs</a:t>
-            </a:r>
-            <a:endParaRPr lang="en-US" dirty="0"/>
-          </a:p>
-          <a:p>
-            <a:pPr marL="171450" lvl="0" indent="-171450" fontAlgn="auto">
-              <a:lnSpc>
-                <a:spcPct val="200000"/>
-              </a:lnSpc>
-              <a:spcBef>
-                <a:spcPts val="700"/>
-              </a:spcBef>
-              <a:buFont typeface="Arial" panose="020B0604020202020204" pitchFamily="34" charset="0"/>
-              <a:buChar char="•"/>
-            </a:pPr>
-            <a:r>
-              <a:rPr lang="en-US" dirty="0"/>
-              <a:t>Code Demo</a:t>
-            </a:r>
-            <a:endParaRPr lang="en-US" dirty="0"/>
-          </a:p>
-          <a:p>
-            <a:pPr marL="171450" lvl="0" indent="-171450" fontAlgn="auto">
-              <a:lnSpc>
-                <a:spcPct val="200000"/>
-              </a:lnSpc>
-              <a:spcBef>
-                <a:spcPts val="700"/>
-              </a:spcBef>
-              <a:buFont typeface="Arial" panose="020B0604020202020204" pitchFamily="34" charset="0"/>
-              <a:buChar char="•"/>
-            </a:pPr>
-            <a:r>
-              <a:rPr lang="en-US" dirty="0">
-                <a:latin typeface="Calibri" panose="020F0502020204030204" pitchFamily="34" charset="0"/>
-                <a:cs typeface="Calibri" panose="020F0502020204030204" pitchFamily="34" charset="0"/>
-                <a:sym typeface="+mn-ea"/>
-              </a:rPr>
-              <a:t>Key Concepts</a:t>
-            </a:r>
-            <a:endParaRPr lang="en-US" dirty="0">
-              <a:latin typeface="Calibri" panose="020F0502020204030204" pitchFamily="34" charset="0"/>
-              <a:cs typeface="Calibri" panose="020F0502020204030204" pitchFamily="34" charset="0"/>
-            </a:endParaRPr>
-          </a:p>
-          <a:p>
-            <a:pPr marL="171450" lvl="0" indent="-171450" fontAlgn="auto">
-              <a:lnSpc>
-                <a:spcPct val="200000"/>
-              </a:lnSpc>
-              <a:spcBef>
-                <a:spcPts val="700"/>
-              </a:spcBef>
-              <a:buFont typeface="Arial" panose="020B0604020202020204" pitchFamily="34" charset="0"/>
-              <a:buChar char="•"/>
-            </a:pPr>
-            <a:r>
-              <a:rPr lang="en-US" dirty="0">
-                <a:latin typeface="Calibri" panose="020F0502020204030204" pitchFamily="34" charset="0"/>
-                <a:cs typeface="Calibri" panose="020F0502020204030204" pitchFamily="34" charset="0"/>
-                <a:sym typeface="+mn-ea"/>
-              </a:rPr>
-              <a:t>Lifecycle Methods</a:t>
-            </a:r>
-            <a:endParaRPr lang="en-US" dirty="0">
-              <a:latin typeface="Calibri" panose="020F0502020204030204" pitchFamily="34" charset="0"/>
-              <a:cs typeface="Calibri" panose="020F0502020204030204" pitchFamily="34" charset="0"/>
-            </a:endParaRPr>
-          </a:p>
-          <a:p>
-            <a:pPr marL="171450" lvl="0" indent="-171450" fontAlgn="auto">
-              <a:lnSpc>
-                <a:spcPct val="200000"/>
-              </a:lnSpc>
-              <a:spcBef>
-                <a:spcPts val="700"/>
-              </a:spcBef>
-              <a:buFont typeface="Arial" panose="020B0604020202020204" pitchFamily="34" charset="0"/>
-              <a:buChar char="•"/>
-            </a:pPr>
-            <a:r>
-              <a:rPr lang="en-US" dirty="0">
-                <a:latin typeface="Calibri" panose="020F0502020204030204" pitchFamily="34" charset="0"/>
-                <a:cs typeface="Calibri" panose="020F0502020204030204" pitchFamily="34" charset="0"/>
-                <a:sym typeface="+mn-ea"/>
-              </a:rPr>
-              <a:t>Functional Component and Hooks</a:t>
-            </a:r>
-            <a:endParaRPr lang="en-US" dirty="0">
-              <a:latin typeface="Calibri" panose="020F0502020204030204" pitchFamily="34" charset="0"/>
-              <a:cs typeface="Calibri" panose="020F0502020204030204" pitchFamily="34" charset="0"/>
-              <a:sym typeface="+mn-ea"/>
-            </a:endParaRPr>
-          </a:p>
-          <a:p>
-            <a:pPr marL="171450" lvl="0" indent="-171450" fontAlgn="auto">
-              <a:lnSpc>
-                <a:spcPct val="200000"/>
-              </a:lnSpc>
-              <a:spcBef>
-                <a:spcPts val="700"/>
-              </a:spcBef>
-              <a:buFont typeface="Arial" panose="020B0604020202020204" pitchFamily="34" charset="0"/>
-              <a:buChar char="•"/>
-            </a:pPr>
-            <a:r>
-              <a:rPr lang="en-US" dirty="0">
-                <a:latin typeface="Calibri" panose="020F0502020204030204" pitchFamily="34" charset="0"/>
-                <a:cs typeface="Calibri" panose="020F0502020204030204" pitchFamily="34" charset="0"/>
-                <a:sym typeface="+mn-ea"/>
-              </a:rPr>
-              <a:t>Code Demo</a:t>
-            </a:r>
-            <a:endParaRPr lang="en-US" dirty="0">
-              <a:latin typeface="Calibri" panose="020F0502020204030204" pitchFamily="34" charset="0"/>
-              <a:cs typeface="Calibri" panose="020F0502020204030204" pitchFamily="34" charset="0"/>
-              <a:sym typeface="+mn-ea"/>
-            </a:endParaRPr>
-          </a:p>
-          <a:p>
-            <a:pPr lvl="0" indent="0" fontAlgn="auto">
-              <a:lnSpc>
-                <a:spcPct val="200000"/>
-              </a:lnSpc>
-              <a:spcBef>
-                <a:spcPts val="700"/>
-              </a:spcBef>
-              <a:buFont typeface="Arial" panose="020B0604020202020204" pitchFamily="34" charset="0"/>
-              <a:buNone/>
-            </a:pPr>
-            <a:endParaRPr lang="en-US" dirty="0"/>
-          </a:p>
-        </p:txBody>
-      </p:sp>
-      <p:sp>
-        <p:nvSpPr>
-          <p:cNvPr id="6" name="TextBox 6"/>
-          <p:cNvSpPr txBox="1"/>
-          <p:nvPr/>
-        </p:nvSpPr>
-        <p:spPr>
-          <a:xfrm>
-            <a:off x="25183" y="6636420"/>
-            <a:ext cx="3270445" cy="184664"/>
-          </a:xfrm>
-          <a:prstGeom prst="rect">
-            <a:avLst/>
-          </a:prstGeom>
-          <a:ln w="12700">
-            <a:miter lim="400000"/>
-          </a:ln>
-        </p:spPr>
-        <p:txBody>
-          <a:bodyPr wrap="none" lIns="34289" tIns="34289" rIns="34289" bIns="34289">
-            <a:spAutoFit/>
-          </a:bodyPr>
-          <a:lstStyle>
-            <a:lvl1pPr defTabSz="914400">
-              <a:defRPr sz="1000">
-                <a:solidFill>
-                  <a:srgbClr val="FFFFFF"/>
-                </a:solidFill>
-                <a:latin typeface="Montserrat" panose="00000500000000000000"/>
-                <a:ea typeface="Montserrat" panose="00000500000000000000"/>
-                <a:cs typeface="Montserrat" panose="00000500000000000000"/>
-                <a:sym typeface="Montserrat" panose="00000500000000000000"/>
-              </a:defRPr>
-            </a:lvl1pPr>
-          </a:lstStyle>
-          <a:p>
-            <a:r>
-              <a:rPr lang="en-US" sz="750" dirty="0">
-                <a:solidFill>
-                  <a:schemeClr val="tx1"/>
-                </a:solidFill>
-                <a:latin typeface="Montserrat" panose="00000500000000000000" pitchFamily="2" charset="0"/>
-              </a:rPr>
-              <a:t>© 2017-2020    SmartMesh Foundation Pte. Ltd.  |  MeshBox Foundation Pte. Ltd.</a:t>
-            </a:r>
-            <a:endParaRPr lang="en-US" sz="750" dirty="0">
-              <a:solidFill>
-                <a:schemeClr val="tx1"/>
-              </a:solidFill>
-              <a:latin typeface="Montserrat" panose="00000500000000000000" pitchFamily="2" charset="0"/>
-              <a:sym typeface="Arial" panose="020B0604020202020204"/>
-            </a:endParaRPr>
-          </a:p>
-        </p:txBody>
-      </p:sp>
-      <p:sp>
-        <p:nvSpPr>
-          <p:cNvPr id="7" name="TextBox 6"/>
-          <p:cNvSpPr txBox="1">
-            <a:spLocks noChangeArrowheads="1"/>
-          </p:cNvSpPr>
-          <p:nvPr/>
-        </p:nvSpPr>
-        <p:spPr bwMode="auto">
-          <a:xfrm>
-            <a:off x="7872314" y="6569155"/>
-            <a:ext cx="1289447" cy="253916"/>
-          </a:xfrm>
-          <a:prstGeom prst="rect">
-            <a:avLst/>
-          </a:prstGeom>
-          <a:noFill/>
-          <a:ln w="9525">
-            <a:noFill/>
-            <a:miter lim="800000"/>
-          </a:ln>
-        </p:spPr>
-        <p:txBody>
-          <a:bodyPr>
-            <a:spAutoFit/>
-          </a:bodyPr>
-          <a:lstStyle/>
-          <a:p>
-            <a:pPr algn="r"/>
-            <a:fld id="{6F888031-CE6A-4173-BB2B-520974F34056}" type="slidenum">
-              <a:rPr lang="en-GB" sz="1050">
-                <a:latin typeface="Calibri" panose="020F0502020204030204" pitchFamily="34" charset="0"/>
-              </a:rPr>
-            </a:fld>
-            <a:endParaRPr lang="en-GB" sz="1050" dirty="0">
-              <a:latin typeface="Calibri" panose="020F0502020204030204" pitchFamily="34" charset="0"/>
-            </a:endParaRPr>
-          </a:p>
-        </p:txBody>
-      </p:sp>
-    </p:spTree>
-  </p:cSld>
-  <p:clrMapOvr>
-    <a:masterClrMapping/>
-  </p:clrMapOvr>
-  <p:transition spd="med">
-    <p:fade/>
-  </p:transition>
-</p:sld>
-</file>
-
-<file path=ppt/slides/slide20.xml><?xml version="1.0" encoding="utf-8"?>
+<file path=ppt/slides/slide25.xml><?xml version="1.0" encoding="utf-8"?>
 <p:sld xmlns:a="http://schemas.openxmlformats.org/drawingml/2006/main" xmlns:r="http://schemas.openxmlformats.org/officeDocument/2006/relationships" xmlns:p="http://schemas.openxmlformats.org/presentationml/2006/main">
   <p:cSld>
     <p:spTree>
@@ -10158,1316 +11363,6 @@
 </p:sld>
 </file>
 
-<file path=ppt/slides/slide21.xml><?xml version="1.0" encoding="utf-8"?>
-<p:sld xmlns:a="http://schemas.openxmlformats.org/drawingml/2006/main" xmlns:r="http://schemas.openxmlformats.org/officeDocument/2006/relationships" xmlns:p="http://schemas.openxmlformats.org/presentationml/2006/main">
-  <p:cSld>
-    <p:spTree>
-      <p:nvGrpSpPr>
-        <p:cNvPr id="1" name=""/>
-        <p:cNvGrpSpPr/>
-        <p:nvPr/>
-      </p:nvGrpSpPr>
-      <p:grpSpPr>
-        <a:xfrm>
-          <a:off x="0" y="0"/>
-          <a:ext cx="0" cy="0"/>
-          <a:chOff x="0" y="0"/>
-          <a:chExt cx="0" cy="0"/>
-        </a:xfrm>
-      </p:grpSpPr>
-      <p:sp>
-        <p:nvSpPr>
-          <p:cNvPr id="2" name="Title 1"/>
-          <p:cNvSpPr>
-            <a:spLocks noGrp="1"/>
-          </p:cNvSpPr>
-          <p:nvPr>
-            <p:ph type="title"/>
-          </p:nvPr>
-        </p:nvSpPr>
-        <p:spPr>
-          <a:xfrm>
-            <a:off x="628650" y="155263"/>
-            <a:ext cx="7886700" cy="526790"/>
-          </a:xfrm>
-        </p:spPr>
-        <p:txBody>
-          <a:bodyPr>
-            <a:normAutofit fontScale="90000"/>
-          </a:bodyPr>
-          <a:lstStyle/>
-          <a:p>
-            <a:pPr algn="ctr"/>
-            <a:r>
-              <a:rPr lang="en-US" sz="3200" b="1" dirty="0">
-                <a:latin typeface="Calibri" panose="020F0502020204030204" pitchFamily="34" charset="0"/>
-                <a:cs typeface="Calibri" panose="020F0502020204030204" pitchFamily="34" charset="0"/>
-              </a:rPr>
-              <a:t>Functional Component vs Class Component</a:t>
-            </a:r>
-            <a:endParaRPr lang="en-US" sz="3200" b="1" dirty="0">
-              <a:latin typeface="Calibri" panose="020F0502020204030204" pitchFamily="34" charset="0"/>
-              <a:cs typeface="Calibri" panose="020F0502020204030204" pitchFamily="34" charset="0"/>
-            </a:endParaRPr>
-          </a:p>
-        </p:txBody>
-      </p:sp>
-      <p:sp>
-        <p:nvSpPr>
-          <p:cNvPr id="3" name="Content Placeholder 2"/>
-          <p:cNvSpPr>
-            <a:spLocks noGrp="1"/>
-          </p:cNvSpPr>
-          <p:nvPr>
-            <p:ph idx="1"/>
-          </p:nvPr>
-        </p:nvSpPr>
-        <p:spPr>
-          <a:xfrm>
-            <a:off x="628650" y="989044"/>
-            <a:ext cx="7886700" cy="5605719"/>
-          </a:xfrm>
-        </p:spPr>
-        <p:txBody>
-          <a:bodyPr>
-            <a:normAutofit/>
-          </a:bodyPr>
-          <a:lstStyle/>
-          <a:p>
-            <a:pPr defTabSz="342900">
-              <a:lnSpc>
-                <a:spcPct val="120000"/>
-              </a:lnSpc>
-            </a:pPr>
-            <a:r>
-              <a:rPr lang="en-US" altLang="zh-CN" sz="1800" dirty="0">
-                <a:solidFill>
-                  <a:srgbClr val="262626"/>
-                </a:solidFill>
-              </a:rPr>
-              <a:t>3 componentDidMount vs useEffect</a:t>
-            </a:r>
-            <a:endParaRPr lang="en-US" altLang="zh-CN" sz="1800" dirty="0">
-              <a:solidFill>
-                <a:srgbClr val="262626"/>
-              </a:solidFill>
-            </a:endParaRPr>
-          </a:p>
-          <a:p>
-            <a:pPr defTabSz="342900">
-              <a:lnSpc>
-                <a:spcPct val="120000"/>
-              </a:lnSpc>
-            </a:pPr>
-            <a:endParaRPr lang="en-US" altLang="zh-CN" sz="1800" dirty="0">
-              <a:solidFill>
-                <a:srgbClr val="262626"/>
-              </a:solidFill>
-            </a:endParaRPr>
-          </a:p>
-          <a:p>
-            <a:pPr defTabSz="342900">
-              <a:lnSpc>
-                <a:spcPct val="120000"/>
-              </a:lnSpc>
-            </a:pPr>
-            <a:endParaRPr lang="en-US" altLang="zh-CN" sz="1800" dirty="0">
-              <a:solidFill>
-                <a:srgbClr val="262626"/>
-              </a:solidFill>
-            </a:endParaRPr>
-          </a:p>
-          <a:p>
-            <a:pPr defTabSz="342900">
-              <a:lnSpc>
-                <a:spcPct val="120000"/>
-              </a:lnSpc>
-            </a:pPr>
-            <a:endParaRPr lang="en-US" altLang="zh-CN" sz="1800" dirty="0">
-              <a:solidFill>
-                <a:srgbClr val="262626"/>
-              </a:solidFill>
-            </a:endParaRPr>
-          </a:p>
-          <a:p>
-            <a:pPr defTabSz="342900">
-              <a:lnSpc>
-                <a:spcPct val="120000"/>
-              </a:lnSpc>
-            </a:pPr>
-            <a:endParaRPr lang="en-US" altLang="zh-CN" sz="1800" dirty="0">
-              <a:solidFill>
-                <a:srgbClr val="262626"/>
-              </a:solidFill>
-            </a:endParaRPr>
-          </a:p>
-          <a:p>
-            <a:pPr defTabSz="342900">
-              <a:lnSpc>
-                <a:spcPct val="120000"/>
-              </a:lnSpc>
-            </a:pPr>
-            <a:endParaRPr lang="en-US" altLang="zh-CN" sz="1800" dirty="0">
-              <a:solidFill>
-                <a:srgbClr val="262626"/>
-              </a:solidFill>
-            </a:endParaRPr>
-          </a:p>
-          <a:p>
-            <a:pPr defTabSz="342900">
-              <a:lnSpc>
-                <a:spcPct val="120000"/>
-              </a:lnSpc>
-            </a:pPr>
-            <a:r>
-              <a:rPr lang="en-US" altLang="zh-CN" sz="1800" dirty="0">
-                <a:solidFill>
-                  <a:srgbClr val="262626"/>
-                </a:solidFill>
-              </a:rPr>
-              <a:t>2 Context (covered)</a:t>
-            </a:r>
-            <a:endParaRPr lang="en-US" altLang="zh-CN" sz="1800" dirty="0">
-              <a:solidFill>
-                <a:srgbClr val="262626"/>
-              </a:solidFill>
-            </a:endParaRPr>
-          </a:p>
-          <a:p>
-            <a:pPr defTabSz="342900">
-              <a:lnSpc>
-                <a:spcPct val="120000"/>
-              </a:lnSpc>
-            </a:pPr>
-            <a:endParaRPr lang="en-US" altLang="zh-CN" sz="1800" dirty="0">
-              <a:solidFill>
-                <a:srgbClr val="262626"/>
-              </a:solidFill>
-            </a:endParaRPr>
-          </a:p>
-          <a:p>
-            <a:pPr defTabSz="342900">
-              <a:lnSpc>
-                <a:spcPct val="120000"/>
-              </a:lnSpc>
-            </a:pPr>
-            <a:endParaRPr lang="en-US" altLang="zh-CN" sz="1800" dirty="0">
-              <a:solidFill>
-                <a:srgbClr val="262626"/>
-              </a:solidFill>
-            </a:endParaRPr>
-          </a:p>
-        </p:txBody>
-      </p:sp>
-      <p:pic>
-        <p:nvPicPr>
-          <p:cNvPr id="8" name="图片 7"/>
-          <p:cNvPicPr>
-            <a:picLocks noChangeAspect="1"/>
-          </p:cNvPicPr>
-          <p:nvPr/>
-        </p:nvPicPr>
-        <p:blipFill>
-          <a:blip r:embed="rId1"/>
-          <a:stretch>
-            <a:fillRect/>
-          </a:stretch>
-        </p:blipFill>
-        <p:spPr>
-          <a:xfrm>
-            <a:off x="5358130" y="989330"/>
-            <a:ext cx="2900680" cy="5576570"/>
-          </a:xfrm>
-          <a:prstGeom prst="rect">
-            <a:avLst/>
-          </a:prstGeom>
-        </p:spPr>
-      </p:pic>
-    </p:spTree>
-  </p:cSld>
-  <p:clrMapOvr>
-    <a:masterClrMapping/>
-  </p:clrMapOvr>
-</p:sld>
-</file>
-
-<file path=ppt/slides/slide22.xml><?xml version="1.0" encoding="utf-8"?>
-<p:sld xmlns:a="http://schemas.openxmlformats.org/drawingml/2006/main" xmlns:r="http://schemas.openxmlformats.org/officeDocument/2006/relationships" xmlns:p="http://schemas.openxmlformats.org/presentationml/2006/main">
-  <p:cSld>
-    <p:spTree>
-      <p:nvGrpSpPr>
-        <p:cNvPr id="1" name=""/>
-        <p:cNvGrpSpPr/>
-        <p:nvPr/>
-      </p:nvGrpSpPr>
-      <p:grpSpPr>
-        <a:xfrm>
-          <a:off x="0" y="0"/>
-          <a:ext cx="0" cy="0"/>
-          <a:chOff x="0" y="0"/>
-          <a:chExt cx="0" cy="0"/>
-        </a:xfrm>
-      </p:grpSpPr>
-      <p:sp>
-        <p:nvSpPr>
-          <p:cNvPr id="2" name="Title 1"/>
-          <p:cNvSpPr>
-            <a:spLocks noGrp="1"/>
-          </p:cNvSpPr>
-          <p:nvPr>
-            <p:ph type="title"/>
-          </p:nvPr>
-        </p:nvSpPr>
-        <p:spPr>
-          <a:xfrm>
-            <a:off x="628650" y="155263"/>
-            <a:ext cx="7886700" cy="526790"/>
-          </a:xfrm>
-        </p:spPr>
-        <p:txBody>
-          <a:bodyPr>
-            <a:normAutofit fontScale="90000"/>
-          </a:bodyPr>
-          <a:lstStyle/>
-          <a:p>
-            <a:pPr algn="ctr"/>
-            <a:r>
-              <a:rPr lang="en-US" sz="3200" b="1" dirty="0">
-                <a:latin typeface="Calibri" panose="020F0502020204030204" pitchFamily="34" charset="0"/>
-                <a:cs typeface="Calibri" panose="020F0502020204030204" pitchFamily="34" charset="0"/>
-              </a:rPr>
-              <a:t>Forms in Reactjs</a:t>
-            </a:r>
-            <a:endParaRPr lang="en-US" sz="3200" b="1" dirty="0">
-              <a:latin typeface="Calibri" panose="020F0502020204030204" pitchFamily="34" charset="0"/>
-              <a:cs typeface="Calibri" panose="020F0502020204030204" pitchFamily="34" charset="0"/>
-            </a:endParaRPr>
-          </a:p>
-        </p:txBody>
-      </p:sp>
-      <p:sp>
-        <p:nvSpPr>
-          <p:cNvPr id="3" name="Content Placeholder 2"/>
-          <p:cNvSpPr>
-            <a:spLocks noGrp="1"/>
-          </p:cNvSpPr>
-          <p:nvPr>
-            <p:ph idx="1"/>
-          </p:nvPr>
-        </p:nvSpPr>
-        <p:spPr>
-          <a:xfrm>
-            <a:off x="628650" y="989044"/>
-            <a:ext cx="7886700" cy="5605719"/>
-          </a:xfrm>
-        </p:spPr>
-        <p:txBody>
-          <a:bodyPr>
-            <a:normAutofit/>
-          </a:bodyPr>
-          <a:lstStyle/>
-          <a:p>
-            <a:pPr defTabSz="342900">
-              <a:lnSpc>
-                <a:spcPct val="120000"/>
-              </a:lnSpc>
-            </a:pPr>
-            <a:r>
-              <a:rPr lang="en-US" altLang="zh-CN" sz="1800" dirty="0">
-                <a:solidFill>
-                  <a:srgbClr val="262626"/>
-                </a:solidFill>
-              </a:rPr>
-              <a:t>Use buildin event handler</a:t>
-            </a:r>
-            <a:endParaRPr lang="en-US" altLang="zh-CN" sz="1800" dirty="0">
-              <a:solidFill>
-                <a:srgbClr val="262626"/>
-              </a:solidFill>
-            </a:endParaRPr>
-          </a:p>
-          <a:p>
-            <a:pPr defTabSz="342900">
-              <a:lnSpc>
-                <a:spcPct val="120000"/>
-              </a:lnSpc>
-            </a:pPr>
-            <a:endParaRPr lang="en-US" altLang="zh-CN" sz="1800" dirty="0">
-              <a:solidFill>
-                <a:srgbClr val="262626"/>
-              </a:solidFill>
-            </a:endParaRPr>
-          </a:p>
-          <a:p>
-            <a:pPr defTabSz="342900">
-              <a:lnSpc>
-                <a:spcPct val="120000"/>
-              </a:lnSpc>
-            </a:pPr>
-            <a:endParaRPr lang="en-US" altLang="zh-CN" sz="1800" dirty="0">
-              <a:solidFill>
-                <a:srgbClr val="262626"/>
-              </a:solidFill>
-            </a:endParaRPr>
-          </a:p>
-          <a:p>
-            <a:pPr defTabSz="342900">
-              <a:lnSpc>
-                <a:spcPct val="120000"/>
-              </a:lnSpc>
-            </a:pPr>
-            <a:endParaRPr lang="en-US" altLang="zh-CN" sz="1800" dirty="0">
-              <a:solidFill>
-                <a:srgbClr val="262626"/>
-              </a:solidFill>
-            </a:endParaRPr>
-          </a:p>
-          <a:p>
-            <a:pPr defTabSz="342900">
-              <a:lnSpc>
-                <a:spcPct val="120000"/>
-              </a:lnSpc>
-            </a:pPr>
-            <a:endParaRPr lang="en-US" altLang="zh-CN" sz="1800" dirty="0">
-              <a:solidFill>
-                <a:srgbClr val="262626"/>
-              </a:solidFill>
-            </a:endParaRPr>
-          </a:p>
-          <a:p>
-            <a:pPr defTabSz="342900">
-              <a:lnSpc>
-                <a:spcPct val="120000"/>
-              </a:lnSpc>
-            </a:pPr>
-            <a:endParaRPr lang="en-US" altLang="zh-CN" sz="1800" dirty="0">
-              <a:solidFill>
-                <a:srgbClr val="262626"/>
-              </a:solidFill>
-            </a:endParaRPr>
-          </a:p>
-          <a:p>
-            <a:pPr defTabSz="342900">
-              <a:lnSpc>
-                <a:spcPct val="120000"/>
-              </a:lnSpc>
-            </a:pPr>
-            <a:r>
-              <a:rPr lang="en-US" altLang="zh-CN" sz="1800" dirty="0">
-                <a:solidFill>
-                  <a:srgbClr val="262626"/>
-                </a:solidFill>
-              </a:rPr>
-              <a:t>Features:</a:t>
-            </a:r>
-            <a:endParaRPr lang="en-US" altLang="zh-CN" sz="1800" dirty="0">
-              <a:solidFill>
-                <a:srgbClr val="262626"/>
-              </a:solidFill>
-            </a:endParaRPr>
-          </a:p>
-          <a:p>
-            <a:pPr defTabSz="342900">
-              <a:lnSpc>
-                <a:spcPct val="120000"/>
-              </a:lnSpc>
-            </a:pPr>
-            <a:r>
-              <a:rPr lang="en-US" altLang="zh-CN" sz="1800" dirty="0">
-                <a:solidFill>
-                  <a:srgbClr val="262626"/>
-                </a:solidFill>
-              </a:rPr>
-              <a:t>every input will invoke the event handler function</a:t>
-            </a:r>
-            <a:endParaRPr lang="en-US" altLang="zh-CN" sz="1800" dirty="0">
-              <a:solidFill>
-                <a:srgbClr val="262626"/>
-              </a:solidFill>
-            </a:endParaRPr>
-          </a:p>
-          <a:p>
-            <a:pPr defTabSz="342900">
-              <a:lnSpc>
-                <a:spcPct val="120000"/>
-              </a:lnSpc>
-            </a:pPr>
-            <a:endParaRPr lang="en-US" altLang="zh-CN" sz="1800" dirty="0">
-              <a:solidFill>
-                <a:srgbClr val="262626"/>
-              </a:solidFill>
-            </a:endParaRPr>
-          </a:p>
-          <a:p>
-            <a:pPr defTabSz="342900">
-              <a:lnSpc>
-                <a:spcPct val="120000"/>
-              </a:lnSpc>
-            </a:pPr>
-            <a:r>
-              <a:rPr lang="en-US" altLang="zh-CN" sz="1800" dirty="0">
-                <a:solidFill>
-                  <a:srgbClr val="262626"/>
-                </a:solidFill>
-              </a:rPr>
-              <a:t>preventDefault</a:t>
-            </a:r>
-            <a:endParaRPr lang="en-US" altLang="zh-CN" sz="1800" dirty="0">
-              <a:solidFill>
-                <a:srgbClr val="262626"/>
-              </a:solidFill>
-            </a:endParaRPr>
-          </a:p>
-          <a:p>
-            <a:pPr defTabSz="342900">
-              <a:lnSpc>
-                <a:spcPct val="120000"/>
-              </a:lnSpc>
-            </a:pPr>
-            <a:endParaRPr lang="en-US" altLang="zh-CN" sz="1800" dirty="0">
-              <a:solidFill>
-                <a:srgbClr val="262626"/>
-              </a:solidFill>
-            </a:endParaRPr>
-          </a:p>
-        </p:txBody>
-      </p:sp>
-      <p:pic>
-        <p:nvPicPr>
-          <p:cNvPr id="4" name="图片 3"/>
-          <p:cNvPicPr>
-            <a:picLocks noChangeAspect="1"/>
-          </p:cNvPicPr>
-          <p:nvPr/>
-        </p:nvPicPr>
-        <p:blipFill>
-          <a:blip r:embed="rId1"/>
-          <a:stretch>
-            <a:fillRect/>
-          </a:stretch>
-        </p:blipFill>
-        <p:spPr>
-          <a:xfrm>
-            <a:off x="628650" y="1550035"/>
-            <a:ext cx="6867525" cy="1924050"/>
-          </a:xfrm>
-          <a:prstGeom prst="rect">
-            <a:avLst/>
-          </a:prstGeom>
-        </p:spPr>
-      </p:pic>
-      <p:pic>
-        <p:nvPicPr>
-          <p:cNvPr id="5" name="图片 4"/>
-          <p:cNvPicPr>
-            <a:picLocks noChangeAspect="1"/>
-          </p:cNvPicPr>
-          <p:nvPr/>
-        </p:nvPicPr>
-        <p:blipFill>
-          <a:blip r:embed="rId2"/>
-          <a:stretch>
-            <a:fillRect/>
-          </a:stretch>
-        </p:blipFill>
-        <p:spPr>
-          <a:xfrm>
-            <a:off x="628650" y="5671185"/>
-            <a:ext cx="3838575" cy="923925"/>
-          </a:xfrm>
-          <a:prstGeom prst="rect">
-            <a:avLst/>
-          </a:prstGeom>
-        </p:spPr>
-      </p:pic>
-      <p:pic>
-        <p:nvPicPr>
-          <p:cNvPr id="6" name="图片 5"/>
-          <p:cNvPicPr>
-            <a:picLocks noChangeAspect="1"/>
-          </p:cNvPicPr>
-          <p:nvPr/>
-        </p:nvPicPr>
-        <p:blipFill>
-          <a:blip r:embed="rId3"/>
-          <a:stretch>
-            <a:fillRect/>
-          </a:stretch>
-        </p:blipFill>
-        <p:spPr>
-          <a:xfrm>
-            <a:off x="4552950" y="5847715"/>
-            <a:ext cx="4591050" cy="571500"/>
-          </a:xfrm>
-          <a:prstGeom prst="rect">
-            <a:avLst/>
-          </a:prstGeom>
-        </p:spPr>
-      </p:pic>
-    </p:spTree>
-  </p:cSld>
-  <p:clrMapOvr>
-    <a:masterClrMapping/>
-  </p:clrMapOvr>
-</p:sld>
-</file>
-
-<file path=ppt/slides/slide23.xml><?xml version="1.0" encoding="utf-8"?>
-<p:sld xmlns:a="http://schemas.openxmlformats.org/drawingml/2006/main" xmlns:r="http://schemas.openxmlformats.org/officeDocument/2006/relationships" xmlns:p="http://schemas.openxmlformats.org/presentationml/2006/main">
-  <p:cSld>
-    <p:spTree>
-      <p:nvGrpSpPr>
-        <p:cNvPr id="1" name=""/>
-        <p:cNvGrpSpPr/>
-        <p:nvPr/>
-      </p:nvGrpSpPr>
-      <p:grpSpPr>
-        <a:xfrm>
-          <a:off x="0" y="0"/>
-          <a:ext cx="0" cy="0"/>
-          <a:chOff x="0" y="0"/>
-          <a:chExt cx="0" cy="0"/>
-        </a:xfrm>
-      </p:grpSpPr>
-      <p:sp>
-        <p:nvSpPr>
-          <p:cNvPr id="2" name="Title 1"/>
-          <p:cNvSpPr>
-            <a:spLocks noGrp="1"/>
-          </p:cNvSpPr>
-          <p:nvPr>
-            <p:ph type="title"/>
-          </p:nvPr>
-        </p:nvSpPr>
-        <p:spPr>
-          <a:xfrm>
-            <a:off x="628650" y="155263"/>
-            <a:ext cx="7886700" cy="526790"/>
-          </a:xfrm>
-        </p:spPr>
-        <p:txBody>
-          <a:bodyPr>
-            <a:normAutofit fontScale="90000"/>
-          </a:bodyPr>
-          <a:lstStyle/>
-          <a:p>
-            <a:pPr algn="ctr"/>
-            <a:r>
-              <a:rPr lang="en-US" sz="3200" b="1" dirty="0">
-                <a:latin typeface="Calibri" panose="020F0502020204030204" pitchFamily="34" charset="0"/>
-                <a:cs typeface="Calibri" panose="020F0502020204030204" pitchFamily="34" charset="0"/>
-              </a:rPr>
-              <a:t>Bind in Reactjs</a:t>
-            </a:r>
-            <a:endParaRPr lang="en-US" sz="3200" b="1" dirty="0">
-              <a:latin typeface="Calibri" panose="020F0502020204030204" pitchFamily="34" charset="0"/>
-              <a:cs typeface="Calibri" panose="020F0502020204030204" pitchFamily="34" charset="0"/>
-            </a:endParaRPr>
-          </a:p>
-        </p:txBody>
-      </p:sp>
-      <p:sp>
-        <p:nvSpPr>
-          <p:cNvPr id="3" name="Content Placeholder 2"/>
-          <p:cNvSpPr>
-            <a:spLocks noGrp="1"/>
-          </p:cNvSpPr>
-          <p:nvPr>
-            <p:ph idx="1"/>
-          </p:nvPr>
-        </p:nvSpPr>
-        <p:spPr>
-          <a:xfrm>
-            <a:off x="628650" y="989044"/>
-            <a:ext cx="7886700" cy="5605719"/>
-          </a:xfrm>
-        </p:spPr>
-        <p:txBody>
-          <a:bodyPr>
-            <a:normAutofit/>
-          </a:bodyPr>
-          <a:lstStyle/>
-          <a:p>
-            <a:pPr defTabSz="342900">
-              <a:lnSpc>
-                <a:spcPct val="120000"/>
-              </a:lnSpc>
-            </a:pPr>
-            <a:r>
-              <a:rPr lang="en-US" altLang="zh-CN" sz="1800" dirty="0">
-                <a:solidFill>
-                  <a:srgbClr val="262626"/>
-                </a:solidFill>
-              </a:rPr>
-              <a:t>What is bind? and why we need to use Bind?</a:t>
-            </a:r>
-            <a:endParaRPr lang="en-US" altLang="zh-CN" sz="1800" dirty="0">
-              <a:solidFill>
-                <a:srgbClr val="262626"/>
-              </a:solidFill>
-            </a:endParaRPr>
-          </a:p>
-          <a:p>
-            <a:pPr defTabSz="342900">
-              <a:lnSpc>
-                <a:spcPct val="120000"/>
-              </a:lnSpc>
-            </a:pPr>
-            <a:r>
-              <a:rPr lang="en-US" altLang="zh-CN" sz="1800" dirty="0">
-                <a:solidFill>
-                  <a:srgbClr val="262626"/>
-                </a:solidFill>
-              </a:rPr>
-              <a:t>when passing down to the child component, this would probabily be change, so need to bind this</a:t>
-            </a:r>
-            <a:endParaRPr lang="en-US" altLang="zh-CN" sz="1800" dirty="0">
-              <a:solidFill>
-                <a:srgbClr val="262626"/>
-              </a:solidFill>
-            </a:endParaRPr>
-          </a:p>
-          <a:p>
-            <a:pPr defTabSz="342900">
-              <a:lnSpc>
-                <a:spcPct val="120000"/>
-              </a:lnSpc>
-            </a:pPr>
-            <a:endParaRPr lang="en-US" altLang="zh-CN" sz="1800" dirty="0">
-              <a:solidFill>
-                <a:srgbClr val="262626"/>
-              </a:solidFill>
-            </a:endParaRPr>
-          </a:p>
-          <a:p>
-            <a:pPr defTabSz="342900">
-              <a:lnSpc>
-                <a:spcPct val="120000"/>
-              </a:lnSpc>
-            </a:pPr>
-            <a:endParaRPr lang="en-US" altLang="zh-CN" sz="1800" dirty="0">
-              <a:solidFill>
-                <a:srgbClr val="262626"/>
-              </a:solidFill>
-            </a:endParaRPr>
-          </a:p>
-          <a:p>
-            <a:pPr defTabSz="342900">
-              <a:lnSpc>
-                <a:spcPct val="120000"/>
-              </a:lnSpc>
-            </a:pPr>
-            <a:endParaRPr lang="en-US" altLang="zh-CN" sz="1800" dirty="0">
-              <a:solidFill>
-                <a:srgbClr val="262626"/>
-              </a:solidFill>
-            </a:endParaRPr>
-          </a:p>
-          <a:p>
-            <a:pPr defTabSz="342900">
-              <a:lnSpc>
-                <a:spcPct val="120000"/>
-              </a:lnSpc>
-            </a:pPr>
-            <a:endParaRPr lang="en-US" altLang="zh-CN" sz="1800" dirty="0">
-              <a:solidFill>
-                <a:srgbClr val="262626"/>
-              </a:solidFill>
-            </a:endParaRPr>
-          </a:p>
-          <a:p>
-            <a:pPr defTabSz="342900">
-              <a:lnSpc>
-                <a:spcPct val="120000"/>
-              </a:lnSpc>
-            </a:pPr>
-            <a:endParaRPr lang="en-US" altLang="zh-CN" sz="1800" dirty="0">
-              <a:solidFill>
-                <a:srgbClr val="262626"/>
-              </a:solidFill>
-            </a:endParaRPr>
-          </a:p>
-          <a:p>
-            <a:pPr defTabSz="342900">
-              <a:lnSpc>
-                <a:spcPct val="120000"/>
-              </a:lnSpc>
-            </a:pPr>
-            <a:endParaRPr lang="en-US" altLang="zh-CN" sz="1800" dirty="0">
-              <a:solidFill>
-                <a:srgbClr val="262626"/>
-              </a:solidFill>
-            </a:endParaRPr>
-          </a:p>
-          <a:p>
-            <a:pPr marL="0" indent="0" defTabSz="342900">
-              <a:lnSpc>
-                <a:spcPct val="120000"/>
-              </a:lnSpc>
-              <a:buNone/>
-            </a:pPr>
-            <a:endParaRPr lang="en-US" altLang="zh-CN" sz="1800" dirty="0">
-              <a:solidFill>
-                <a:srgbClr val="262626"/>
-              </a:solidFill>
-            </a:endParaRPr>
-          </a:p>
-        </p:txBody>
-      </p:sp>
-      <p:pic>
-        <p:nvPicPr>
-          <p:cNvPr id="7" name="图片 6"/>
-          <p:cNvPicPr>
-            <a:picLocks noChangeAspect="1"/>
-          </p:cNvPicPr>
-          <p:nvPr/>
-        </p:nvPicPr>
-        <p:blipFill>
-          <a:blip r:embed="rId1"/>
-          <a:stretch>
-            <a:fillRect/>
-          </a:stretch>
-        </p:blipFill>
-        <p:spPr>
-          <a:xfrm>
-            <a:off x="628650" y="2984500"/>
-            <a:ext cx="6791325" cy="2510155"/>
-          </a:xfrm>
-          <a:prstGeom prst="rect">
-            <a:avLst/>
-          </a:prstGeom>
-        </p:spPr>
-      </p:pic>
-    </p:spTree>
-  </p:cSld>
-  <p:clrMapOvr>
-    <a:masterClrMapping/>
-  </p:clrMapOvr>
-</p:sld>
-</file>
-
-<file path=ppt/slides/slide24.xml><?xml version="1.0" encoding="utf-8"?>
-<p:sld xmlns:a="http://schemas.openxmlformats.org/drawingml/2006/main" xmlns:r="http://schemas.openxmlformats.org/officeDocument/2006/relationships" xmlns:p="http://schemas.openxmlformats.org/presentationml/2006/main">
-  <p:cSld>
-    <p:spTree>
-      <p:nvGrpSpPr>
-        <p:cNvPr id="1" name=""/>
-        <p:cNvGrpSpPr/>
-        <p:nvPr/>
-      </p:nvGrpSpPr>
-      <p:grpSpPr>
-        <a:xfrm>
-          <a:off x="0" y="0"/>
-          <a:ext cx="0" cy="0"/>
-          <a:chOff x="0" y="0"/>
-          <a:chExt cx="0" cy="0"/>
-        </a:xfrm>
-      </p:grpSpPr>
-      <p:sp>
-        <p:nvSpPr>
-          <p:cNvPr id="2" name="Title 1"/>
-          <p:cNvSpPr>
-            <a:spLocks noGrp="1"/>
-          </p:cNvSpPr>
-          <p:nvPr>
-            <p:ph type="title"/>
-          </p:nvPr>
-        </p:nvSpPr>
-        <p:spPr>
-          <a:xfrm>
-            <a:off x="628650" y="155263"/>
-            <a:ext cx="7886700" cy="526790"/>
-          </a:xfrm>
-        </p:spPr>
-        <p:txBody>
-          <a:bodyPr>
-            <a:normAutofit fontScale="90000"/>
-          </a:bodyPr>
-          <a:lstStyle/>
-          <a:p>
-            <a:pPr algn="ctr"/>
-            <a:r>
-              <a:rPr lang="en-US" sz="3200" b="1" dirty="0">
-                <a:latin typeface="Calibri" panose="020F0502020204030204" pitchFamily="34" charset="0"/>
-                <a:cs typeface="Calibri" panose="020F0502020204030204" pitchFamily="34" charset="0"/>
-              </a:rPr>
-              <a:t>Code Demo</a:t>
-            </a:r>
-            <a:endParaRPr lang="en-US" sz="3200" b="1" dirty="0">
-              <a:latin typeface="Calibri" panose="020F0502020204030204" pitchFamily="34" charset="0"/>
-              <a:cs typeface="Calibri" panose="020F0502020204030204" pitchFamily="34" charset="0"/>
-            </a:endParaRPr>
-          </a:p>
-        </p:txBody>
-      </p:sp>
-      <p:sp>
-        <p:nvSpPr>
-          <p:cNvPr id="3" name="Content Placeholder 2"/>
-          <p:cNvSpPr>
-            <a:spLocks noGrp="1"/>
-          </p:cNvSpPr>
-          <p:nvPr>
-            <p:ph idx="1"/>
-          </p:nvPr>
-        </p:nvSpPr>
-        <p:spPr>
-          <a:xfrm>
-            <a:off x="628650" y="989044"/>
-            <a:ext cx="7886700" cy="5605719"/>
-          </a:xfrm>
-        </p:spPr>
-        <p:txBody>
-          <a:bodyPr>
-            <a:normAutofit/>
-          </a:bodyPr>
-          <a:lstStyle/>
-          <a:p>
-            <a:pPr defTabSz="342900">
-              <a:lnSpc>
-                <a:spcPct val="120000"/>
-              </a:lnSpc>
-            </a:pPr>
-            <a:r>
-              <a:rPr lang="en-US" altLang="zh-CN" sz="1800" dirty="0">
-                <a:solidFill>
-                  <a:srgbClr val="262626"/>
-                </a:solidFill>
-              </a:rPr>
-              <a:t>tasks:</a:t>
-            </a:r>
-            <a:endParaRPr lang="en-US" altLang="zh-CN" sz="1800" dirty="0">
-              <a:solidFill>
-                <a:srgbClr val="262626"/>
-              </a:solidFill>
-            </a:endParaRPr>
-          </a:p>
-          <a:p>
-            <a:pPr defTabSz="342900">
-              <a:lnSpc>
-                <a:spcPct val="120000"/>
-              </a:lnSpc>
-            </a:pPr>
-            <a:r>
-              <a:rPr lang="en-US" altLang="zh-CN" sz="1800" dirty="0">
-                <a:solidFill>
-                  <a:srgbClr val="262626"/>
-                </a:solidFill>
-              </a:rPr>
-              <a:t>1 setting up reactjs app</a:t>
-            </a:r>
-            <a:endParaRPr lang="en-US" altLang="zh-CN" sz="1800" dirty="0">
-              <a:solidFill>
-                <a:srgbClr val="262626"/>
-              </a:solidFill>
-            </a:endParaRPr>
-          </a:p>
-          <a:p>
-            <a:pPr defTabSz="342900">
-              <a:lnSpc>
-                <a:spcPct val="120000"/>
-              </a:lnSpc>
-            </a:pPr>
-            <a:r>
-              <a:rPr lang="en-US" altLang="zh-CN" sz="1800" dirty="0">
-                <a:solidFill>
-                  <a:srgbClr val="262626"/>
-                </a:solidFill>
-              </a:rPr>
-              <a:t>2 add nodejs login to react</a:t>
-            </a:r>
-            <a:endParaRPr lang="en-US" altLang="zh-CN" sz="1800" dirty="0">
-              <a:solidFill>
-                <a:srgbClr val="262626"/>
-              </a:solidFill>
-            </a:endParaRPr>
-          </a:p>
-          <a:p>
-            <a:pPr lvl="1" defTabSz="342900">
-              <a:lnSpc>
-                <a:spcPct val="120000"/>
-              </a:lnSpc>
-            </a:pPr>
-            <a:r>
-              <a:rPr lang="en-US" altLang="zh-CN" sz="1540" dirty="0">
-                <a:solidFill>
-                  <a:srgbClr val="262626"/>
-                </a:solidFill>
-              </a:rPr>
-              <a:t>add routes and link</a:t>
-            </a:r>
-            <a:endParaRPr lang="en-US" altLang="zh-CN" sz="1540" dirty="0">
-              <a:solidFill>
-                <a:srgbClr val="262626"/>
-              </a:solidFill>
-            </a:endParaRPr>
-          </a:p>
-          <a:p>
-            <a:pPr lvl="1" defTabSz="342900">
-              <a:lnSpc>
-                <a:spcPct val="120000"/>
-              </a:lnSpc>
-            </a:pPr>
-            <a:r>
-              <a:rPr lang="en-US" altLang="zh-CN" sz="1540" dirty="0">
-                <a:solidFill>
-                  <a:srgbClr val="262626"/>
-                </a:solidFill>
-              </a:rPr>
-              <a:t>https://reactrouter.com/web/example/basic</a:t>
-            </a:r>
-            <a:endParaRPr lang="en-US" altLang="zh-CN" sz="1540" dirty="0">
-              <a:solidFill>
-                <a:srgbClr val="262626"/>
-              </a:solidFill>
-            </a:endParaRPr>
-          </a:p>
-          <a:p>
-            <a:pPr lvl="1" defTabSz="342900">
-              <a:lnSpc>
-                <a:spcPct val="120000"/>
-              </a:lnSpc>
-            </a:pPr>
-            <a:endParaRPr lang="en-US" altLang="zh-CN" sz="1540" dirty="0">
-              <a:solidFill>
-                <a:srgbClr val="262626"/>
-              </a:solidFill>
-            </a:endParaRPr>
-          </a:p>
-          <a:p>
-            <a:pPr lvl="1" defTabSz="342900">
-              <a:lnSpc>
-                <a:spcPct val="120000"/>
-              </a:lnSpc>
-            </a:pPr>
-            <a:r>
-              <a:rPr lang="en-US" altLang="zh-CN" sz="1540" dirty="0">
-                <a:solidFill>
-                  <a:srgbClr val="262626"/>
-                </a:solidFill>
-              </a:rPr>
-              <a:t>add forms</a:t>
-            </a:r>
-            <a:endParaRPr lang="en-US" altLang="zh-CN" sz="1540" dirty="0">
-              <a:solidFill>
-                <a:srgbClr val="262626"/>
-              </a:solidFill>
-            </a:endParaRPr>
-          </a:p>
-          <a:p>
-            <a:pPr lvl="1" defTabSz="342900">
-              <a:lnSpc>
-                <a:spcPct val="120000"/>
-              </a:lnSpc>
-            </a:pPr>
-            <a:endParaRPr lang="en-US" altLang="zh-CN" sz="1540" dirty="0">
-              <a:solidFill>
-                <a:srgbClr val="262626"/>
-              </a:solidFill>
-            </a:endParaRPr>
-          </a:p>
-          <a:p>
-            <a:pPr lvl="1" defTabSz="342900">
-              <a:lnSpc>
-                <a:spcPct val="120000"/>
-              </a:lnSpc>
-            </a:pPr>
-            <a:r>
-              <a:rPr lang="en-US" altLang="zh-CN" sz="1540" dirty="0">
-                <a:solidFill>
-                  <a:srgbClr val="262626"/>
-                </a:solidFill>
-              </a:rPr>
-              <a:t>add events handler</a:t>
-            </a:r>
-            <a:endParaRPr lang="en-US" altLang="zh-CN" sz="1540" dirty="0">
-              <a:solidFill>
-                <a:srgbClr val="262626"/>
-              </a:solidFill>
-            </a:endParaRPr>
-          </a:p>
-          <a:p>
-            <a:pPr lvl="1" defTabSz="342900">
-              <a:lnSpc>
-                <a:spcPct val="120000"/>
-              </a:lnSpc>
-            </a:pPr>
-            <a:endParaRPr lang="en-US" altLang="zh-CN" sz="1540" dirty="0">
-              <a:solidFill>
-                <a:srgbClr val="262626"/>
-              </a:solidFill>
-            </a:endParaRPr>
-          </a:p>
-          <a:p>
-            <a:pPr lvl="1" defTabSz="342900">
-              <a:lnSpc>
-                <a:spcPct val="120000"/>
-              </a:lnSpc>
-            </a:pPr>
-            <a:r>
-              <a:rPr lang="en-US" altLang="zh-CN" sz="1540" dirty="0">
-                <a:solidFill>
-                  <a:srgbClr val="262626"/>
-                </a:solidFill>
-              </a:rPr>
-              <a:t>add submit handler</a:t>
-            </a:r>
-            <a:endParaRPr lang="en-US" altLang="zh-CN" sz="1540" dirty="0">
-              <a:solidFill>
-                <a:srgbClr val="262626"/>
-              </a:solidFill>
-            </a:endParaRPr>
-          </a:p>
-          <a:p>
-            <a:pPr lvl="1" defTabSz="342900">
-              <a:lnSpc>
-                <a:spcPct val="120000"/>
-              </a:lnSpc>
-            </a:pPr>
-            <a:endParaRPr lang="en-US" altLang="zh-CN" sz="1540" dirty="0">
-              <a:solidFill>
-                <a:srgbClr val="262626"/>
-              </a:solidFill>
-            </a:endParaRPr>
-          </a:p>
-          <a:p>
-            <a:pPr lvl="1" defTabSz="342900">
-              <a:lnSpc>
-                <a:spcPct val="120000"/>
-              </a:lnSpc>
-            </a:pPr>
-            <a:r>
-              <a:rPr lang="en-US" altLang="zh-CN" sz="1540" dirty="0">
-                <a:solidFill>
-                  <a:srgbClr val="262626"/>
-                </a:solidFill>
-              </a:rPr>
-              <a:t>add auth</a:t>
-            </a:r>
-            <a:endParaRPr lang="en-US" altLang="zh-CN" sz="1540" dirty="0">
-              <a:solidFill>
-                <a:srgbClr val="262626"/>
-              </a:solidFill>
-            </a:endParaRPr>
-          </a:p>
-        </p:txBody>
-      </p:sp>
-    </p:spTree>
-  </p:cSld>
-  <p:clrMapOvr>
-    <a:masterClrMapping/>
-  </p:clrMapOvr>
-</p:sld>
-</file>
-
-<file path=ppt/slides/slide25.xml><?xml version="1.0" encoding="utf-8"?>
-<p:sld xmlns:a="http://schemas.openxmlformats.org/drawingml/2006/main" xmlns:r="http://schemas.openxmlformats.org/officeDocument/2006/relationships" xmlns:p="http://schemas.openxmlformats.org/presentationml/2006/main">
-  <p:cSld>
-    <p:spTree>
-      <p:nvGrpSpPr>
-        <p:cNvPr id="1" name=""/>
-        <p:cNvGrpSpPr/>
-        <p:nvPr/>
-      </p:nvGrpSpPr>
-      <p:grpSpPr>
-        <a:xfrm>
-          <a:off x="0" y="0"/>
-          <a:ext cx="0" cy="0"/>
-          <a:chOff x="0" y="0"/>
-          <a:chExt cx="0" cy="0"/>
-        </a:xfrm>
-      </p:grpSpPr>
-      <p:sp>
-        <p:nvSpPr>
-          <p:cNvPr id="2" name="Title 1"/>
-          <p:cNvSpPr>
-            <a:spLocks noGrp="1"/>
-          </p:cNvSpPr>
-          <p:nvPr>
-            <p:ph type="title"/>
-          </p:nvPr>
-        </p:nvSpPr>
-        <p:spPr>
-          <a:xfrm>
-            <a:off x="628650" y="155263"/>
-            <a:ext cx="7886700" cy="526790"/>
-          </a:xfrm>
-        </p:spPr>
-        <p:txBody>
-          <a:bodyPr>
-            <a:normAutofit fontScale="90000"/>
-          </a:bodyPr>
-          <a:lstStyle/>
-          <a:p>
-            <a:pPr algn="ctr"/>
-            <a:r>
-              <a:rPr lang="en-US" sz="3200" b="1" dirty="0">
-                <a:latin typeface="Calibri" panose="020F0502020204030204" pitchFamily="34" charset="0"/>
-                <a:cs typeface="Calibri" panose="020F0502020204030204" pitchFamily="34" charset="0"/>
-              </a:rPr>
-              <a:t>Route Link and Redirect</a:t>
-            </a:r>
-            <a:endParaRPr lang="en-US" sz="3200" b="1" dirty="0">
-              <a:latin typeface="Calibri" panose="020F0502020204030204" pitchFamily="34" charset="0"/>
-              <a:cs typeface="Calibri" panose="020F0502020204030204" pitchFamily="34" charset="0"/>
-            </a:endParaRPr>
-          </a:p>
-        </p:txBody>
-      </p:sp>
-      <p:sp>
-        <p:nvSpPr>
-          <p:cNvPr id="3" name="Content Placeholder 2"/>
-          <p:cNvSpPr>
-            <a:spLocks noGrp="1"/>
-          </p:cNvSpPr>
-          <p:nvPr>
-            <p:ph idx="1"/>
-          </p:nvPr>
-        </p:nvSpPr>
-        <p:spPr>
-          <a:xfrm>
-            <a:off x="628650" y="989044"/>
-            <a:ext cx="7886700" cy="5605719"/>
-          </a:xfrm>
-        </p:spPr>
-        <p:txBody>
-          <a:bodyPr>
-            <a:normAutofit/>
-          </a:bodyPr>
-          <a:lstStyle/>
-          <a:p>
-            <a:pPr defTabSz="342900">
-              <a:lnSpc>
-                <a:spcPct val="120000"/>
-              </a:lnSpc>
-            </a:pPr>
-            <a:r>
-              <a:rPr lang="en-US" altLang="zh-CN" sz="1800" dirty="0">
-                <a:solidFill>
-                  <a:srgbClr val="262626"/>
-                </a:solidFill>
-              </a:rPr>
-              <a:t>react-router-dom</a:t>
-            </a:r>
-            <a:endParaRPr lang="en-US" altLang="zh-CN" sz="1800" dirty="0">
-              <a:solidFill>
-                <a:srgbClr val="262626"/>
-              </a:solidFill>
-            </a:endParaRPr>
-          </a:p>
-          <a:p>
-            <a:pPr defTabSz="342900">
-              <a:lnSpc>
-                <a:spcPct val="120000"/>
-              </a:lnSpc>
-            </a:pPr>
-            <a:r>
-              <a:rPr lang="en-US" altLang="zh-CN" sz="1800" dirty="0">
-                <a:solidFill>
-                  <a:srgbClr val="262626"/>
-                </a:solidFill>
-              </a:rPr>
-              <a:t>is a third-party context</a:t>
-            </a:r>
-            <a:endParaRPr lang="en-US" altLang="zh-CN" sz="1800" dirty="0">
-              <a:solidFill>
-                <a:srgbClr val="262626"/>
-              </a:solidFill>
-            </a:endParaRPr>
-          </a:p>
-          <a:p>
-            <a:pPr defTabSz="342900">
-              <a:lnSpc>
-                <a:spcPct val="120000"/>
-              </a:lnSpc>
-            </a:pPr>
-            <a:endParaRPr lang="en-US" altLang="zh-CN" sz="1800" dirty="0">
-              <a:solidFill>
-                <a:srgbClr val="262626"/>
-              </a:solidFill>
-            </a:endParaRPr>
-          </a:p>
-          <a:p>
-            <a:pPr defTabSz="342900">
-              <a:lnSpc>
-                <a:spcPct val="120000"/>
-              </a:lnSpc>
-            </a:pPr>
-            <a:r>
-              <a:rPr lang="en-US" altLang="zh-CN" sz="1800" dirty="0">
-                <a:solidFill>
-                  <a:srgbClr val="262626"/>
-                </a:solidFill>
-              </a:rPr>
-              <a:t>In a functional component, we use useHistory to invoke it; while in a class component we use withRoute to invoke it</a:t>
-            </a:r>
-            <a:endParaRPr lang="en-US" altLang="zh-CN" sz="1800" dirty="0">
-              <a:solidFill>
-                <a:srgbClr val="262626"/>
-              </a:solidFill>
-            </a:endParaRPr>
-          </a:p>
-          <a:p>
-            <a:pPr defTabSz="342900">
-              <a:lnSpc>
-                <a:spcPct val="120000"/>
-              </a:lnSpc>
-            </a:pPr>
-            <a:endParaRPr lang="en-US" altLang="zh-CN" sz="1800" dirty="0">
-              <a:solidFill>
-                <a:srgbClr val="262626"/>
-              </a:solidFill>
-            </a:endParaRPr>
-          </a:p>
-          <a:p>
-            <a:pPr defTabSz="342900">
-              <a:lnSpc>
-                <a:spcPct val="120000"/>
-              </a:lnSpc>
-            </a:pPr>
-            <a:r>
-              <a:rPr lang="en-US" altLang="zh-CN" sz="1800" dirty="0">
-                <a:solidFill>
-                  <a:srgbClr val="262626"/>
-                </a:solidFill>
-              </a:rPr>
-              <a:t>history.push = Link in html</a:t>
-            </a:r>
-            <a:endParaRPr lang="en-US" altLang="zh-CN" sz="1800" dirty="0">
-              <a:solidFill>
-                <a:srgbClr val="262626"/>
-              </a:solidFill>
-            </a:endParaRPr>
-          </a:p>
-          <a:p>
-            <a:pPr defTabSz="342900">
-              <a:lnSpc>
-                <a:spcPct val="120000"/>
-              </a:lnSpc>
-            </a:pPr>
-            <a:r>
-              <a:rPr lang="en-US" altLang="zh-CN" sz="1800" dirty="0">
-                <a:solidFill>
-                  <a:srgbClr val="262626"/>
-                </a:solidFill>
-              </a:rPr>
-              <a:t>history.replace = Redirect in html</a:t>
-            </a:r>
-            <a:endParaRPr lang="en-US" altLang="zh-CN" sz="1800" dirty="0">
-              <a:solidFill>
-                <a:srgbClr val="262626"/>
-              </a:solidFill>
-            </a:endParaRPr>
-          </a:p>
-        </p:txBody>
-      </p:sp>
-    </p:spTree>
-  </p:cSld>
-  <p:clrMapOvr>
-    <a:masterClrMapping/>
-  </p:clrMapOvr>
-</p:sld>
-</file>
-
 <file path=ppt/slides/slide26.xml><?xml version="1.0" encoding="utf-8"?>
 <p:sld xmlns:a="http://schemas.openxmlformats.org/drawingml/2006/main" xmlns:r="http://schemas.openxmlformats.org/officeDocument/2006/relationships" xmlns:p="http://schemas.openxmlformats.org/presentationml/2006/main">
   <p:cSld>
@@ -11513,7 +11408,7 @@
                 <a:latin typeface="Calibri" panose="020F0502020204030204" pitchFamily="34" charset="0"/>
                 <a:cs typeface="Calibri" panose="020F0502020204030204" pitchFamily="34" charset="0"/>
               </a:rPr>
-              <a:t>Code Demo</a:t>
+              <a:t>Functional Component vs Class Component</a:t>
             </a:r>
             <a:endParaRPr lang="en-US" sz="3200" b="1" dirty="0">
               <a:latin typeface="Calibri" panose="020F0502020204030204" pitchFamily="34" charset="0"/>
@@ -11550,44 +11445,455 @@
               </a:lnSpc>
             </a:pPr>
             <a:r>
+              <a:rPr lang="en-US" altLang="zh-CN" sz="1800" dirty="0">
+                <a:solidFill>
+                  <a:srgbClr val="262626"/>
+                </a:solidFill>
+              </a:rPr>
+              <a:t>3 componentDidMount vs useEffect</a:t>
+            </a:r>
+            <a:endParaRPr lang="en-US" altLang="zh-CN" sz="1800" dirty="0">
+              <a:solidFill>
+                <a:srgbClr val="262626"/>
+              </a:solidFill>
+            </a:endParaRPr>
+          </a:p>
+          <a:p>
+            <a:pPr defTabSz="342900">
+              <a:lnSpc>
+                <a:spcPct val="120000"/>
+              </a:lnSpc>
+            </a:pPr>
+            <a:endParaRPr lang="en-US" altLang="zh-CN" sz="1800" dirty="0">
+              <a:solidFill>
+                <a:srgbClr val="262626"/>
+              </a:solidFill>
+            </a:endParaRPr>
+          </a:p>
+          <a:p>
+            <a:pPr defTabSz="342900">
+              <a:lnSpc>
+                <a:spcPct val="120000"/>
+              </a:lnSpc>
+            </a:pPr>
+            <a:endParaRPr lang="en-US" altLang="zh-CN" sz="1800" dirty="0">
+              <a:solidFill>
+                <a:srgbClr val="262626"/>
+              </a:solidFill>
+            </a:endParaRPr>
+          </a:p>
+          <a:p>
+            <a:pPr defTabSz="342900">
+              <a:lnSpc>
+                <a:spcPct val="120000"/>
+              </a:lnSpc>
+            </a:pPr>
+            <a:endParaRPr lang="en-US" altLang="zh-CN" sz="1800" dirty="0">
+              <a:solidFill>
+                <a:srgbClr val="262626"/>
+              </a:solidFill>
+            </a:endParaRPr>
+          </a:p>
+          <a:p>
+            <a:pPr defTabSz="342900">
+              <a:lnSpc>
+                <a:spcPct val="120000"/>
+              </a:lnSpc>
+            </a:pPr>
+            <a:endParaRPr lang="en-US" altLang="zh-CN" sz="1800" dirty="0">
+              <a:solidFill>
+                <a:srgbClr val="262626"/>
+              </a:solidFill>
+            </a:endParaRPr>
+          </a:p>
+          <a:p>
+            <a:pPr defTabSz="342900">
+              <a:lnSpc>
+                <a:spcPct val="120000"/>
+              </a:lnSpc>
+            </a:pPr>
+            <a:endParaRPr lang="en-US" altLang="zh-CN" sz="1800" dirty="0">
+              <a:solidFill>
+                <a:srgbClr val="262626"/>
+              </a:solidFill>
+            </a:endParaRPr>
+          </a:p>
+          <a:p>
+            <a:pPr defTabSz="342900">
+              <a:lnSpc>
+                <a:spcPct val="120000"/>
+              </a:lnSpc>
+            </a:pPr>
+            <a:r>
+              <a:rPr lang="en-US" altLang="zh-CN" sz="1800" dirty="0">
+                <a:solidFill>
+                  <a:srgbClr val="262626"/>
+                </a:solidFill>
+              </a:rPr>
+              <a:t>2 Context (covered)</a:t>
+            </a:r>
+            <a:endParaRPr lang="en-US" altLang="zh-CN" sz="1800" dirty="0">
+              <a:solidFill>
+                <a:srgbClr val="262626"/>
+              </a:solidFill>
+            </a:endParaRPr>
+          </a:p>
+          <a:p>
+            <a:pPr defTabSz="342900">
+              <a:lnSpc>
+                <a:spcPct val="120000"/>
+              </a:lnSpc>
+            </a:pPr>
+            <a:endParaRPr lang="en-US" altLang="zh-CN" sz="1800" dirty="0">
+              <a:solidFill>
+                <a:srgbClr val="262626"/>
+              </a:solidFill>
+            </a:endParaRPr>
+          </a:p>
+          <a:p>
+            <a:pPr defTabSz="342900">
+              <a:lnSpc>
+                <a:spcPct val="120000"/>
+              </a:lnSpc>
+            </a:pPr>
+            <a:endParaRPr lang="en-US" altLang="zh-CN" sz="1800" dirty="0">
+              <a:solidFill>
+                <a:srgbClr val="262626"/>
+              </a:solidFill>
+            </a:endParaRPr>
+          </a:p>
+        </p:txBody>
+      </p:sp>
+      <p:pic>
+        <p:nvPicPr>
+          <p:cNvPr id="8" name="图片 7"/>
+          <p:cNvPicPr>
+            <a:picLocks noChangeAspect="1"/>
+          </p:cNvPicPr>
+          <p:nvPr/>
+        </p:nvPicPr>
+        <p:blipFill>
+          <a:blip r:embed="rId1"/>
+          <a:stretch>
+            <a:fillRect/>
+          </a:stretch>
+        </p:blipFill>
+        <p:spPr>
+          <a:xfrm>
+            <a:off x="5358130" y="989330"/>
+            <a:ext cx="2900680" cy="5576570"/>
+          </a:xfrm>
+          <a:prstGeom prst="rect">
+            <a:avLst/>
+          </a:prstGeom>
+        </p:spPr>
+      </p:pic>
+    </p:spTree>
+  </p:cSld>
+  <p:clrMapOvr>
+    <a:masterClrMapping/>
+  </p:clrMapOvr>
+</p:sld>
+</file>
+
+<file path=ppt/slides/slide27.xml><?xml version="1.0" encoding="utf-8"?>
+<p:sld xmlns:a="http://schemas.openxmlformats.org/drawingml/2006/main" xmlns:r="http://schemas.openxmlformats.org/officeDocument/2006/relationships" xmlns:p="http://schemas.openxmlformats.org/presentationml/2006/main">
+  <p:cSld>
+    <p:spTree>
+      <p:nvGrpSpPr>
+        <p:cNvPr id="1" name=""/>
+        <p:cNvGrpSpPr/>
+        <p:nvPr/>
+      </p:nvGrpSpPr>
+      <p:grpSpPr>
+        <a:xfrm>
+          <a:off x="0" y="0"/>
+          <a:ext cx="0" cy="0"/>
+          <a:chOff x="0" y="0"/>
+          <a:chExt cx="0" cy="0"/>
+        </a:xfrm>
+      </p:grpSpPr>
+      <p:sp>
+        <p:nvSpPr>
+          <p:cNvPr id="2" name="Title 1"/>
+          <p:cNvSpPr>
+            <a:spLocks noGrp="1"/>
+          </p:cNvSpPr>
+          <p:nvPr>
+            <p:ph type="title"/>
+          </p:nvPr>
+        </p:nvSpPr>
+        <p:spPr>
+          <a:xfrm>
+            <a:off x="628650" y="155263"/>
+            <a:ext cx="7886700" cy="526790"/>
+          </a:xfrm>
+        </p:spPr>
+        <p:txBody>
+          <a:bodyPr>
+            <a:normAutofit fontScale="90000"/>
+          </a:bodyPr>
+          <a:lstStyle/>
+          <a:p>
+            <a:pPr algn="ctr"/>
+            <a:r>
+              <a:rPr lang="en-US" sz="3200" b="1" dirty="0">
+                <a:latin typeface="Calibri" panose="020F0502020204030204" pitchFamily="34" charset="0"/>
+                <a:cs typeface="Calibri" panose="020F0502020204030204" pitchFamily="34" charset="0"/>
+              </a:rPr>
+              <a:t>Route Link and Redirect</a:t>
+            </a:r>
+            <a:endParaRPr lang="en-US" sz="3200" b="1" dirty="0">
+              <a:latin typeface="Calibri" panose="020F0502020204030204" pitchFamily="34" charset="0"/>
+              <a:cs typeface="Calibri" panose="020F0502020204030204" pitchFamily="34" charset="0"/>
+            </a:endParaRPr>
+          </a:p>
+        </p:txBody>
+      </p:sp>
+      <p:sp>
+        <p:nvSpPr>
+          <p:cNvPr id="3" name="Content Placeholder 2"/>
+          <p:cNvSpPr>
+            <a:spLocks noGrp="1"/>
+          </p:cNvSpPr>
+          <p:nvPr>
+            <p:ph idx="1"/>
+          </p:nvPr>
+        </p:nvSpPr>
+        <p:spPr>
+          <a:xfrm>
+            <a:off x="628650" y="989044"/>
+            <a:ext cx="7886700" cy="5605719"/>
+          </a:xfrm>
+        </p:spPr>
+        <p:txBody>
+          <a:bodyPr>
+            <a:normAutofit/>
+          </a:bodyPr>
+          <a:lstStyle/>
+          <a:p>
+            <a:pPr defTabSz="342900">
+              <a:lnSpc>
+                <a:spcPct val="120000"/>
+              </a:lnSpc>
+            </a:pPr>
+            <a:r>
+              <a:rPr lang="en-US" altLang="zh-CN" sz="1800" dirty="0">
+                <a:solidFill>
+                  <a:srgbClr val="262626"/>
+                </a:solidFill>
+              </a:rPr>
+              <a:t>react-router-dom</a:t>
+            </a:r>
+            <a:endParaRPr lang="en-US" altLang="zh-CN" sz="1800" dirty="0">
+              <a:solidFill>
+                <a:srgbClr val="262626"/>
+              </a:solidFill>
+            </a:endParaRPr>
+          </a:p>
+          <a:p>
+            <a:pPr defTabSz="342900">
+              <a:lnSpc>
+                <a:spcPct val="120000"/>
+              </a:lnSpc>
+            </a:pPr>
+            <a:r>
+              <a:rPr lang="en-US" altLang="zh-CN" sz="1800" dirty="0">
+                <a:solidFill>
+                  <a:srgbClr val="262626"/>
+                </a:solidFill>
+              </a:rPr>
+              <a:t>is a third-party context</a:t>
+            </a:r>
+            <a:endParaRPr lang="en-US" altLang="zh-CN" sz="1800" dirty="0">
+              <a:solidFill>
+                <a:srgbClr val="262626"/>
+              </a:solidFill>
+            </a:endParaRPr>
+          </a:p>
+          <a:p>
+            <a:pPr defTabSz="342900">
+              <a:lnSpc>
+                <a:spcPct val="120000"/>
+              </a:lnSpc>
+            </a:pPr>
+            <a:endParaRPr lang="en-US" altLang="zh-CN" sz="1800" dirty="0">
+              <a:solidFill>
+                <a:srgbClr val="262626"/>
+              </a:solidFill>
+            </a:endParaRPr>
+          </a:p>
+          <a:p>
+            <a:pPr defTabSz="342900">
+              <a:lnSpc>
+                <a:spcPct val="120000"/>
+              </a:lnSpc>
+            </a:pPr>
+            <a:r>
+              <a:rPr lang="en-US" altLang="zh-CN" sz="1800" dirty="0">
+                <a:solidFill>
+                  <a:srgbClr val="262626"/>
+                </a:solidFill>
+              </a:rPr>
+              <a:t>In a functional component, we use useHistory to invoke it; while in a class component we use withRoute to invoke it</a:t>
+            </a:r>
+            <a:endParaRPr lang="en-US" altLang="zh-CN" sz="1800" dirty="0">
+              <a:solidFill>
+                <a:srgbClr val="262626"/>
+              </a:solidFill>
+            </a:endParaRPr>
+          </a:p>
+          <a:p>
+            <a:pPr defTabSz="342900">
+              <a:lnSpc>
+                <a:spcPct val="120000"/>
+              </a:lnSpc>
+            </a:pPr>
+            <a:endParaRPr lang="en-US" altLang="zh-CN" sz="1800" dirty="0">
+              <a:solidFill>
+                <a:srgbClr val="262626"/>
+              </a:solidFill>
+            </a:endParaRPr>
+          </a:p>
+          <a:p>
+            <a:pPr defTabSz="342900">
+              <a:lnSpc>
+                <a:spcPct val="120000"/>
+              </a:lnSpc>
+            </a:pPr>
+            <a:r>
+              <a:rPr lang="en-US" altLang="zh-CN" sz="1800" dirty="0">
+                <a:solidFill>
+                  <a:srgbClr val="262626"/>
+                </a:solidFill>
+              </a:rPr>
+              <a:t>history.push = Link in html</a:t>
+            </a:r>
+            <a:endParaRPr lang="en-US" altLang="zh-CN" sz="1800" dirty="0">
+              <a:solidFill>
+                <a:srgbClr val="262626"/>
+              </a:solidFill>
+            </a:endParaRPr>
+          </a:p>
+          <a:p>
+            <a:pPr defTabSz="342900">
+              <a:lnSpc>
+                <a:spcPct val="120000"/>
+              </a:lnSpc>
+            </a:pPr>
+            <a:r>
+              <a:rPr lang="en-US" altLang="zh-CN" sz="1800" dirty="0">
+                <a:solidFill>
+                  <a:srgbClr val="262626"/>
+                </a:solidFill>
+              </a:rPr>
+              <a:t>history.replace = Redirect in html</a:t>
+            </a:r>
+            <a:endParaRPr lang="en-US" altLang="zh-CN" sz="1800" dirty="0">
+              <a:solidFill>
+                <a:srgbClr val="262626"/>
+              </a:solidFill>
+            </a:endParaRPr>
+          </a:p>
+        </p:txBody>
+      </p:sp>
+    </p:spTree>
+  </p:cSld>
+  <p:clrMapOvr>
+    <a:masterClrMapping/>
+  </p:clrMapOvr>
+</p:sld>
+</file>
+
+<file path=ppt/slides/slide28.xml><?xml version="1.0" encoding="utf-8"?>
+<p:sld xmlns:a="http://schemas.openxmlformats.org/drawingml/2006/main" xmlns:r="http://schemas.openxmlformats.org/officeDocument/2006/relationships" xmlns:p="http://schemas.openxmlformats.org/presentationml/2006/main">
+  <p:cSld>
+    <p:spTree>
+      <p:nvGrpSpPr>
+        <p:cNvPr id="1" name=""/>
+        <p:cNvGrpSpPr/>
+        <p:nvPr/>
+      </p:nvGrpSpPr>
+      <p:grpSpPr>
+        <a:xfrm>
+          <a:off x="0" y="0"/>
+          <a:ext cx="0" cy="0"/>
+          <a:chOff x="0" y="0"/>
+          <a:chExt cx="0" cy="0"/>
+        </a:xfrm>
+      </p:grpSpPr>
+      <p:sp>
+        <p:nvSpPr>
+          <p:cNvPr id="2" name="Title 1"/>
+          <p:cNvSpPr>
+            <a:spLocks noGrp="1"/>
+          </p:cNvSpPr>
+          <p:nvPr>
+            <p:ph type="title"/>
+          </p:nvPr>
+        </p:nvSpPr>
+        <p:spPr>
+          <a:xfrm>
+            <a:off x="628650" y="155263"/>
+            <a:ext cx="7886700" cy="526790"/>
+          </a:xfrm>
+        </p:spPr>
+        <p:txBody>
+          <a:bodyPr>
+            <a:normAutofit fontScale="90000"/>
+          </a:bodyPr>
+          <a:lstStyle/>
+          <a:p>
+            <a:pPr algn="ctr"/>
+            <a:r>
+              <a:rPr lang="en-US" sz="3200" b="1" dirty="0">
+                <a:latin typeface="Calibri" panose="020F0502020204030204" pitchFamily="34" charset="0"/>
+                <a:cs typeface="Calibri" panose="020F0502020204030204" pitchFamily="34" charset="0"/>
+              </a:rPr>
+              <a:t>Code Demo</a:t>
+            </a:r>
+            <a:endParaRPr lang="en-US" sz="3200" b="1" dirty="0">
+              <a:latin typeface="Calibri" panose="020F0502020204030204" pitchFamily="34" charset="0"/>
+              <a:cs typeface="Calibri" panose="020F0502020204030204" pitchFamily="34" charset="0"/>
+            </a:endParaRPr>
+          </a:p>
+        </p:txBody>
+      </p:sp>
+      <p:sp>
+        <p:nvSpPr>
+          <p:cNvPr id="3" name="Content Placeholder 2"/>
+          <p:cNvSpPr>
+            <a:spLocks noGrp="1"/>
+          </p:cNvSpPr>
+          <p:nvPr>
+            <p:ph idx="1"/>
+          </p:nvPr>
+        </p:nvSpPr>
+        <p:spPr>
+          <a:xfrm>
+            <a:off x="628650" y="989044"/>
+            <a:ext cx="7886700" cy="5605719"/>
+          </a:xfrm>
+        </p:spPr>
+        <p:txBody>
+          <a:bodyPr>
+            <a:normAutofit/>
+          </a:bodyPr>
+          <a:lstStyle/>
+          <a:p>
+            <a:pPr defTabSz="342900">
+              <a:lnSpc>
+                <a:spcPct val="120000"/>
+              </a:lnSpc>
+            </a:pPr>
+            <a:r>
               <a:rPr lang="en-US" altLang="zh-CN" sz="1535" dirty="0">
                 <a:solidFill>
                   <a:srgbClr val="262626"/>
                 </a:solidFill>
                 <a:sym typeface="+mn-ea"/>
               </a:rPr>
-              <a:t>1 add Route context </a:t>
-            </a:r>
-            <a:r>
-              <a:rPr lang="en-US" altLang="zh-CN" sz="1535" dirty="0">
-                <a:solidFill>
-                  <a:srgbClr val="262626"/>
-                </a:solidFill>
-                <a:sym typeface="+mn-ea"/>
-              </a:rPr>
-              <a:t>https://bezkoder.com/react-jwt-auth/</a:t>
-            </a:r>
-            <a:endParaRPr lang="en-US" altLang="zh-CN" sz="1535" dirty="0">
-              <a:solidFill>
-                <a:srgbClr val="262626"/>
-              </a:solidFill>
-              <a:sym typeface="+mn-ea"/>
-            </a:endParaRPr>
-          </a:p>
-          <a:p>
-            <a:pPr defTabSz="342900">
-              <a:lnSpc>
-                <a:spcPct val="120000"/>
-              </a:lnSpc>
-            </a:pPr>
-            <a:r>
-              <a:rPr lang="en-US" altLang="zh-CN" sz="1535" dirty="0">
-                <a:solidFill>
-                  <a:srgbClr val="262626"/>
-                </a:solidFill>
-                <a:sym typeface="+mn-ea"/>
-              </a:rPr>
-              <a:t>2 add user auth (localStorage vs cookie, how to implement)</a:t>
+              <a:t>1 add auth 2 client side(localStorage vs cookie, how to implement)</a:t>
             </a:r>
             <a:endParaRPr lang="en-US" altLang="zh-CN" sz="1535" dirty="0">
               <a:solidFill>
@@ -11608,7 +11914,7 @@
                   <a:srgbClr val="262626"/>
                 </a:solidFill>
               </a:rPr>
-              <a:t>3 change class to functional component</a:t>
+              <a:t>2 change class to functional component</a:t>
             </a:r>
             <a:endParaRPr lang="en-US" altLang="zh-CN" sz="1540" dirty="0">
               <a:solidFill>
@@ -11695,7 +12001,7 @@
                 <a:latin typeface="Calibri" panose="020F0502020204030204" pitchFamily="34" charset="0"/>
                 <a:cs typeface="Calibri" panose="020F0502020204030204" pitchFamily="34" charset="0"/>
               </a:rPr>
-              <a:t>What is Reactjs</a:t>
+              <a:t>Code Demo</a:t>
             </a:r>
             <a:endParaRPr lang="en-US" sz="3200" b="1" dirty="0">
               <a:latin typeface="Calibri" panose="020F0502020204030204" pitchFamily="34" charset="0"/>
@@ -11731,161 +12037,223 @@
                 <a:spcPct val="120000"/>
               </a:lnSpc>
             </a:pPr>
-            <a:endParaRPr lang="en-US" altLang="en-US" sz="1800" dirty="0">
-              <a:solidFill>
-                <a:srgbClr val="262626"/>
-              </a:solidFill>
-            </a:endParaRPr>
-          </a:p>
-          <a:p>
-            <a:pPr defTabSz="342900">
-              <a:lnSpc>
-                <a:spcPct val="120000"/>
-              </a:lnSpc>
-            </a:pPr>
-            <a:r>
-              <a:rPr lang="en-US" altLang="en-US" sz="1800" dirty="0">
+            <a:r>
+              <a:rPr lang="en-US" altLang="zh-CN" sz="1800" dirty="0">
                 <a:solidFill>
                   <a:srgbClr val="262626"/>
                 </a:solidFill>
               </a:rPr>
-              <a:t>Reactjs, </a:t>
-            </a:r>
-            <a:endParaRPr lang="en-US" altLang="en-US" sz="1800" dirty="0">
-              <a:solidFill>
-                <a:srgbClr val="262626"/>
-              </a:solidFill>
-            </a:endParaRPr>
-          </a:p>
-          <a:p>
-            <a:pPr lvl="1" defTabSz="342900">
-              <a:lnSpc>
-                <a:spcPct val="120000"/>
-              </a:lnSpc>
-            </a:pPr>
-            <a:r>
-              <a:rPr lang="en-US" altLang="en-US" sz="1540" dirty="0">
+              <a:t>tasks:</a:t>
+            </a:r>
+            <a:endParaRPr lang="en-US" altLang="zh-CN" sz="1800" dirty="0">
+              <a:solidFill>
+                <a:srgbClr val="262626"/>
+              </a:solidFill>
+            </a:endParaRPr>
+          </a:p>
+          <a:p>
+            <a:pPr defTabSz="342900">
+              <a:lnSpc>
+                <a:spcPct val="120000"/>
+              </a:lnSpc>
+            </a:pPr>
+            <a:r>
+              <a:rPr lang="en-US" altLang="zh-CN" sz="1800" dirty="0">
                 <a:solidFill>
                   <a:srgbClr val="262626"/>
                 </a:solidFill>
               </a:rPr>
-              <a:t>It's a library for building user interfaces (UIs)</a:t>
-            </a:r>
-            <a:endParaRPr lang="en-US" altLang="en-US" sz="1540" dirty="0">
-              <a:solidFill>
-                <a:srgbClr val="262626"/>
-              </a:solidFill>
-            </a:endParaRPr>
-          </a:p>
-          <a:p>
-            <a:pPr lvl="1" defTabSz="342900">
-              <a:lnSpc>
-                <a:spcPct val="120000"/>
-              </a:lnSpc>
-            </a:pPr>
-            <a:r>
-              <a:rPr lang="en-US" altLang="en-US" sz="1540" dirty="0">
+              <a:t>1 setting up reactjs app</a:t>
+            </a:r>
+            <a:endParaRPr lang="en-US" altLang="zh-CN" sz="1800" dirty="0">
+              <a:solidFill>
+                <a:srgbClr val="262626"/>
+              </a:solidFill>
+            </a:endParaRPr>
+          </a:p>
+          <a:p>
+            <a:pPr defTabSz="342900">
+              <a:lnSpc>
+                <a:spcPct val="120000"/>
+              </a:lnSpc>
+            </a:pPr>
+            <a:r>
+              <a:rPr lang="en-US" altLang="zh-CN" sz="1800" dirty="0">
                 <a:solidFill>
                   <a:srgbClr val="262626"/>
                 </a:solidFill>
               </a:rPr>
-              <a:t>It creates abstract representations of views. It breaks down parts of the view in the Components. These components encompass both the logic to handle the display of view and the view itself. It can contain data that it uses to render the state of the app</a:t>
-            </a:r>
-            <a:endParaRPr lang="en-US" altLang="en-US" sz="1540" dirty="0">
-              <a:solidFill>
-                <a:srgbClr val="262626"/>
-              </a:solidFill>
-            </a:endParaRPr>
-          </a:p>
-          <a:p>
-            <a:pPr marL="228600" lvl="0" indent="-228600" defTabSz="342900">
-              <a:lnSpc>
-                <a:spcPct val="120000"/>
-              </a:lnSpc>
-              <a:buFont typeface="Arial" panose="020B0604020202020204" pitchFamily="34" charset="0"/>
-              <a:buChar char="•"/>
-            </a:pPr>
-            <a:endParaRPr lang="en-US" altLang="en-US" sz="1800" dirty="0">
-              <a:solidFill>
-                <a:srgbClr val="262626"/>
-              </a:solidFill>
-            </a:endParaRPr>
-          </a:p>
-          <a:p>
-            <a:pPr marL="228600" lvl="0" indent="-228600" defTabSz="342900">
-              <a:lnSpc>
-                <a:spcPct val="120000"/>
-              </a:lnSpc>
-              <a:buFont typeface="Arial" panose="020B0604020202020204" pitchFamily="34" charset="0"/>
-              <a:buChar char="•"/>
-            </a:pPr>
-            <a:r>
-              <a:rPr lang="en-US" altLang="en-US" sz="1800" dirty="0">
+              <a:t>2 add nodejs login to react</a:t>
+            </a:r>
+            <a:endParaRPr lang="en-US" altLang="zh-CN" sz="1800" dirty="0">
+              <a:solidFill>
+                <a:srgbClr val="262626"/>
+              </a:solidFill>
+            </a:endParaRPr>
+          </a:p>
+          <a:p>
+            <a:pPr lvl="1" defTabSz="342900">
+              <a:lnSpc>
+                <a:spcPct val="120000"/>
+              </a:lnSpc>
+            </a:pPr>
+            <a:r>
+              <a:rPr lang="en-US" altLang="zh-CN" sz="1540" dirty="0">
                 <a:solidFill>
                   <a:srgbClr val="262626"/>
                 </a:solidFill>
               </a:rPr>
-              <a:t>React is divided into two major APIs:</a:t>
-            </a:r>
-            <a:endParaRPr lang="en-US" altLang="en-US" sz="1800" dirty="0">
-              <a:solidFill>
-                <a:srgbClr val="262626"/>
-              </a:solidFill>
-            </a:endParaRPr>
-          </a:p>
-          <a:p>
-            <a:pPr marL="228600" lvl="0" indent="-228600" defTabSz="342900">
-              <a:lnSpc>
-                <a:spcPct val="120000"/>
-              </a:lnSpc>
-              <a:buFont typeface="Arial" panose="020B0604020202020204" pitchFamily="34" charset="0"/>
-              <a:buChar char="•"/>
-            </a:pPr>
-            <a:r>
-              <a:rPr lang="en-US" altLang="en-US" sz="1800" dirty="0">
+              <a:t>add routes and link</a:t>
+            </a:r>
+            <a:endParaRPr lang="en-US" altLang="zh-CN" sz="1540" dirty="0">
+              <a:solidFill>
+                <a:srgbClr val="262626"/>
+              </a:solidFill>
+            </a:endParaRPr>
+          </a:p>
+          <a:p>
+            <a:pPr lvl="1" defTabSz="342900">
+              <a:lnSpc>
+                <a:spcPct val="120000"/>
+              </a:lnSpc>
+            </a:pPr>
+            <a:r>
+              <a:rPr lang="en-US" altLang="zh-CN" sz="1540" dirty="0">
                 <a:solidFill>
                   <a:srgbClr val="262626"/>
                 </a:solidFill>
               </a:rPr>
-              <a:t>The React Component API: These are the parts of the page that are actually rendered by React DOM.</a:t>
-            </a:r>
-            <a:endParaRPr lang="en-US" altLang="en-US" sz="1800" dirty="0">
-              <a:solidFill>
-                <a:srgbClr val="262626"/>
-              </a:solidFill>
-            </a:endParaRPr>
-          </a:p>
-          <a:p>
-            <a:pPr marL="228600" lvl="0" indent="-228600" defTabSz="342900">
-              <a:lnSpc>
-                <a:spcPct val="120000"/>
-              </a:lnSpc>
-              <a:buFont typeface="Arial" panose="020B0604020202020204" pitchFamily="34" charset="0"/>
-              <a:buChar char="•"/>
-            </a:pPr>
-            <a:r>
-              <a:rPr lang="en-US" altLang="en-US" sz="1800" dirty="0">
+              <a:t>https://reactrouter.com/web/example/basic</a:t>
+            </a:r>
+            <a:endParaRPr lang="en-US" altLang="zh-CN" sz="1540" dirty="0">
+              <a:solidFill>
+                <a:srgbClr val="262626"/>
+              </a:solidFill>
+            </a:endParaRPr>
+          </a:p>
+          <a:p>
+            <a:pPr lvl="1" defTabSz="342900">
+              <a:lnSpc>
+                <a:spcPct val="120000"/>
+              </a:lnSpc>
+            </a:pPr>
+            <a:endParaRPr lang="en-US" altLang="zh-CN" sz="1540" dirty="0">
+              <a:solidFill>
+                <a:srgbClr val="262626"/>
+              </a:solidFill>
+            </a:endParaRPr>
+          </a:p>
+          <a:p>
+            <a:pPr lvl="1" defTabSz="342900">
+              <a:lnSpc>
+                <a:spcPct val="120000"/>
+              </a:lnSpc>
+            </a:pPr>
+            <a:r>
+              <a:rPr lang="en-US" altLang="zh-CN" sz="1540" dirty="0">
                 <a:solidFill>
                   <a:srgbClr val="262626"/>
                 </a:solidFill>
               </a:rPr>
-              <a:t>React DOM: This is the API that's used to perform the actual rendering on a web page.</a:t>
-            </a:r>
-            <a:endParaRPr lang="en-US" altLang="en-US" sz="1800" dirty="0">
-              <a:solidFill>
-                <a:srgbClr val="262626"/>
-              </a:solidFill>
-            </a:endParaRPr>
-          </a:p>
-          <a:p>
-            <a:pPr marL="228600" lvl="0" indent="-228600" defTabSz="342900">
-              <a:lnSpc>
-                <a:spcPct val="120000"/>
-              </a:lnSpc>
-              <a:buFont typeface="Arial" panose="020B0604020202020204" pitchFamily="34" charset="0"/>
-              <a:buChar char="•"/>
-            </a:pPr>
-            <a:endParaRPr lang="en-US" altLang="en-US" sz="1800" dirty="0">
+              <a:t>add forms</a:t>
+            </a:r>
+            <a:endParaRPr lang="en-US" altLang="zh-CN" sz="1540" dirty="0">
+              <a:solidFill>
+                <a:srgbClr val="262626"/>
+              </a:solidFill>
+            </a:endParaRPr>
+          </a:p>
+          <a:p>
+            <a:pPr lvl="1" defTabSz="342900">
+              <a:lnSpc>
+                <a:spcPct val="120000"/>
+              </a:lnSpc>
+            </a:pPr>
+            <a:endParaRPr lang="en-US" altLang="zh-CN" sz="1540" dirty="0">
+              <a:solidFill>
+                <a:srgbClr val="262626"/>
+              </a:solidFill>
+            </a:endParaRPr>
+          </a:p>
+          <a:p>
+            <a:pPr lvl="1" defTabSz="342900">
+              <a:lnSpc>
+                <a:spcPct val="120000"/>
+              </a:lnSpc>
+            </a:pPr>
+            <a:r>
+              <a:rPr lang="en-US" altLang="zh-CN" sz="1540" dirty="0">
+                <a:solidFill>
+                  <a:srgbClr val="262626"/>
+                </a:solidFill>
+              </a:rPr>
+              <a:t>add events handler</a:t>
+            </a:r>
+            <a:endParaRPr lang="en-US" altLang="zh-CN" sz="1540" dirty="0">
+              <a:solidFill>
+                <a:srgbClr val="262626"/>
+              </a:solidFill>
+            </a:endParaRPr>
+          </a:p>
+          <a:p>
+            <a:pPr lvl="1" defTabSz="342900">
+              <a:lnSpc>
+                <a:spcPct val="120000"/>
+              </a:lnSpc>
+            </a:pPr>
+            <a:endParaRPr lang="en-US" altLang="zh-CN" sz="1540" dirty="0">
+              <a:solidFill>
+                <a:srgbClr val="262626"/>
+              </a:solidFill>
+            </a:endParaRPr>
+          </a:p>
+          <a:p>
+            <a:pPr lvl="1" defTabSz="342900">
+              <a:lnSpc>
+                <a:spcPct val="120000"/>
+              </a:lnSpc>
+            </a:pPr>
+            <a:r>
+              <a:rPr lang="en-US" altLang="zh-CN" sz="1540" dirty="0">
+                <a:solidFill>
+                  <a:srgbClr val="262626"/>
+                </a:solidFill>
+              </a:rPr>
+              <a:t>add submit handler</a:t>
+            </a:r>
+            <a:endParaRPr lang="en-US" altLang="zh-CN" sz="1540" dirty="0">
+              <a:solidFill>
+                <a:srgbClr val="262626"/>
+              </a:solidFill>
+            </a:endParaRPr>
+          </a:p>
+          <a:p>
+            <a:pPr lvl="1" defTabSz="342900">
+              <a:lnSpc>
+                <a:spcPct val="120000"/>
+              </a:lnSpc>
+            </a:pPr>
+            <a:endParaRPr lang="en-US" altLang="zh-CN" sz="1540" dirty="0">
+              <a:solidFill>
+                <a:srgbClr val="262626"/>
+              </a:solidFill>
+            </a:endParaRPr>
+          </a:p>
+          <a:p>
+            <a:pPr lvl="1" defTabSz="342900">
+              <a:lnSpc>
+                <a:spcPct val="120000"/>
+              </a:lnSpc>
+            </a:pPr>
+            <a:r>
+              <a:rPr lang="en-US" altLang="zh-CN" sz="1540" dirty="0">
+                <a:solidFill>
+                  <a:srgbClr val="262626"/>
+                </a:solidFill>
+              </a:rPr>
+              <a:t>add auth</a:t>
+            </a:r>
+            <a:endParaRPr lang="en-US" altLang="zh-CN" sz="1540" dirty="0">
               <a:solidFill>
                 <a:srgbClr val="262626"/>
               </a:solidFill>
@@ -11945,7 +12313,6 @@
               <a:rPr lang="en-US" sz="3200" b="1" dirty="0">
                 <a:latin typeface="Calibri" panose="020F0502020204030204" pitchFamily="34" charset="0"/>
                 <a:cs typeface="Calibri" panose="020F0502020204030204" pitchFamily="34" charset="0"/>
-                <a:sym typeface="+mn-ea"/>
               </a:rPr>
               <a:t>What is Reactjs</a:t>
             </a:r>
@@ -11958,7 +12325,7 @@
       </p:sp>
       <p:sp>
         <p:nvSpPr>
-          <p:cNvPr id="5" name="Content Placeholder 2"/>
+          <p:cNvPr id="3" name="Content Placeholder 2"/>
           <p:cNvSpPr>
             <a:spLocks noGrp="1"/>
           </p:cNvSpPr>
@@ -11974,16 +12341,26 @@
         </p:spPr>
         <p:txBody>
           <a:bodyPr>
-            <a:normAutofit lnSpcReduction="20000"/>
+            <a:normAutofit/>
           </a:bodyPr>
           <a:lstStyle/>
           <a:p>
-            <a:pPr marL="228600" lvl="0" indent="-228600" defTabSz="342900">
-              <a:lnSpc>
-                <a:spcPct val="120000"/>
-              </a:lnSpc>
-              <a:buFont typeface="Arial" panose="020B0604020202020204" pitchFamily="34" charset="0"/>
-              <a:buChar char="•"/>
+            <a:pPr defTabSz="342900">
+              <a:lnSpc>
+                <a:spcPct val="120000"/>
+              </a:lnSpc>
+            </a:pPr>
+            <a:endParaRPr lang="en-US" altLang="en-US" sz="1800" dirty="0">
+              <a:solidFill>
+                <a:srgbClr val="262626"/>
+              </a:solidFill>
+            </a:endParaRPr>
+          </a:p>
+          <a:p>
+            <a:pPr defTabSz="342900">
+              <a:lnSpc>
+                <a:spcPct val="120000"/>
+              </a:lnSpc>
             </a:pPr>
             <a:r>
               <a:rPr lang="en-US" altLang="en-US" sz="1800" dirty="0">
@@ -11991,7 +12368,7 @@
                   <a:srgbClr val="262626"/>
                 </a:solidFill>
               </a:rPr>
-              <a:t>Key Points</a:t>
+              <a:t>Reactjs, </a:t>
             </a:r>
             <a:endParaRPr lang="en-US" altLang="en-US" sz="1800" dirty="0">
               <a:solidFill>
@@ -12000,36 +12377,53 @@
             </a:endParaRPr>
           </a:p>
           <a:p>
-            <a:pPr marL="228600" lvl="0" indent="-228600" defTabSz="342900">
-              <a:lnSpc>
-                <a:spcPct val="120000"/>
-              </a:lnSpc>
-              <a:buFont typeface="Arial" panose="020B0604020202020204" pitchFamily="34" charset="0"/>
-              <a:buChar char="•"/>
-            </a:pPr>
-            <a:endParaRPr lang="en-US" altLang="en-US" sz="1800" dirty="0">
-              <a:solidFill>
-                <a:srgbClr val="262626"/>
-              </a:solidFill>
-            </a:endParaRPr>
-          </a:p>
-          <a:p>
-            <a:pPr marL="228600" lvl="0" indent="-228600" defTabSz="342900">
-              <a:lnSpc>
-                <a:spcPct val="120000"/>
-              </a:lnSpc>
-              <a:buFont typeface="Arial" panose="020B0604020202020204" pitchFamily="34" charset="0"/>
-              <a:buChar char="•"/>
-            </a:pPr>
-            <a:r>
-              <a:rPr lang="en-US" altLang="en-US" sz="1800" dirty="0">
+            <a:pPr lvl="1" defTabSz="342900">
+              <a:lnSpc>
+                <a:spcPct val="120000"/>
+              </a:lnSpc>
+            </a:pPr>
+            <a:r>
+              <a:rPr lang="en-US" altLang="en-US" sz="1540" dirty="0">
                 <a:solidFill>
                   <a:srgbClr val="262626"/>
                 </a:solidFill>
-                <a:sym typeface="+mn-ea"/>
               </a:rPr>
-              <a:t>JSX: This is the syntax of React components used to describe UI structures.</a:t>
-            </a:r>
+              <a:t>It's a library for building user interfaces (UIs)</a:t>
+            </a:r>
+            <a:endParaRPr lang="en-US" altLang="en-US" sz="1540" dirty="0">
+              <a:solidFill>
+                <a:srgbClr val="262626"/>
+              </a:solidFill>
+            </a:endParaRPr>
+          </a:p>
+          <a:p>
+            <a:pPr lvl="1" defTabSz="342900">
+              <a:lnSpc>
+                <a:spcPct val="120000"/>
+              </a:lnSpc>
+            </a:pPr>
+            <a:r>
+              <a:rPr lang="en-US" altLang="en-US" sz="1540" dirty="0">
+                <a:solidFill>
+                  <a:srgbClr val="262626"/>
+                </a:solidFill>
+              </a:rPr>
+              <a:t>It creates abstract representations of views. It breaks down parts of the view in the Components. These components encompass both the logic to handle the display of view and the view itself. It can contain data that it uses to render the state of the app</a:t>
+            </a:r>
+            <a:endParaRPr lang="en-US" altLang="en-US" sz="1540" dirty="0">
+              <a:solidFill>
+                <a:srgbClr val="262626"/>
+              </a:solidFill>
+            </a:endParaRPr>
+          </a:p>
+          <a:p>
+            <a:pPr marL="228600" lvl="0" indent="-228600" defTabSz="342900">
+              <a:lnSpc>
+                <a:spcPct val="120000"/>
+              </a:lnSpc>
+              <a:buFont typeface="Arial" panose="020B0604020202020204" pitchFamily="34" charset="0"/>
+              <a:buChar char="•"/>
+            </a:pPr>
             <a:endParaRPr lang="en-US" altLang="en-US" sz="1800" dirty="0">
               <a:solidFill>
                 <a:srgbClr val="262626"/>
@@ -12050,16 +12444,7 @@
                   <a:srgbClr val="262626"/>
                 </a:solidFill>
               </a:rPr>
-              <a:t>Lifecycle &amp; lifecycle methods: </a:t>
-            </a:r>
-            <a:r>
-              <a:rPr lang="en-US" altLang="en-US" sz="1800" dirty="0">
-                <a:solidFill>
-                  <a:srgbClr val="262626"/>
-                </a:solidFill>
-                <a:sym typeface="+mn-ea"/>
-              </a:rPr>
-              <a:t>This consists of methods or Hooks that we implement to respond to the component's entering and exiting phases of the React rendering process as they happen over time. For example, one phase of the lifecycle is when the component is about to be rendered.</a:t>
+              <a:t>React is divided into two major APIs:</a:t>
             </a:r>
             <a:endParaRPr lang="en-US" altLang="en-US" sz="1800" dirty="0">
               <a:solidFill>
@@ -12075,49 +12460,13 @@
               <a:buFont typeface="Arial" panose="020B0604020202020204" pitchFamily="34" charset="0"/>
               <a:buChar char="•"/>
             </a:pPr>
-            <a:r>
-              <a:rPr lang="en-US" altLang="en-US" sz="1800" dirty="0">
-                <a:solidFill>
-                  <a:srgbClr val="262626"/>
-                </a:solidFill>
-                <a:sym typeface="+mn-ea"/>
-              </a:rPr>
-              <a:t>Data P</a:t>
-            </a:r>
-            <a:r>
-              <a:rPr lang="en-US" altLang="en-US" sz="1800" dirty="0">
-                <a:solidFill>
-                  <a:srgbClr val="262626"/>
-                </a:solidFill>
-                <a:sym typeface="+mn-ea"/>
-              </a:rPr>
-              <a:t>assing</a:t>
-            </a:r>
-            <a:r>
-              <a:rPr lang="en-US" altLang="en-US" sz="1800" dirty="0">
-                <a:solidFill>
-                  <a:srgbClr val="262626"/>
-                </a:solidFill>
-                <a:sym typeface="+mn-ea"/>
-              </a:rPr>
-              <a:t>: </a:t>
-            </a:r>
             <a:r>
               <a:rPr lang="en-US" altLang="en-US" sz="1800" dirty="0">
                 <a:solidFill>
                   <a:srgbClr val="262626"/>
                 </a:solidFill>
               </a:rPr>
-              <a:t>props and states, </a:t>
-            </a:r>
-            <a:r>
-              <a:rPr lang="en-US" altLang="en-US" sz="1800" dirty="0">
-                <a:solidFill>
-                  <a:srgbClr val="262626"/>
-                </a:solidFill>
-                <a:sym typeface="+mn-ea"/>
-              </a:rPr>
-              <a:t>Context API</a:t>
+              <a:t>The React Component API: These are the parts of the page that are actually rendered by React DOM.</a:t>
             </a:r>
             <a:endParaRPr lang="en-US" altLang="en-US" sz="1800" dirty="0">
               <a:solidFill>
@@ -12139,7 +12488,7 @@
                   <a:srgbClr val="262626"/>
                 </a:solidFill>
               </a:rPr>
-              <a:t>Class Component &amp; Functional components</a:t>
+              <a:t>React DOM: This is the API that's used to perform the actual rendering on a web page.</a:t>
             </a:r>
             <a:endParaRPr lang="en-US" altLang="en-US" sz="1800" dirty="0">
               <a:solidFill>
@@ -12155,103 +12504,6 @@
               <a:buFont typeface="Arial" panose="020B0604020202020204" pitchFamily="34" charset="0"/>
               <a:buChar char="•"/>
             </a:pPr>
-            <a:r>
-              <a:rPr lang="en-US" altLang="en-US" sz="1800" dirty="0">
-                <a:solidFill>
-                  <a:srgbClr val="262626"/>
-                </a:solidFill>
-              </a:rPr>
-              <a:t>Hooks</a:t>
-            </a:r>
-            <a:endParaRPr lang="en-US" altLang="en-US" sz="1800" dirty="0">
-              <a:solidFill>
-                <a:srgbClr val="262626"/>
-              </a:solidFill>
-            </a:endParaRPr>
-          </a:p>
-          <a:p>
-            <a:pPr marL="228600" lvl="0" indent="-228600" defTabSz="342900">
-              <a:lnSpc>
-                <a:spcPct val="120000"/>
-              </a:lnSpc>
-              <a:buFont typeface="Arial" panose="020B0604020202020204" pitchFamily="34" charset="0"/>
-              <a:buChar char="•"/>
-            </a:pPr>
-            <a:r>
-              <a:rPr lang="en-US" altLang="en-US" sz="1800" dirty="0">
-                <a:solidFill>
-                  <a:srgbClr val="262626"/>
-                </a:solidFill>
-              </a:rPr>
-              <a:t>how to write logic in react</a:t>
-            </a:r>
-            <a:endParaRPr lang="en-US" altLang="en-US" sz="1800" dirty="0">
-              <a:solidFill>
-                <a:srgbClr val="262626"/>
-              </a:solidFill>
-            </a:endParaRPr>
-          </a:p>
-          <a:p>
-            <a:pPr marL="228600" lvl="0" indent="-228600" defTabSz="342900">
-              <a:lnSpc>
-                <a:spcPct val="120000"/>
-              </a:lnSpc>
-              <a:buFont typeface="Arial" panose="020B0604020202020204" pitchFamily="34" charset="0"/>
-              <a:buChar char="•"/>
-            </a:pPr>
-            <a:r>
-              <a:rPr lang="en-US" altLang="en-US" sz="1800" dirty="0">
-                <a:solidFill>
-                  <a:srgbClr val="262626"/>
-                </a:solidFill>
-              </a:rPr>
-              <a:t>forms</a:t>
-            </a:r>
-            <a:endParaRPr lang="en-US" altLang="en-US" sz="1800" dirty="0">
-              <a:solidFill>
-                <a:srgbClr val="262626"/>
-              </a:solidFill>
-            </a:endParaRPr>
-          </a:p>
-          <a:p>
-            <a:pPr marL="228600" lvl="0" indent="-228600" defTabSz="342900">
-              <a:lnSpc>
-                <a:spcPct val="120000"/>
-              </a:lnSpc>
-              <a:buFont typeface="Arial" panose="020B0604020202020204" pitchFamily="34" charset="0"/>
-              <a:buChar char="•"/>
-            </a:pPr>
-            <a:r>
-              <a:rPr lang="en-US" altLang="en-US" sz="1800" dirty="0">
-                <a:solidFill>
-                  <a:srgbClr val="262626"/>
-                </a:solidFill>
-              </a:rPr>
-              <a:t>uploads</a:t>
-            </a:r>
-            <a:endParaRPr lang="en-US" altLang="en-US" sz="1800" dirty="0">
-              <a:solidFill>
-                <a:srgbClr val="262626"/>
-              </a:solidFill>
-            </a:endParaRPr>
-          </a:p>
-          <a:p>
-            <a:pPr marL="228600" lvl="0" indent="-228600" defTabSz="342900">
-              <a:lnSpc>
-                <a:spcPct val="120000"/>
-              </a:lnSpc>
-              <a:buFont typeface="Arial" panose="020B0604020202020204" pitchFamily="34" charset="0"/>
-              <a:buChar char="•"/>
-            </a:pPr>
-            <a:r>
-              <a:rPr lang="en-US" altLang="en-US" sz="1800" dirty="0">
-                <a:solidFill>
-                  <a:srgbClr val="262626"/>
-                </a:solidFill>
-                <a:sym typeface="+mn-ea"/>
-              </a:rPr>
-              <a:t>events: These are the code that we write for responding to user interactions.</a:t>
-            </a:r>
             <a:endParaRPr lang="en-US" altLang="en-US" sz="1800" dirty="0">
               <a:solidFill>
                 <a:srgbClr val="262626"/>
@@ -12312,6 +12564,397 @@
               <a:rPr lang="en-US" sz="3200" b="1" dirty="0">
                 <a:latin typeface="Calibri" panose="020F0502020204030204" pitchFamily="34" charset="0"/>
                 <a:cs typeface="Calibri" panose="020F0502020204030204" pitchFamily="34" charset="0"/>
+                <a:sym typeface="+mn-ea"/>
+              </a:rPr>
+              <a:t>What is Reactjs</a:t>
+            </a:r>
+            <a:endParaRPr lang="en-US" sz="3200" b="1" dirty="0">
+              <a:latin typeface="Calibri" panose="020F0502020204030204" pitchFamily="34" charset="0"/>
+              <a:cs typeface="Calibri" panose="020F0502020204030204" pitchFamily="34" charset="0"/>
+            </a:endParaRPr>
+          </a:p>
+        </p:txBody>
+      </p:sp>
+      <p:sp>
+        <p:nvSpPr>
+          <p:cNvPr id="5" name="Content Placeholder 2"/>
+          <p:cNvSpPr>
+            <a:spLocks noGrp="1"/>
+          </p:cNvSpPr>
+          <p:nvPr>
+            <p:ph idx="1"/>
+          </p:nvPr>
+        </p:nvSpPr>
+        <p:spPr>
+          <a:xfrm>
+            <a:off x="628650" y="989044"/>
+            <a:ext cx="7886700" cy="5605719"/>
+          </a:xfrm>
+        </p:spPr>
+        <p:txBody>
+          <a:bodyPr>
+            <a:normAutofit lnSpcReduction="20000"/>
+          </a:bodyPr>
+          <a:lstStyle/>
+          <a:p>
+            <a:pPr marL="228600" lvl="0" indent="-228600" defTabSz="342900">
+              <a:lnSpc>
+                <a:spcPct val="120000"/>
+              </a:lnSpc>
+              <a:buFont typeface="Arial" panose="020B0604020202020204" pitchFamily="34" charset="0"/>
+              <a:buChar char="•"/>
+            </a:pPr>
+            <a:r>
+              <a:rPr lang="en-US" altLang="en-US" sz="1800" dirty="0">
+                <a:solidFill>
+                  <a:srgbClr val="262626"/>
+                </a:solidFill>
+              </a:rPr>
+              <a:t>Key Points</a:t>
+            </a:r>
+            <a:endParaRPr lang="en-US" altLang="en-US" sz="1800" dirty="0">
+              <a:solidFill>
+                <a:srgbClr val="262626"/>
+              </a:solidFill>
+            </a:endParaRPr>
+          </a:p>
+          <a:p>
+            <a:pPr marL="228600" lvl="0" indent="-228600" defTabSz="342900">
+              <a:lnSpc>
+                <a:spcPct val="120000"/>
+              </a:lnSpc>
+              <a:buFont typeface="Arial" panose="020B0604020202020204" pitchFamily="34" charset="0"/>
+              <a:buChar char="•"/>
+            </a:pPr>
+            <a:endParaRPr lang="en-US" altLang="en-US" sz="1800" dirty="0">
+              <a:solidFill>
+                <a:srgbClr val="262626"/>
+              </a:solidFill>
+            </a:endParaRPr>
+          </a:p>
+          <a:p>
+            <a:pPr marL="228600" lvl="0" indent="-228600" defTabSz="342900">
+              <a:lnSpc>
+                <a:spcPct val="120000"/>
+              </a:lnSpc>
+              <a:buFont typeface="Arial" panose="020B0604020202020204" pitchFamily="34" charset="0"/>
+              <a:buChar char="•"/>
+            </a:pPr>
+            <a:r>
+              <a:rPr lang="en-US" altLang="en-US" sz="1800" dirty="0">
+                <a:solidFill>
+                  <a:srgbClr val="262626"/>
+                </a:solidFill>
+                <a:sym typeface="+mn-ea"/>
+              </a:rPr>
+              <a:t>JSX: This is the syntax of React components used to describe UI structures.</a:t>
+            </a:r>
+            <a:endParaRPr lang="en-US" altLang="en-US" sz="1800" dirty="0">
+              <a:solidFill>
+                <a:srgbClr val="262626"/>
+              </a:solidFill>
+            </a:endParaRPr>
+          </a:p>
+          <a:p>
+            <a:pPr marL="228600" lvl="0" indent="-228600" defTabSz="342900">
+              <a:lnSpc>
+                <a:spcPct val="120000"/>
+              </a:lnSpc>
+              <a:buFont typeface="Arial" panose="020B0604020202020204" pitchFamily="34" charset="0"/>
+              <a:buChar char="•"/>
+            </a:pPr>
+            <a:r>
+              <a:rPr lang="en-US" altLang="en-US" sz="1800" dirty="0">
+                <a:solidFill>
+                  <a:srgbClr val="262626"/>
+                </a:solidFill>
+              </a:rPr>
+              <a:t>Lifecycle &amp; lifecycle methods: </a:t>
+            </a:r>
+            <a:r>
+              <a:rPr lang="en-US" altLang="en-US" sz="1800" dirty="0">
+                <a:solidFill>
+                  <a:srgbClr val="262626"/>
+                </a:solidFill>
+                <a:sym typeface="+mn-ea"/>
+              </a:rPr>
+              <a:t>This consists of methods or Hooks that we implement to respond to the component's entering and exiting phases of the React rendering process as they happen over time. For example, one phase of the lifecycle is when the component is about to be rendered.</a:t>
+            </a:r>
+            <a:endParaRPr lang="en-US" altLang="en-US" sz="1800" dirty="0">
+              <a:solidFill>
+                <a:srgbClr val="262626"/>
+              </a:solidFill>
+            </a:endParaRPr>
+          </a:p>
+          <a:p>
+            <a:pPr marL="228600" lvl="0" indent="-228600" defTabSz="342900">
+              <a:lnSpc>
+                <a:spcPct val="120000"/>
+              </a:lnSpc>
+              <a:buFont typeface="Arial" panose="020B0604020202020204" pitchFamily="34" charset="0"/>
+              <a:buChar char="•"/>
+            </a:pPr>
+            <a:r>
+              <a:rPr lang="en-US" altLang="en-US" sz="1800" dirty="0">
+                <a:solidFill>
+                  <a:srgbClr val="262626"/>
+                </a:solidFill>
+                <a:sym typeface="+mn-ea"/>
+              </a:rPr>
+              <a:t>Data P</a:t>
+            </a:r>
+            <a:r>
+              <a:rPr lang="en-US" altLang="en-US" sz="1800" dirty="0">
+                <a:solidFill>
+                  <a:srgbClr val="262626"/>
+                </a:solidFill>
+                <a:sym typeface="+mn-ea"/>
+              </a:rPr>
+              <a:t>assing</a:t>
+            </a:r>
+            <a:r>
+              <a:rPr lang="en-US" altLang="en-US" sz="1800" dirty="0">
+                <a:solidFill>
+                  <a:srgbClr val="262626"/>
+                </a:solidFill>
+                <a:sym typeface="+mn-ea"/>
+              </a:rPr>
+              <a:t>: </a:t>
+            </a:r>
+            <a:r>
+              <a:rPr lang="en-US" altLang="en-US" sz="1800" dirty="0">
+                <a:solidFill>
+                  <a:srgbClr val="262626"/>
+                </a:solidFill>
+              </a:rPr>
+              <a:t>props and states, </a:t>
+            </a:r>
+            <a:r>
+              <a:rPr lang="en-US" altLang="en-US" sz="1800" dirty="0">
+                <a:solidFill>
+                  <a:srgbClr val="262626"/>
+                </a:solidFill>
+                <a:sym typeface="+mn-ea"/>
+              </a:rPr>
+              <a:t>Context API</a:t>
+            </a:r>
+            <a:endParaRPr lang="en-US" altLang="en-US" sz="1800" dirty="0">
+              <a:solidFill>
+                <a:srgbClr val="262626"/>
+              </a:solidFill>
+              <a:sym typeface="+mn-ea"/>
+            </a:endParaRPr>
+          </a:p>
+          <a:p>
+            <a:pPr marL="228600" lvl="0" indent="-228600" defTabSz="342900">
+              <a:lnSpc>
+                <a:spcPct val="120000"/>
+              </a:lnSpc>
+              <a:buFont typeface="Arial" panose="020B0604020202020204" pitchFamily="34" charset="0"/>
+              <a:buChar char="•"/>
+            </a:pPr>
+            <a:r>
+              <a:rPr lang="en-US" altLang="en-US" sz="1800" dirty="0">
+                <a:solidFill>
+                  <a:srgbClr val="262626"/>
+                </a:solidFill>
+                <a:sym typeface="+mn-ea"/>
+              </a:rPr>
+              <a:t>Routes</a:t>
+            </a:r>
+            <a:endParaRPr lang="en-US" altLang="en-US" sz="1800" dirty="0">
+              <a:solidFill>
+                <a:srgbClr val="262626"/>
+              </a:solidFill>
+            </a:endParaRPr>
+          </a:p>
+          <a:p>
+            <a:pPr marL="228600" lvl="0" indent="-228600" defTabSz="342900">
+              <a:lnSpc>
+                <a:spcPct val="120000"/>
+              </a:lnSpc>
+              <a:buFont typeface="Arial" panose="020B0604020202020204" pitchFamily="34" charset="0"/>
+              <a:buChar char="•"/>
+            </a:pPr>
+            <a:r>
+              <a:rPr lang="en-US" altLang="en-US" sz="1800" dirty="0">
+                <a:solidFill>
+                  <a:srgbClr val="262626"/>
+                </a:solidFill>
+              </a:rPr>
+              <a:t>Class Component &amp; Functional components</a:t>
+            </a:r>
+            <a:endParaRPr lang="en-US" altLang="en-US" sz="1800" dirty="0">
+              <a:solidFill>
+                <a:srgbClr val="262626"/>
+              </a:solidFill>
+            </a:endParaRPr>
+          </a:p>
+          <a:p>
+            <a:pPr marL="228600" lvl="0" indent="-228600" defTabSz="342900">
+              <a:lnSpc>
+                <a:spcPct val="120000"/>
+              </a:lnSpc>
+              <a:buFont typeface="Arial" panose="020B0604020202020204" pitchFamily="34" charset="0"/>
+              <a:buChar char="•"/>
+            </a:pPr>
+            <a:r>
+              <a:rPr lang="en-US" altLang="en-US" sz="1800" dirty="0">
+                <a:solidFill>
+                  <a:srgbClr val="262626"/>
+                </a:solidFill>
+              </a:rPr>
+              <a:t>Hooks</a:t>
+            </a:r>
+            <a:endParaRPr lang="en-US" altLang="en-US" sz="1800" dirty="0">
+              <a:solidFill>
+                <a:srgbClr val="262626"/>
+              </a:solidFill>
+            </a:endParaRPr>
+          </a:p>
+          <a:p>
+            <a:pPr marL="228600" lvl="0" indent="-228600" defTabSz="342900">
+              <a:lnSpc>
+                <a:spcPct val="120000"/>
+              </a:lnSpc>
+              <a:buFont typeface="Arial" panose="020B0604020202020204" pitchFamily="34" charset="0"/>
+              <a:buChar char="•"/>
+            </a:pPr>
+            <a:r>
+              <a:rPr lang="en-US" altLang="en-US" sz="1800" dirty="0">
+                <a:solidFill>
+                  <a:srgbClr val="262626"/>
+                </a:solidFill>
+              </a:rPr>
+              <a:t>how to write logic in react</a:t>
+            </a:r>
+            <a:endParaRPr lang="en-US" altLang="en-US" sz="1800" dirty="0">
+              <a:solidFill>
+                <a:srgbClr val="262626"/>
+              </a:solidFill>
+            </a:endParaRPr>
+          </a:p>
+          <a:p>
+            <a:pPr marL="228600" lvl="0" indent="-228600" defTabSz="342900">
+              <a:lnSpc>
+                <a:spcPct val="120000"/>
+              </a:lnSpc>
+              <a:buFont typeface="Arial" panose="020B0604020202020204" pitchFamily="34" charset="0"/>
+              <a:buChar char="•"/>
+            </a:pPr>
+            <a:r>
+              <a:rPr lang="en-US" altLang="en-US" sz="1800" dirty="0">
+                <a:solidFill>
+                  <a:srgbClr val="262626"/>
+                </a:solidFill>
+              </a:rPr>
+              <a:t>forms</a:t>
+            </a:r>
+            <a:endParaRPr lang="en-US" altLang="en-US" sz="1800" dirty="0">
+              <a:solidFill>
+                <a:srgbClr val="262626"/>
+              </a:solidFill>
+            </a:endParaRPr>
+          </a:p>
+          <a:p>
+            <a:pPr marL="228600" lvl="0" indent="-228600" defTabSz="342900">
+              <a:lnSpc>
+                <a:spcPct val="120000"/>
+              </a:lnSpc>
+              <a:buFont typeface="Arial" panose="020B0604020202020204" pitchFamily="34" charset="0"/>
+              <a:buChar char="•"/>
+            </a:pPr>
+            <a:r>
+              <a:rPr lang="en-US" altLang="en-US" sz="1800" dirty="0">
+                <a:solidFill>
+                  <a:srgbClr val="262626"/>
+                </a:solidFill>
+              </a:rPr>
+              <a:t>uploads</a:t>
+            </a:r>
+            <a:endParaRPr lang="en-US" altLang="en-US" sz="1800" dirty="0">
+              <a:solidFill>
+                <a:srgbClr val="262626"/>
+              </a:solidFill>
+            </a:endParaRPr>
+          </a:p>
+          <a:p>
+            <a:pPr marL="228600" lvl="0" indent="-228600" defTabSz="342900">
+              <a:lnSpc>
+                <a:spcPct val="120000"/>
+              </a:lnSpc>
+              <a:buFont typeface="Arial" panose="020B0604020202020204" pitchFamily="34" charset="0"/>
+              <a:buChar char="•"/>
+            </a:pPr>
+            <a:r>
+              <a:rPr lang="en-US" altLang="en-US" sz="1800" dirty="0">
+                <a:solidFill>
+                  <a:srgbClr val="262626"/>
+                </a:solidFill>
+                <a:sym typeface="+mn-ea"/>
+              </a:rPr>
+              <a:t>events: These are the code that we write for responding to user interactions.</a:t>
+            </a:r>
+            <a:endParaRPr lang="en-US" altLang="en-US" sz="1800" dirty="0">
+              <a:solidFill>
+                <a:srgbClr val="262626"/>
+              </a:solidFill>
+            </a:endParaRPr>
+          </a:p>
+        </p:txBody>
+      </p:sp>
+    </p:spTree>
+  </p:cSld>
+  <p:clrMapOvr>
+    <a:masterClrMapping/>
+  </p:clrMapOvr>
+</p:sld>
+</file>
+
+<file path=ppt/slides/slide6.xml><?xml version="1.0" encoding="utf-8"?>
+<p:sld xmlns:a="http://schemas.openxmlformats.org/drawingml/2006/main" xmlns:r="http://schemas.openxmlformats.org/officeDocument/2006/relationships" xmlns:p="http://schemas.openxmlformats.org/presentationml/2006/main">
+  <p:cSld>
+    <p:spTree>
+      <p:nvGrpSpPr>
+        <p:cNvPr id="1" name=""/>
+        <p:cNvGrpSpPr/>
+        <p:nvPr/>
+      </p:nvGrpSpPr>
+      <p:grpSpPr>
+        <a:xfrm>
+          <a:off x="0" y="0"/>
+          <a:ext cx="0" cy="0"/>
+          <a:chOff x="0" y="0"/>
+          <a:chExt cx="0" cy="0"/>
+        </a:xfrm>
+      </p:grpSpPr>
+      <p:sp>
+        <p:nvSpPr>
+          <p:cNvPr id="2" name="Title 1"/>
+          <p:cNvSpPr>
+            <a:spLocks noGrp="1"/>
+          </p:cNvSpPr>
+          <p:nvPr>
+            <p:ph type="title"/>
+          </p:nvPr>
+        </p:nvSpPr>
+        <p:spPr>
+          <a:xfrm>
+            <a:off x="628650" y="155263"/>
+            <a:ext cx="7886700" cy="526790"/>
+          </a:xfrm>
+        </p:spPr>
+        <p:txBody>
+          <a:bodyPr>
+            <a:normAutofit fontScale="90000"/>
+          </a:bodyPr>
+          <a:lstStyle/>
+          <a:p>
+            <a:pPr algn="ctr"/>
+            <a:r>
+              <a:rPr lang="en-US" sz="3200" b="1" dirty="0">
+                <a:latin typeface="Calibri" panose="020F0502020204030204" pitchFamily="34" charset="0"/>
+                <a:cs typeface="Calibri" panose="020F0502020204030204" pitchFamily="34" charset="0"/>
               </a:rPr>
               <a:t>JSX</a:t>
             </a:r>
@@ -12356,7 +12999,7 @@
 </p:sld>
 </file>
 
-<file path=ppt/slides/slide6.xml><?xml version="1.0" encoding="utf-8"?>
+<file path=ppt/slides/slide7.xml><?xml version="1.0" encoding="utf-8"?>
 <p:sld xmlns:a="http://schemas.openxmlformats.org/drawingml/2006/main" xmlns:r="http://schemas.openxmlformats.org/officeDocument/2006/relationships" xmlns:p="http://schemas.openxmlformats.org/presentationml/2006/main">
   <p:cSld>
     <p:spTree>
@@ -12704,92 +13347,6 @@
 </p:sld>
 </file>
 
-<file path=ppt/slides/slide7.xml><?xml version="1.0" encoding="utf-8"?>
-<p:sld xmlns:a="http://schemas.openxmlformats.org/drawingml/2006/main" xmlns:r="http://schemas.openxmlformats.org/officeDocument/2006/relationships" xmlns:p="http://schemas.openxmlformats.org/presentationml/2006/main">
-  <p:cSld>
-    <p:spTree>
-      <p:nvGrpSpPr>
-        <p:cNvPr id="1" name=""/>
-        <p:cNvGrpSpPr/>
-        <p:nvPr/>
-      </p:nvGrpSpPr>
-      <p:grpSpPr>
-        <a:xfrm>
-          <a:off x="0" y="0"/>
-          <a:ext cx="0" cy="0"/>
-          <a:chOff x="0" y="0"/>
-          <a:chExt cx="0" cy="0"/>
-        </a:xfrm>
-      </p:grpSpPr>
-      <p:sp>
-        <p:nvSpPr>
-          <p:cNvPr id="2" name="Title 1"/>
-          <p:cNvSpPr>
-            <a:spLocks noGrp="1"/>
-          </p:cNvSpPr>
-          <p:nvPr>
-            <p:ph type="title"/>
-          </p:nvPr>
-        </p:nvSpPr>
-        <p:spPr>
-          <a:xfrm>
-            <a:off x="628650" y="155263"/>
-            <a:ext cx="7886700" cy="526790"/>
-          </a:xfrm>
-        </p:spPr>
-        <p:txBody>
-          <a:bodyPr>
-            <a:normAutofit fontScale="90000"/>
-          </a:bodyPr>
-          <a:lstStyle/>
-          <a:p>
-            <a:pPr algn="ctr"/>
-            <a:r>
-              <a:rPr lang="en-US" sz="3200" b="1" dirty="0">
-                <a:latin typeface="Calibri" panose="020F0502020204030204" pitchFamily="34" charset="0"/>
-                <a:cs typeface="Calibri" panose="020F0502020204030204" pitchFamily="34" charset="0"/>
-              </a:rPr>
-              <a:t>Example</a:t>
-            </a:r>
-            <a:endParaRPr lang="en-US" sz="3200" b="1" dirty="0">
-              <a:latin typeface="Calibri" panose="020F0502020204030204" pitchFamily="34" charset="0"/>
-              <a:cs typeface="Calibri" panose="020F0502020204030204" pitchFamily="34" charset="0"/>
-            </a:endParaRPr>
-          </a:p>
-        </p:txBody>
-      </p:sp>
-      <p:pic>
-        <p:nvPicPr>
-          <p:cNvPr id="4" name="图片 3"/>
-          <p:cNvPicPr>
-            <a:picLocks noChangeAspect="1"/>
-          </p:cNvPicPr>
-          <p:nvPr/>
-        </p:nvPicPr>
-        <p:blipFill>
-          <a:blip r:embed="rId1"/>
-          <a:stretch>
-            <a:fillRect/>
-          </a:stretch>
-        </p:blipFill>
-        <p:spPr>
-          <a:xfrm>
-            <a:off x="1450340" y="682625"/>
-            <a:ext cx="6243320" cy="6176010"/>
-          </a:xfrm>
-          <a:prstGeom prst="rect">
-            <a:avLst/>
-          </a:prstGeom>
-        </p:spPr>
-      </p:pic>
-    </p:spTree>
-  </p:cSld>
-  <p:clrMapOvr>
-    <a:masterClrMapping/>
-  </p:clrMapOvr>
-</p:sld>
-</file>
-
 <file path=ppt/slides/slide8.xml><?xml version="1.0" encoding="utf-8"?>
 <p:sld xmlns:a="http://schemas.openxmlformats.org/drawingml/2006/main" xmlns:r="http://schemas.openxmlformats.org/officeDocument/2006/relationships" xmlns:p="http://schemas.openxmlformats.org/presentationml/2006/main">
   <p:cSld>
@@ -12835,7 +13392,7 @@
                 <a:latin typeface="Calibri" panose="020F0502020204030204" pitchFamily="34" charset="0"/>
                 <a:cs typeface="Calibri" panose="020F0502020204030204" pitchFamily="34" charset="0"/>
               </a:rPr>
-              <a:t>Lifecycle Methods</a:t>
+              <a:t>Example</a:t>
             </a:r>
             <a:endParaRPr lang="en-US" sz="3200" b="1" dirty="0">
               <a:latin typeface="Calibri" panose="020F0502020204030204" pitchFamily="34" charset="0"/>
@@ -12846,26 +13403,22 @@
       </p:sp>
       <p:pic>
         <p:nvPicPr>
-          <p:cNvPr id="5" name="图片 4" descr="1-u8hTumGAPQMYZIvfgQMfPA"/>
+          <p:cNvPr id="4" name="图片 3"/>
           <p:cNvPicPr>
             <a:picLocks noChangeAspect="1"/>
           </p:cNvPicPr>
-          <p:nvPr>
-            <p:custDataLst>
-              <p:tags r:id="rId1"/>
-            </p:custDataLst>
-          </p:nvPr>
+          <p:nvPr/>
         </p:nvPicPr>
         <p:blipFill>
-          <a:blip r:embed="rId2"/>
+          <a:blip r:embed="rId1"/>
           <a:stretch>
             <a:fillRect/>
           </a:stretch>
         </p:blipFill>
         <p:spPr>
           <a:xfrm>
-            <a:off x="1717040" y="682625"/>
-            <a:ext cx="5464175" cy="6163945"/>
+            <a:off x="1450340" y="682625"/>
+            <a:ext cx="6243320" cy="6176010"/>
           </a:xfrm>
           <a:prstGeom prst="rect">
             <a:avLst/>
@@ -12925,7 +13478,7 @@
                 <a:latin typeface="Calibri" panose="020F0502020204030204" pitchFamily="34" charset="0"/>
                 <a:cs typeface="Calibri" panose="020F0502020204030204" pitchFamily="34" charset="0"/>
               </a:rPr>
-              <a:t>Lifecycle Methods Code Demo</a:t>
+              <a:t>Lifecycle Methods</a:t>
             </a:r>
             <a:endParaRPr lang="en-US" sz="3200" b="1" dirty="0">
               <a:latin typeface="Calibri" panose="020F0502020204030204" pitchFamily="34" charset="0"/>
@@ -12934,151 +13487,34 @@
           </a:p>
         </p:txBody>
       </p:sp>
-      <p:sp>
-        <p:nvSpPr>
-          <p:cNvPr id="6" name="Content Placeholder 2"/>
-          <p:cNvSpPr>
-            <a:spLocks noGrp="1"/>
-          </p:cNvSpPr>
+      <p:pic>
+        <p:nvPicPr>
+          <p:cNvPr id="5" name="图片 4" descr="1-u8hTumGAPQMYZIvfgQMfPA"/>
+          <p:cNvPicPr>
+            <a:picLocks noChangeAspect="1"/>
+          </p:cNvPicPr>
           <p:nvPr>
-            <p:ph idx="1"/>
+            <p:custDataLst>
+              <p:tags r:id="rId1"/>
+            </p:custDataLst>
           </p:nvPr>
-        </p:nvSpPr>
+        </p:nvPicPr>
+        <p:blipFill>
+          <a:blip r:embed="rId2"/>
+          <a:stretch>
+            <a:fillRect/>
+          </a:stretch>
+        </p:blipFill>
         <p:spPr>
           <a:xfrm>
-            <a:off x="628650" y="989044"/>
-            <a:ext cx="7886700" cy="5605719"/>
+            <a:off x="1717040" y="682625"/>
+            <a:ext cx="5464175" cy="6163945"/>
           </a:xfrm>
+          <a:prstGeom prst="rect">
+            <a:avLst/>
+          </a:prstGeom>
         </p:spPr>
-        <p:txBody>
-          <a:bodyPr>
-            <a:normAutofit lnSpcReduction="10000"/>
-          </a:bodyPr>
-          <a:p>
-            <a:pPr marL="228600" lvl="0" indent="-228600" defTabSz="342900">
-              <a:lnSpc>
-                <a:spcPct val="120000"/>
-              </a:lnSpc>
-              <a:buFont typeface="Arial" panose="020B0604020202020204" pitchFamily="34" charset="0"/>
-              <a:buChar char="•"/>
-            </a:pPr>
-            <a:r>
-              <a:rPr lang="en-US" altLang="en-US" sz="1540" dirty="0">
-                <a:solidFill>
-                  <a:srgbClr val="262626"/>
-                </a:solidFill>
-              </a:rPr>
-              <a:t>1 Debug the</a:t>
-            </a:r>
-            <a:r>
-              <a:rPr lang="en-US" altLang="en-US" sz="1540" dirty="0">
-                <a:solidFill>
-                  <a:srgbClr val="262626"/>
-                </a:solidFill>
-              </a:rPr>
-              <a:t> rendering process (</a:t>
-            </a:r>
-            <a:r>
-              <a:rPr lang="en-US" altLang="en-US" sz="1540" dirty="0">
-                <a:solidFill>
-                  <a:srgbClr val="FF0000"/>
-                </a:solidFill>
-              </a:rPr>
-              <a:t>code demo</a:t>
-            </a:r>
-            <a:r>
-              <a:rPr lang="en-US" altLang="en-US" sz="1540" dirty="0">
-                <a:solidFill>
-                  <a:srgbClr val="262626"/>
-                </a:solidFill>
-              </a:rPr>
-              <a:t>)</a:t>
-            </a:r>
-            <a:endParaRPr lang="en-US" altLang="en-US" sz="1540" dirty="0">
-              <a:solidFill>
-                <a:srgbClr val="262626"/>
-              </a:solidFill>
-            </a:endParaRPr>
-          </a:p>
-          <a:p>
-            <a:pPr marL="228600" lvl="0" indent="-228600" defTabSz="342900">
-              <a:lnSpc>
-                <a:spcPct val="120000"/>
-              </a:lnSpc>
-              <a:buFont typeface="Arial" panose="020B0604020202020204" pitchFamily="34" charset="0"/>
-              <a:buChar char="•"/>
-            </a:pPr>
-            <a:r>
-              <a:rPr lang="en-US" altLang="en-US" sz="1540" dirty="0">
-                <a:solidFill>
-                  <a:srgbClr val="262626"/>
-                </a:solidFill>
-              </a:rPr>
-              <a:t>2  Transform ejs to jsx</a:t>
-            </a:r>
-            <a:r>
-              <a:rPr lang="en-US" altLang="en-US" sz="1535" dirty="0">
-                <a:solidFill>
-                  <a:srgbClr val="262626"/>
-                </a:solidFill>
-                <a:sym typeface="+mn-ea"/>
-              </a:rPr>
-              <a:t> (</a:t>
-            </a:r>
-            <a:r>
-              <a:rPr lang="en-US" altLang="en-US" sz="1535" dirty="0">
-                <a:solidFill>
-                  <a:srgbClr val="FF0000"/>
-                </a:solidFill>
-                <a:sym typeface="+mn-ea"/>
-              </a:rPr>
-              <a:t>code demo</a:t>
-            </a:r>
-            <a:r>
-              <a:rPr lang="en-US" altLang="en-US" sz="1535" dirty="0">
-                <a:solidFill>
-                  <a:srgbClr val="262626"/>
-                </a:solidFill>
-                <a:sym typeface="+mn-ea"/>
-              </a:rPr>
-              <a:t>)</a:t>
-            </a:r>
-            <a:endParaRPr lang="en-US" altLang="en-US" sz="1535" dirty="0">
-              <a:solidFill>
-                <a:srgbClr val="262626"/>
-              </a:solidFill>
-            </a:endParaRPr>
-          </a:p>
-          <a:p>
-            <a:pPr marL="228600" lvl="0" indent="-228600" defTabSz="342900">
-              <a:lnSpc>
-                <a:spcPct val="120000"/>
-              </a:lnSpc>
-              <a:buFont typeface="Arial" panose="020B0604020202020204" pitchFamily="34" charset="0"/>
-              <a:buChar char="•"/>
-            </a:pPr>
-            <a:endParaRPr lang="en-US" altLang="en-US" sz="1540" dirty="0">
-              <a:solidFill>
-                <a:srgbClr val="262626"/>
-              </a:solidFill>
-            </a:endParaRPr>
-          </a:p>
-          <a:p>
-            <a:pPr marL="228600" lvl="0" indent="-228600" defTabSz="342900">
-              <a:lnSpc>
-                <a:spcPct val="120000"/>
-              </a:lnSpc>
-              <a:buFont typeface="Arial" panose="020B0604020202020204" pitchFamily="34" charset="0"/>
-              <a:buChar char="•"/>
-            </a:pPr>
-            <a:endParaRPr lang="en-US" altLang="en-US" sz="1540" dirty="0">
-              <a:solidFill>
-                <a:srgbClr val="262626"/>
-              </a:solidFill>
-            </a:endParaRPr>
-          </a:p>
-        </p:txBody>
-      </p:sp>
+      </p:pic>
     </p:spTree>
   </p:cSld>
   <p:clrMapOvr>
@@ -13108,14 +13544,6 @@
 </file>
 
 <file path=ppt/tags/tag4.xml><?xml version="1.0" encoding="utf-8"?>
-<p:tagLst xmlns:p="http://schemas.openxmlformats.org/presentationml/2006/main">
-  <p:tag name="KSO_WM_UNIT_TABLE_BEAUTIFY" val="smartTable{1b22eaaa-1e3c-431c-86e4-617e9c1146cb}"/>
-  <p:tag name="TABLE_ENDDRAG_ORIGIN_RECT" val="600*144"/>
-  <p:tag name="TABLE_ENDDRAG_RECT" val="58*77*600*144"/>
-</p:tagLst>
-</file>
-
-<file path=ppt/tags/tag5.xml><?xml version="1.0" encoding="utf-8"?>
 <p:tagLst xmlns:p="http://schemas.openxmlformats.org/presentationml/2006/main">
   <p:tag name="KSO_WM_UNIT_PLACING_PICTURE_USER_VIEWPORT" val="{&quot;height&quot;:6853,&quot;width&quot;:3934}"/>
 </p:tagLst>

--- a/BCI - Batch2 - Day9 - Reactjs 1 Intro.pptx
+++ b/BCI - Batch2 - Day9 - Reactjs 1 Intro.pptx
@@ -10,9 +10,9 @@
   <p:sldIdLst>
     <p:sldId id="1833" r:id="rId3"/>
     <p:sldId id="1387" r:id="rId4"/>
-    <p:sldId id="1852" r:id="rId6"/>
-    <p:sldId id="1551" r:id="rId7"/>
-    <p:sldId id="1826" r:id="rId8"/>
+    <p:sldId id="1551" r:id="rId6"/>
+    <p:sldId id="1826" r:id="rId7"/>
+    <p:sldId id="1852" r:id="rId8"/>
     <p:sldId id="1827" r:id="rId9"/>
     <p:sldId id="1868" r:id="rId10"/>
     <p:sldId id="1867" r:id="rId11"/>
@@ -12001,7 +12001,7 @@
                 <a:latin typeface="Calibri" panose="020F0502020204030204" pitchFamily="34" charset="0"/>
                 <a:cs typeface="Calibri" panose="020F0502020204030204" pitchFamily="34" charset="0"/>
               </a:rPr>
-              <a:t>Code Demo</a:t>
+              <a:t>What is Reactjs</a:t>
             </a:r>
             <a:endParaRPr lang="en-US" sz="3200" b="1" dirty="0">
               <a:latin typeface="Calibri" panose="020F0502020204030204" pitchFamily="34" charset="0"/>
@@ -12037,223 +12037,161 @@
                 <a:spcPct val="120000"/>
               </a:lnSpc>
             </a:pPr>
-            <a:r>
-              <a:rPr lang="en-US" altLang="zh-CN" sz="1800" dirty="0">
+            <a:endParaRPr lang="en-US" altLang="en-US" sz="1800" dirty="0">
+              <a:solidFill>
+                <a:srgbClr val="262626"/>
+              </a:solidFill>
+            </a:endParaRPr>
+          </a:p>
+          <a:p>
+            <a:pPr defTabSz="342900">
+              <a:lnSpc>
+                <a:spcPct val="120000"/>
+              </a:lnSpc>
+            </a:pPr>
+            <a:r>
+              <a:rPr lang="en-US" altLang="en-US" sz="1800" dirty="0">
                 <a:solidFill>
                   <a:srgbClr val="262626"/>
                 </a:solidFill>
               </a:rPr>
-              <a:t>tasks:</a:t>
-            </a:r>
-            <a:endParaRPr lang="en-US" altLang="zh-CN" sz="1800" dirty="0">
+              <a:t>Reactjs, </a:t>
+            </a:r>
+            <a:endParaRPr lang="en-US" altLang="en-US" sz="1800" dirty="0">
               <a:solidFill>
                 <a:srgbClr val="262626"/>
               </a:solidFill>
             </a:endParaRPr>
           </a:p>
           <a:p>
-            <a:pPr defTabSz="342900">
+            <a:pPr lvl="1" defTabSz="342900">
               <a:lnSpc>
                 <a:spcPct val="120000"/>
               </a:lnSpc>
             </a:pPr>
             <a:r>
-              <a:rPr lang="en-US" altLang="zh-CN" sz="1800" dirty="0">
+              <a:rPr lang="en-US" altLang="en-US" sz="1540" dirty="0">
                 <a:solidFill>
                   <a:srgbClr val="262626"/>
                 </a:solidFill>
               </a:rPr>
-              <a:t>1 setting up reactjs app</a:t>
-            </a:r>
-            <a:endParaRPr lang="en-US" altLang="zh-CN" sz="1800" dirty="0">
+              <a:t>It's a library for building user interfaces (UIs)</a:t>
+            </a:r>
+            <a:endParaRPr lang="en-US" altLang="en-US" sz="1540" dirty="0">
               <a:solidFill>
                 <a:srgbClr val="262626"/>
               </a:solidFill>
             </a:endParaRPr>
           </a:p>
           <a:p>
-            <a:pPr defTabSz="342900">
+            <a:pPr lvl="1" defTabSz="342900">
               <a:lnSpc>
                 <a:spcPct val="120000"/>
               </a:lnSpc>
             </a:pPr>
             <a:r>
-              <a:rPr lang="en-US" altLang="zh-CN" sz="1800" dirty="0">
+              <a:rPr lang="en-US" altLang="en-US" sz="1540" dirty="0">
                 <a:solidFill>
                   <a:srgbClr val="262626"/>
                 </a:solidFill>
               </a:rPr>
-              <a:t>2 add nodejs login to react</a:t>
-            </a:r>
-            <a:endParaRPr lang="en-US" altLang="zh-CN" sz="1800" dirty="0">
+              <a:t>It creates abstract representations of views. It breaks down parts of the view in the Components. These components encompass both the logic to handle the display of view and the view itself. It can contain data that it uses to render the state of the app</a:t>
+            </a:r>
+            <a:endParaRPr lang="en-US" altLang="en-US" sz="1540" dirty="0">
               <a:solidFill>
                 <a:srgbClr val="262626"/>
               </a:solidFill>
             </a:endParaRPr>
           </a:p>
           <a:p>
-            <a:pPr lvl="1" defTabSz="342900">
+            <a:pPr marL="228600" lvl="0" indent="-228600" defTabSz="342900">
               <a:lnSpc>
                 <a:spcPct val="120000"/>
               </a:lnSpc>
-            </a:pPr>
-            <a:r>
-              <a:rPr lang="en-US" altLang="zh-CN" sz="1540" dirty="0">
+              <a:buFont typeface="Arial" panose="020B0604020202020204" pitchFamily="34" charset="0"/>
+              <a:buChar char="•"/>
+            </a:pPr>
+            <a:endParaRPr lang="en-US" altLang="en-US" sz="1800" dirty="0">
+              <a:solidFill>
+                <a:srgbClr val="262626"/>
+              </a:solidFill>
+            </a:endParaRPr>
+          </a:p>
+          <a:p>
+            <a:pPr marL="228600" lvl="0" indent="-228600" defTabSz="342900">
+              <a:lnSpc>
+                <a:spcPct val="120000"/>
+              </a:lnSpc>
+              <a:buFont typeface="Arial" panose="020B0604020202020204" pitchFamily="34" charset="0"/>
+              <a:buChar char="•"/>
+            </a:pPr>
+            <a:r>
+              <a:rPr lang="en-US" altLang="en-US" sz="1800" dirty="0">
                 <a:solidFill>
                   <a:srgbClr val="262626"/>
                 </a:solidFill>
               </a:rPr>
-              <a:t>add routes and link</a:t>
-            </a:r>
-            <a:endParaRPr lang="en-US" altLang="zh-CN" sz="1540" dirty="0">
+              <a:t>React is divided into two major APIs:</a:t>
+            </a:r>
+            <a:endParaRPr lang="en-US" altLang="en-US" sz="1800" dirty="0">
               <a:solidFill>
                 <a:srgbClr val="262626"/>
               </a:solidFill>
             </a:endParaRPr>
           </a:p>
           <a:p>
-            <a:pPr lvl="1" defTabSz="342900">
+            <a:pPr marL="228600" lvl="0" indent="-228600" defTabSz="342900">
               <a:lnSpc>
                 <a:spcPct val="120000"/>
               </a:lnSpc>
-            </a:pPr>
-            <a:r>
-              <a:rPr lang="en-US" altLang="zh-CN" sz="1540" dirty="0">
+              <a:buFont typeface="Arial" panose="020B0604020202020204" pitchFamily="34" charset="0"/>
+              <a:buChar char="•"/>
+            </a:pPr>
+            <a:r>
+              <a:rPr lang="en-US" altLang="en-US" sz="1800" dirty="0">
                 <a:solidFill>
                   <a:srgbClr val="262626"/>
                 </a:solidFill>
               </a:rPr>
-              <a:t>https://reactrouter.com/web/example/basic</a:t>
-            </a:r>
-            <a:endParaRPr lang="en-US" altLang="zh-CN" sz="1540" dirty="0">
+              <a:t>The React Component API: These are the parts of the page that are actually rendered by React DOM.</a:t>
+            </a:r>
+            <a:endParaRPr lang="en-US" altLang="en-US" sz="1800" dirty="0">
               <a:solidFill>
                 <a:srgbClr val="262626"/>
               </a:solidFill>
             </a:endParaRPr>
           </a:p>
           <a:p>
-            <a:pPr lvl="1" defTabSz="342900">
+            <a:pPr marL="228600" lvl="0" indent="-228600" defTabSz="342900">
               <a:lnSpc>
                 <a:spcPct val="120000"/>
               </a:lnSpc>
-            </a:pPr>
-            <a:endParaRPr lang="en-US" altLang="zh-CN" sz="1540" dirty="0">
-              <a:solidFill>
-                <a:srgbClr val="262626"/>
-              </a:solidFill>
-            </a:endParaRPr>
-          </a:p>
-          <a:p>
-            <a:pPr lvl="1" defTabSz="342900">
-              <a:lnSpc>
-                <a:spcPct val="120000"/>
-              </a:lnSpc>
-            </a:pPr>
-            <a:r>
-              <a:rPr lang="en-US" altLang="zh-CN" sz="1540" dirty="0">
+              <a:buFont typeface="Arial" panose="020B0604020202020204" pitchFamily="34" charset="0"/>
+              <a:buChar char="•"/>
+            </a:pPr>
+            <a:r>
+              <a:rPr lang="en-US" altLang="en-US" sz="1800" dirty="0">
                 <a:solidFill>
                   <a:srgbClr val="262626"/>
                 </a:solidFill>
               </a:rPr>
-              <a:t>add forms</a:t>
-            </a:r>
-            <a:endParaRPr lang="en-US" altLang="zh-CN" sz="1540" dirty="0">
+              <a:t>React DOM: This is the API that's used to perform the actual rendering on a web page.</a:t>
+            </a:r>
+            <a:endParaRPr lang="en-US" altLang="en-US" sz="1800" dirty="0">
               <a:solidFill>
                 <a:srgbClr val="262626"/>
               </a:solidFill>
             </a:endParaRPr>
           </a:p>
           <a:p>
-            <a:pPr lvl="1" defTabSz="342900">
+            <a:pPr marL="228600" lvl="0" indent="-228600" defTabSz="342900">
               <a:lnSpc>
                 <a:spcPct val="120000"/>
               </a:lnSpc>
-            </a:pPr>
-            <a:endParaRPr lang="en-US" altLang="zh-CN" sz="1540" dirty="0">
-              <a:solidFill>
-                <a:srgbClr val="262626"/>
-              </a:solidFill>
-            </a:endParaRPr>
-          </a:p>
-          <a:p>
-            <a:pPr lvl="1" defTabSz="342900">
-              <a:lnSpc>
-                <a:spcPct val="120000"/>
-              </a:lnSpc>
-            </a:pPr>
-            <a:r>
-              <a:rPr lang="en-US" altLang="zh-CN" sz="1540" dirty="0">
-                <a:solidFill>
-                  <a:srgbClr val="262626"/>
-                </a:solidFill>
-              </a:rPr>
-              <a:t>add events handler</a:t>
-            </a:r>
-            <a:endParaRPr lang="en-US" altLang="zh-CN" sz="1540" dirty="0">
-              <a:solidFill>
-                <a:srgbClr val="262626"/>
-              </a:solidFill>
-            </a:endParaRPr>
-          </a:p>
-          <a:p>
-            <a:pPr lvl="1" defTabSz="342900">
-              <a:lnSpc>
-                <a:spcPct val="120000"/>
-              </a:lnSpc>
-            </a:pPr>
-            <a:endParaRPr lang="en-US" altLang="zh-CN" sz="1540" dirty="0">
-              <a:solidFill>
-                <a:srgbClr val="262626"/>
-              </a:solidFill>
-            </a:endParaRPr>
-          </a:p>
-          <a:p>
-            <a:pPr lvl="1" defTabSz="342900">
-              <a:lnSpc>
-                <a:spcPct val="120000"/>
-              </a:lnSpc>
-            </a:pPr>
-            <a:r>
-              <a:rPr lang="en-US" altLang="zh-CN" sz="1540" dirty="0">
-                <a:solidFill>
-                  <a:srgbClr val="262626"/>
-                </a:solidFill>
-              </a:rPr>
-              <a:t>add submit handler</a:t>
-            </a:r>
-            <a:endParaRPr lang="en-US" altLang="zh-CN" sz="1540" dirty="0">
-              <a:solidFill>
-                <a:srgbClr val="262626"/>
-              </a:solidFill>
-            </a:endParaRPr>
-          </a:p>
-          <a:p>
-            <a:pPr lvl="1" defTabSz="342900">
-              <a:lnSpc>
-                <a:spcPct val="120000"/>
-              </a:lnSpc>
-            </a:pPr>
-            <a:endParaRPr lang="en-US" altLang="zh-CN" sz="1540" dirty="0">
-              <a:solidFill>
-                <a:srgbClr val="262626"/>
-              </a:solidFill>
-            </a:endParaRPr>
-          </a:p>
-          <a:p>
-            <a:pPr lvl="1" defTabSz="342900">
-              <a:lnSpc>
-                <a:spcPct val="120000"/>
-              </a:lnSpc>
-            </a:pPr>
-            <a:r>
-              <a:rPr lang="en-US" altLang="zh-CN" sz="1540" dirty="0">
-                <a:solidFill>
-                  <a:srgbClr val="262626"/>
-                </a:solidFill>
-              </a:rPr>
-              <a:t>add auth</a:t>
-            </a:r>
-            <a:endParaRPr lang="en-US" altLang="zh-CN" sz="1540" dirty="0">
+              <a:buFont typeface="Arial" panose="020B0604020202020204" pitchFamily="34" charset="0"/>
+              <a:buChar char="•"/>
+            </a:pPr>
+            <a:endParaRPr lang="en-US" altLang="en-US" sz="1800" dirty="0">
               <a:solidFill>
                 <a:srgbClr val="262626"/>
               </a:solidFill>
@@ -12313,6 +12251,7 @@
               <a:rPr lang="en-US" sz="3200" b="1" dirty="0">
                 <a:latin typeface="Calibri" panose="020F0502020204030204" pitchFamily="34" charset="0"/>
                 <a:cs typeface="Calibri" panose="020F0502020204030204" pitchFamily="34" charset="0"/>
+                <a:sym typeface="+mn-ea"/>
               </a:rPr>
               <a:t>What is Reactjs</a:t>
             </a:r>
@@ -12325,7 +12264,7 @@
       </p:sp>
       <p:sp>
         <p:nvSpPr>
-          <p:cNvPr id="3" name="Content Placeholder 2"/>
+          <p:cNvPr id="5" name="Content Placeholder 2"/>
           <p:cNvSpPr>
             <a:spLocks noGrp="1"/>
           </p:cNvSpPr>
@@ -12341,26 +12280,16 @@
         </p:spPr>
         <p:txBody>
           <a:bodyPr>
-            <a:normAutofit/>
+            <a:normAutofit lnSpcReduction="20000"/>
           </a:bodyPr>
           <a:lstStyle/>
           <a:p>
-            <a:pPr defTabSz="342900">
+            <a:pPr marL="228600" lvl="0" indent="-228600" defTabSz="342900">
               <a:lnSpc>
                 <a:spcPct val="120000"/>
               </a:lnSpc>
-            </a:pPr>
-            <a:endParaRPr lang="en-US" altLang="en-US" sz="1800" dirty="0">
-              <a:solidFill>
-                <a:srgbClr val="262626"/>
-              </a:solidFill>
-            </a:endParaRPr>
-          </a:p>
-          <a:p>
-            <a:pPr defTabSz="342900">
-              <a:lnSpc>
-                <a:spcPct val="120000"/>
-              </a:lnSpc>
+              <a:buFont typeface="Arial" panose="020B0604020202020204" pitchFamily="34" charset="0"/>
+              <a:buChar char="•"/>
             </a:pPr>
             <a:r>
               <a:rPr lang="en-US" altLang="en-US" sz="1800" dirty="0">
@@ -12368,7 +12297,7 @@
                   <a:srgbClr val="262626"/>
                 </a:solidFill>
               </a:rPr>
-              <a:t>Reactjs, </a:t>
+              <a:t>Key Points</a:t>
             </a:r>
             <a:endParaRPr lang="en-US" altLang="en-US" sz="1800" dirty="0">
               <a:solidFill>
@@ -12377,53 +12306,36 @@
             </a:endParaRPr>
           </a:p>
           <a:p>
-            <a:pPr lvl="1" defTabSz="342900">
+            <a:pPr marL="228600" lvl="0" indent="-228600" defTabSz="342900">
               <a:lnSpc>
                 <a:spcPct val="120000"/>
               </a:lnSpc>
-            </a:pPr>
-            <a:r>
-              <a:rPr lang="en-US" altLang="en-US" sz="1540" dirty="0">
+              <a:buFont typeface="Arial" panose="020B0604020202020204" pitchFamily="34" charset="0"/>
+              <a:buChar char="•"/>
+            </a:pPr>
+            <a:endParaRPr lang="en-US" altLang="en-US" sz="1800" dirty="0">
+              <a:solidFill>
+                <a:srgbClr val="262626"/>
+              </a:solidFill>
+            </a:endParaRPr>
+          </a:p>
+          <a:p>
+            <a:pPr marL="228600" lvl="0" indent="-228600" defTabSz="342900">
+              <a:lnSpc>
+                <a:spcPct val="120000"/>
+              </a:lnSpc>
+              <a:buFont typeface="Arial" panose="020B0604020202020204" pitchFamily="34" charset="0"/>
+              <a:buChar char="•"/>
+            </a:pPr>
+            <a:r>
+              <a:rPr lang="en-US" altLang="en-US" sz="1800" dirty="0">
                 <a:solidFill>
                   <a:srgbClr val="262626"/>
                 </a:solidFill>
+                <a:sym typeface="+mn-ea"/>
               </a:rPr>
-              <a:t>It's a library for building user interfaces (UIs)</a:t>
-            </a:r>
-            <a:endParaRPr lang="en-US" altLang="en-US" sz="1540" dirty="0">
-              <a:solidFill>
-                <a:srgbClr val="262626"/>
-              </a:solidFill>
-            </a:endParaRPr>
-          </a:p>
-          <a:p>
-            <a:pPr lvl="1" defTabSz="342900">
-              <a:lnSpc>
-                <a:spcPct val="120000"/>
-              </a:lnSpc>
-            </a:pPr>
-            <a:r>
-              <a:rPr lang="en-US" altLang="en-US" sz="1540" dirty="0">
-                <a:solidFill>
-                  <a:srgbClr val="262626"/>
-                </a:solidFill>
-              </a:rPr>
-              <a:t>It creates abstract representations of views. It breaks down parts of the view in the Components. These components encompass both the logic to handle the display of view and the view itself. It can contain data that it uses to render the state of the app</a:t>
-            </a:r>
-            <a:endParaRPr lang="en-US" altLang="en-US" sz="1540" dirty="0">
-              <a:solidFill>
-                <a:srgbClr val="262626"/>
-              </a:solidFill>
-            </a:endParaRPr>
-          </a:p>
-          <a:p>
-            <a:pPr marL="228600" lvl="0" indent="-228600" defTabSz="342900">
-              <a:lnSpc>
-                <a:spcPct val="120000"/>
-              </a:lnSpc>
-              <a:buFont typeface="Arial" panose="020B0604020202020204" pitchFamily="34" charset="0"/>
-              <a:buChar char="•"/>
-            </a:pPr>
+              <a:t>JSX: This is the syntax of React components used to describe UI structures.</a:t>
+            </a:r>
             <a:endParaRPr lang="en-US" altLang="en-US" sz="1800" dirty="0">
               <a:solidFill>
                 <a:srgbClr val="262626"/>
@@ -12444,7 +12356,16 @@
                   <a:srgbClr val="262626"/>
                 </a:solidFill>
               </a:rPr>
-              <a:t>React is divided into two major APIs:</a:t>
+              <a:t>Lifecycle &amp; lifecycle methods: </a:t>
+            </a:r>
+            <a:r>
+              <a:rPr lang="en-US" altLang="en-US" sz="1800" dirty="0">
+                <a:solidFill>
+                  <a:srgbClr val="262626"/>
+                </a:solidFill>
+                <a:sym typeface="+mn-ea"/>
+              </a:rPr>
+              <a:t>This consists of methods or Hooks that we implement to respond to the component's entering and exiting phases of the React rendering process as they happen over time. For example, one phase of the lifecycle is when the component is about to be rendered.</a:t>
             </a:r>
             <a:endParaRPr lang="en-US" altLang="en-US" sz="1800" dirty="0">
               <a:solidFill>
@@ -12460,13 +12381,73 @@
               <a:buFont typeface="Arial" panose="020B0604020202020204" pitchFamily="34" charset="0"/>
               <a:buChar char="•"/>
             </a:pPr>
+            <a:r>
+              <a:rPr lang="en-US" altLang="en-US" sz="1800" dirty="0">
+                <a:solidFill>
+                  <a:srgbClr val="262626"/>
+                </a:solidFill>
+                <a:sym typeface="+mn-ea"/>
+              </a:rPr>
+              <a:t>Data P</a:t>
+            </a:r>
+            <a:r>
+              <a:rPr lang="en-US" altLang="en-US" sz="1800" dirty="0">
+                <a:solidFill>
+                  <a:srgbClr val="262626"/>
+                </a:solidFill>
+                <a:sym typeface="+mn-ea"/>
+              </a:rPr>
+              <a:t>assing</a:t>
+            </a:r>
+            <a:r>
+              <a:rPr lang="en-US" altLang="en-US" sz="1800" dirty="0">
+                <a:solidFill>
+                  <a:srgbClr val="262626"/>
+                </a:solidFill>
+                <a:sym typeface="+mn-ea"/>
+              </a:rPr>
+              <a:t>: </a:t>
+            </a:r>
             <a:r>
               <a:rPr lang="en-US" altLang="en-US" sz="1800" dirty="0">
                 <a:solidFill>
                   <a:srgbClr val="262626"/>
                 </a:solidFill>
               </a:rPr>
-              <a:t>The React Component API: These are the parts of the page that are actually rendered by React DOM.</a:t>
+              <a:t>props and states, </a:t>
+            </a:r>
+            <a:r>
+              <a:rPr lang="en-US" altLang="en-US" sz="1800" dirty="0">
+                <a:solidFill>
+                  <a:srgbClr val="262626"/>
+                </a:solidFill>
+                <a:sym typeface="+mn-ea"/>
+              </a:rPr>
+              <a:t>Context API</a:t>
+            </a:r>
+            <a:endParaRPr lang="en-US" altLang="en-US" sz="1800" dirty="0">
+              <a:solidFill>
+                <a:srgbClr val="262626"/>
+              </a:solidFill>
+              <a:sym typeface="+mn-ea"/>
+            </a:endParaRPr>
+          </a:p>
+          <a:p>
+            <a:pPr marL="228600" lvl="0" indent="-228600" defTabSz="342900">
+              <a:lnSpc>
+                <a:spcPct val="120000"/>
+              </a:lnSpc>
+              <a:buFont typeface="Arial" panose="020B0604020202020204" pitchFamily="34" charset="0"/>
+              <a:buChar char="•"/>
+            </a:pPr>
+            <a:r>
+              <a:rPr lang="en-US" altLang="en-US" sz="1800" dirty="0">
+                <a:solidFill>
+                  <a:srgbClr val="262626"/>
+                </a:solidFill>
+                <a:sym typeface="+mn-ea"/>
+              </a:rPr>
+              <a:t>Routes</a:t>
             </a:r>
             <a:endParaRPr lang="en-US" altLang="en-US" sz="1800" dirty="0">
               <a:solidFill>
@@ -12488,7 +12469,7 @@
                   <a:srgbClr val="262626"/>
                 </a:solidFill>
               </a:rPr>
-              <a:t>React DOM: This is the API that's used to perform the actual rendering on a web page.</a:t>
+              <a:t>Class Component &amp; Functional components</a:t>
             </a:r>
             <a:endParaRPr lang="en-US" altLang="en-US" sz="1800" dirty="0">
               <a:solidFill>
@@ -12504,6 +12485,81 @@
               <a:buFont typeface="Arial" panose="020B0604020202020204" pitchFamily="34" charset="0"/>
               <a:buChar char="•"/>
             </a:pPr>
+            <a:r>
+              <a:rPr lang="en-US" altLang="en-US" sz="1800" dirty="0">
+                <a:solidFill>
+                  <a:srgbClr val="262626"/>
+                </a:solidFill>
+              </a:rPr>
+              <a:t>Hooks</a:t>
+            </a:r>
+            <a:endParaRPr lang="en-US" altLang="en-US" sz="1800" dirty="0">
+              <a:solidFill>
+                <a:srgbClr val="262626"/>
+              </a:solidFill>
+            </a:endParaRPr>
+          </a:p>
+          <a:p>
+            <a:pPr marL="228600" lvl="0" indent="-228600" defTabSz="342900">
+              <a:lnSpc>
+                <a:spcPct val="120000"/>
+              </a:lnSpc>
+              <a:buFont typeface="Arial" panose="020B0604020202020204" pitchFamily="34" charset="0"/>
+              <a:buChar char="•"/>
+            </a:pPr>
+            <a:r>
+              <a:rPr lang="en-US" altLang="en-US" sz="1800" dirty="0">
+                <a:solidFill>
+                  <a:srgbClr val="262626"/>
+                </a:solidFill>
+              </a:rPr>
+              <a:t>forms</a:t>
+            </a:r>
+            <a:endParaRPr lang="en-US" altLang="en-US" sz="1800" dirty="0">
+              <a:solidFill>
+                <a:srgbClr val="262626"/>
+              </a:solidFill>
+            </a:endParaRPr>
+          </a:p>
+          <a:p>
+            <a:pPr marL="228600" lvl="0" indent="-228600" defTabSz="342900">
+              <a:lnSpc>
+                <a:spcPct val="120000"/>
+              </a:lnSpc>
+              <a:buFont typeface="Arial" panose="020B0604020202020204" pitchFamily="34" charset="0"/>
+              <a:buChar char="•"/>
+            </a:pPr>
+            <a:r>
+              <a:rPr lang="en-US" altLang="en-US" sz="1800" dirty="0">
+                <a:solidFill>
+                  <a:srgbClr val="262626"/>
+                </a:solidFill>
+              </a:rPr>
+              <a:t>uploads</a:t>
+            </a:r>
+            <a:endParaRPr lang="en-US" altLang="en-US" sz="1800" dirty="0">
+              <a:solidFill>
+                <a:srgbClr val="262626"/>
+              </a:solidFill>
+            </a:endParaRPr>
+          </a:p>
+          <a:p>
+            <a:pPr marL="228600" lvl="0" indent="-228600" defTabSz="342900">
+              <a:lnSpc>
+                <a:spcPct val="120000"/>
+              </a:lnSpc>
+              <a:buFont typeface="Arial" panose="020B0604020202020204" pitchFamily="34" charset="0"/>
+              <a:buChar char="•"/>
+            </a:pPr>
+            <a:r>
+              <a:rPr lang="en-US" altLang="en-US" sz="1800" dirty="0">
+                <a:solidFill>
+                  <a:srgbClr val="262626"/>
+                </a:solidFill>
+                <a:sym typeface="+mn-ea"/>
+              </a:rPr>
+              <a:t>events: These are the code that we write for responding to user interactions.</a:t>
+            </a:r>
             <a:endParaRPr lang="en-US" altLang="en-US" sz="1800" dirty="0">
               <a:solidFill>
                 <a:srgbClr val="262626"/>
@@ -12564,9 +12620,8 @@
               <a:rPr lang="en-US" sz="3200" b="1" dirty="0">
                 <a:latin typeface="Calibri" panose="020F0502020204030204" pitchFamily="34" charset="0"/>
                 <a:cs typeface="Calibri" panose="020F0502020204030204" pitchFamily="34" charset="0"/>
-                <a:sym typeface="+mn-ea"/>
               </a:rPr>
-              <a:t>What is Reactjs</a:t>
+              <a:t>Code Demo</a:t>
             </a:r>
             <a:endParaRPr lang="en-US" sz="3200" b="1" dirty="0">
               <a:latin typeface="Calibri" panose="020F0502020204030204" pitchFamily="34" charset="0"/>
@@ -12577,7 +12632,7 @@
       </p:sp>
       <p:sp>
         <p:nvSpPr>
-          <p:cNvPr id="5" name="Content Placeholder 2"/>
+          <p:cNvPr id="3" name="Content Placeholder 2"/>
           <p:cNvSpPr>
             <a:spLocks noGrp="1"/>
           </p:cNvSpPr>
@@ -12593,309 +12648,232 @@
         </p:spPr>
         <p:txBody>
           <a:bodyPr>
-            <a:normAutofit lnSpcReduction="20000"/>
+            <a:normAutofit/>
           </a:bodyPr>
           <a:lstStyle/>
           <a:p>
-            <a:pPr marL="228600" lvl="0" indent="-228600" defTabSz="342900">
+            <a:pPr defTabSz="342900">
               <a:lnSpc>
                 <a:spcPct val="120000"/>
               </a:lnSpc>
-              <a:buFont typeface="Arial" panose="020B0604020202020204" pitchFamily="34" charset="0"/>
-              <a:buChar char="•"/>
-            </a:pPr>
-            <a:r>
-              <a:rPr lang="en-US" altLang="en-US" sz="1800" dirty="0">
+            </a:pPr>
+            <a:r>
+              <a:rPr lang="en-US" altLang="zh-CN" sz="1800" dirty="0">
                 <a:solidFill>
                   <a:srgbClr val="262626"/>
                 </a:solidFill>
               </a:rPr>
-              <a:t>Key Points</a:t>
-            </a:r>
-            <a:endParaRPr lang="en-US" altLang="en-US" sz="1800" dirty="0">
+              <a:t>tasks:</a:t>
+            </a:r>
+            <a:endParaRPr lang="en-US" altLang="zh-CN" sz="1800" dirty="0">
               <a:solidFill>
                 <a:srgbClr val="262626"/>
               </a:solidFill>
             </a:endParaRPr>
           </a:p>
           <a:p>
-            <a:pPr marL="228600" lvl="0" indent="-228600" defTabSz="342900">
+            <a:pPr defTabSz="342900">
               <a:lnSpc>
                 <a:spcPct val="120000"/>
               </a:lnSpc>
-              <a:buFont typeface="Arial" panose="020B0604020202020204" pitchFamily="34" charset="0"/>
-              <a:buChar char="•"/>
-            </a:pPr>
-            <a:endParaRPr lang="en-US" altLang="en-US" sz="1800" dirty="0">
-              <a:solidFill>
-                <a:srgbClr val="262626"/>
-              </a:solidFill>
-            </a:endParaRPr>
-          </a:p>
-          <a:p>
-            <a:pPr marL="228600" lvl="0" indent="-228600" defTabSz="342900">
-              <a:lnSpc>
-                <a:spcPct val="120000"/>
-              </a:lnSpc>
-              <a:buFont typeface="Arial" panose="020B0604020202020204" pitchFamily="34" charset="0"/>
-              <a:buChar char="•"/>
-            </a:pPr>
-            <a:r>
-              <a:rPr lang="en-US" altLang="en-US" sz="1800" dirty="0">
-                <a:solidFill>
-                  <a:srgbClr val="262626"/>
-                </a:solidFill>
-                <a:sym typeface="+mn-ea"/>
-              </a:rPr>
-              <a:t>JSX: This is the syntax of React components used to describe UI structures.</a:t>
-            </a:r>
-            <a:endParaRPr lang="en-US" altLang="en-US" sz="1800" dirty="0">
-              <a:solidFill>
-                <a:srgbClr val="262626"/>
-              </a:solidFill>
-            </a:endParaRPr>
-          </a:p>
-          <a:p>
-            <a:pPr marL="228600" lvl="0" indent="-228600" defTabSz="342900">
-              <a:lnSpc>
-                <a:spcPct val="120000"/>
-              </a:lnSpc>
-              <a:buFont typeface="Arial" panose="020B0604020202020204" pitchFamily="34" charset="0"/>
-              <a:buChar char="•"/>
-            </a:pPr>
-            <a:r>
-              <a:rPr lang="en-US" altLang="en-US" sz="1800" dirty="0">
+            </a:pPr>
+            <a:r>
+              <a:rPr lang="en-US" altLang="zh-CN" sz="1800" dirty="0">
                 <a:solidFill>
                   <a:srgbClr val="262626"/>
                 </a:solidFill>
               </a:rPr>
-              <a:t>Lifecycle &amp; lifecycle methods: </a:t>
-            </a:r>
-            <a:r>
-              <a:rPr lang="en-US" altLang="en-US" sz="1800" dirty="0">
-                <a:solidFill>
-                  <a:srgbClr val="262626"/>
-                </a:solidFill>
-                <a:sym typeface="+mn-ea"/>
-              </a:rPr>
-              <a:t>This consists of methods or Hooks that we implement to respond to the component's entering and exiting phases of the React rendering process as they happen over time. For example, one phase of the lifecycle is when the component is about to be rendered.</a:t>
-            </a:r>
-            <a:endParaRPr lang="en-US" altLang="en-US" sz="1800" dirty="0">
+              <a:t>1 setting up reactjs app</a:t>
+            </a:r>
+            <a:endParaRPr lang="en-US" altLang="zh-CN" sz="1800" dirty="0">
               <a:solidFill>
                 <a:srgbClr val="262626"/>
               </a:solidFill>
             </a:endParaRPr>
           </a:p>
           <a:p>
-            <a:pPr marL="228600" lvl="0" indent="-228600" defTabSz="342900">
+            <a:pPr defTabSz="342900">
               <a:lnSpc>
                 <a:spcPct val="120000"/>
               </a:lnSpc>
-              <a:buFont typeface="Arial" panose="020B0604020202020204" pitchFamily="34" charset="0"/>
-              <a:buChar char="•"/>
-            </a:pPr>
-            <a:r>
-              <a:rPr lang="en-US" altLang="en-US" sz="1800" dirty="0">
-                <a:solidFill>
-                  <a:srgbClr val="262626"/>
-                </a:solidFill>
-                <a:sym typeface="+mn-ea"/>
-              </a:rPr>
-              <a:t>Data P</a:t>
-            </a:r>
-            <a:r>
-              <a:rPr lang="en-US" altLang="en-US" sz="1800" dirty="0">
-                <a:solidFill>
-                  <a:srgbClr val="262626"/>
-                </a:solidFill>
-                <a:sym typeface="+mn-ea"/>
-              </a:rPr>
-              <a:t>assing</a:t>
-            </a:r>
-            <a:r>
-              <a:rPr lang="en-US" altLang="en-US" sz="1800" dirty="0">
-                <a:solidFill>
-                  <a:srgbClr val="262626"/>
-                </a:solidFill>
-                <a:sym typeface="+mn-ea"/>
-              </a:rPr>
-              <a:t>: </a:t>
-            </a:r>
-            <a:r>
-              <a:rPr lang="en-US" altLang="en-US" sz="1800" dirty="0">
+            </a:pPr>
+            <a:r>
+              <a:rPr lang="en-US" altLang="zh-CN" sz="1800" dirty="0">
                 <a:solidFill>
                   <a:srgbClr val="262626"/>
                 </a:solidFill>
               </a:rPr>
-              <a:t>props and states, </a:t>
-            </a:r>
-            <a:r>
-              <a:rPr lang="en-US" altLang="en-US" sz="1800" dirty="0">
-                <a:solidFill>
-                  <a:srgbClr val="262626"/>
-                </a:solidFill>
-                <a:sym typeface="+mn-ea"/>
-              </a:rPr>
-              <a:t>Context API</a:t>
-            </a:r>
-            <a:endParaRPr lang="en-US" altLang="en-US" sz="1800" dirty="0">
+              <a:t>2 add nodejs login to react</a:t>
+            </a:r>
+            <a:endParaRPr lang="en-US" altLang="zh-CN" sz="1800" dirty="0">
               <a:solidFill>
                 <a:srgbClr val="262626"/>
               </a:solidFill>
-              <a:sym typeface="+mn-ea"/>
-            </a:endParaRPr>
-          </a:p>
-          <a:p>
-            <a:pPr marL="228600" lvl="0" indent="-228600" defTabSz="342900">
+            </a:endParaRPr>
+          </a:p>
+          <a:p>
+            <a:pPr lvl="1" defTabSz="342900">
               <a:lnSpc>
                 <a:spcPct val="120000"/>
               </a:lnSpc>
-              <a:buFont typeface="Arial" panose="020B0604020202020204" pitchFamily="34" charset="0"/>
-              <a:buChar char="•"/>
-            </a:pPr>
-            <a:r>
-              <a:rPr lang="en-US" altLang="en-US" sz="1800" dirty="0">
-                <a:solidFill>
-                  <a:srgbClr val="262626"/>
-                </a:solidFill>
-                <a:sym typeface="+mn-ea"/>
-              </a:rPr>
-              <a:t>Routes</a:t>
-            </a:r>
-            <a:endParaRPr lang="en-US" altLang="en-US" sz="1800" dirty="0">
-              <a:solidFill>
-                <a:srgbClr val="262626"/>
-              </a:solidFill>
-            </a:endParaRPr>
-          </a:p>
-          <a:p>
-            <a:pPr marL="228600" lvl="0" indent="-228600" defTabSz="342900">
-              <a:lnSpc>
-                <a:spcPct val="120000"/>
-              </a:lnSpc>
-              <a:buFont typeface="Arial" panose="020B0604020202020204" pitchFamily="34" charset="0"/>
-              <a:buChar char="•"/>
-            </a:pPr>
-            <a:r>
-              <a:rPr lang="en-US" altLang="en-US" sz="1800" dirty="0">
+            </a:pPr>
+            <a:r>
+              <a:rPr lang="en-US" altLang="zh-CN" sz="1540" dirty="0">
                 <a:solidFill>
                   <a:srgbClr val="262626"/>
                 </a:solidFill>
               </a:rPr>
-              <a:t>Class Component &amp; Functional components</a:t>
-            </a:r>
-            <a:endParaRPr lang="en-US" altLang="en-US" sz="1800" dirty="0">
+              <a:t>add routes and link</a:t>
+            </a:r>
+            <a:endParaRPr lang="en-US" altLang="zh-CN" sz="1540" dirty="0">
               <a:solidFill>
                 <a:srgbClr val="262626"/>
               </a:solidFill>
             </a:endParaRPr>
           </a:p>
           <a:p>
-            <a:pPr marL="228600" lvl="0" indent="-228600" defTabSz="342900">
+            <a:pPr lvl="1" defTabSz="342900">
               <a:lnSpc>
                 <a:spcPct val="120000"/>
               </a:lnSpc>
-              <a:buFont typeface="Arial" panose="020B0604020202020204" pitchFamily="34" charset="0"/>
-              <a:buChar char="•"/>
-            </a:pPr>
-            <a:r>
-              <a:rPr lang="en-US" altLang="en-US" sz="1800" dirty="0">
+            </a:pPr>
+            <a:r>
+              <a:rPr lang="en-US" altLang="zh-CN" sz="1540" dirty="0">
                 <a:solidFill>
                   <a:srgbClr val="262626"/>
                 </a:solidFill>
               </a:rPr>
-              <a:t>Hooks</a:t>
-            </a:r>
-            <a:endParaRPr lang="en-US" altLang="en-US" sz="1800" dirty="0">
+              <a:t>https://reactrouter.com/web/example/basic</a:t>
+            </a:r>
+            <a:endParaRPr lang="en-US" altLang="zh-CN" sz="1540" dirty="0">
               <a:solidFill>
                 <a:srgbClr val="262626"/>
               </a:solidFill>
             </a:endParaRPr>
           </a:p>
           <a:p>
-            <a:pPr marL="228600" lvl="0" indent="-228600" defTabSz="342900">
+            <a:pPr lvl="1" defTabSz="342900">
               <a:lnSpc>
                 <a:spcPct val="120000"/>
               </a:lnSpc>
-              <a:buFont typeface="Arial" panose="020B0604020202020204" pitchFamily="34" charset="0"/>
-              <a:buChar char="•"/>
-            </a:pPr>
-            <a:r>
-              <a:rPr lang="en-US" altLang="en-US" sz="1800" dirty="0">
+            </a:pPr>
+            <a:endParaRPr lang="en-US" altLang="zh-CN" sz="1540" dirty="0">
+              <a:solidFill>
+                <a:srgbClr val="262626"/>
+              </a:solidFill>
+            </a:endParaRPr>
+          </a:p>
+          <a:p>
+            <a:pPr lvl="1" defTabSz="342900">
+              <a:lnSpc>
+                <a:spcPct val="120000"/>
+              </a:lnSpc>
+            </a:pPr>
+            <a:r>
+              <a:rPr lang="en-US" altLang="zh-CN" sz="1540" dirty="0">
                 <a:solidFill>
                   <a:srgbClr val="262626"/>
                 </a:solidFill>
               </a:rPr>
-              <a:t>how to write logic in react</a:t>
-            </a:r>
-            <a:endParaRPr lang="en-US" altLang="en-US" sz="1800" dirty="0">
+              <a:t>add forms</a:t>
+            </a:r>
+            <a:endParaRPr lang="en-US" altLang="zh-CN" sz="1540" dirty="0">
               <a:solidFill>
                 <a:srgbClr val="262626"/>
               </a:solidFill>
             </a:endParaRPr>
           </a:p>
           <a:p>
-            <a:pPr marL="228600" lvl="0" indent="-228600" defTabSz="342900">
+            <a:pPr lvl="1" defTabSz="342900">
               <a:lnSpc>
                 <a:spcPct val="120000"/>
               </a:lnSpc>
-              <a:buFont typeface="Arial" panose="020B0604020202020204" pitchFamily="34" charset="0"/>
-              <a:buChar char="•"/>
-            </a:pPr>
-            <a:r>
-              <a:rPr lang="en-US" altLang="en-US" sz="1800" dirty="0">
+            </a:pPr>
+            <a:endParaRPr lang="en-US" altLang="zh-CN" sz="1540" dirty="0">
+              <a:solidFill>
+                <a:srgbClr val="262626"/>
+              </a:solidFill>
+            </a:endParaRPr>
+          </a:p>
+          <a:p>
+            <a:pPr lvl="1" defTabSz="342900">
+              <a:lnSpc>
+                <a:spcPct val="120000"/>
+              </a:lnSpc>
+            </a:pPr>
+            <a:r>
+              <a:rPr lang="en-US" altLang="zh-CN" sz="1540" dirty="0">
                 <a:solidFill>
                   <a:srgbClr val="262626"/>
                 </a:solidFill>
               </a:rPr>
-              <a:t>forms</a:t>
-            </a:r>
-            <a:endParaRPr lang="en-US" altLang="en-US" sz="1800" dirty="0">
+              <a:t>add events handler</a:t>
+            </a:r>
+            <a:endParaRPr lang="en-US" altLang="zh-CN" sz="1540" dirty="0">
               <a:solidFill>
                 <a:srgbClr val="262626"/>
               </a:solidFill>
             </a:endParaRPr>
           </a:p>
           <a:p>
-            <a:pPr marL="228600" lvl="0" indent="-228600" defTabSz="342900">
+            <a:pPr lvl="1" defTabSz="342900">
               <a:lnSpc>
                 <a:spcPct val="120000"/>
               </a:lnSpc>
-              <a:buFont typeface="Arial" panose="020B0604020202020204" pitchFamily="34" charset="0"/>
-              <a:buChar char="•"/>
-            </a:pPr>
-            <a:r>
-              <a:rPr lang="en-US" altLang="en-US" sz="1800" dirty="0">
+            </a:pPr>
+            <a:endParaRPr lang="en-US" altLang="zh-CN" sz="1540" dirty="0">
+              <a:solidFill>
+                <a:srgbClr val="262626"/>
+              </a:solidFill>
+            </a:endParaRPr>
+          </a:p>
+          <a:p>
+            <a:pPr lvl="1" defTabSz="342900">
+              <a:lnSpc>
+                <a:spcPct val="120000"/>
+              </a:lnSpc>
+            </a:pPr>
+            <a:r>
+              <a:rPr lang="en-US" altLang="zh-CN" sz="1540" dirty="0">
                 <a:solidFill>
                   <a:srgbClr val="262626"/>
                 </a:solidFill>
               </a:rPr>
-              <a:t>uploads</a:t>
-            </a:r>
-            <a:endParaRPr lang="en-US" altLang="en-US" sz="1800" dirty="0">
+              <a:t>add submit handler</a:t>
+            </a:r>
+            <a:endParaRPr lang="en-US" altLang="zh-CN" sz="1540" dirty="0">
               <a:solidFill>
                 <a:srgbClr val="262626"/>
               </a:solidFill>
             </a:endParaRPr>
           </a:p>
           <a:p>
-            <a:pPr marL="228600" lvl="0" indent="-228600" defTabSz="342900">
+            <a:pPr lvl="1" defTabSz="342900">
               <a:lnSpc>
                 <a:spcPct val="120000"/>
               </a:lnSpc>
-              <a:buFont typeface="Arial" panose="020B0604020202020204" pitchFamily="34" charset="0"/>
-              <a:buChar char="•"/>
-            </a:pPr>
-            <a:r>
-              <a:rPr lang="en-US" altLang="en-US" sz="1800" dirty="0">
+            </a:pPr>
+            <a:endParaRPr lang="en-US" altLang="zh-CN" sz="1540" dirty="0">
+              <a:solidFill>
+                <a:srgbClr val="262626"/>
+              </a:solidFill>
+            </a:endParaRPr>
+          </a:p>
+          <a:p>
+            <a:pPr lvl="1" defTabSz="342900">
+              <a:lnSpc>
+                <a:spcPct val="120000"/>
+              </a:lnSpc>
+            </a:pPr>
+            <a:r>
+              <a:rPr lang="en-US" altLang="zh-CN" sz="1540" dirty="0">
                 <a:solidFill>
                   <a:srgbClr val="262626"/>
                 </a:solidFill>
-                <a:sym typeface="+mn-ea"/>
               </a:rPr>
-              <a:t>events: These are the code that we write for responding to user interactions.</a:t>
-            </a:r>
-            <a:endParaRPr lang="en-US" altLang="en-US" sz="1800" dirty="0">
+              <a:t>add auth</a:t>
+            </a:r>
+            <a:endParaRPr lang="en-US" altLang="zh-CN" sz="1540" dirty="0">
               <a:solidFill>
                 <a:srgbClr val="262626"/>
               </a:solidFill>
